--- a/ProjetS1.pptx
+++ b/ProjetS1.pptx
@@ -108,6 +108,22 @@
       </a:defRPr>
     </a:lvl9pPr>
   </p:defaultTextStyle>
+  <p:extLst>
+    <p:ext uri="{EFAFB233-063F-42B5-8137-9DF3F51BA10A}">
+      <p15:sldGuideLst xmlns:p15="http://schemas.microsoft.com/office/powerpoint/2012/main">
+        <p15:guide id="1" orient="horz" pos="2160">
+          <p15:clr>
+            <a:srgbClr val="A4A3A4"/>
+          </p15:clr>
+        </p15:guide>
+        <p15:guide id="2" pos="2880">
+          <p15:clr>
+            <a:srgbClr val="A4A3A4"/>
+          </p15:clr>
+        </p15:guide>
+      </p15:sldGuideLst>
+    </p:ext>
+  </p:extLst>
 </p:presentation>
 </file>
 
@@ -199,7 +215,7 @@
           </a:lstStyle>
           <a:p>
             <a:r>
-              <a:rPr kumimoji="0" lang="fr-FR" smtClean="0"/>
+              <a:rPr kumimoji="0" lang="fr-FR"/>
               <a:t>Modifiez le style du titre</a:t>
             </a:r>
             <a:endParaRPr kumimoji="0" lang="en-US"/>
@@ -260,7 +276,7 @@
           </a:lstStyle>
           <a:p>
             <a:r>
-              <a:rPr kumimoji="0" lang="fr-FR" smtClean="0"/>
+              <a:rPr kumimoji="0" lang="fr-FR"/>
               <a:t>Modifiez le style des sous-titres du masque</a:t>
             </a:r>
             <a:endParaRPr kumimoji="0" lang="en-US"/>
@@ -373,7 +389,7 @@
           <a:lstStyle/>
           <a:p>
             <a:r>
-              <a:rPr kumimoji="0" lang="fr-FR" smtClean="0"/>
+              <a:rPr kumimoji="0" lang="fr-FR"/>
               <a:t>Modifiez le style du titre</a:t>
             </a:r>
             <a:endParaRPr kumimoji="0" lang="en-US"/>
@@ -397,35 +413,35 @@
           <a:p>
             <a:pPr lvl="0" eaLnBrk="1" latinLnBrk="0" hangingPunct="1"/>
             <a:r>
-              <a:rPr lang="fr-FR" smtClean="0"/>
+              <a:rPr lang="fr-FR"/>
               <a:t>Modifiez les styles du texte du masque</a:t>
             </a:r>
           </a:p>
           <a:p>
             <a:pPr lvl="1" eaLnBrk="1" latinLnBrk="0" hangingPunct="1"/>
             <a:r>
-              <a:rPr lang="fr-FR" smtClean="0"/>
+              <a:rPr lang="fr-FR"/>
               <a:t>Deuxième niveau</a:t>
             </a:r>
           </a:p>
           <a:p>
             <a:pPr lvl="2" eaLnBrk="1" latinLnBrk="0" hangingPunct="1"/>
             <a:r>
-              <a:rPr lang="fr-FR" smtClean="0"/>
+              <a:rPr lang="fr-FR"/>
               <a:t>Troisième niveau</a:t>
             </a:r>
           </a:p>
           <a:p>
             <a:pPr lvl="3" eaLnBrk="1" latinLnBrk="0" hangingPunct="1"/>
             <a:r>
-              <a:rPr lang="fr-FR" smtClean="0"/>
+              <a:rPr lang="fr-FR"/>
               <a:t>Quatrième niveau</a:t>
             </a:r>
           </a:p>
           <a:p>
             <a:pPr lvl="4" eaLnBrk="1" latinLnBrk="0" hangingPunct="1"/>
             <a:r>
-              <a:rPr lang="fr-FR" smtClean="0"/>
+              <a:rPr lang="fr-FR"/>
               <a:t>Cinquième niveau</a:t>
             </a:r>
             <a:endParaRPr kumimoji="0" lang="en-US"/>
@@ -543,7 +559,7 @@
           <a:lstStyle/>
           <a:p>
             <a:r>
-              <a:rPr kumimoji="0" lang="fr-FR" smtClean="0"/>
+              <a:rPr kumimoji="0" lang="fr-FR"/>
               <a:t>Modifiez le style du titre</a:t>
             </a:r>
             <a:endParaRPr kumimoji="0" lang="en-US"/>
@@ -572,35 +588,35 @@
           <a:p>
             <a:pPr lvl="0" eaLnBrk="1" latinLnBrk="0" hangingPunct="1"/>
             <a:r>
-              <a:rPr lang="fr-FR" smtClean="0"/>
+              <a:rPr lang="fr-FR"/>
               <a:t>Modifiez les styles du texte du masque</a:t>
             </a:r>
           </a:p>
           <a:p>
             <a:pPr lvl="1" eaLnBrk="1" latinLnBrk="0" hangingPunct="1"/>
             <a:r>
-              <a:rPr lang="fr-FR" smtClean="0"/>
+              <a:rPr lang="fr-FR"/>
               <a:t>Deuxième niveau</a:t>
             </a:r>
           </a:p>
           <a:p>
             <a:pPr lvl="2" eaLnBrk="1" latinLnBrk="0" hangingPunct="1"/>
             <a:r>
-              <a:rPr lang="fr-FR" smtClean="0"/>
+              <a:rPr lang="fr-FR"/>
               <a:t>Troisième niveau</a:t>
             </a:r>
           </a:p>
           <a:p>
             <a:pPr lvl="3" eaLnBrk="1" latinLnBrk="0" hangingPunct="1"/>
             <a:r>
-              <a:rPr lang="fr-FR" smtClean="0"/>
+              <a:rPr lang="fr-FR"/>
               <a:t>Quatrième niveau</a:t>
             </a:r>
           </a:p>
           <a:p>
             <a:pPr lvl="4" eaLnBrk="1" latinLnBrk="0" hangingPunct="1"/>
             <a:r>
-              <a:rPr lang="fr-FR" smtClean="0"/>
+              <a:rPr lang="fr-FR"/>
               <a:t>Cinquième niveau</a:t>
             </a:r>
             <a:endParaRPr kumimoji="0" lang="en-US"/>
@@ -713,7 +729,7 @@
           <a:lstStyle/>
           <a:p>
             <a:r>
-              <a:rPr kumimoji="0" lang="fr-FR" smtClean="0"/>
+              <a:rPr kumimoji="0" lang="fr-FR"/>
               <a:t>Modifiez le style du titre</a:t>
             </a:r>
             <a:endParaRPr kumimoji="0" lang="en-US"/>
@@ -737,35 +753,35 @@
           <a:p>
             <a:pPr lvl="0" eaLnBrk="1" latinLnBrk="0" hangingPunct="1"/>
             <a:r>
-              <a:rPr lang="fr-FR" smtClean="0"/>
+              <a:rPr lang="fr-FR"/>
               <a:t>Modifiez les styles du texte du masque</a:t>
             </a:r>
           </a:p>
           <a:p>
             <a:pPr lvl="1" eaLnBrk="1" latinLnBrk="0" hangingPunct="1"/>
             <a:r>
-              <a:rPr lang="fr-FR" smtClean="0"/>
+              <a:rPr lang="fr-FR"/>
               <a:t>Deuxième niveau</a:t>
             </a:r>
           </a:p>
           <a:p>
             <a:pPr lvl="2" eaLnBrk="1" latinLnBrk="0" hangingPunct="1"/>
             <a:r>
-              <a:rPr lang="fr-FR" smtClean="0"/>
+              <a:rPr lang="fr-FR"/>
               <a:t>Troisième niveau</a:t>
             </a:r>
           </a:p>
           <a:p>
             <a:pPr lvl="3" eaLnBrk="1" latinLnBrk="0" hangingPunct="1"/>
             <a:r>
-              <a:rPr lang="fr-FR" smtClean="0"/>
+              <a:rPr lang="fr-FR"/>
               <a:t>Quatrième niveau</a:t>
             </a:r>
           </a:p>
           <a:p>
             <a:pPr lvl="4" eaLnBrk="1" latinLnBrk="0" hangingPunct="1"/>
             <a:r>
-              <a:rPr lang="fr-FR" smtClean="0"/>
+              <a:rPr lang="fr-FR"/>
               <a:t>Cinquième niveau</a:t>
             </a:r>
             <a:endParaRPr kumimoji="0" lang="en-US"/>
@@ -930,7 +946,7 @@
           </a:lstStyle>
           <a:p>
             <a:r>
-              <a:rPr kumimoji="0" lang="fr-FR" smtClean="0"/>
+              <a:rPr kumimoji="0" lang="fr-FR"/>
               <a:t>Modifiez le style du titre</a:t>
             </a:r>
             <a:endParaRPr kumimoji="0" lang="en-US"/>
@@ -1008,7 +1024,7 @@
           <a:p>
             <a:pPr lvl="0" eaLnBrk="1" latinLnBrk="0" hangingPunct="1"/>
             <a:r>
-              <a:rPr kumimoji="0" lang="fr-FR" smtClean="0"/>
+              <a:rPr kumimoji="0" lang="fr-FR"/>
               <a:t>Modifiez les styles du texte du masque</a:t>
             </a:r>
           </a:p>
@@ -1125,7 +1141,7 @@
           <a:lstStyle/>
           <a:p>
             <a:r>
-              <a:rPr kumimoji="0" lang="fr-FR" smtClean="0"/>
+              <a:rPr kumimoji="0" lang="fr-FR"/>
               <a:t>Modifiez le style du titre</a:t>
             </a:r>
             <a:endParaRPr kumimoji="0" lang="en-US"/>
@@ -1170,35 +1186,35 @@
           <a:p>
             <a:pPr lvl="0" eaLnBrk="1" latinLnBrk="0" hangingPunct="1"/>
             <a:r>
-              <a:rPr lang="fr-FR" smtClean="0"/>
+              <a:rPr lang="fr-FR"/>
               <a:t>Modifiez les styles du texte du masque</a:t>
             </a:r>
           </a:p>
           <a:p>
             <a:pPr lvl="1" eaLnBrk="1" latinLnBrk="0" hangingPunct="1"/>
             <a:r>
-              <a:rPr lang="fr-FR" smtClean="0"/>
+              <a:rPr lang="fr-FR"/>
               <a:t>Deuxième niveau</a:t>
             </a:r>
           </a:p>
           <a:p>
             <a:pPr lvl="2" eaLnBrk="1" latinLnBrk="0" hangingPunct="1"/>
             <a:r>
-              <a:rPr lang="fr-FR" smtClean="0"/>
+              <a:rPr lang="fr-FR"/>
               <a:t>Troisième niveau</a:t>
             </a:r>
           </a:p>
           <a:p>
             <a:pPr lvl="3" eaLnBrk="1" latinLnBrk="0" hangingPunct="1"/>
             <a:r>
-              <a:rPr lang="fr-FR" smtClean="0"/>
+              <a:rPr lang="fr-FR"/>
               <a:t>Quatrième niveau</a:t>
             </a:r>
           </a:p>
           <a:p>
             <a:pPr lvl="4" eaLnBrk="1" latinLnBrk="0" hangingPunct="1"/>
             <a:r>
-              <a:rPr lang="fr-FR" smtClean="0"/>
+              <a:rPr lang="fr-FR"/>
               <a:t>Cinquième niveau</a:t>
             </a:r>
             <a:endParaRPr kumimoji="0" lang="en-US"/>
@@ -1243,35 +1259,35 @@
           <a:p>
             <a:pPr lvl="0" eaLnBrk="1" latinLnBrk="0" hangingPunct="1"/>
             <a:r>
-              <a:rPr lang="fr-FR" smtClean="0"/>
+              <a:rPr lang="fr-FR"/>
               <a:t>Modifiez les styles du texte du masque</a:t>
             </a:r>
           </a:p>
           <a:p>
             <a:pPr lvl="1" eaLnBrk="1" latinLnBrk="0" hangingPunct="1"/>
             <a:r>
-              <a:rPr lang="fr-FR" smtClean="0"/>
+              <a:rPr lang="fr-FR"/>
               <a:t>Deuxième niveau</a:t>
             </a:r>
           </a:p>
           <a:p>
             <a:pPr lvl="2" eaLnBrk="1" latinLnBrk="0" hangingPunct="1"/>
             <a:r>
-              <a:rPr lang="fr-FR" smtClean="0"/>
+              <a:rPr lang="fr-FR"/>
               <a:t>Troisième niveau</a:t>
             </a:r>
           </a:p>
           <a:p>
             <a:pPr lvl="3" eaLnBrk="1" latinLnBrk="0" hangingPunct="1"/>
             <a:r>
-              <a:rPr lang="fr-FR" smtClean="0"/>
+              <a:rPr lang="fr-FR"/>
               <a:t>Quatrième niveau</a:t>
             </a:r>
           </a:p>
           <a:p>
             <a:pPr lvl="4" eaLnBrk="1" latinLnBrk="0" hangingPunct="1"/>
             <a:r>
-              <a:rPr lang="fr-FR" smtClean="0"/>
+              <a:rPr lang="fr-FR"/>
               <a:t>Cinquième niveau</a:t>
             </a:r>
             <a:endParaRPr kumimoji="0" lang="en-US"/>
@@ -1393,7 +1409,7 @@
           </a:lstStyle>
           <a:p>
             <a:r>
-              <a:rPr kumimoji="0" lang="fr-FR" smtClean="0"/>
+              <a:rPr kumimoji="0" lang="fr-FR"/>
               <a:t>Modifiez le style du titre</a:t>
             </a:r>
             <a:endParaRPr kumimoji="0" lang="en-US"/>
@@ -1450,7 +1466,7 @@
           <a:p>
             <a:pPr lvl="0" eaLnBrk="1" latinLnBrk="0" hangingPunct="1"/>
             <a:r>
-              <a:rPr kumimoji="0" lang="fr-FR" smtClean="0"/>
+              <a:rPr kumimoji="0" lang="fr-FR"/>
               <a:t>Modifiez les styles du texte du masque</a:t>
             </a:r>
           </a:p>
@@ -1504,7 +1520,7 @@
           <a:p>
             <a:pPr lvl="0" eaLnBrk="1" latinLnBrk="0" hangingPunct="1"/>
             <a:r>
-              <a:rPr kumimoji="0" lang="fr-FR" smtClean="0"/>
+              <a:rPr kumimoji="0" lang="fr-FR"/>
               <a:t>Modifiez les styles du texte du masque</a:t>
             </a:r>
           </a:p>
@@ -1548,35 +1564,35 @@
           <a:p>
             <a:pPr lvl="0" eaLnBrk="1" latinLnBrk="0" hangingPunct="1"/>
             <a:r>
-              <a:rPr lang="fr-FR" smtClean="0"/>
+              <a:rPr lang="fr-FR"/>
               <a:t>Modifiez les styles du texte du masque</a:t>
             </a:r>
           </a:p>
           <a:p>
             <a:pPr lvl="1" eaLnBrk="1" latinLnBrk="0" hangingPunct="1"/>
             <a:r>
-              <a:rPr lang="fr-FR" smtClean="0"/>
+              <a:rPr lang="fr-FR"/>
               <a:t>Deuxième niveau</a:t>
             </a:r>
           </a:p>
           <a:p>
             <a:pPr lvl="2" eaLnBrk="1" latinLnBrk="0" hangingPunct="1"/>
             <a:r>
-              <a:rPr lang="fr-FR" smtClean="0"/>
+              <a:rPr lang="fr-FR"/>
               <a:t>Troisième niveau</a:t>
             </a:r>
           </a:p>
           <a:p>
             <a:pPr lvl="3" eaLnBrk="1" latinLnBrk="0" hangingPunct="1"/>
             <a:r>
-              <a:rPr lang="fr-FR" smtClean="0"/>
+              <a:rPr lang="fr-FR"/>
               <a:t>Quatrième niveau</a:t>
             </a:r>
           </a:p>
           <a:p>
             <a:pPr lvl="4" eaLnBrk="1" latinLnBrk="0" hangingPunct="1"/>
             <a:r>
-              <a:rPr lang="fr-FR" smtClean="0"/>
+              <a:rPr lang="fr-FR"/>
               <a:t>Cinquième niveau</a:t>
             </a:r>
             <a:endParaRPr kumimoji="0" lang="en-US"/>
@@ -1621,35 +1637,35 @@
           <a:p>
             <a:pPr lvl="0" eaLnBrk="1" latinLnBrk="0" hangingPunct="1"/>
             <a:r>
-              <a:rPr lang="fr-FR" smtClean="0"/>
+              <a:rPr lang="fr-FR"/>
               <a:t>Modifiez les styles du texte du masque</a:t>
             </a:r>
           </a:p>
           <a:p>
             <a:pPr lvl="1" eaLnBrk="1" latinLnBrk="0" hangingPunct="1"/>
             <a:r>
-              <a:rPr lang="fr-FR" smtClean="0"/>
+              <a:rPr lang="fr-FR"/>
               <a:t>Deuxième niveau</a:t>
             </a:r>
           </a:p>
           <a:p>
             <a:pPr lvl="2" eaLnBrk="1" latinLnBrk="0" hangingPunct="1"/>
             <a:r>
-              <a:rPr lang="fr-FR" smtClean="0"/>
+              <a:rPr lang="fr-FR"/>
               <a:t>Troisième niveau</a:t>
             </a:r>
           </a:p>
           <a:p>
             <a:pPr lvl="3" eaLnBrk="1" latinLnBrk="0" hangingPunct="1"/>
             <a:r>
-              <a:rPr lang="fr-FR" smtClean="0"/>
+              <a:rPr lang="fr-FR"/>
               <a:t>Quatrième niveau</a:t>
             </a:r>
           </a:p>
           <a:p>
             <a:pPr lvl="4" eaLnBrk="1" latinLnBrk="0" hangingPunct="1"/>
             <a:r>
-              <a:rPr lang="fr-FR" smtClean="0"/>
+              <a:rPr lang="fr-FR"/>
               <a:t>Cinquième niveau</a:t>
             </a:r>
             <a:endParaRPr kumimoji="0" lang="en-US"/>
@@ -1799,7 +1815,7 @@
           </a:lstStyle>
           <a:p>
             <a:r>
-              <a:rPr kumimoji="0" lang="fr-FR" smtClean="0"/>
+              <a:rPr kumimoji="0" lang="fr-FR"/>
               <a:t>Modifiez le style du titre</a:t>
             </a:r>
             <a:endParaRPr kumimoji="0" lang="en-US"/>
@@ -2028,7 +2044,7 @@
           </a:lstStyle>
           <a:p>
             <a:r>
-              <a:rPr kumimoji="0" lang="fr-FR" smtClean="0"/>
+              <a:rPr kumimoji="0" lang="fr-FR"/>
               <a:t>Modifiez le style du titre</a:t>
             </a:r>
             <a:endParaRPr kumimoji="0" lang="en-US"/>
@@ -2078,7 +2094,7 @@
           <a:p>
             <a:pPr lvl="0" eaLnBrk="1" latinLnBrk="0" hangingPunct="1"/>
             <a:r>
-              <a:rPr kumimoji="0" lang="fr-FR" smtClean="0"/>
+              <a:rPr kumimoji="0" lang="fr-FR"/>
               <a:t>Modifiez les styles du texte du masque</a:t>
             </a:r>
           </a:p>
@@ -2122,35 +2138,35 @@
           <a:p>
             <a:pPr lvl="0" eaLnBrk="1" latinLnBrk="0" hangingPunct="1"/>
             <a:r>
-              <a:rPr lang="fr-FR" smtClean="0"/>
+              <a:rPr lang="fr-FR"/>
               <a:t>Modifiez les styles du texte du masque</a:t>
             </a:r>
           </a:p>
           <a:p>
             <a:pPr lvl="1" eaLnBrk="1" latinLnBrk="0" hangingPunct="1"/>
             <a:r>
-              <a:rPr lang="fr-FR" smtClean="0"/>
+              <a:rPr lang="fr-FR"/>
               <a:t>Deuxième niveau</a:t>
             </a:r>
           </a:p>
           <a:p>
             <a:pPr lvl="2" eaLnBrk="1" latinLnBrk="0" hangingPunct="1"/>
             <a:r>
-              <a:rPr lang="fr-FR" smtClean="0"/>
+              <a:rPr lang="fr-FR"/>
               <a:t>Troisième niveau</a:t>
             </a:r>
           </a:p>
           <a:p>
             <a:pPr lvl="3" eaLnBrk="1" latinLnBrk="0" hangingPunct="1"/>
             <a:r>
-              <a:rPr lang="fr-FR" smtClean="0"/>
+              <a:rPr lang="fr-FR"/>
               <a:t>Quatrième niveau</a:t>
             </a:r>
           </a:p>
           <a:p>
             <a:pPr lvl="4" eaLnBrk="1" latinLnBrk="0" hangingPunct="1"/>
             <a:r>
-              <a:rPr lang="fr-FR" smtClean="0"/>
+              <a:rPr lang="fr-FR"/>
               <a:t>Cinquième niveau</a:t>
             </a:r>
             <a:endParaRPr kumimoji="0" lang="en-US"/>
@@ -2389,7 +2405,7 @@
           </a:lstStyle>
           <a:p>
             <a:r>
-              <a:rPr kumimoji="0" lang="fr-FR" smtClean="0"/>
+              <a:rPr kumimoji="0" lang="fr-FR"/>
               <a:t>Modifiez le style du titre</a:t>
             </a:r>
             <a:endParaRPr kumimoji="0" lang="en-US"/>
@@ -2439,7 +2455,7 @@
           <a:p>
             <a:pPr lvl="0" eaLnBrk="1" latinLnBrk="0" hangingPunct="1"/>
             <a:r>
-              <a:rPr kumimoji="0" lang="fr-FR" smtClean="0"/>
+              <a:rPr kumimoji="0" lang="fr-FR"/>
               <a:t>Modifiez les styles du texte du masque</a:t>
             </a:r>
           </a:p>
@@ -2554,7 +2570,7 @@
           </a:lstStyle>
           <a:p>
             <a:r>
-              <a:rPr kumimoji="0" lang="fr-FR" smtClean="0"/>
+              <a:rPr kumimoji="0" lang="fr-FR"/>
               <a:t>Cliquez sur l'icône pour ajouter une image</a:t>
             </a:r>
             <a:endParaRPr kumimoji="0" lang="en-US" dirty="0"/>
@@ -3129,7 +3145,7 @@
           <a:lstStyle/>
           <a:p>
             <a:r>
-              <a:rPr kumimoji="0" lang="fr-FR" smtClean="0"/>
+              <a:rPr kumimoji="0" lang="fr-FR"/>
               <a:t>Modifiez le style du titre</a:t>
             </a:r>
             <a:endParaRPr kumimoji="0" lang="en-US"/>
@@ -3163,35 +3179,35 @@
           <a:p>
             <a:pPr lvl="0" eaLnBrk="1" latinLnBrk="0" hangingPunct="1"/>
             <a:r>
-              <a:rPr kumimoji="0" lang="fr-FR" smtClean="0"/>
+              <a:rPr kumimoji="0" lang="fr-FR"/>
               <a:t>Modifiez les styles du texte du masque</a:t>
             </a:r>
           </a:p>
           <a:p>
             <a:pPr lvl="1" eaLnBrk="1" latinLnBrk="0" hangingPunct="1"/>
             <a:r>
-              <a:rPr kumimoji="0" lang="fr-FR" smtClean="0"/>
+              <a:rPr kumimoji="0" lang="fr-FR"/>
               <a:t>Deuxième niveau</a:t>
             </a:r>
           </a:p>
           <a:p>
             <a:pPr lvl="2" eaLnBrk="1" latinLnBrk="0" hangingPunct="1"/>
             <a:r>
-              <a:rPr kumimoji="0" lang="fr-FR" smtClean="0"/>
+              <a:rPr kumimoji="0" lang="fr-FR"/>
               <a:t>Troisième niveau</a:t>
             </a:r>
           </a:p>
           <a:p>
             <a:pPr lvl="3" eaLnBrk="1" latinLnBrk="0" hangingPunct="1"/>
             <a:r>
-              <a:rPr kumimoji="0" lang="fr-FR" smtClean="0"/>
+              <a:rPr kumimoji="0" lang="fr-FR"/>
               <a:t>Quatrième niveau</a:t>
             </a:r>
           </a:p>
           <a:p>
             <a:pPr lvl="4" eaLnBrk="1" latinLnBrk="0" hangingPunct="1"/>
             <a:r>
-              <a:rPr kumimoji="0" lang="fr-FR" smtClean="0"/>
+              <a:rPr kumimoji="0" lang="fr-FR"/>
               <a:t>Cinquième niveau</a:t>
             </a:r>
             <a:endParaRPr kumimoji="0" lang="en-US"/>
@@ -3872,22 +3888,21 @@
           <a:lstStyle/>
           <a:p>
             <a:r>
-              <a:rPr lang="fr-FR" dirty="0" err="1" smtClean="0"/>
+              <a:rPr lang="fr-FR" dirty="0" err="1"/>
               <a:t>Hospital</a:t>
             </a:r>
             <a:r>
-              <a:rPr lang="fr-FR" dirty="0" smtClean="0"/>
+              <a:rPr lang="fr-FR" dirty="0"/>
               <a:t> </a:t>
             </a:r>
             <a:r>
-              <a:rPr lang="fr-FR" dirty="0" err="1" smtClean="0"/>
+              <a:rPr lang="fr-FR" dirty="0" err="1"/>
               <a:t>manage’s</a:t>
             </a:r>
             <a:r>
-              <a:rPr lang="fr-FR" dirty="0" smtClean="0"/>
+              <a:rPr lang="fr-FR" dirty="0"/>
               <a:t> patient</a:t>
             </a:r>
-            <a:endParaRPr lang="fr-FR" dirty="0"/>
           </a:p>
         </p:txBody>
       </p:sp>
@@ -3913,31 +3928,22 @@
           <a:p>
             <a:pPr algn="ctr"/>
             <a:r>
-              <a:rPr lang="fr-FR" sz="4800" dirty="0" smtClean="0">
+              <a:rPr lang="fr-FR" sz="4800" dirty="0">
                 <a:latin typeface="Palatino Linotype" panose="02040502050505030304" pitchFamily="18" charset="0"/>
               </a:rPr>
               <a:t>PROJET C</a:t>
             </a:r>
-            <a:r>
-              <a:rPr lang="fr-FR" dirty="0" smtClean="0">
-                <a:latin typeface="Palatino Linotype" panose="02040502050505030304" pitchFamily="18" charset="0"/>
-              </a:rPr>
-              <a:t/>
-            </a:r>
             <a:br>
-              <a:rPr lang="fr-FR" dirty="0" smtClean="0">
+              <a:rPr lang="fr-FR" dirty="0">
                 <a:latin typeface="Palatino Linotype" panose="02040502050505030304" pitchFamily="18" charset="0"/>
               </a:rPr>
             </a:br>
             <a:r>
-              <a:rPr lang="fr-FR" sz="1600" dirty="0" smtClean="0">
+              <a:rPr lang="fr-FR" sz="1600" dirty="0">
                 <a:latin typeface="Palatino Linotype" panose="02040502050505030304" pitchFamily="18" charset="0"/>
               </a:rPr>
               <a:t>JANVIER 2019</a:t>
             </a:r>
-            <a:endParaRPr lang="fr-FR" sz="1600" dirty="0">
-              <a:latin typeface="Palatino Linotype" panose="02040502050505030304" pitchFamily="18" charset="0"/>
-            </a:endParaRPr>
           </a:p>
         </p:txBody>
       </p:sp>
@@ -3951,13 +3957,6 @@
   <p:clrMapOvr>
     <a:masterClrMapping/>
   </p:clrMapOvr>
-  <p:timing>
-    <p:tnLst>
-      <p:par>
-        <p:cTn id="1" dur="indefinite" restart="never" nodeType="tmRoot"/>
-      </p:par>
-    </p:tnLst>
-  </p:timing>
 </p:sld>
 </file>
 
@@ -4002,14 +4001,11 @@
           <a:p>
             <a:pPr algn="ctr"/>
             <a:r>
-              <a:rPr lang="fr-FR" sz="3600" dirty="0" smtClean="0">
+              <a:rPr lang="fr-FR" sz="3600" dirty="0">
                 <a:latin typeface="Palatino Linotype" panose="02040502050505030304" pitchFamily="18" charset="0"/>
               </a:rPr>
               <a:t>Articulation du programme</a:t>
             </a:r>
-            <a:endParaRPr lang="fr-FR" sz="3600" dirty="0">
-              <a:latin typeface="Palatino Linotype" panose="02040502050505030304" pitchFamily="18" charset="0"/>
-            </a:endParaRPr>
           </a:p>
         </p:txBody>
       </p:sp>
@@ -4039,42 +4035,22 @@
               <a:buNone/>
             </a:pPr>
             <a:r>
-              <a:rPr lang="fr-FR" sz="2000" dirty="0" smtClean="0">
-                <a:latin typeface="Palatino Linotype" panose="02040502050505030304" pitchFamily="18" charset="0"/>
-              </a:rPr>
-              <a:t>•Allocation dynamique des listes </a:t>
-            </a:r>
-            <a:r>
               <a:rPr lang="fr-FR" sz="2000" dirty="0">
                 <a:latin typeface="Palatino Linotype" panose="02040502050505030304" pitchFamily="18" charset="0"/>
               </a:rPr>
-              <a:t> </a:t>
-            </a:r>
-            <a:r>
-              <a:rPr lang="fr-FR" sz="2000" dirty="0" smtClean="0">
-                <a:latin typeface="Palatino Linotype" panose="02040502050505030304" pitchFamily="18" charset="0"/>
-              </a:rPr>
-              <a:t>  </a:t>
+              <a:t>•Allocation dynamique des listes    </a:t>
             </a:r>
             <a:br>
-              <a:rPr lang="fr-FR" sz="2000" dirty="0" smtClean="0">
+              <a:rPr lang="fr-FR" sz="2000" dirty="0">
                 <a:latin typeface="Palatino Linotype" panose="02040502050505030304" pitchFamily="18" charset="0"/>
               </a:rPr>
             </a:br>
             <a:r>
-              <a:rPr lang="fr-FR" sz="2000" dirty="0" smtClean="0">
+              <a:rPr lang="fr-FR" sz="2000" dirty="0">
                 <a:latin typeface="Palatino Linotype" panose="02040502050505030304" pitchFamily="18" charset="0"/>
               </a:rPr>
-              <a:t>   et arbres utilisées</a:t>
-            </a:r>
-          </a:p>
-          <a:p>
-            <a:pPr marL="0" indent="0">
-              <a:buNone/>
-            </a:pPr>
-            <a:endParaRPr lang="fr-FR" sz="2000" dirty="0" smtClean="0">
-              <a:latin typeface="Palatino Linotype" panose="02040502050505030304" pitchFamily="18" charset="0"/>
-            </a:endParaRPr>
+              <a:t>   et file utilisées</a:t>
+            </a:r>
           </a:p>
           <a:p>
             <a:pPr marL="0" indent="0">
@@ -4088,8 +4064,16 @@
             <a:pPr marL="0" indent="0">
               <a:buNone/>
             </a:pPr>
-            <a:r>
-              <a:rPr lang="fr-FR" sz="2000" dirty="0" smtClean="0">
+            <a:endParaRPr lang="fr-FR" sz="2000" dirty="0">
+              <a:latin typeface="Palatino Linotype" panose="02040502050505030304" pitchFamily="18" charset="0"/>
+            </a:endParaRPr>
+          </a:p>
+          <a:p>
+            <a:pPr marL="0" indent="0">
+              <a:buNone/>
+            </a:pPr>
+            <a:r>
+              <a:rPr lang="fr-FR" sz="2000" dirty="0">
                 <a:latin typeface="Palatino Linotype" panose="02040502050505030304" pitchFamily="18" charset="0"/>
               </a:rPr>
               <a:t>	          trier par médecins</a:t>
@@ -4100,7 +4084,7 @@
               <a:buNone/>
             </a:pPr>
             <a:r>
-              <a:rPr lang="fr-FR" sz="2000" dirty="0" smtClean="0">
+              <a:rPr lang="fr-FR" sz="2000" dirty="0">
                 <a:latin typeface="Palatino Linotype" panose="02040502050505030304" pitchFamily="18" charset="0"/>
               </a:rPr>
               <a:t>•Choix           trier par patient</a:t>
@@ -4114,17 +4098,8 @@
               <a:rPr lang="fr-FR" sz="2000" dirty="0">
                 <a:latin typeface="Palatino Linotype" panose="02040502050505030304" pitchFamily="18" charset="0"/>
               </a:rPr>
-              <a:t>	</a:t>
-            </a:r>
-            <a:r>
-              <a:rPr lang="fr-FR" sz="2000" dirty="0" smtClean="0">
-                <a:latin typeface="Palatino Linotype" panose="02040502050505030304" pitchFamily="18" charset="0"/>
-              </a:rPr>
-              <a:t>          trier par pathologie</a:t>
-            </a:r>
-            <a:endParaRPr lang="fr-FR" sz="2000" dirty="0">
-              <a:latin typeface="Palatino Linotype" panose="02040502050505030304" pitchFamily="18" charset="0"/>
-            </a:endParaRPr>
+              <a:t>	          trier par pathologie</a:t>
+            </a:r>
           </a:p>
         </p:txBody>
       </p:sp>
@@ -4137,7 +4112,7 @@
         <p:spPr>
           <a:xfrm>
             <a:off x="4644008" y="1956738"/>
-            <a:ext cx="4032448" cy="2585323"/>
+            <a:ext cx="4032448" cy="2862322"/>
           </a:xfrm>
           <a:prstGeom prst="rect">
             <a:avLst/>
@@ -4151,29 +4126,29 @@
           <a:lstStyle/>
           <a:p>
             <a:r>
-              <a:rPr lang="fr-FR" dirty="0" smtClean="0">
+              <a:rPr lang="fr-FR" dirty="0">
                 <a:latin typeface="Palatino Linotype" panose="02040502050505030304" pitchFamily="18" charset="0"/>
               </a:rPr>
               <a:t>•Possibilité de manier les données:</a:t>
             </a:r>
             <a:br>
-              <a:rPr lang="fr-FR" dirty="0" smtClean="0">
+              <a:rPr lang="fr-FR" dirty="0">
                 <a:latin typeface="Palatino Linotype" panose="02040502050505030304" pitchFamily="18" charset="0"/>
               </a:rPr>
             </a:br>
             <a:r>
-              <a:rPr lang="fr-FR" dirty="0" smtClean="0">
+              <a:rPr lang="fr-FR" dirty="0">
                 <a:latin typeface="Palatino Linotype" panose="02040502050505030304" pitchFamily="18" charset="0"/>
               </a:rPr>
               <a:t>   Supprimer un patient,</a:t>
             </a:r>
             <a:br>
-              <a:rPr lang="fr-FR" dirty="0" smtClean="0">
+              <a:rPr lang="fr-FR" dirty="0">
                 <a:latin typeface="Palatino Linotype" panose="02040502050505030304" pitchFamily="18" charset="0"/>
               </a:rPr>
             </a:br>
             <a:r>
-              <a:rPr lang="fr-FR" dirty="0" smtClean="0">
+              <a:rPr lang="fr-FR" dirty="0">
                 <a:latin typeface="Palatino Linotype" panose="02040502050505030304" pitchFamily="18" charset="0"/>
               </a:rPr>
               <a:t>   Rajouter un patient;</a:t>
@@ -4186,58 +4161,49 @@
           </a:p>
           <a:p>
             <a:r>
-              <a:rPr lang="fr-FR" dirty="0" smtClean="0">
+              <a:rPr lang="fr-FR" dirty="0">
                 <a:latin typeface="Palatino Linotype" panose="02040502050505030304" pitchFamily="18" charset="0"/>
               </a:rPr>
               <a:t>•Affichage des listes et des données </a:t>
             </a:r>
             <a:br>
-              <a:rPr lang="fr-FR" dirty="0" smtClean="0">
+              <a:rPr lang="fr-FR" dirty="0">
                 <a:latin typeface="Palatino Linotype" panose="02040502050505030304" pitchFamily="18" charset="0"/>
               </a:rPr>
             </a:br>
             <a:r>
-              <a:rPr lang="fr-FR" dirty="0" smtClean="0">
+              <a:rPr lang="fr-FR" dirty="0">
                 <a:latin typeface="Palatino Linotype" panose="02040502050505030304" pitchFamily="18" charset="0"/>
               </a:rPr>
               <a:t>   qu’elles contiennent</a:t>
             </a:r>
             <a:br>
-              <a:rPr lang="fr-FR" dirty="0" smtClean="0">
+              <a:rPr lang="fr-FR" dirty="0">
                 <a:latin typeface="Palatino Linotype" panose="02040502050505030304" pitchFamily="18" charset="0"/>
               </a:rPr>
             </a:br>
-            <a:r>
-              <a:rPr lang="fr-FR" dirty="0" smtClean="0">
-                <a:latin typeface="Palatino Linotype" panose="02040502050505030304" pitchFamily="18" charset="0"/>
-              </a:rPr>
-              <a:t/>
-            </a:r>
             <a:br>
-              <a:rPr lang="fr-FR" dirty="0" smtClean="0">
+              <a:rPr lang="fr-FR" dirty="0">
                 <a:latin typeface="Palatino Linotype" panose="02040502050505030304" pitchFamily="18" charset="0"/>
               </a:rPr>
             </a:br>
             <a:r>
-              <a:rPr lang="fr-FR" dirty="0" smtClean="0">
+              <a:rPr lang="fr-FR" dirty="0">
                 <a:latin typeface="Palatino Linotype" panose="02040502050505030304" pitchFamily="18" charset="0"/>
               </a:rPr>
               <a:t>•Possibilité de sauvegarder les      </a:t>
             </a:r>
             <a:br>
-              <a:rPr lang="fr-FR" dirty="0" smtClean="0">
+              <a:rPr lang="fr-FR" dirty="0">
                 <a:latin typeface="Palatino Linotype" panose="02040502050505030304" pitchFamily="18" charset="0"/>
               </a:rPr>
             </a:br>
             <a:r>
-              <a:rPr lang="fr-FR" dirty="0" smtClean="0">
+              <a:rPr lang="fr-FR" dirty="0">
                 <a:latin typeface="Palatino Linotype" panose="02040502050505030304" pitchFamily="18" charset="0"/>
               </a:rPr>
-              <a:t>   modifications apportées</a:t>
-            </a:r>
-            <a:endParaRPr lang="fr-FR" dirty="0">
-              <a:latin typeface="Palatino Linotype" panose="02040502050505030304" pitchFamily="18" charset="0"/>
-            </a:endParaRPr>
+              <a:t>   modifications apportées puis de  reparti à partir de cette sauvegarde</a:t>
+            </a:r>
           </a:p>
         </p:txBody>
       </p:sp>
@@ -4350,13 +4316,6 @@
   <p:clrMapOvr>
     <a:masterClrMapping/>
   </p:clrMapOvr>
-  <p:timing>
-    <p:tnLst>
-      <p:par>
-        <p:cTn id="1" dur="indefinite" restart="never" nodeType="tmRoot"/>
-      </p:par>
-    </p:tnLst>
-  </p:timing>
 </p:sld>
 </file>
 
@@ -4425,13 +4384,6 @@
   <p:clrMapOvr>
     <a:masterClrMapping/>
   </p:clrMapOvr>
-  <p:timing>
-    <p:tnLst>
-      <p:par>
-        <p:cTn id="1" dur="indefinite" restart="never" nodeType="tmRoot"/>
-      </p:par>
-    </p:tnLst>
-  </p:timing>
 </p:sld>
 </file>
 
@@ -4476,14 +4428,11 @@
           <a:p>
             <a:pPr algn="ctr"/>
             <a:r>
-              <a:rPr lang="fr-FR" sz="3600" dirty="0" smtClean="0">
+              <a:rPr lang="fr-FR" sz="3600" dirty="0">
                 <a:latin typeface="Palatino Linotype" panose="02040502050505030304" pitchFamily="18" charset="0"/>
               </a:rPr>
               <a:t>Problèmes rencontrés &amp; Solutions apportées</a:t>
             </a:r>
-            <a:endParaRPr lang="fr-FR" sz="3600" dirty="0">
-              <a:latin typeface="Palatino Linotype" panose="02040502050505030304" pitchFamily="18" charset="0"/>
-            </a:endParaRPr>
           </a:p>
         </p:txBody>
       </p:sp>
@@ -4505,13 +4454,13 @@
           <a:lstStyle/>
           <a:p>
             <a:r>
-              <a:rPr lang="fr-FR" sz="2000" dirty="0" smtClean="0"/>
+              <a:rPr lang="fr-FR" sz="2000" dirty="0"/>
               <a:t>Mise en place d’une fonction suppression sans qu’elle ne supprime le reste de la liste</a:t>
             </a:r>
           </a:p>
           <a:p>
             <a:r>
-              <a:rPr lang="fr-FR" sz="2000" dirty="0" smtClean="0"/>
+              <a:rPr lang="fr-FR" sz="2000" dirty="0"/>
               <a:t>Définition et compréhension des structures de liste</a:t>
             </a:r>
           </a:p>
@@ -4530,13 +4479,6 @@
   <p:clrMapOvr>
     <a:masterClrMapping/>
   </p:clrMapOvr>
-  <p:timing>
-    <p:tnLst>
-      <p:par>
-        <p:cTn id="1" dur="indefinite" restart="never" nodeType="tmRoot"/>
-      </p:par>
-    </p:tnLst>
-  </p:timing>
 </p:sld>
 </file>
 
@@ -4581,14 +4523,11 @@
           <a:p>
             <a:pPr algn="ctr"/>
             <a:r>
-              <a:rPr lang="fr-FR" sz="3600" dirty="0" smtClean="0">
+              <a:rPr lang="fr-FR" sz="3600" dirty="0">
                 <a:latin typeface="Palatino Linotype" panose="02040502050505030304" pitchFamily="18" charset="0"/>
               </a:rPr>
               <a:t>Répartition du travail dans le groupe</a:t>
             </a:r>
-            <a:endParaRPr lang="fr-FR" sz="3600" dirty="0">
-              <a:latin typeface="Palatino Linotype" panose="02040502050505030304" pitchFamily="18" charset="0"/>
-            </a:endParaRPr>
           </a:p>
         </p:txBody>
       </p:sp>
@@ -4617,8 +4556,20 @@
                 <a:tableStyleId>{5C22544A-7EE6-4342-B048-85BDC9FD1C3A}</a:tableStyleId>
               </a:tblPr>
               <a:tblGrid>
-                <a:gridCol w="3492388"/>
-                <a:gridCol w="3492388"/>
+                <a:gridCol w="3492388">
+                  <a:extLst>
+                    <a:ext uri="{9D8B030D-6E8A-4147-A177-3AD203B41FA5}">
+                      <a16:colId xmlns:a16="http://schemas.microsoft.com/office/drawing/2014/main" val="20000"/>
+                    </a:ext>
+                  </a:extLst>
+                </a:gridCol>
+                <a:gridCol w="3492388">
+                  <a:extLst>
+                    <a:ext uri="{9D8B030D-6E8A-4147-A177-3AD203B41FA5}">
+                      <a16:colId xmlns:a16="http://schemas.microsoft.com/office/drawing/2014/main" val="20001"/>
+                    </a:ext>
+                  </a:extLst>
+                </a:gridCol>
               </a:tblGrid>
               <a:tr h="856895">
                 <a:tc>
@@ -4627,14 +4578,11 @@
                     <a:lstStyle/>
                     <a:p>
                       <a:r>
-                        <a:rPr lang="fr-FR" sz="2800" dirty="0" smtClean="0">
+                        <a:rPr lang="fr-FR" sz="2800" dirty="0">
                           <a:latin typeface="Candara" panose="020E0502030303020204" pitchFamily="34" charset="0"/>
                         </a:rPr>
                         <a:t>Manon</a:t>
                       </a:r>
-                      <a:endParaRPr lang="fr-FR" sz="2800" dirty="0">
-                        <a:latin typeface="Candara" panose="020E0502030303020204" pitchFamily="34" charset="0"/>
-                      </a:endParaRPr>
                     </a:p>
                   </a:txBody>
                   <a:tcPr/>
@@ -4645,18 +4593,20 @@
                     <a:lstStyle/>
                     <a:p>
                       <a:r>
-                        <a:rPr lang="fr-FR" sz="2800" dirty="0" smtClean="0">
+                        <a:rPr lang="fr-FR" sz="2800" dirty="0">
                           <a:latin typeface="Candara" panose="020E0502030303020204" pitchFamily="34" charset="0"/>
                         </a:rPr>
                         <a:t>Thibaut</a:t>
                       </a:r>
-                      <a:endParaRPr lang="fr-FR" sz="2800" dirty="0">
-                        <a:latin typeface="Candara" panose="020E0502030303020204" pitchFamily="34" charset="0"/>
-                      </a:endParaRPr>
                     </a:p>
                   </a:txBody>
                   <a:tcPr/>
                 </a:tc>
+                <a:extLst>
+                  <a:ext uri="{0D108BD9-81ED-4DB2-BD59-A6C34878D82A}">
+                    <a16:rowId xmlns:a16="http://schemas.microsoft.com/office/drawing/2014/main" val="10000"/>
+                  </a:ext>
+                </a:extLst>
               </a:tr>
               <a:tr h="3679609">
                 <a:tc>
@@ -4665,49 +4615,44 @@
                     <a:lstStyle/>
                     <a:p>
                       <a:r>
-                        <a:rPr lang="fr-FR" sz="2000" dirty="0" smtClean="0"/>
+                        <a:rPr lang="fr-FR" sz="2000" dirty="0"/>
                         <a:t>-Arbres regroupant les médecins</a:t>
                       </a:r>
                       <a:br>
-                        <a:rPr lang="fr-FR" sz="2000" dirty="0" smtClean="0"/>
+                        <a:rPr lang="fr-FR" sz="2000" dirty="0"/>
                       </a:br>
                       <a:r>
-                        <a:rPr lang="fr-FR" sz="2000" dirty="0" smtClean="0"/>
+                        <a:rPr lang="fr-FR" sz="2000" dirty="0"/>
                         <a:t>-Et les fonctions associées </a:t>
                       </a:r>
                       <a:br>
-                        <a:rPr lang="fr-FR" sz="2000" dirty="0" smtClean="0"/>
+                        <a:rPr lang="fr-FR" sz="2000" dirty="0"/>
                       </a:br>
                       <a:r>
-                        <a:rPr lang="fr-FR" sz="2000" dirty="0" smtClean="0"/>
+                        <a:rPr lang="fr-FR" sz="2000" dirty="0"/>
                         <a:t>-Liste globale des médecins</a:t>
                       </a:r>
                       <a:br>
-                        <a:rPr lang="fr-FR" sz="2000" dirty="0" smtClean="0"/>
+                        <a:rPr lang="fr-FR" sz="2000" dirty="0"/>
                       </a:br>
                       <a:r>
-                        <a:rPr lang="fr-FR" sz="2000" dirty="0" smtClean="0"/>
+                        <a:rPr lang="fr-FR" sz="2000" dirty="0"/>
                         <a:t>-Et les fonctions associées </a:t>
                       </a:r>
-                      <a:r>
-                        <a:rPr lang="fr-FR" sz="2000" dirty="0" smtClean="0"/>
-                        <a:t/>
-                      </a:r>
                       <a:br>
-                        <a:rPr lang="fr-FR" sz="2000" dirty="0" smtClean="0"/>
+                        <a:rPr lang="fr-FR" sz="2000" dirty="0"/>
                       </a:br>
                       <a:r>
-                        <a:rPr lang="fr-FR" sz="2000" dirty="0" smtClean="0"/>
+                        <a:rPr lang="fr-FR" sz="2000" dirty="0"/>
                         <a:t>-Base de données:</a:t>
                       </a:r>
                       <a:br>
-                        <a:rPr lang="fr-FR" sz="2000" dirty="0" smtClean="0"/>
+                        <a:rPr lang="fr-FR" sz="2000" dirty="0"/>
                       </a:br>
                       <a:r>
-                        <a:rPr lang="fr-FR" sz="2000" dirty="0" smtClean="0"/>
+                        <a:rPr lang="fr-FR" sz="2000" dirty="0"/>
                         <a:t>5 médecins et 10 patients </a:t>
                       </a:r>
-                      <a:endParaRPr lang="fr-FR" sz="2000" dirty="0"/>
                     </a:p>
                   </a:txBody>
                   <a:tcPr/>
@@ -4718,54 +4663,46 @@
                     <a:lstStyle/>
                     <a:p>
                       <a:r>
-                        <a:rPr lang="fr-FR" sz="2000" dirty="0" smtClean="0"/>
+                        <a:rPr lang="fr-FR" sz="2000" dirty="0"/>
                         <a:t>-Arbres regroupant les pathologies</a:t>
                       </a:r>
                       <a:br>
-                        <a:rPr lang="fr-FR" sz="2000" dirty="0" smtClean="0"/>
+                        <a:rPr lang="fr-FR" sz="2000" dirty="0"/>
                       </a:br>
                       <a:r>
-                        <a:rPr lang="fr-FR" sz="2000" dirty="0" smtClean="0"/>
+                        <a:rPr lang="fr-FR" sz="2000" dirty="0"/>
                         <a:t>-Et les fonctions associées </a:t>
                       </a:r>
-                      <a:r>
-                        <a:rPr lang="fr-FR" sz="2000" dirty="0" smtClean="0"/>
-                        <a:t/>
-                      </a:r>
                       <a:br>
-                        <a:rPr lang="fr-FR" sz="2000" dirty="0" smtClean="0"/>
+                        <a:rPr lang="fr-FR" sz="2000" dirty="0"/>
                       </a:br>
                       <a:r>
-                        <a:rPr lang="fr-FR" sz="2000" dirty="0" smtClean="0"/>
+                        <a:rPr lang="fr-FR" sz="2000" dirty="0"/>
                         <a:t>-Liste</a:t>
                       </a:r>
                       <a:r>
-                        <a:rPr lang="fr-FR" sz="2000" baseline="0" dirty="0" smtClean="0"/>
+                        <a:rPr lang="fr-FR" sz="2000" baseline="0" dirty="0"/>
                         <a:t> globale des patients</a:t>
                       </a:r>
                       <a:br>
-                        <a:rPr lang="fr-FR" sz="2000" baseline="0" dirty="0" smtClean="0"/>
+                        <a:rPr lang="fr-FR" sz="2000" baseline="0" dirty="0"/>
                       </a:br>
                       <a:r>
-                        <a:rPr lang="fr-FR" sz="2000" dirty="0" smtClean="0"/>
+                        <a:rPr lang="fr-FR" sz="2000" dirty="0"/>
                         <a:t>-Et les fonctions associées </a:t>
                       </a:r>
-                      <a:r>
-                        <a:rPr lang="fr-FR" sz="2000" baseline="0" dirty="0" smtClean="0"/>
-                        <a:t/>
-                      </a:r>
                       <a:br>
-                        <a:rPr lang="fr-FR" sz="2000" baseline="0" dirty="0" smtClean="0"/>
+                        <a:rPr lang="fr-FR" sz="2000" baseline="0" dirty="0"/>
                       </a:br>
                       <a:r>
-                        <a:rPr lang="fr-FR" sz="2000" baseline="0" dirty="0" smtClean="0"/>
+                        <a:rPr lang="fr-FR" sz="2000" baseline="0" dirty="0"/>
                         <a:t>-Base de données:</a:t>
                       </a:r>
                       <a:br>
-                        <a:rPr lang="fr-FR" sz="2000" baseline="0" dirty="0" smtClean="0"/>
+                        <a:rPr lang="fr-FR" sz="2000" baseline="0" dirty="0"/>
                       </a:br>
                       <a:r>
-                        <a:rPr lang="fr-FR" sz="2000" baseline="0" dirty="0" smtClean="0"/>
+                        <a:rPr lang="fr-FR" sz="2000" baseline="0" dirty="0"/>
                         <a:t>15 patients</a:t>
                       </a:r>
                       <a:endParaRPr lang="fr-FR" sz="2000" dirty="0"/>
@@ -4773,6 +4710,11 @@
                   </a:txBody>
                   <a:tcPr/>
                 </a:tc>
+                <a:extLst>
+                  <a:ext uri="{0D108BD9-81ED-4DB2-BD59-A6C34878D82A}">
+                    <a16:rowId xmlns:a16="http://schemas.microsoft.com/office/drawing/2014/main" val="10001"/>
+                  </a:ext>
+                </a:extLst>
               </a:tr>
             </a:tbl>
           </a:graphicData>
@@ -4788,13 +4730,6 @@
   <p:clrMapOvr>
     <a:masterClrMapping/>
   </p:clrMapOvr>
-  <p:timing>
-    <p:tnLst>
-      <p:par>
-        <p:cTn id="1" dur="indefinite" restart="never" nodeType="tmRoot"/>
-      </p:par>
-    </p:tnLst>
-  </p:timing>
 </p:sld>
 </file>
 

--- a/ProjetS1.pptx
+++ b/ProjetS1.pptx
@@ -4049,7 +4049,7 @@
               <a:rPr lang="fr-FR" sz="2000" dirty="0">
                 <a:latin typeface="Palatino Linotype" panose="02040502050505030304" pitchFamily="18" charset="0"/>
               </a:rPr>
-              <a:t>   et file utilisées</a:t>
+              <a:t>   et files utilisées</a:t>
             </a:r>
           </a:p>
           <a:p>
@@ -4202,7 +4202,18 @@
               <a:rPr lang="fr-FR" dirty="0">
                 <a:latin typeface="Palatino Linotype" panose="02040502050505030304" pitchFamily="18" charset="0"/>
               </a:rPr>
-              <a:t>   modifications apportées puis de  reparti à partir de cette sauvegarde</a:t>
+              <a:t>   modifications apportées puis de   </a:t>
+            </a:r>
+            <a:br>
+              <a:rPr lang="fr-FR" dirty="0">
+                <a:latin typeface="Palatino Linotype" panose="02040502050505030304" pitchFamily="18" charset="0"/>
+              </a:rPr>
+            </a:br>
+            <a:r>
+              <a:rPr lang="fr-FR" dirty="0">
+                <a:latin typeface="Palatino Linotype" panose="02040502050505030304" pitchFamily="18" charset="0"/>
+              </a:rPr>
+              <a:t>   repartir à partir de cette sauvegarde</a:t>
             </a:r>
           </a:p>
         </p:txBody>
@@ -4540,13 +4551,13 @@
           <p:nvPr>
             <p:extLst>
               <p:ext uri="{D42A27DB-BD31-4B8C-83A1-F6EECF244321}">
-                <p14:modId xmlns:p14="http://schemas.microsoft.com/office/powerpoint/2010/main" val="3687850143"/>
+                <p14:modId xmlns:p14="http://schemas.microsoft.com/office/powerpoint/2010/main" val="3794366249"/>
               </p:ext>
             </p:extLst>
           </p:nvPr>
         </p:nvGraphicFramePr>
         <p:xfrm>
-          <a:off x="1115616" y="2060848"/>
+          <a:off x="1089956" y="1700808"/>
           <a:ext cx="6984776" cy="4536504"/>
         </p:xfrm>
         <a:graphic>
@@ -4615,36 +4626,34 @@
                     <a:lstStyle/>
                     <a:p>
                       <a:r>
+                        <a:rPr lang="fr-FR" sz="2000"/>
+                        <a:t>- Liste </a:t>
+                      </a:r>
+                      <a:r>
                         <a:rPr lang="fr-FR" sz="2000" dirty="0"/>
-                        <a:t>-Arbres regroupant les médecins</a:t>
+                        <a:t>globale des médecins</a:t>
                       </a:r>
                       <a:br>
-                        <a:rPr lang="fr-FR" sz="2000" dirty="0"/>
+                        <a:rPr lang="fr-FR" sz="2000"/>
                       </a:br>
                       <a:r>
+                        <a:rPr lang="fr-FR" sz="2000"/>
+                        <a:t>- Et </a:t>
+                      </a:r>
+                      <a:r>
                         <a:rPr lang="fr-FR" sz="2000" dirty="0"/>
-                        <a:t>-Et les fonctions associées </a:t>
+                        <a:t>les fonctions associées </a:t>
                       </a:r>
                       <a:br>
-                        <a:rPr lang="fr-FR" sz="2000" dirty="0"/>
+                        <a:rPr lang="fr-FR" sz="2000"/>
                       </a:br>
                       <a:r>
-                        <a:rPr lang="fr-FR" sz="2000" dirty="0"/>
-                        <a:t>-Liste globale des médecins</a:t>
+                        <a:rPr lang="fr-FR" sz="2000"/>
+                        <a:t>- Base </a:t>
                       </a:r>
-                      <a:br>
-                        <a:rPr lang="fr-FR" sz="2000" dirty="0"/>
-                      </a:br>
                       <a:r>
                         <a:rPr lang="fr-FR" sz="2000" dirty="0"/>
-                        <a:t>-Et les fonctions associées </a:t>
-                      </a:r>
-                      <a:br>
-                        <a:rPr lang="fr-FR" sz="2000" dirty="0"/>
-                      </a:br>
-                      <a:r>
-                        <a:rPr lang="fr-FR" sz="2000" dirty="0"/>
-                        <a:t>-Base de données:</a:t>
+                        <a:t>de données:</a:t>
                       </a:r>
                       <a:br>
                         <a:rPr lang="fr-FR" sz="2000" dirty="0"/>
@@ -4652,6 +4661,36 @@
                       <a:r>
                         <a:rPr lang="fr-FR" sz="2000" dirty="0"/>
                         <a:t>5 médecins et 10 patients </a:t>
+                      </a:r>
+                    </a:p>
+                    <a:p>
+                      <a:pPr marL="342900" indent="-342900">
+                        <a:buFontTx/>
+                        <a:buChar char="-"/>
+                      </a:pPr>
+                      <a:r>
+                        <a:rPr lang="fr-FR" sz="2000" dirty="0"/>
+                        <a:t>Liste globale des médecin</a:t>
+                      </a:r>
+                    </a:p>
+                    <a:p>
+                      <a:pPr marL="342900" indent="-342900">
+                        <a:buFontTx/>
+                        <a:buChar char="-"/>
+                      </a:pPr>
+                      <a:r>
+                        <a:rPr lang="fr-FR" sz="2000" dirty="0"/>
+                        <a:t>File d’attente et fonctions liées</a:t>
+                      </a:r>
+                    </a:p>
+                    <a:p>
+                      <a:pPr marL="342900" indent="-342900">
+                        <a:buFontTx/>
+                        <a:buChar char="-"/>
+                      </a:pPr>
+                      <a:r>
+                        <a:rPr lang="fr-FR" sz="2000" dirty="0"/>
+                        <a:t>Correction des erreurs</a:t>
                       </a:r>
                     </a:p>
                   </a:txBody>
@@ -4664,7 +4703,11 @@
                     <a:p>
                       <a:r>
                         <a:rPr lang="fr-FR" sz="2000" dirty="0"/>
-                        <a:t>-Arbres regroupant les pathologies</a:t>
+                        <a:t>-Liste regroupant les pathologies et accédant aux patients</a:t>
+                      </a:r>
+                      <a:r>
+                        <a:rPr lang="fr-FR" sz="2000" baseline="0" dirty="0"/>
+                        <a:t> </a:t>
                       </a:r>
                       <a:br>
                         <a:rPr lang="fr-FR" sz="2000" dirty="0"/>
@@ -4704,6 +4747,12 @@
                       <a:r>
                         <a:rPr lang="fr-FR" sz="2000" baseline="0" dirty="0"/>
                         <a:t>15 patients</a:t>
+                      </a:r>
+                    </a:p>
+                    <a:p>
+                      <a:r>
+                        <a:rPr lang="fr-FR" sz="2000" baseline="0" dirty="0"/>
+                        <a:t>- Powerpoint</a:t>
                       </a:r>
                       <a:endParaRPr lang="fr-FR" sz="2000" dirty="0"/>
                     </a:p>

--- a/ProjetS1.pptx
+++ b/ProjetS1.pptx
@@ -2,22 +2,26 @@
 <file path=ppt/presentation.xml><?xml version="1.0" encoding="utf-8"?>
 <p:presentation xmlns:a="http://schemas.openxmlformats.org/drawingml/2006/main" xmlns:r="http://schemas.openxmlformats.org/officeDocument/2006/relationships" xmlns:p="http://schemas.openxmlformats.org/presentationml/2006/main" saveSubsetFonts="1">
   <p:sldMasterIdLst>
-    <p:sldMasterId id="2147483660" r:id="rId1"/>
+    <p:sldMasterId id="2147483672" r:id="rId1"/>
   </p:sldMasterIdLst>
   <p:sldIdLst>
     <p:sldId id="256" r:id="rId2"/>
     <p:sldId id="260" r:id="rId3"/>
-    <p:sldId id="257" r:id="rId4"/>
-    <p:sldId id="259" r:id="rId5"/>
-    <p:sldId id="258" r:id="rId6"/>
+    <p:sldId id="264" r:id="rId4"/>
+    <p:sldId id="262" r:id="rId5"/>
+    <p:sldId id="259" r:id="rId6"/>
+    <p:sldId id="263" r:id="rId7"/>
+    <p:sldId id="257" r:id="rId8"/>
+    <p:sldId id="258" r:id="rId9"/>
+    <p:sldId id="261" r:id="rId10"/>
   </p:sldIdLst>
   <p:sldSz cx="9144000" cy="6858000" type="screen4x3"/>
   <p:notesSz cx="6858000" cy="9144000"/>
   <p:defaultTextStyle>
     <a:defPPr>
-      <a:defRPr lang="fr-FR"/>
+      <a:defRPr lang="en-US"/>
     </a:defPPr>
-    <a:lvl1pPr marL="0" algn="l" defTabSz="914400" rtl="0" eaLnBrk="1" latinLnBrk="0" hangingPunct="1">
+    <a:lvl1pPr marL="0" algn="l" defTabSz="457200" rtl="0" eaLnBrk="1" latinLnBrk="0" hangingPunct="1">
       <a:defRPr sz="1800" kern="1200">
         <a:solidFill>
           <a:schemeClr val="tx1"/>
@@ -27,7 +31,7 @@
         <a:cs typeface="+mn-cs"/>
       </a:defRPr>
     </a:lvl1pPr>
-    <a:lvl2pPr marL="457200" algn="l" defTabSz="914400" rtl="0" eaLnBrk="1" latinLnBrk="0" hangingPunct="1">
+    <a:lvl2pPr marL="457200" algn="l" defTabSz="457200" rtl="0" eaLnBrk="1" latinLnBrk="0" hangingPunct="1">
       <a:defRPr sz="1800" kern="1200">
         <a:solidFill>
           <a:schemeClr val="tx1"/>
@@ -37,7 +41,7 @@
         <a:cs typeface="+mn-cs"/>
       </a:defRPr>
     </a:lvl2pPr>
-    <a:lvl3pPr marL="914400" algn="l" defTabSz="914400" rtl="0" eaLnBrk="1" latinLnBrk="0" hangingPunct="1">
+    <a:lvl3pPr marL="914400" algn="l" defTabSz="457200" rtl="0" eaLnBrk="1" latinLnBrk="0" hangingPunct="1">
       <a:defRPr sz="1800" kern="1200">
         <a:solidFill>
           <a:schemeClr val="tx1"/>
@@ -47,7 +51,7 @@
         <a:cs typeface="+mn-cs"/>
       </a:defRPr>
     </a:lvl3pPr>
-    <a:lvl4pPr marL="1371600" algn="l" defTabSz="914400" rtl="0" eaLnBrk="1" latinLnBrk="0" hangingPunct="1">
+    <a:lvl4pPr marL="1371600" algn="l" defTabSz="457200" rtl="0" eaLnBrk="1" latinLnBrk="0" hangingPunct="1">
       <a:defRPr sz="1800" kern="1200">
         <a:solidFill>
           <a:schemeClr val="tx1"/>
@@ -57,7 +61,7 @@
         <a:cs typeface="+mn-cs"/>
       </a:defRPr>
     </a:lvl4pPr>
-    <a:lvl5pPr marL="1828800" algn="l" defTabSz="914400" rtl="0" eaLnBrk="1" latinLnBrk="0" hangingPunct="1">
+    <a:lvl5pPr marL="1828800" algn="l" defTabSz="457200" rtl="0" eaLnBrk="1" latinLnBrk="0" hangingPunct="1">
       <a:defRPr sz="1800" kern="1200">
         <a:solidFill>
           <a:schemeClr val="tx1"/>
@@ -67,7 +71,7 @@
         <a:cs typeface="+mn-cs"/>
       </a:defRPr>
     </a:lvl5pPr>
-    <a:lvl6pPr marL="2286000" algn="l" defTabSz="914400" rtl="0" eaLnBrk="1" latinLnBrk="0" hangingPunct="1">
+    <a:lvl6pPr marL="2286000" algn="l" defTabSz="457200" rtl="0" eaLnBrk="1" latinLnBrk="0" hangingPunct="1">
       <a:defRPr sz="1800" kern="1200">
         <a:solidFill>
           <a:schemeClr val="tx1"/>
@@ -77,7 +81,7 @@
         <a:cs typeface="+mn-cs"/>
       </a:defRPr>
     </a:lvl6pPr>
-    <a:lvl7pPr marL="2743200" algn="l" defTabSz="914400" rtl="0" eaLnBrk="1" latinLnBrk="0" hangingPunct="1">
+    <a:lvl7pPr marL="2743200" algn="l" defTabSz="457200" rtl="0" eaLnBrk="1" latinLnBrk="0" hangingPunct="1">
       <a:defRPr sz="1800" kern="1200">
         <a:solidFill>
           <a:schemeClr val="tx1"/>
@@ -87,7 +91,7 @@
         <a:cs typeface="+mn-cs"/>
       </a:defRPr>
     </a:lvl7pPr>
-    <a:lvl8pPr marL="3200400" algn="l" defTabSz="914400" rtl="0" eaLnBrk="1" latinLnBrk="0" hangingPunct="1">
+    <a:lvl8pPr marL="3200400" algn="l" defTabSz="457200" rtl="0" eaLnBrk="1" latinLnBrk="0" hangingPunct="1">
       <a:defRPr sz="1800" kern="1200">
         <a:solidFill>
           <a:schemeClr val="tx1"/>
@@ -97,7 +101,7 @@
         <a:cs typeface="+mn-cs"/>
       </a:defRPr>
     </a:lvl8pPr>
-    <a:lvl9pPr marL="3657600" algn="l" defTabSz="914400" rtl="0" eaLnBrk="1" latinLnBrk="0" hangingPunct="1">
+    <a:lvl9pPr marL="3657600" algn="l" defTabSz="457200" rtl="0" eaLnBrk="1" latinLnBrk="0" hangingPunct="1">
       <a:defRPr sz="1800" kern="1200">
         <a:solidFill>
           <a:schemeClr val="tx1"/>
@@ -130,11 +134,6 @@
 <file path=ppt/slideLayouts/slideLayout1.xml><?xml version="1.0" encoding="utf-8"?>
 <p:sldLayout xmlns:a="http://schemas.openxmlformats.org/drawingml/2006/main" xmlns:r="http://schemas.openxmlformats.org/officeDocument/2006/relationships" xmlns:p="http://schemas.openxmlformats.org/presentationml/2006/main" type="title" preserve="1">
   <p:cSld name="Diapositive de titre">
-    <p:bg>
-      <p:bgRef idx="1002">
-        <a:schemeClr val="bg2"/>
-      </p:bgRef>
-    </p:bg>
     <p:spTree>
       <p:nvGrpSpPr>
         <p:cNvPr id="1" name=""/>
@@ -151,7 +150,7 @@
       </p:grpSpPr>
       <p:sp>
         <p:nvSpPr>
-          <p:cNvPr id="9" name="Title 8"/>
+          <p:cNvPr id="2" name="Title 1"/>
           <p:cNvSpPr>
             <a:spLocks noGrp="1"/>
           </p:cNvSpPr>
@@ -161,131 +160,1806 @@
         </p:nvSpPr>
         <p:spPr>
           <a:xfrm>
-            <a:off x="533400" y="1371600"/>
-            <a:ext cx="7851648" cy="1828800"/>
+            <a:off x="685347" y="1122363"/>
+            <a:ext cx="7773308" cy="2387600"/>
           </a:xfrm>
-          <a:ln>
-            <a:noFill/>
-          </a:ln>
         </p:spPr>
         <p:txBody>
-          <a:bodyPr vert="horz" tIns="0" rIns="18288" bIns="0" anchor="b">
+          <a:bodyPr anchor="b">
             <a:normAutofit/>
-            <a:scene3d>
-              <a:camera prst="orthographicFront"/>
-              <a:lightRig rig="freezing" dir="t">
-                <a:rot lat="0" lon="0" rev="5640000"/>
-              </a:lightRig>
-            </a:scene3d>
-            <a:sp3d prstMaterial="flat">
-              <a:bevelT w="38100" h="38100"/>
-              <a:contourClr>
-                <a:schemeClr val="tx2"/>
-              </a:contourClr>
-            </a:sp3d>
           </a:bodyPr>
           <a:lstStyle>
-            <a:lvl1pPr algn="r" rtl="0">
+            <a:lvl1pPr algn="ctr">
+              <a:defRPr sz="4800"/>
+            </a:lvl1pPr>
+          </a:lstStyle>
+          <a:p>
+            <a:r>
+              <a:rPr lang="fr-FR"/>
+              <a:t>Modifiez le style du titre</a:t>
+            </a:r>
+            <a:endParaRPr lang="en-US" dirty="0"/>
+          </a:p>
+        </p:txBody>
+      </p:sp>
+      <p:sp>
+        <p:nvSpPr>
+          <p:cNvPr id="3" name="Subtitle 2"/>
+          <p:cNvSpPr>
+            <a:spLocks noGrp="1"/>
+          </p:cNvSpPr>
+          <p:nvPr>
+            <p:ph type="subTitle" idx="1"/>
+          </p:nvPr>
+        </p:nvSpPr>
+        <p:spPr>
+          <a:xfrm>
+            <a:off x="685347" y="3602038"/>
+            <a:ext cx="7773308" cy="1655762"/>
+          </a:xfrm>
+        </p:spPr>
+        <p:txBody>
+          <a:bodyPr/>
+          <a:lstStyle>
+            <a:lvl1pPr marL="0" indent="0" algn="ctr">
+              <a:buNone/>
+              <a:defRPr sz="2400"/>
+            </a:lvl1pPr>
+            <a:lvl2pPr marL="457200" indent="0" algn="ctr">
+              <a:buNone/>
+              <a:defRPr sz="2000"/>
+            </a:lvl2pPr>
+            <a:lvl3pPr marL="914400" indent="0" algn="ctr">
+              <a:buNone/>
+              <a:defRPr sz="1800"/>
+            </a:lvl3pPr>
+            <a:lvl4pPr marL="1371600" indent="0" algn="ctr">
+              <a:buNone/>
+              <a:defRPr sz="1600"/>
+            </a:lvl4pPr>
+            <a:lvl5pPr marL="1828800" indent="0" algn="ctr">
+              <a:buNone/>
+              <a:defRPr sz="1600"/>
+            </a:lvl5pPr>
+            <a:lvl6pPr marL="2286000" indent="0" algn="ctr">
+              <a:buNone/>
+              <a:defRPr sz="1600"/>
+            </a:lvl6pPr>
+            <a:lvl7pPr marL="2743200" indent="0" algn="ctr">
+              <a:buNone/>
+              <a:defRPr sz="1600"/>
+            </a:lvl7pPr>
+            <a:lvl8pPr marL="3200400" indent="0" algn="ctr">
+              <a:buNone/>
+              <a:defRPr sz="1600"/>
+            </a:lvl8pPr>
+            <a:lvl9pPr marL="3657600" indent="0" algn="ctr">
+              <a:buNone/>
+              <a:defRPr sz="1600"/>
+            </a:lvl9pPr>
+          </a:lstStyle>
+          <a:p>
+            <a:r>
+              <a:rPr lang="fr-FR"/>
+              <a:t>Modifiez le style des sous-titres du masque</a:t>
+            </a:r>
+            <a:endParaRPr lang="en-US" dirty="0"/>
+          </a:p>
+        </p:txBody>
+      </p:sp>
+      <p:sp>
+        <p:nvSpPr>
+          <p:cNvPr id="4" name="Date Placeholder 3"/>
+          <p:cNvSpPr>
+            <a:spLocks noGrp="1"/>
+          </p:cNvSpPr>
+          <p:nvPr>
+            <p:ph type="dt" sz="half" idx="10"/>
+          </p:nvPr>
+        </p:nvSpPr>
+        <p:spPr/>
+        <p:txBody>
+          <a:bodyPr/>
+          <a:lstStyle/>
+          <a:p>
+            <a:fld id="{AA309A6D-C09C-4548-B29A-6CF363A7E532}" type="datetimeFigureOut">
+              <a:rPr lang="fr-FR" smtClean="0"/>
+              <a:t>14/01/2019</a:t>
+            </a:fld>
+            <a:endParaRPr lang="fr-BE"/>
+          </a:p>
+        </p:txBody>
+      </p:sp>
+      <p:sp>
+        <p:nvSpPr>
+          <p:cNvPr id="5" name="Footer Placeholder 4"/>
+          <p:cNvSpPr>
+            <a:spLocks noGrp="1"/>
+          </p:cNvSpPr>
+          <p:nvPr>
+            <p:ph type="ftr" sz="quarter" idx="11"/>
+          </p:nvPr>
+        </p:nvSpPr>
+        <p:spPr/>
+        <p:txBody>
+          <a:bodyPr/>
+          <a:lstStyle/>
+          <a:p>
+            <a:endParaRPr lang="fr-BE"/>
+          </a:p>
+        </p:txBody>
+      </p:sp>
+      <p:sp>
+        <p:nvSpPr>
+          <p:cNvPr id="6" name="Slide Number Placeholder 5"/>
+          <p:cNvSpPr>
+            <a:spLocks noGrp="1"/>
+          </p:cNvSpPr>
+          <p:nvPr>
+            <p:ph type="sldNum" sz="quarter" idx="12"/>
+          </p:nvPr>
+        </p:nvSpPr>
+        <p:spPr/>
+        <p:txBody>
+          <a:bodyPr/>
+          <a:lstStyle/>
+          <a:p>
+            <a:fld id="{CF4668DC-857F-487D-BFFA-8C0CA5037977}" type="slidenum">
+              <a:rPr lang="fr-BE" smtClean="0"/>
+              <a:t>‹N°›</a:t>
+            </a:fld>
+            <a:endParaRPr lang="fr-BE"/>
+          </a:p>
+        </p:txBody>
+      </p:sp>
+    </p:spTree>
+    <p:extLst>
+      <p:ext uri="{BB962C8B-B14F-4D97-AF65-F5344CB8AC3E}">
+        <p14:creationId xmlns:p14="http://schemas.microsoft.com/office/powerpoint/2010/main" val="4211877858"/>
+      </p:ext>
+    </p:extLst>
+  </p:cSld>
+  <p:clrMapOvr>
+    <a:masterClrMapping/>
+  </p:clrMapOvr>
+</p:sldLayout>
+</file>
+
+<file path=ppt/slideLayouts/slideLayout10.xml><?xml version="1.0" encoding="utf-8"?>
+<p:sldLayout xmlns:a="http://schemas.openxmlformats.org/drawingml/2006/main" xmlns:r="http://schemas.openxmlformats.org/officeDocument/2006/relationships" xmlns:p="http://schemas.openxmlformats.org/presentationml/2006/main" preserve="1">
+  <p:cSld name="Image panoramique avec légende">
+    <p:spTree>
+      <p:nvGrpSpPr>
+        <p:cNvPr id="1" name=""/>
+        <p:cNvGrpSpPr/>
+        <p:nvPr/>
+      </p:nvGrpSpPr>
+      <p:grpSpPr>
+        <a:xfrm>
+          <a:off x="0" y="0"/>
+          <a:ext cx="0" cy="0"/>
+          <a:chOff x="0" y="0"/>
+          <a:chExt cx="0" cy="0"/>
+        </a:xfrm>
+      </p:grpSpPr>
+      <p:sp>
+        <p:nvSpPr>
+          <p:cNvPr id="2" name="Title 1"/>
+          <p:cNvSpPr>
+            <a:spLocks noGrp="1"/>
+          </p:cNvSpPr>
+          <p:nvPr>
+            <p:ph type="title"/>
+          </p:nvPr>
+        </p:nvSpPr>
+        <p:spPr>
+          <a:xfrm>
+            <a:off x="685355" y="4289373"/>
+            <a:ext cx="7775673" cy="819355"/>
+          </a:xfrm>
+        </p:spPr>
+        <p:txBody>
+          <a:bodyPr anchor="b">
+            <a:normAutofit/>
+          </a:bodyPr>
+          <a:lstStyle>
+            <a:lvl1pPr>
+              <a:defRPr sz="2800"/>
+            </a:lvl1pPr>
+          </a:lstStyle>
+          <a:p>
+            <a:r>
+              <a:rPr lang="fr-FR"/>
+              <a:t>Modifiez le style du titre</a:t>
+            </a:r>
+            <a:endParaRPr lang="en-US" dirty="0"/>
+          </a:p>
+        </p:txBody>
+      </p:sp>
+      <p:sp>
+        <p:nvSpPr>
+          <p:cNvPr id="3" name="Picture Placeholder 2"/>
+          <p:cNvSpPr>
+            <a:spLocks noGrp="1" noChangeAspect="1"/>
+          </p:cNvSpPr>
+          <p:nvPr>
+            <p:ph type="pic" idx="1"/>
+          </p:nvPr>
+        </p:nvSpPr>
+        <p:spPr>
+          <a:xfrm>
+            <a:off x="685355" y="621322"/>
+            <a:ext cx="7775673" cy="3379735"/>
+          </a:xfrm>
+          <a:noFill/>
+          <a:ln w="190500" cap="sq">
+            <a:solidFill>
+              <a:srgbClr val="FFFFFF"/>
+            </a:solidFill>
+            <a:miter lim="800000"/>
+          </a:ln>
+          <a:effectLst>
+            <a:outerShdw blurRad="55000" dist="18000" dir="5400000" algn="tl" rotWithShape="0">
+              <a:srgbClr val="000000">
+                <a:alpha val="40000"/>
+              </a:srgbClr>
+            </a:outerShdw>
+          </a:effectLst>
+          <a:scene3d>
+            <a:camera prst="orthographicFront"/>
+            <a:lightRig rig="twoPt" dir="t">
+              <a:rot lat="0" lon="0" rev="7200000"/>
+            </a:lightRig>
+          </a:scene3d>
+          <a:sp3d>
+            <a:bevelT w="25400" h="19050"/>
+            <a:contourClr>
+              <a:srgbClr val="FFFFFF"/>
+            </a:contourClr>
+          </a:sp3d>
+        </p:spPr>
+        <p:txBody>
+          <a:bodyPr anchor="t"/>
+          <a:lstStyle>
+            <a:lvl1pPr marL="0" indent="0" algn="ctr">
+              <a:buNone/>
+              <a:defRPr sz="3200"/>
+            </a:lvl1pPr>
+            <a:lvl2pPr marL="457200" indent="0">
+              <a:buNone/>
+              <a:defRPr sz="2800"/>
+            </a:lvl2pPr>
+            <a:lvl3pPr marL="914400" indent="0">
+              <a:buNone/>
+              <a:defRPr sz="2400"/>
+            </a:lvl3pPr>
+            <a:lvl4pPr marL="1371600" indent="0">
+              <a:buNone/>
+              <a:defRPr sz="2000"/>
+            </a:lvl4pPr>
+            <a:lvl5pPr marL="1828800" indent="0">
+              <a:buNone/>
+              <a:defRPr sz="2000"/>
+            </a:lvl5pPr>
+            <a:lvl6pPr marL="2286000" indent="0">
+              <a:buNone/>
+              <a:defRPr sz="2000"/>
+            </a:lvl6pPr>
+            <a:lvl7pPr marL="2743200" indent="0">
+              <a:buNone/>
+              <a:defRPr sz="2000"/>
+            </a:lvl7pPr>
+            <a:lvl8pPr marL="3200400" indent="0">
+              <a:buNone/>
+              <a:defRPr sz="2000"/>
+            </a:lvl8pPr>
+            <a:lvl9pPr marL="3657600" indent="0">
+              <a:buNone/>
+              <a:defRPr sz="2000"/>
+            </a:lvl9pPr>
+          </a:lstStyle>
+          <a:p>
+            <a:r>
+              <a:rPr lang="fr-FR"/>
+              <a:t>Cliquez sur l'icône pour ajouter une image</a:t>
+            </a:r>
+            <a:endParaRPr lang="en-US" dirty="0"/>
+          </a:p>
+        </p:txBody>
+      </p:sp>
+      <p:sp>
+        <p:nvSpPr>
+          <p:cNvPr id="4" name="Text Placeholder 3"/>
+          <p:cNvSpPr>
+            <a:spLocks noGrp="1"/>
+          </p:cNvSpPr>
+          <p:nvPr>
+            <p:ph type="body" sz="half" idx="2"/>
+          </p:nvPr>
+        </p:nvSpPr>
+        <p:spPr>
+          <a:xfrm>
+            <a:off x="685346" y="5108728"/>
+            <a:ext cx="7774499" cy="682472"/>
+          </a:xfrm>
+        </p:spPr>
+        <p:txBody>
+          <a:bodyPr>
+            <a:normAutofit/>
+          </a:bodyPr>
+          <a:lstStyle>
+            <a:lvl1pPr marL="0" indent="0" algn="ctr">
+              <a:buNone/>
+              <a:defRPr sz="1800"/>
+            </a:lvl1pPr>
+            <a:lvl2pPr marL="457200" indent="0">
+              <a:buNone/>
+              <a:defRPr sz="1400"/>
+            </a:lvl2pPr>
+            <a:lvl3pPr marL="914400" indent="0">
+              <a:buNone/>
+              <a:defRPr sz="1200"/>
+            </a:lvl3pPr>
+            <a:lvl4pPr marL="1371600" indent="0">
+              <a:buNone/>
+              <a:defRPr sz="1000"/>
+            </a:lvl4pPr>
+            <a:lvl5pPr marL="1828800" indent="0">
+              <a:buNone/>
+              <a:defRPr sz="1000"/>
+            </a:lvl5pPr>
+            <a:lvl6pPr marL="2286000" indent="0">
+              <a:buNone/>
+              <a:defRPr sz="1000"/>
+            </a:lvl6pPr>
+            <a:lvl7pPr marL="2743200" indent="0">
+              <a:buNone/>
+              <a:defRPr sz="1000"/>
+            </a:lvl7pPr>
+            <a:lvl8pPr marL="3200400" indent="0">
+              <a:buNone/>
+              <a:defRPr sz="1000"/>
+            </a:lvl8pPr>
+            <a:lvl9pPr marL="3657600" indent="0">
+              <a:buNone/>
+              <a:defRPr sz="1000"/>
+            </a:lvl9pPr>
+          </a:lstStyle>
+          <a:p>
+            <a:pPr lvl="0"/>
+            <a:r>
+              <a:rPr lang="fr-FR"/>
+              <a:t>Modifier les styles du texte du masque</a:t>
+            </a:r>
+          </a:p>
+        </p:txBody>
+      </p:sp>
+      <p:sp>
+        <p:nvSpPr>
+          <p:cNvPr id="5" name="Date Placeholder 4"/>
+          <p:cNvSpPr>
+            <a:spLocks noGrp="1"/>
+          </p:cNvSpPr>
+          <p:nvPr>
+            <p:ph type="dt" sz="half" idx="10"/>
+          </p:nvPr>
+        </p:nvSpPr>
+        <p:spPr/>
+        <p:txBody>
+          <a:bodyPr/>
+          <a:lstStyle/>
+          <a:p>
+            <a:fld id="{AA309A6D-C09C-4548-B29A-6CF363A7E532}" type="datetimeFigureOut">
+              <a:rPr lang="fr-FR" smtClean="0"/>
+              <a:t>14/01/2019</a:t>
+            </a:fld>
+            <a:endParaRPr lang="fr-BE"/>
+          </a:p>
+        </p:txBody>
+      </p:sp>
+      <p:sp>
+        <p:nvSpPr>
+          <p:cNvPr id="6" name="Footer Placeholder 5"/>
+          <p:cNvSpPr>
+            <a:spLocks noGrp="1"/>
+          </p:cNvSpPr>
+          <p:nvPr>
+            <p:ph type="ftr" sz="quarter" idx="11"/>
+          </p:nvPr>
+        </p:nvSpPr>
+        <p:spPr/>
+        <p:txBody>
+          <a:bodyPr/>
+          <a:lstStyle/>
+          <a:p>
+            <a:endParaRPr lang="fr-BE"/>
+          </a:p>
+        </p:txBody>
+      </p:sp>
+      <p:sp>
+        <p:nvSpPr>
+          <p:cNvPr id="7" name="Slide Number Placeholder 6"/>
+          <p:cNvSpPr>
+            <a:spLocks noGrp="1"/>
+          </p:cNvSpPr>
+          <p:nvPr>
+            <p:ph type="sldNum" sz="quarter" idx="12"/>
+          </p:nvPr>
+        </p:nvSpPr>
+        <p:spPr/>
+        <p:txBody>
+          <a:bodyPr/>
+          <a:lstStyle/>
+          <a:p>
+            <a:fld id="{CF4668DC-857F-487D-BFFA-8C0CA5037977}" type="slidenum">
+              <a:rPr lang="fr-BE" smtClean="0"/>
+              <a:t>‹N°›</a:t>
+            </a:fld>
+            <a:endParaRPr lang="fr-BE"/>
+          </a:p>
+        </p:txBody>
+      </p:sp>
+    </p:spTree>
+    <p:extLst>
+      <p:ext uri="{BB962C8B-B14F-4D97-AF65-F5344CB8AC3E}">
+        <p14:creationId xmlns:p14="http://schemas.microsoft.com/office/powerpoint/2010/main" val="1394089662"/>
+      </p:ext>
+    </p:extLst>
+  </p:cSld>
+  <p:clrMapOvr>
+    <a:masterClrMapping/>
+  </p:clrMapOvr>
+</p:sldLayout>
+</file>
+
+<file path=ppt/slideLayouts/slideLayout11.xml><?xml version="1.0" encoding="utf-8"?>
+<p:sldLayout xmlns:a="http://schemas.openxmlformats.org/drawingml/2006/main" xmlns:r="http://schemas.openxmlformats.org/officeDocument/2006/relationships" xmlns:p="http://schemas.openxmlformats.org/presentationml/2006/main" preserve="1">
+  <p:cSld name="Titre et légende">
+    <p:spTree>
+      <p:nvGrpSpPr>
+        <p:cNvPr id="1" name=""/>
+        <p:cNvGrpSpPr/>
+        <p:nvPr/>
+      </p:nvGrpSpPr>
+      <p:grpSpPr>
+        <a:xfrm>
+          <a:off x="0" y="0"/>
+          <a:ext cx="0" cy="0"/>
+          <a:chOff x="0" y="0"/>
+          <a:chExt cx="0" cy="0"/>
+        </a:xfrm>
+      </p:grpSpPr>
+      <p:sp>
+        <p:nvSpPr>
+          <p:cNvPr id="2" name="Title 1"/>
+          <p:cNvSpPr>
+            <a:spLocks noGrp="1"/>
+          </p:cNvSpPr>
+          <p:nvPr>
+            <p:ph type="title"/>
+          </p:nvPr>
+        </p:nvSpPr>
+        <p:spPr>
+          <a:xfrm>
+            <a:off x="685346" y="609601"/>
+            <a:ext cx="7765322" cy="3424859"/>
+          </a:xfrm>
+        </p:spPr>
+        <p:txBody>
+          <a:bodyPr anchor="ctr"/>
+          <a:lstStyle>
+            <a:lvl1pPr>
+              <a:defRPr sz="3200"/>
+            </a:lvl1pPr>
+          </a:lstStyle>
+          <a:p>
+            <a:r>
+              <a:rPr lang="fr-FR"/>
+              <a:t>Modifiez le style du titre</a:t>
+            </a:r>
+            <a:endParaRPr lang="en-US" dirty="0"/>
+          </a:p>
+        </p:txBody>
+      </p:sp>
+      <p:sp>
+        <p:nvSpPr>
+          <p:cNvPr id="4" name="Text Placeholder 3"/>
+          <p:cNvSpPr>
+            <a:spLocks noGrp="1"/>
+          </p:cNvSpPr>
+          <p:nvPr>
+            <p:ph type="body" sz="half" idx="2"/>
+          </p:nvPr>
+        </p:nvSpPr>
+        <p:spPr>
+          <a:xfrm>
+            <a:off x="685347" y="4204820"/>
+            <a:ext cx="7765321" cy="1592186"/>
+          </a:xfrm>
+        </p:spPr>
+        <p:txBody>
+          <a:bodyPr anchor="ctr"/>
+          <a:lstStyle>
+            <a:lvl1pPr marL="0" indent="0" algn="ctr">
+              <a:buNone/>
+              <a:defRPr sz="1600"/>
+            </a:lvl1pPr>
+            <a:lvl2pPr marL="457200" indent="0">
+              <a:buNone/>
+              <a:defRPr sz="1400"/>
+            </a:lvl2pPr>
+            <a:lvl3pPr marL="914400" indent="0">
+              <a:buNone/>
+              <a:defRPr sz="1200"/>
+            </a:lvl3pPr>
+            <a:lvl4pPr marL="1371600" indent="0">
+              <a:buNone/>
+              <a:defRPr sz="1000"/>
+            </a:lvl4pPr>
+            <a:lvl5pPr marL="1828800" indent="0">
+              <a:buNone/>
+              <a:defRPr sz="1000"/>
+            </a:lvl5pPr>
+            <a:lvl6pPr marL="2286000" indent="0">
+              <a:buNone/>
+              <a:defRPr sz="1000"/>
+            </a:lvl6pPr>
+            <a:lvl7pPr marL="2743200" indent="0">
+              <a:buNone/>
+              <a:defRPr sz="1000"/>
+            </a:lvl7pPr>
+            <a:lvl8pPr marL="3200400" indent="0">
+              <a:buNone/>
+              <a:defRPr sz="1000"/>
+            </a:lvl8pPr>
+            <a:lvl9pPr marL="3657600" indent="0">
+              <a:buNone/>
+              <a:defRPr sz="1000"/>
+            </a:lvl9pPr>
+          </a:lstStyle>
+          <a:p>
+            <a:pPr lvl="0"/>
+            <a:r>
+              <a:rPr lang="fr-FR"/>
+              <a:t>Modifier les styles du texte du masque</a:t>
+            </a:r>
+          </a:p>
+        </p:txBody>
+      </p:sp>
+      <p:sp>
+        <p:nvSpPr>
+          <p:cNvPr id="5" name="Date Placeholder 4"/>
+          <p:cNvSpPr>
+            <a:spLocks noGrp="1"/>
+          </p:cNvSpPr>
+          <p:nvPr>
+            <p:ph type="dt" sz="half" idx="10"/>
+          </p:nvPr>
+        </p:nvSpPr>
+        <p:spPr/>
+        <p:txBody>
+          <a:bodyPr/>
+          <a:lstStyle/>
+          <a:p>
+            <a:fld id="{AA309A6D-C09C-4548-B29A-6CF363A7E532}" type="datetimeFigureOut">
+              <a:rPr lang="fr-FR" smtClean="0"/>
+              <a:t>14/01/2019</a:t>
+            </a:fld>
+            <a:endParaRPr lang="fr-BE"/>
+          </a:p>
+        </p:txBody>
+      </p:sp>
+      <p:sp>
+        <p:nvSpPr>
+          <p:cNvPr id="6" name="Footer Placeholder 5"/>
+          <p:cNvSpPr>
+            <a:spLocks noGrp="1"/>
+          </p:cNvSpPr>
+          <p:nvPr>
+            <p:ph type="ftr" sz="quarter" idx="11"/>
+          </p:nvPr>
+        </p:nvSpPr>
+        <p:spPr/>
+        <p:txBody>
+          <a:bodyPr/>
+          <a:lstStyle/>
+          <a:p>
+            <a:endParaRPr lang="fr-BE"/>
+          </a:p>
+        </p:txBody>
+      </p:sp>
+      <p:sp>
+        <p:nvSpPr>
+          <p:cNvPr id="7" name="Slide Number Placeholder 6"/>
+          <p:cNvSpPr>
+            <a:spLocks noGrp="1"/>
+          </p:cNvSpPr>
+          <p:nvPr>
+            <p:ph type="sldNum" sz="quarter" idx="12"/>
+          </p:nvPr>
+        </p:nvSpPr>
+        <p:spPr/>
+        <p:txBody>
+          <a:bodyPr/>
+          <a:lstStyle/>
+          <a:p>
+            <a:fld id="{CF4668DC-857F-487D-BFFA-8C0CA5037977}" type="slidenum">
+              <a:rPr lang="fr-BE" smtClean="0"/>
+              <a:t>‹N°›</a:t>
+            </a:fld>
+            <a:endParaRPr lang="fr-BE"/>
+          </a:p>
+        </p:txBody>
+      </p:sp>
+    </p:spTree>
+    <p:extLst>
+      <p:ext uri="{BB962C8B-B14F-4D97-AF65-F5344CB8AC3E}">
+        <p14:creationId xmlns:p14="http://schemas.microsoft.com/office/powerpoint/2010/main" val="719882383"/>
+      </p:ext>
+    </p:extLst>
+  </p:cSld>
+  <p:clrMapOvr>
+    <a:masterClrMapping/>
+  </p:clrMapOvr>
+</p:sldLayout>
+</file>
+
+<file path=ppt/slideLayouts/slideLayout12.xml><?xml version="1.0" encoding="utf-8"?>
+<p:sldLayout xmlns:a="http://schemas.openxmlformats.org/drawingml/2006/main" xmlns:r="http://schemas.openxmlformats.org/officeDocument/2006/relationships" xmlns:p="http://schemas.openxmlformats.org/presentationml/2006/main" preserve="1">
+  <p:cSld name="Citation avec légende">
+    <p:spTree>
+      <p:nvGrpSpPr>
+        <p:cNvPr id="1" name=""/>
+        <p:cNvGrpSpPr/>
+        <p:nvPr/>
+      </p:nvGrpSpPr>
+      <p:grpSpPr>
+        <a:xfrm>
+          <a:off x="0" y="0"/>
+          <a:ext cx="0" cy="0"/>
+          <a:chOff x="0" y="0"/>
+          <a:chExt cx="0" cy="0"/>
+        </a:xfrm>
+      </p:grpSpPr>
+      <p:sp>
+        <p:nvSpPr>
+          <p:cNvPr id="2" name="Title 1"/>
+          <p:cNvSpPr>
+            <a:spLocks noGrp="1"/>
+          </p:cNvSpPr>
+          <p:nvPr>
+            <p:ph type="title"/>
+          </p:nvPr>
+        </p:nvSpPr>
+        <p:spPr>
+          <a:xfrm>
+            <a:off x="1084659" y="609600"/>
+            <a:ext cx="6977064" cy="2992904"/>
+          </a:xfrm>
+        </p:spPr>
+        <p:txBody>
+          <a:bodyPr anchor="ctr"/>
+          <a:lstStyle>
+            <a:lvl1pPr>
+              <a:defRPr sz="3200"/>
+            </a:lvl1pPr>
+          </a:lstStyle>
+          <a:p>
+            <a:r>
+              <a:rPr lang="fr-FR"/>
+              <a:t>Modifiez le style du titre</a:t>
+            </a:r>
+            <a:endParaRPr lang="en-US" dirty="0"/>
+          </a:p>
+        </p:txBody>
+      </p:sp>
+      <p:sp>
+        <p:nvSpPr>
+          <p:cNvPr id="12" name="Text Placeholder 3"/>
+          <p:cNvSpPr>
+            <a:spLocks noGrp="1"/>
+          </p:cNvSpPr>
+          <p:nvPr>
+            <p:ph type="body" sz="half" idx="13"/>
+          </p:nvPr>
+        </p:nvSpPr>
+        <p:spPr>
+          <a:xfrm>
+            <a:off x="1290484" y="3610032"/>
+            <a:ext cx="6564224" cy="426812"/>
+          </a:xfrm>
+        </p:spPr>
+        <p:txBody>
+          <a:bodyPr anchor="t">
+            <a:normAutofit/>
+          </a:bodyPr>
+          <a:lstStyle>
+            <a:lvl1pPr marL="0" indent="0" algn="r">
+              <a:buNone/>
+              <a:defRPr sz="1400"/>
+            </a:lvl1pPr>
+            <a:lvl2pPr marL="457200" indent="0">
+              <a:buNone/>
+              <a:defRPr sz="1400"/>
+            </a:lvl2pPr>
+            <a:lvl3pPr marL="914400" indent="0">
+              <a:buNone/>
+              <a:defRPr sz="1200"/>
+            </a:lvl3pPr>
+            <a:lvl4pPr marL="1371600" indent="0">
+              <a:buNone/>
+              <a:defRPr sz="1000"/>
+            </a:lvl4pPr>
+            <a:lvl5pPr marL="1828800" indent="0">
+              <a:buNone/>
+              <a:defRPr sz="1000"/>
+            </a:lvl5pPr>
+            <a:lvl6pPr marL="2286000" indent="0">
+              <a:buNone/>
+              <a:defRPr sz="1000"/>
+            </a:lvl6pPr>
+            <a:lvl7pPr marL="2743200" indent="0">
+              <a:buNone/>
+              <a:defRPr sz="1000"/>
+            </a:lvl7pPr>
+            <a:lvl8pPr marL="3200400" indent="0">
+              <a:buNone/>
+              <a:defRPr sz="1000"/>
+            </a:lvl8pPr>
+            <a:lvl9pPr marL="3657600" indent="0">
+              <a:buNone/>
+              <a:defRPr sz="1000"/>
+            </a:lvl9pPr>
+          </a:lstStyle>
+          <a:p>
+            <a:pPr lvl="0"/>
+            <a:r>
+              <a:rPr lang="fr-FR"/>
+              <a:t>Modifier les styles du texte du masque</a:t>
+            </a:r>
+          </a:p>
+        </p:txBody>
+      </p:sp>
+      <p:sp>
+        <p:nvSpPr>
+          <p:cNvPr id="4" name="Text Placeholder 3"/>
+          <p:cNvSpPr>
+            <a:spLocks noGrp="1"/>
+          </p:cNvSpPr>
+          <p:nvPr>
+            <p:ph type="body" sz="half" idx="2"/>
+          </p:nvPr>
+        </p:nvSpPr>
+        <p:spPr>
+          <a:xfrm>
+            <a:off x="685345" y="4204821"/>
+            <a:ext cx="7765322" cy="1586380"/>
+          </a:xfrm>
+        </p:spPr>
+        <p:txBody>
+          <a:bodyPr anchor="ctr">
+            <a:normAutofit/>
+          </a:bodyPr>
+          <a:lstStyle>
+            <a:lvl1pPr marL="0" indent="0" algn="ctr">
+              <a:buNone/>
+              <a:defRPr sz="1600"/>
+            </a:lvl1pPr>
+            <a:lvl2pPr marL="457200" indent="0">
+              <a:buNone/>
+              <a:defRPr sz="1400"/>
+            </a:lvl2pPr>
+            <a:lvl3pPr marL="914400" indent="0">
+              <a:buNone/>
+              <a:defRPr sz="1200"/>
+            </a:lvl3pPr>
+            <a:lvl4pPr marL="1371600" indent="0">
+              <a:buNone/>
+              <a:defRPr sz="1000"/>
+            </a:lvl4pPr>
+            <a:lvl5pPr marL="1828800" indent="0">
+              <a:buNone/>
+              <a:defRPr sz="1000"/>
+            </a:lvl5pPr>
+            <a:lvl6pPr marL="2286000" indent="0">
+              <a:buNone/>
+              <a:defRPr sz="1000"/>
+            </a:lvl6pPr>
+            <a:lvl7pPr marL="2743200" indent="0">
+              <a:buNone/>
+              <a:defRPr sz="1000"/>
+            </a:lvl7pPr>
+            <a:lvl8pPr marL="3200400" indent="0">
+              <a:buNone/>
+              <a:defRPr sz="1000"/>
+            </a:lvl8pPr>
+            <a:lvl9pPr marL="3657600" indent="0">
+              <a:buNone/>
+              <a:defRPr sz="1000"/>
+            </a:lvl9pPr>
+          </a:lstStyle>
+          <a:p>
+            <a:pPr lvl="0"/>
+            <a:r>
+              <a:rPr lang="fr-FR"/>
+              <a:t>Modifier les styles du texte du masque</a:t>
+            </a:r>
+          </a:p>
+        </p:txBody>
+      </p:sp>
+      <p:sp>
+        <p:nvSpPr>
+          <p:cNvPr id="5" name="Date Placeholder 4"/>
+          <p:cNvSpPr>
+            <a:spLocks noGrp="1"/>
+          </p:cNvSpPr>
+          <p:nvPr>
+            <p:ph type="dt" sz="half" idx="10"/>
+          </p:nvPr>
+        </p:nvSpPr>
+        <p:spPr/>
+        <p:txBody>
+          <a:bodyPr/>
+          <a:lstStyle/>
+          <a:p>
+            <a:fld id="{AA309A6D-C09C-4548-B29A-6CF363A7E532}" type="datetimeFigureOut">
+              <a:rPr lang="fr-FR" smtClean="0"/>
+              <a:t>14/01/2019</a:t>
+            </a:fld>
+            <a:endParaRPr lang="fr-BE"/>
+          </a:p>
+        </p:txBody>
+      </p:sp>
+      <p:sp>
+        <p:nvSpPr>
+          <p:cNvPr id="6" name="Footer Placeholder 5"/>
+          <p:cNvSpPr>
+            <a:spLocks noGrp="1"/>
+          </p:cNvSpPr>
+          <p:nvPr>
+            <p:ph type="ftr" sz="quarter" idx="11"/>
+          </p:nvPr>
+        </p:nvSpPr>
+        <p:spPr/>
+        <p:txBody>
+          <a:bodyPr/>
+          <a:lstStyle/>
+          <a:p>
+            <a:endParaRPr lang="fr-BE"/>
+          </a:p>
+        </p:txBody>
+      </p:sp>
+      <p:sp>
+        <p:nvSpPr>
+          <p:cNvPr id="7" name="Slide Number Placeholder 6"/>
+          <p:cNvSpPr>
+            <a:spLocks noGrp="1"/>
+          </p:cNvSpPr>
+          <p:nvPr>
+            <p:ph type="sldNum" sz="quarter" idx="12"/>
+          </p:nvPr>
+        </p:nvSpPr>
+        <p:spPr/>
+        <p:txBody>
+          <a:bodyPr/>
+          <a:lstStyle/>
+          <a:p>
+            <a:fld id="{CF4668DC-857F-487D-BFFA-8C0CA5037977}" type="slidenum">
+              <a:rPr lang="fr-BE" smtClean="0"/>
+              <a:t>‹N°›</a:t>
+            </a:fld>
+            <a:endParaRPr lang="fr-BE"/>
+          </a:p>
+        </p:txBody>
+      </p:sp>
+      <p:sp>
+        <p:nvSpPr>
+          <p:cNvPr id="10" name="TextBox 9"/>
+          <p:cNvSpPr txBox="1"/>
+          <p:nvPr/>
+        </p:nvSpPr>
+        <p:spPr>
+          <a:xfrm>
+            <a:off x="505245" y="641749"/>
+            <a:ext cx="457200" cy="584776"/>
+          </a:xfrm>
+          <a:prstGeom prst="rect">
+            <a:avLst/>
+          </a:prstGeom>
+        </p:spPr>
+        <p:txBody>
+          <a:bodyPr vert="horz" lIns="91440" tIns="45720" rIns="91440" bIns="45720" rtlCol="0" anchor="ctr">
+            <a:noAutofit/>
+          </a:bodyPr>
+          <a:lstStyle>
+            <a:lvl1pPr>
               <a:spcBef>
                 <a:spcPct val="0"/>
               </a:spcBef>
               <a:buNone/>
-              <a:defRPr sz="5600" b="1">
-                <a:ln>
+              <a:defRPr sz="3200" b="0" cap="all">
+                <a:ln w="3175" cmpd="sng">
                   <a:noFill/>
                 </a:ln>
-                <a:solidFill>
-                  <a:schemeClr val="accent3">
-                    <a:tint val="90000"/>
-                    <a:satMod val="120000"/>
-                  </a:schemeClr>
-                </a:solidFill>
                 <a:effectLst>
-                  <a:outerShdw blurRad="38100" dist="25400" dir="5400000" algn="tl" rotWithShape="0">
+                  <a:glow rad="38100">
+                    <a:schemeClr val="bg1">
+                      <a:lumMod val="65000"/>
+                      <a:lumOff val="35000"/>
+                      <a:alpha val="40000"/>
+                    </a:schemeClr>
+                  </a:glow>
+                  <a:outerShdw blurRad="28575" dist="38100" dir="14040000" algn="tl" rotWithShape="0">
                     <a:srgbClr val="000000">
-                      <a:alpha val="43000"/>
+                      <a:alpha val="25000"/>
                     </a:srgbClr>
                   </a:outerShdw>
                 </a:effectLst>
-                <a:latin typeface="+mj-lt"/>
-                <a:ea typeface="+mj-ea"/>
-                <a:cs typeface="+mj-cs"/>
               </a:defRPr>
             </a:lvl1pPr>
+            <a:lvl2pPr>
+              <a:defRPr>
+                <a:solidFill>
+                  <a:schemeClr val="tx2"/>
+                </a:solidFill>
+              </a:defRPr>
+            </a:lvl2pPr>
+            <a:lvl3pPr>
+              <a:defRPr>
+                <a:solidFill>
+                  <a:schemeClr val="tx2"/>
+                </a:solidFill>
+              </a:defRPr>
+            </a:lvl3pPr>
+            <a:lvl4pPr>
+              <a:defRPr>
+                <a:solidFill>
+                  <a:schemeClr val="tx2"/>
+                </a:solidFill>
+              </a:defRPr>
+            </a:lvl4pPr>
+            <a:lvl5pPr>
+              <a:defRPr>
+                <a:solidFill>
+                  <a:schemeClr val="tx2"/>
+                </a:solidFill>
+              </a:defRPr>
+            </a:lvl5pPr>
+            <a:lvl6pPr>
+              <a:defRPr>
+                <a:solidFill>
+                  <a:schemeClr val="tx2"/>
+                </a:solidFill>
+              </a:defRPr>
+            </a:lvl6pPr>
+            <a:lvl7pPr>
+              <a:defRPr>
+                <a:solidFill>
+                  <a:schemeClr val="tx2"/>
+                </a:solidFill>
+              </a:defRPr>
+            </a:lvl7pPr>
+            <a:lvl8pPr>
+              <a:defRPr>
+                <a:solidFill>
+                  <a:schemeClr val="tx2"/>
+                </a:solidFill>
+              </a:defRPr>
+            </a:lvl8pPr>
+            <a:lvl9pPr>
+              <a:defRPr>
+                <a:solidFill>
+                  <a:schemeClr val="tx2"/>
+                </a:solidFill>
+              </a:defRPr>
+            </a:lvl9pPr>
           </a:lstStyle>
           <a:p>
-            <a:r>
-              <a:rPr kumimoji="0" lang="fr-FR"/>
-              <a:t>Modifiez le style du titre</a:t>
-            </a:r>
-            <a:endParaRPr kumimoji="0" lang="en-US"/>
-          </a:p>
-        </p:txBody>
-      </p:sp>
-      <p:sp>
-        <p:nvSpPr>
-          <p:cNvPr id="17" name="Subtitle 16"/>
-          <p:cNvSpPr>
-            <a:spLocks noGrp="1"/>
-          </p:cNvSpPr>
-          <p:nvPr>
-            <p:ph type="subTitle" idx="1"/>
-          </p:nvPr>
+            <a:pPr lvl="0"/>
+            <a:r>
+              <a:rPr lang="en-US" sz="8000" dirty="0">
+                <a:solidFill>
+                  <a:schemeClr val="tx1"/>
+                </a:solidFill>
+                <a:effectLst/>
+              </a:rPr>
+              <a:t>“</a:t>
+            </a:r>
+          </a:p>
+        </p:txBody>
+      </p:sp>
+      <p:sp>
+        <p:nvSpPr>
+          <p:cNvPr id="14" name="TextBox 13"/>
+          <p:cNvSpPr txBox="1"/>
+          <p:nvPr/>
         </p:nvSpPr>
         <p:spPr>
           <a:xfrm>
-            <a:off x="533400" y="3228536"/>
-            <a:ext cx="7854696" cy="1752600"/>
+            <a:off x="7946721" y="3073376"/>
+            <a:ext cx="457200" cy="584776"/>
+          </a:xfrm>
+          <a:prstGeom prst="rect">
+            <a:avLst/>
+          </a:prstGeom>
+        </p:spPr>
+        <p:txBody>
+          <a:bodyPr vert="horz" lIns="91440" tIns="45720" rIns="91440" bIns="45720" rtlCol="0" anchor="ctr">
+            <a:noAutofit/>
+          </a:bodyPr>
+          <a:lstStyle>
+            <a:lvl1pPr>
+              <a:spcBef>
+                <a:spcPct val="0"/>
+              </a:spcBef>
+              <a:buNone/>
+              <a:defRPr sz="3200" b="0" cap="all">
+                <a:ln w="3175" cmpd="sng">
+                  <a:noFill/>
+                </a:ln>
+                <a:effectLst>
+                  <a:glow rad="38100">
+                    <a:schemeClr val="bg1">
+                      <a:lumMod val="65000"/>
+                      <a:lumOff val="35000"/>
+                      <a:alpha val="40000"/>
+                    </a:schemeClr>
+                  </a:glow>
+                  <a:outerShdw blurRad="28575" dist="38100" dir="14040000" algn="tl" rotWithShape="0">
+                    <a:srgbClr val="000000">
+                      <a:alpha val="25000"/>
+                    </a:srgbClr>
+                  </a:outerShdw>
+                </a:effectLst>
+              </a:defRPr>
+            </a:lvl1pPr>
+            <a:lvl2pPr>
+              <a:defRPr>
+                <a:solidFill>
+                  <a:schemeClr val="tx2"/>
+                </a:solidFill>
+              </a:defRPr>
+            </a:lvl2pPr>
+            <a:lvl3pPr>
+              <a:defRPr>
+                <a:solidFill>
+                  <a:schemeClr val="tx2"/>
+                </a:solidFill>
+              </a:defRPr>
+            </a:lvl3pPr>
+            <a:lvl4pPr>
+              <a:defRPr>
+                <a:solidFill>
+                  <a:schemeClr val="tx2"/>
+                </a:solidFill>
+              </a:defRPr>
+            </a:lvl4pPr>
+            <a:lvl5pPr>
+              <a:defRPr>
+                <a:solidFill>
+                  <a:schemeClr val="tx2"/>
+                </a:solidFill>
+              </a:defRPr>
+            </a:lvl5pPr>
+            <a:lvl6pPr>
+              <a:defRPr>
+                <a:solidFill>
+                  <a:schemeClr val="tx2"/>
+                </a:solidFill>
+              </a:defRPr>
+            </a:lvl6pPr>
+            <a:lvl7pPr>
+              <a:defRPr>
+                <a:solidFill>
+                  <a:schemeClr val="tx2"/>
+                </a:solidFill>
+              </a:defRPr>
+            </a:lvl7pPr>
+            <a:lvl8pPr>
+              <a:defRPr>
+                <a:solidFill>
+                  <a:schemeClr val="tx2"/>
+                </a:solidFill>
+              </a:defRPr>
+            </a:lvl8pPr>
+            <a:lvl9pPr>
+              <a:defRPr>
+                <a:solidFill>
+                  <a:schemeClr val="tx2"/>
+                </a:solidFill>
+              </a:defRPr>
+            </a:lvl9pPr>
+          </a:lstStyle>
+          <a:p>
+            <a:pPr lvl="0" algn="r"/>
+            <a:r>
+              <a:rPr lang="en-US" sz="8000" dirty="0">
+                <a:solidFill>
+                  <a:schemeClr val="tx1"/>
+                </a:solidFill>
+                <a:effectLst/>
+              </a:rPr>
+              <a:t>”</a:t>
+            </a:r>
+          </a:p>
+        </p:txBody>
+      </p:sp>
+    </p:spTree>
+    <p:extLst>
+      <p:ext uri="{BB962C8B-B14F-4D97-AF65-F5344CB8AC3E}">
+        <p14:creationId xmlns:p14="http://schemas.microsoft.com/office/powerpoint/2010/main" val="3357738576"/>
+      </p:ext>
+    </p:extLst>
+  </p:cSld>
+  <p:clrMapOvr>
+    <a:masterClrMapping/>
+  </p:clrMapOvr>
+</p:sldLayout>
+</file>
+
+<file path=ppt/slideLayouts/slideLayout13.xml><?xml version="1.0" encoding="utf-8"?>
+<p:sldLayout xmlns:a="http://schemas.openxmlformats.org/drawingml/2006/main" xmlns:r="http://schemas.openxmlformats.org/officeDocument/2006/relationships" xmlns:p="http://schemas.openxmlformats.org/presentationml/2006/main" preserve="1">
+  <p:cSld name="Carte nom">
+    <p:spTree>
+      <p:nvGrpSpPr>
+        <p:cNvPr id="1" name=""/>
+        <p:cNvGrpSpPr/>
+        <p:nvPr/>
+      </p:nvGrpSpPr>
+      <p:grpSpPr>
+        <a:xfrm>
+          <a:off x="0" y="0"/>
+          <a:ext cx="0" cy="0"/>
+          <a:chOff x="0" y="0"/>
+          <a:chExt cx="0" cy="0"/>
+        </a:xfrm>
+      </p:grpSpPr>
+      <p:sp>
+        <p:nvSpPr>
+          <p:cNvPr id="2" name="Title 1"/>
+          <p:cNvSpPr>
+            <a:spLocks noGrp="1"/>
+          </p:cNvSpPr>
+          <p:nvPr>
+            <p:ph type="title"/>
+          </p:nvPr>
+        </p:nvSpPr>
+        <p:spPr>
+          <a:xfrm>
+            <a:off x="685355" y="2126943"/>
+            <a:ext cx="7766495" cy="2511835"/>
           </a:xfrm>
         </p:spPr>
         <p:txBody>
-          <a:bodyPr lIns="0" rIns="18288"/>
+          <a:bodyPr anchor="b"/>
           <a:lstStyle>
-            <a:lvl1pPr marL="0" marR="45720" indent="0" algn="r">
-              <a:buNone/>
-              <a:defRPr>
+            <a:lvl1pPr>
+              <a:defRPr sz="3200"/>
+            </a:lvl1pPr>
+          </a:lstStyle>
+          <a:p>
+            <a:r>
+              <a:rPr lang="fr-FR"/>
+              <a:t>Modifiez le style du titre</a:t>
+            </a:r>
+            <a:endParaRPr lang="en-US" dirty="0"/>
+          </a:p>
+        </p:txBody>
+      </p:sp>
+      <p:sp>
+        <p:nvSpPr>
+          <p:cNvPr id="4" name="Text Placeholder 3"/>
+          <p:cNvSpPr>
+            <a:spLocks noGrp="1"/>
+          </p:cNvSpPr>
+          <p:nvPr>
+            <p:ph type="body" sz="half" idx="2"/>
+          </p:nvPr>
+        </p:nvSpPr>
+        <p:spPr>
+          <a:xfrm>
+            <a:off x="685346" y="4650556"/>
+            <a:ext cx="7765322" cy="1140644"/>
+          </a:xfrm>
+        </p:spPr>
+        <p:txBody>
+          <a:bodyPr anchor="t"/>
+          <a:lstStyle>
+            <a:lvl1pPr marL="0" indent="0" algn="ctr">
+              <a:buNone/>
+              <a:defRPr sz="1600"/>
+            </a:lvl1pPr>
+            <a:lvl2pPr marL="457200" indent="0">
+              <a:buNone/>
+              <a:defRPr sz="1400"/>
+            </a:lvl2pPr>
+            <a:lvl3pPr marL="914400" indent="0">
+              <a:buNone/>
+              <a:defRPr sz="1200"/>
+            </a:lvl3pPr>
+            <a:lvl4pPr marL="1371600" indent="0">
+              <a:buNone/>
+              <a:defRPr sz="1000"/>
+            </a:lvl4pPr>
+            <a:lvl5pPr marL="1828800" indent="0">
+              <a:buNone/>
+              <a:defRPr sz="1000"/>
+            </a:lvl5pPr>
+            <a:lvl6pPr marL="2286000" indent="0">
+              <a:buNone/>
+              <a:defRPr sz="1000"/>
+            </a:lvl6pPr>
+            <a:lvl7pPr marL="2743200" indent="0">
+              <a:buNone/>
+              <a:defRPr sz="1000"/>
+            </a:lvl7pPr>
+            <a:lvl8pPr marL="3200400" indent="0">
+              <a:buNone/>
+              <a:defRPr sz="1000"/>
+            </a:lvl8pPr>
+            <a:lvl9pPr marL="3657600" indent="0">
+              <a:buNone/>
+              <a:defRPr sz="1000"/>
+            </a:lvl9pPr>
+          </a:lstStyle>
+          <a:p>
+            <a:pPr lvl="0"/>
+            <a:r>
+              <a:rPr lang="fr-FR"/>
+              <a:t>Modifier les styles du texte du masque</a:t>
+            </a:r>
+          </a:p>
+        </p:txBody>
+      </p:sp>
+      <p:sp>
+        <p:nvSpPr>
+          <p:cNvPr id="5" name="Date Placeholder 4"/>
+          <p:cNvSpPr>
+            <a:spLocks noGrp="1"/>
+          </p:cNvSpPr>
+          <p:nvPr>
+            <p:ph type="dt" sz="half" idx="10"/>
+          </p:nvPr>
+        </p:nvSpPr>
+        <p:spPr/>
+        <p:txBody>
+          <a:bodyPr/>
+          <a:lstStyle/>
+          <a:p>
+            <a:fld id="{AA309A6D-C09C-4548-B29A-6CF363A7E532}" type="datetimeFigureOut">
+              <a:rPr lang="fr-FR" smtClean="0"/>
+              <a:t>14/01/2019</a:t>
+            </a:fld>
+            <a:endParaRPr lang="fr-BE"/>
+          </a:p>
+        </p:txBody>
+      </p:sp>
+      <p:sp>
+        <p:nvSpPr>
+          <p:cNvPr id="6" name="Footer Placeholder 5"/>
+          <p:cNvSpPr>
+            <a:spLocks noGrp="1"/>
+          </p:cNvSpPr>
+          <p:nvPr>
+            <p:ph type="ftr" sz="quarter" idx="11"/>
+          </p:nvPr>
+        </p:nvSpPr>
+        <p:spPr/>
+        <p:txBody>
+          <a:bodyPr/>
+          <a:lstStyle/>
+          <a:p>
+            <a:endParaRPr lang="fr-BE"/>
+          </a:p>
+        </p:txBody>
+      </p:sp>
+      <p:sp>
+        <p:nvSpPr>
+          <p:cNvPr id="7" name="Slide Number Placeholder 6"/>
+          <p:cNvSpPr>
+            <a:spLocks noGrp="1"/>
+          </p:cNvSpPr>
+          <p:nvPr>
+            <p:ph type="sldNum" sz="quarter" idx="12"/>
+          </p:nvPr>
+        </p:nvSpPr>
+        <p:spPr/>
+        <p:txBody>
+          <a:bodyPr/>
+          <a:lstStyle/>
+          <a:p>
+            <a:fld id="{CF4668DC-857F-487D-BFFA-8C0CA5037977}" type="slidenum">
+              <a:rPr lang="fr-BE" smtClean="0"/>
+              <a:t>‹N°›</a:t>
+            </a:fld>
+            <a:endParaRPr lang="fr-BE"/>
+          </a:p>
+        </p:txBody>
+      </p:sp>
+    </p:spTree>
+    <p:extLst>
+      <p:ext uri="{BB962C8B-B14F-4D97-AF65-F5344CB8AC3E}">
+        <p14:creationId xmlns:p14="http://schemas.microsoft.com/office/powerpoint/2010/main" val="980784842"/>
+      </p:ext>
+    </p:extLst>
+  </p:cSld>
+  <p:clrMapOvr>
+    <a:masterClrMapping/>
+  </p:clrMapOvr>
+</p:sldLayout>
+</file>
+
+<file path=ppt/slideLayouts/slideLayout14.xml><?xml version="1.0" encoding="utf-8"?>
+<p:sldLayout xmlns:a="http://schemas.openxmlformats.org/drawingml/2006/main" xmlns:r="http://schemas.openxmlformats.org/officeDocument/2006/relationships" xmlns:p="http://schemas.openxmlformats.org/presentationml/2006/main" preserve="1">
+  <p:cSld name="3 colonnes">
+    <p:spTree>
+      <p:nvGrpSpPr>
+        <p:cNvPr id="1" name=""/>
+        <p:cNvGrpSpPr/>
+        <p:nvPr/>
+      </p:nvGrpSpPr>
+      <p:grpSpPr>
+        <a:xfrm>
+          <a:off x="0" y="0"/>
+          <a:ext cx="0" cy="0"/>
+          <a:chOff x="0" y="0"/>
+          <a:chExt cx="0" cy="0"/>
+        </a:xfrm>
+      </p:grpSpPr>
+      <p:sp>
+        <p:nvSpPr>
+          <p:cNvPr id="15" name="Title 1"/>
+          <p:cNvSpPr>
+            <a:spLocks noGrp="1"/>
+          </p:cNvSpPr>
+          <p:nvPr>
+            <p:ph type="title"/>
+          </p:nvPr>
+        </p:nvSpPr>
+        <p:spPr>
+          <a:xfrm>
+            <a:off x="685345" y="609601"/>
+            <a:ext cx="7765322" cy="1325563"/>
+          </a:xfrm>
+        </p:spPr>
+        <p:txBody>
+          <a:bodyPr/>
+          <a:lstStyle/>
+          <a:p>
+            <a:r>
+              <a:rPr lang="fr-FR"/>
+              <a:t>Modifiez le style du titre</a:t>
+            </a:r>
+            <a:endParaRPr lang="en-US" dirty="0"/>
+          </a:p>
+        </p:txBody>
+      </p:sp>
+      <p:sp>
+        <p:nvSpPr>
+          <p:cNvPr id="7" name="Text Placeholder 2"/>
+          <p:cNvSpPr>
+            <a:spLocks noGrp="1"/>
+          </p:cNvSpPr>
+          <p:nvPr>
+            <p:ph type="body" idx="1"/>
+          </p:nvPr>
+        </p:nvSpPr>
+        <p:spPr>
+          <a:xfrm>
+            <a:off x="685346" y="2088320"/>
+            <a:ext cx="2474217" cy="823305"/>
+          </a:xfrm>
+        </p:spPr>
+        <p:txBody>
+          <a:bodyPr anchor="b">
+            <a:noAutofit/>
+          </a:bodyPr>
+          <a:lstStyle>
+            <a:lvl1pPr marL="0" indent="0" algn="ctr">
+              <a:lnSpc>
+                <a:spcPct val="100000"/>
+              </a:lnSpc>
+              <a:buNone/>
+              <a:defRPr sz="2400" b="0">
                 <a:solidFill>
                   <a:schemeClr val="tx1"/>
                 </a:solidFill>
               </a:defRPr>
             </a:lvl1pPr>
-            <a:lvl2pPr marL="457200" indent="0" algn="ctr">
-              <a:buNone/>
+            <a:lvl2pPr marL="457200" indent="0">
+              <a:buNone/>
+              <a:defRPr sz="2000" b="1"/>
             </a:lvl2pPr>
-            <a:lvl3pPr marL="914400" indent="0" algn="ctr">
-              <a:buNone/>
+            <a:lvl3pPr marL="914400" indent="0">
+              <a:buNone/>
+              <a:defRPr sz="1800" b="1"/>
             </a:lvl3pPr>
-            <a:lvl4pPr marL="1371600" indent="0" algn="ctr">
-              <a:buNone/>
+            <a:lvl4pPr marL="1371600" indent="0">
+              <a:buNone/>
+              <a:defRPr sz="1600" b="1"/>
             </a:lvl4pPr>
-            <a:lvl5pPr marL="1828800" indent="0" algn="ctr">
-              <a:buNone/>
+            <a:lvl5pPr marL="1828800" indent="0">
+              <a:buNone/>
+              <a:defRPr sz="1600" b="1"/>
             </a:lvl5pPr>
-            <a:lvl6pPr marL="2286000" indent="0" algn="ctr">
-              <a:buNone/>
+            <a:lvl6pPr marL="2286000" indent="0">
+              <a:buNone/>
+              <a:defRPr sz="1600" b="1"/>
             </a:lvl6pPr>
-            <a:lvl7pPr marL="2743200" indent="0" algn="ctr">
-              <a:buNone/>
+            <a:lvl7pPr marL="2743200" indent="0">
+              <a:buNone/>
+              <a:defRPr sz="1600" b="1"/>
             </a:lvl7pPr>
-            <a:lvl8pPr marL="3200400" indent="0" algn="ctr">
-              <a:buNone/>
+            <a:lvl8pPr marL="3200400" indent="0">
+              <a:buNone/>
+              <a:defRPr sz="1600" b="1"/>
             </a:lvl8pPr>
-            <a:lvl9pPr marL="3657600" indent="0" algn="ctr">
-              <a:buNone/>
+            <a:lvl9pPr marL="3657600" indent="0">
+              <a:buNone/>
+              <a:defRPr sz="1600" b="1"/>
             </a:lvl9pPr>
           </a:lstStyle>
           <a:p>
-            <a:r>
-              <a:rPr kumimoji="0" lang="fr-FR"/>
-              <a:t>Modifiez le style des sous-titres du masque</a:t>
-            </a:r>
-            <a:endParaRPr kumimoji="0" lang="en-US"/>
-          </a:p>
-        </p:txBody>
-      </p:sp>
-      <p:sp>
-        <p:nvSpPr>
-          <p:cNvPr id="30" name="Date Placeholder 29"/>
+            <a:pPr lvl="0"/>
+            <a:r>
+              <a:rPr lang="fr-FR"/>
+              <a:t>Modifier les styles du texte du masque</a:t>
+            </a:r>
+          </a:p>
+        </p:txBody>
+      </p:sp>
+      <p:sp>
+        <p:nvSpPr>
+          <p:cNvPr id="8" name="Text Placeholder 3"/>
+          <p:cNvSpPr>
+            <a:spLocks noGrp="1"/>
+          </p:cNvSpPr>
+          <p:nvPr>
+            <p:ph type="body" sz="half" idx="15"/>
+          </p:nvPr>
+        </p:nvSpPr>
+        <p:spPr>
+          <a:xfrm>
+            <a:off x="685346" y="2911624"/>
+            <a:ext cx="2474217" cy="2879576"/>
+          </a:xfrm>
+        </p:spPr>
+        <p:txBody>
+          <a:bodyPr anchor="t">
+            <a:normAutofit/>
+          </a:bodyPr>
+          <a:lstStyle>
+            <a:lvl1pPr marL="0" indent="0" algn="ctr">
+              <a:buNone/>
+              <a:defRPr sz="1400"/>
+            </a:lvl1pPr>
+            <a:lvl2pPr marL="457200" indent="0">
+              <a:buNone/>
+              <a:defRPr sz="1200"/>
+            </a:lvl2pPr>
+            <a:lvl3pPr marL="914400" indent="0">
+              <a:buNone/>
+              <a:defRPr sz="1000"/>
+            </a:lvl3pPr>
+            <a:lvl4pPr marL="1371600" indent="0">
+              <a:buNone/>
+              <a:defRPr sz="900"/>
+            </a:lvl4pPr>
+            <a:lvl5pPr marL="1828800" indent="0">
+              <a:buNone/>
+              <a:defRPr sz="900"/>
+            </a:lvl5pPr>
+            <a:lvl6pPr marL="2286000" indent="0">
+              <a:buNone/>
+              <a:defRPr sz="900"/>
+            </a:lvl6pPr>
+            <a:lvl7pPr marL="2743200" indent="0">
+              <a:buNone/>
+              <a:defRPr sz="900"/>
+            </a:lvl7pPr>
+            <a:lvl8pPr marL="3200400" indent="0">
+              <a:buNone/>
+              <a:defRPr sz="900"/>
+            </a:lvl8pPr>
+            <a:lvl9pPr marL="3657600" indent="0">
+              <a:buNone/>
+              <a:defRPr sz="900"/>
+            </a:lvl9pPr>
+          </a:lstStyle>
+          <a:p>
+            <a:pPr lvl="0"/>
+            <a:r>
+              <a:rPr lang="fr-FR"/>
+              <a:t>Modifier les styles du texte du masque</a:t>
+            </a:r>
+          </a:p>
+        </p:txBody>
+      </p:sp>
+      <p:sp>
+        <p:nvSpPr>
+          <p:cNvPr id="9" name="Text Placeholder 4"/>
+          <p:cNvSpPr>
+            <a:spLocks noGrp="1"/>
+          </p:cNvSpPr>
+          <p:nvPr>
+            <p:ph type="body" sz="quarter" idx="3"/>
+          </p:nvPr>
+        </p:nvSpPr>
+        <p:spPr>
+          <a:xfrm>
+            <a:off x="3333658" y="2088320"/>
+            <a:ext cx="2473919" cy="823304"/>
+          </a:xfrm>
+        </p:spPr>
+        <p:txBody>
+          <a:bodyPr anchor="b">
+            <a:noAutofit/>
+          </a:bodyPr>
+          <a:lstStyle>
+            <a:lvl1pPr marL="0" indent="0" algn="ctr">
+              <a:lnSpc>
+                <a:spcPct val="100000"/>
+              </a:lnSpc>
+              <a:buNone/>
+              <a:defRPr sz="2400" b="0">
+                <a:solidFill>
+                  <a:schemeClr val="tx1"/>
+                </a:solidFill>
+              </a:defRPr>
+            </a:lvl1pPr>
+            <a:lvl2pPr marL="457200" indent="0">
+              <a:buNone/>
+              <a:defRPr sz="2000" b="1"/>
+            </a:lvl2pPr>
+            <a:lvl3pPr marL="914400" indent="0">
+              <a:buNone/>
+              <a:defRPr sz="1800" b="1"/>
+            </a:lvl3pPr>
+            <a:lvl4pPr marL="1371600" indent="0">
+              <a:buNone/>
+              <a:defRPr sz="1600" b="1"/>
+            </a:lvl4pPr>
+            <a:lvl5pPr marL="1828800" indent="0">
+              <a:buNone/>
+              <a:defRPr sz="1600" b="1"/>
+            </a:lvl5pPr>
+            <a:lvl6pPr marL="2286000" indent="0">
+              <a:buNone/>
+              <a:defRPr sz="1600" b="1"/>
+            </a:lvl6pPr>
+            <a:lvl7pPr marL="2743200" indent="0">
+              <a:buNone/>
+              <a:defRPr sz="1600" b="1"/>
+            </a:lvl7pPr>
+            <a:lvl8pPr marL="3200400" indent="0">
+              <a:buNone/>
+              <a:defRPr sz="1600" b="1"/>
+            </a:lvl8pPr>
+            <a:lvl9pPr marL="3657600" indent="0">
+              <a:buNone/>
+              <a:defRPr sz="1600" b="1"/>
+            </a:lvl9pPr>
+          </a:lstStyle>
+          <a:p>
+            <a:pPr lvl="0"/>
+            <a:r>
+              <a:rPr lang="fr-FR"/>
+              <a:t>Modifier les styles du texte du masque</a:t>
+            </a:r>
+          </a:p>
+        </p:txBody>
+      </p:sp>
+      <p:sp>
+        <p:nvSpPr>
+          <p:cNvPr id="10" name="Text Placeholder 3"/>
+          <p:cNvSpPr>
+            <a:spLocks noGrp="1"/>
+          </p:cNvSpPr>
+          <p:nvPr>
+            <p:ph type="body" sz="half" idx="16"/>
+          </p:nvPr>
+        </p:nvSpPr>
+        <p:spPr>
+          <a:xfrm>
+            <a:off x="3333659" y="2911624"/>
+            <a:ext cx="2474866" cy="2879576"/>
+          </a:xfrm>
+        </p:spPr>
+        <p:txBody>
+          <a:bodyPr anchor="t">
+            <a:normAutofit/>
+          </a:bodyPr>
+          <a:lstStyle>
+            <a:lvl1pPr marL="0" indent="0" algn="ctr">
+              <a:buNone/>
+              <a:defRPr sz="1400"/>
+            </a:lvl1pPr>
+            <a:lvl2pPr marL="457200" indent="0">
+              <a:buNone/>
+              <a:defRPr sz="1200"/>
+            </a:lvl2pPr>
+            <a:lvl3pPr marL="914400" indent="0">
+              <a:buNone/>
+              <a:defRPr sz="1000"/>
+            </a:lvl3pPr>
+            <a:lvl4pPr marL="1371600" indent="0">
+              <a:buNone/>
+              <a:defRPr sz="900"/>
+            </a:lvl4pPr>
+            <a:lvl5pPr marL="1828800" indent="0">
+              <a:buNone/>
+              <a:defRPr sz="900"/>
+            </a:lvl5pPr>
+            <a:lvl6pPr marL="2286000" indent="0">
+              <a:buNone/>
+              <a:defRPr sz="900"/>
+            </a:lvl6pPr>
+            <a:lvl7pPr marL="2743200" indent="0">
+              <a:buNone/>
+              <a:defRPr sz="900"/>
+            </a:lvl7pPr>
+            <a:lvl8pPr marL="3200400" indent="0">
+              <a:buNone/>
+              <a:defRPr sz="900"/>
+            </a:lvl8pPr>
+            <a:lvl9pPr marL="3657600" indent="0">
+              <a:buNone/>
+              <a:defRPr sz="900"/>
+            </a:lvl9pPr>
+          </a:lstStyle>
+          <a:p>
+            <a:pPr lvl="0"/>
+            <a:r>
+              <a:rPr lang="fr-FR"/>
+              <a:t>Modifier les styles du texte du masque</a:t>
+            </a:r>
+          </a:p>
+        </p:txBody>
+      </p:sp>
+      <p:sp>
+        <p:nvSpPr>
+          <p:cNvPr id="11" name="Text Placeholder 4"/>
+          <p:cNvSpPr>
+            <a:spLocks noGrp="1"/>
+          </p:cNvSpPr>
+          <p:nvPr>
+            <p:ph type="body" sz="quarter" idx="13"/>
+          </p:nvPr>
+        </p:nvSpPr>
+        <p:spPr>
+          <a:xfrm>
+            <a:off x="5979974" y="2088320"/>
+            <a:ext cx="2468408" cy="823304"/>
+          </a:xfrm>
+        </p:spPr>
+        <p:txBody>
+          <a:bodyPr anchor="b">
+            <a:noAutofit/>
+          </a:bodyPr>
+          <a:lstStyle>
+            <a:lvl1pPr marL="0" indent="0" algn="ctr">
+              <a:lnSpc>
+                <a:spcPct val="100000"/>
+              </a:lnSpc>
+              <a:buNone/>
+              <a:defRPr sz="2400" b="0">
+                <a:solidFill>
+                  <a:schemeClr val="tx1"/>
+                </a:solidFill>
+              </a:defRPr>
+            </a:lvl1pPr>
+            <a:lvl2pPr marL="457200" indent="0">
+              <a:buNone/>
+              <a:defRPr sz="2000" b="1"/>
+            </a:lvl2pPr>
+            <a:lvl3pPr marL="914400" indent="0">
+              <a:buNone/>
+              <a:defRPr sz="1800" b="1"/>
+            </a:lvl3pPr>
+            <a:lvl4pPr marL="1371600" indent="0">
+              <a:buNone/>
+              <a:defRPr sz="1600" b="1"/>
+            </a:lvl4pPr>
+            <a:lvl5pPr marL="1828800" indent="0">
+              <a:buNone/>
+              <a:defRPr sz="1600" b="1"/>
+            </a:lvl5pPr>
+            <a:lvl6pPr marL="2286000" indent="0">
+              <a:buNone/>
+              <a:defRPr sz="1600" b="1"/>
+            </a:lvl6pPr>
+            <a:lvl7pPr marL="2743200" indent="0">
+              <a:buNone/>
+              <a:defRPr sz="1600" b="1"/>
+            </a:lvl7pPr>
+            <a:lvl8pPr marL="3200400" indent="0">
+              <a:buNone/>
+              <a:defRPr sz="1600" b="1"/>
+            </a:lvl8pPr>
+            <a:lvl9pPr marL="3657600" indent="0">
+              <a:buNone/>
+              <a:defRPr sz="1600" b="1"/>
+            </a:lvl9pPr>
+          </a:lstStyle>
+          <a:p>
+            <a:pPr lvl="0"/>
+            <a:r>
+              <a:rPr lang="fr-FR"/>
+              <a:t>Modifier les styles du texte du masque</a:t>
+            </a:r>
+          </a:p>
+        </p:txBody>
+      </p:sp>
+      <p:sp>
+        <p:nvSpPr>
+          <p:cNvPr id="12" name="Text Placeholder 3"/>
+          <p:cNvSpPr>
+            <a:spLocks noGrp="1"/>
+          </p:cNvSpPr>
+          <p:nvPr>
+            <p:ph type="body" sz="half" idx="17"/>
+          </p:nvPr>
+        </p:nvSpPr>
+        <p:spPr>
+          <a:xfrm>
+            <a:off x="5982260" y="2911624"/>
+            <a:ext cx="2468408" cy="2879576"/>
+          </a:xfrm>
+        </p:spPr>
+        <p:txBody>
+          <a:bodyPr anchor="t">
+            <a:normAutofit/>
+          </a:bodyPr>
+          <a:lstStyle>
+            <a:lvl1pPr marL="0" indent="0" algn="ctr">
+              <a:buNone/>
+              <a:defRPr sz="1400"/>
+            </a:lvl1pPr>
+            <a:lvl2pPr marL="457200" indent="0">
+              <a:buNone/>
+              <a:defRPr sz="1200"/>
+            </a:lvl2pPr>
+            <a:lvl3pPr marL="914400" indent="0">
+              <a:buNone/>
+              <a:defRPr sz="1000"/>
+            </a:lvl3pPr>
+            <a:lvl4pPr marL="1371600" indent="0">
+              <a:buNone/>
+              <a:defRPr sz="900"/>
+            </a:lvl4pPr>
+            <a:lvl5pPr marL="1828800" indent="0">
+              <a:buNone/>
+              <a:defRPr sz="900"/>
+            </a:lvl5pPr>
+            <a:lvl6pPr marL="2286000" indent="0">
+              <a:buNone/>
+              <a:defRPr sz="900"/>
+            </a:lvl6pPr>
+            <a:lvl7pPr marL="2743200" indent="0">
+              <a:buNone/>
+              <a:defRPr sz="900"/>
+            </a:lvl7pPr>
+            <a:lvl8pPr marL="3200400" indent="0">
+              <a:buNone/>
+              <a:defRPr sz="900"/>
+            </a:lvl8pPr>
+            <a:lvl9pPr marL="3657600" indent="0">
+              <a:buNone/>
+              <a:defRPr sz="900"/>
+            </a:lvl9pPr>
+          </a:lstStyle>
+          <a:p>
+            <a:pPr lvl="0"/>
+            <a:r>
+              <a:rPr lang="fr-FR"/>
+              <a:t>Modifier les styles du texte du masque</a:t>
+            </a:r>
+          </a:p>
+        </p:txBody>
+      </p:sp>
+      <p:sp>
+        <p:nvSpPr>
+          <p:cNvPr id="3" name="Date Placeholder 2"/>
           <p:cNvSpPr>
             <a:spLocks noGrp="1"/>
           </p:cNvSpPr>
@@ -300,7 +1974,7 @@
           <a:p>
             <a:fld id="{AA309A6D-C09C-4548-B29A-6CF363A7E532}" type="datetimeFigureOut">
               <a:rPr lang="fr-FR" smtClean="0"/>
-              <a:t>12/01/2019</a:t>
+              <a:t>14/01/2019</a:t>
             </a:fld>
             <a:endParaRPr lang="fr-BE"/>
           </a:p>
@@ -308,7 +1982,7 @@
       </p:sp>
       <p:sp>
         <p:nvSpPr>
-          <p:cNvPr id="19" name="Footer Placeholder 18"/>
+          <p:cNvPr id="4" name="Footer Placeholder 3"/>
           <p:cNvSpPr>
             <a:spLocks noGrp="1"/>
           </p:cNvSpPr>
@@ -327,7 +2001,7 @@
       </p:sp>
       <p:sp>
         <p:nvSpPr>
-          <p:cNvPr id="27" name="Slide Number Placeholder 26"/>
+          <p:cNvPr id="5" name="Slide Number Placeholder 4"/>
           <p:cNvSpPr>
             <a:spLocks noGrp="1"/>
           </p:cNvSpPr>
@@ -349,14 +2023,859 @@
         </p:txBody>
       </p:sp>
     </p:spTree>
+    <p:extLst>
+      <p:ext uri="{BB962C8B-B14F-4D97-AF65-F5344CB8AC3E}">
+        <p14:creationId xmlns:p14="http://schemas.microsoft.com/office/powerpoint/2010/main" val="2692207706"/>
+      </p:ext>
+    </p:extLst>
   </p:cSld>
   <p:clrMapOvr>
-    <a:overrideClrMapping bg1="dk1" tx1="lt1" bg2="dk2" tx2="lt2" accent1="accent1" accent2="accent2" accent3="accent3" accent4="accent4" accent5="accent5" accent6="accent6" hlink="hlink" folHlink="folHlink"/>
+    <a:masterClrMapping/>
   </p:clrMapOvr>
 </p:sldLayout>
 </file>
 
-<file path=ppt/slideLayouts/slideLayout10.xml><?xml version="1.0" encoding="utf-8"?>
+<file path=ppt/slideLayouts/slideLayout15.xml><?xml version="1.0" encoding="utf-8"?>
+<p:sldLayout xmlns:a="http://schemas.openxmlformats.org/drawingml/2006/main" xmlns:r="http://schemas.openxmlformats.org/officeDocument/2006/relationships" xmlns:p="http://schemas.openxmlformats.org/presentationml/2006/main" preserve="1">
+  <p:cSld name="3 colonnes d’image">
+    <p:spTree>
+      <p:nvGrpSpPr>
+        <p:cNvPr id="1" name=""/>
+        <p:cNvGrpSpPr/>
+        <p:nvPr/>
+      </p:nvGrpSpPr>
+      <p:grpSpPr>
+        <a:xfrm>
+          <a:off x="0" y="0"/>
+          <a:ext cx="0" cy="0"/>
+          <a:chOff x="0" y="0"/>
+          <a:chExt cx="0" cy="0"/>
+        </a:xfrm>
+      </p:grpSpPr>
+      <p:sp>
+        <p:nvSpPr>
+          <p:cNvPr id="30" name="Title 1"/>
+          <p:cNvSpPr>
+            <a:spLocks noGrp="1"/>
+          </p:cNvSpPr>
+          <p:nvPr>
+            <p:ph type="title"/>
+          </p:nvPr>
+        </p:nvSpPr>
+        <p:spPr>
+          <a:xfrm>
+            <a:off x="685346" y="609601"/>
+            <a:ext cx="7765322" cy="1325563"/>
+          </a:xfrm>
+        </p:spPr>
+        <p:txBody>
+          <a:bodyPr/>
+          <a:lstStyle/>
+          <a:p>
+            <a:r>
+              <a:rPr lang="fr-FR"/>
+              <a:t>Modifiez le style du titre</a:t>
+            </a:r>
+            <a:endParaRPr lang="en-US" dirty="0"/>
+          </a:p>
+        </p:txBody>
+      </p:sp>
+      <p:sp>
+        <p:nvSpPr>
+          <p:cNvPr id="19" name="Text Placeholder 2"/>
+          <p:cNvSpPr>
+            <a:spLocks noGrp="1"/>
+          </p:cNvSpPr>
+          <p:nvPr>
+            <p:ph type="body" idx="1"/>
+          </p:nvPr>
+        </p:nvSpPr>
+        <p:spPr>
+          <a:xfrm>
+            <a:off x="685347" y="3989147"/>
+            <a:ext cx="2474216" cy="576262"/>
+          </a:xfrm>
+        </p:spPr>
+        <p:txBody>
+          <a:bodyPr anchor="b">
+            <a:noAutofit/>
+          </a:bodyPr>
+          <a:lstStyle>
+            <a:lvl1pPr marL="0" indent="0" algn="ctr">
+              <a:lnSpc>
+                <a:spcPct val="100000"/>
+              </a:lnSpc>
+              <a:buNone/>
+              <a:defRPr sz="2000" b="0">
+                <a:solidFill>
+                  <a:schemeClr val="tx1"/>
+                </a:solidFill>
+              </a:defRPr>
+            </a:lvl1pPr>
+            <a:lvl2pPr marL="457200" indent="0">
+              <a:buNone/>
+              <a:defRPr sz="2000" b="1"/>
+            </a:lvl2pPr>
+            <a:lvl3pPr marL="914400" indent="0">
+              <a:buNone/>
+              <a:defRPr sz="1800" b="1"/>
+            </a:lvl3pPr>
+            <a:lvl4pPr marL="1371600" indent="0">
+              <a:buNone/>
+              <a:defRPr sz="1600" b="1"/>
+            </a:lvl4pPr>
+            <a:lvl5pPr marL="1828800" indent="0">
+              <a:buNone/>
+              <a:defRPr sz="1600" b="1"/>
+            </a:lvl5pPr>
+            <a:lvl6pPr marL="2286000" indent="0">
+              <a:buNone/>
+              <a:defRPr sz="1600" b="1"/>
+            </a:lvl6pPr>
+            <a:lvl7pPr marL="2743200" indent="0">
+              <a:buNone/>
+              <a:defRPr sz="1600" b="1"/>
+            </a:lvl7pPr>
+            <a:lvl8pPr marL="3200400" indent="0">
+              <a:buNone/>
+              <a:defRPr sz="1600" b="1"/>
+            </a:lvl8pPr>
+            <a:lvl9pPr marL="3657600" indent="0">
+              <a:buNone/>
+              <a:defRPr sz="1600" b="1"/>
+            </a:lvl9pPr>
+          </a:lstStyle>
+          <a:p>
+            <a:pPr lvl="0"/>
+            <a:r>
+              <a:rPr lang="fr-FR"/>
+              <a:t>Modifier les styles du texte du masque</a:t>
+            </a:r>
+          </a:p>
+        </p:txBody>
+      </p:sp>
+      <p:sp>
+        <p:nvSpPr>
+          <p:cNvPr id="20" name="Picture Placeholder 2"/>
+          <p:cNvSpPr>
+            <a:spLocks noGrp="1" noChangeAspect="1"/>
+          </p:cNvSpPr>
+          <p:nvPr>
+            <p:ph type="pic" idx="15"/>
+          </p:nvPr>
+        </p:nvSpPr>
+        <p:spPr>
+          <a:xfrm>
+            <a:off x="819015" y="2092235"/>
+            <a:ext cx="2205038" cy="1524000"/>
+          </a:xfrm>
+          <a:prstGeom prst="roundRect">
+            <a:avLst>
+              <a:gd name="adj" fmla="val 0"/>
+            </a:avLst>
+          </a:prstGeom>
+          <a:noFill/>
+          <a:ln w="146050" cap="sq">
+            <a:solidFill>
+              <a:srgbClr val="FFFFFF"/>
+            </a:solidFill>
+            <a:miter lim="800000"/>
+          </a:ln>
+          <a:effectLst>
+            <a:outerShdw blurRad="55000" dist="18000" dir="5400000" algn="tl" rotWithShape="0">
+              <a:srgbClr val="000000">
+                <a:alpha val="40000"/>
+              </a:srgbClr>
+            </a:outerShdw>
+          </a:effectLst>
+          <a:scene3d>
+            <a:camera prst="orthographicFront"/>
+            <a:lightRig rig="twoPt" dir="t">
+              <a:rot lat="0" lon="0" rev="7200000"/>
+            </a:lightRig>
+          </a:scene3d>
+          <a:sp3d>
+            <a:bevelT w="25400" h="19050"/>
+            <a:contourClr>
+              <a:srgbClr val="FFFFFF"/>
+            </a:contourClr>
+          </a:sp3d>
+        </p:spPr>
+        <p:txBody>
+          <a:bodyPr anchor="t">
+            <a:normAutofit/>
+          </a:bodyPr>
+          <a:lstStyle>
+            <a:lvl1pPr marL="0" indent="0" algn="ctr">
+              <a:buNone/>
+              <a:defRPr sz="1600"/>
+            </a:lvl1pPr>
+            <a:lvl2pPr marL="457200" indent="0">
+              <a:buNone/>
+              <a:defRPr sz="1600"/>
+            </a:lvl2pPr>
+            <a:lvl3pPr marL="914400" indent="0">
+              <a:buNone/>
+              <a:defRPr sz="1600"/>
+            </a:lvl3pPr>
+            <a:lvl4pPr marL="1371600" indent="0">
+              <a:buNone/>
+              <a:defRPr sz="1600"/>
+            </a:lvl4pPr>
+            <a:lvl5pPr marL="1828800" indent="0">
+              <a:buNone/>
+              <a:defRPr sz="1600"/>
+            </a:lvl5pPr>
+            <a:lvl6pPr marL="2286000" indent="0">
+              <a:buNone/>
+              <a:defRPr sz="1600"/>
+            </a:lvl6pPr>
+            <a:lvl7pPr marL="2743200" indent="0">
+              <a:buNone/>
+              <a:defRPr sz="1600"/>
+            </a:lvl7pPr>
+            <a:lvl8pPr marL="3200400" indent="0">
+              <a:buNone/>
+              <a:defRPr sz="1600"/>
+            </a:lvl8pPr>
+            <a:lvl9pPr marL="3657600" indent="0">
+              <a:buNone/>
+              <a:defRPr sz="1600"/>
+            </a:lvl9pPr>
+          </a:lstStyle>
+          <a:p>
+            <a:r>
+              <a:rPr lang="fr-FR"/>
+              <a:t>Cliquez sur l'icône pour ajouter une image</a:t>
+            </a:r>
+            <a:endParaRPr lang="en-US" dirty="0"/>
+          </a:p>
+        </p:txBody>
+      </p:sp>
+      <p:sp>
+        <p:nvSpPr>
+          <p:cNvPr id="21" name="Text Placeholder 3"/>
+          <p:cNvSpPr>
+            <a:spLocks noGrp="1"/>
+          </p:cNvSpPr>
+          <p:nvPr>
+            <p:ph type="body" sz="half" idx="18"/>
+          </p:nvPr>
+        </p:nvSpPr>
+        <p:spPr>
+          <a:xfrm>
+            <a:off x="685347" y="4565409"/>
+            <a:ext cx="2474216" cy="1225792"/>
+          </a:xfrm>
+        </p:spPr>
+        <p:txBody>
+          <a:bodyPr anchor="t">
+            <a:normAutofit/>
+          </a:bodyPr>
+          <a:lstStyle>
+            <a:lvl1pPr marL="0" indent="0" algn="ctr">
+              <a:buNone/>
+              <a:defRPr sz="1400"/>
+            </a:lvl1pPr>
+            <a:lvl2pPr marL="457200" indent="0">
+              <a:buNone/>
+              <a:defRPr sz="1200"/>
+            </a:lvl2pPr>
+            <a:lvl3pPr marL="914400" indent="0">
+              <a:buNone/>
+              <a:defRPr sz="1000"/>
+            </a:lvl3pPr>
+            <a:lvl4pPr marL="1371600" indent="0">
+              <a:buNone/>
+              <a:defRPr sz="900"/>
+            </a:lvl4pPr>
+            <a:lvl5pPr marL="1828800" indent="0">
+              <a:buNone/>
+              <a:defRPr sz="900"/>
+            </a:lvl5pPr>
+            <a:lvl6pPr marL="2286000" indent="0">
+              <a:buNone/>
+              <a:defRPr sz="900"/>
+            </a:lvl6pPr>
+            <a:lvl7pPr marL="2743200" indent="0">
+              <a:buNone/>
+              <a:defRPr sz="900"/>
+            </a:lvl7pPr>
+            <a:lvl8pPr marL="3200400" indent="0">
+              <a:buNone/>
+              <a:defRPr sz="900"/>
+            </a:lvl8pPr>
+            <a:lvl9pPr marL="3657600" indent="0">
+              <a:buNone/>
+              <a:defRPr sz="900"/>
+            </a:lvl9pPr>
+          </a:lstStyle>
+          <a:p>
+            <a:pPr lvl="0"/>
+            <a:r>
+              <a:rPr lang="fr-FR"/>
+              <a:t>Modifier les styles du texte du masque</a:t>
+            </a:r>
+          </a:p>
+        </p:txBody>
+      </p:sp>
+      <p:sp>
+        <p:nvSpPr>
+          <p:cNvPr id="22" name="Text Placeholder 4"/>
+          <p:cNvSpPr>
+            <a:spLocks noGrp="1"/>
+          </p:cNvSpPr>
+          <p:nvPr>
+            <p:ph type="body" sz="quarter" idx="3"/>
+          </p:nvPr>
+        </p:nvSpPr>
+        <p:spPr>
+          <a:xfrm>
+            <a:off x="3332026" y="3989147"/>
+            <a:ext cx="2474237" cy="576262"/>
+          </a:xfrm>
+        </p:spPr>
+        <p:txBody>
+          <a:bodyPr anchor="b">
+            <a:noAutofit/>
+          </a:bodyPr>
+          <a:lstStyle>
+            <a:lvl1pPr marL="0" indent="0" algn="ctr">
+              <a:lnSpc>
+                <a:spcPct val="100000"/>
+              </a:lnSpc>
+              <a:buNone/>
+              <a:defRPr sz="2000" b="0">
+                <a:solidFill>
+                  <a:schemeClr val="tx1"/>
+                </a:solidFill>
+              </a:defRPr>
+            </a:lvl1pPr>
+            <a:lvl2pPr marL="457200" indent="0">
+              <a:buNone/>
+              <a:defRPr sz="2000" b="1"/>
+            </a:lvl2pPr>
+            <a:lvl3pPr marL="914400" indent="0">
+              <a:buNone/>
+              <a:defRPr sz="1800" b="1"/>
+            </a:lvl3pPr>
+            <a:lvl4pPr marL="1371600" indent="0">
+              <a:buNone/>
+              <a:defRPr sz="1600" b="1"/>
+            </a:lvl4pPr>
+            <a:lvl5pPr marL="1828800" indent="0">
+              <a:buNone/>
+              <a:defRPr sz="1600" b="1"/>
+            </a:lvl5pPr>
+            <a:lvl6pPr marL="2286000" indent="0">
+              <a:buNone/>
+              <a:defRPr sz="1600" b="1"/>
+            </a:lvl6pPr>
+            <a:lvl7pPr marL="2743200" indent="0">
+              <a:buNone/>
+              <a:defRPr sz="1600" b="1"/>
+            </a:lvl7pPr>
+            <a:lvl8pPr marL="3200400" indent="0">
+              <a:buNone/>
+              <a:defRPr sz="1600" b="1"/>
+            </a:lvl8pPr>
+            <a:lvl9pPr marL="3657600" indent="0">
+              <a:buNone/>
+              <a:defRPr sz="1600" b="1"/>
+            </a:lvl9pPr>
+          </a:lstStyle>
+          <a:p>
+            <a:pPr lvl="0"/>
+            <a:r>
+              <a:rPr lang="fr-FR"/>
+              <a:t>Modifier les styles du texte du masque</a:t>
+            </a:r>
+          </a:p>
+        </p:txBody>
+      </p:sp>
+      <p:sp>
+        <p:nvSpPr>
+          <p:cNvPr id="23" name="Picture Placeholder 2"/>
+          <p:cNvSpPr>
+            <a:spLocks noGrp="1" noChangeAspect="1"/>
+          </p:cNvSpPr>
+          <p:nvPr>
+            <p:ph type="pic" idx="21"/>
+          </p:nvPr>
+        </p:nvSpPr>
+        <p:spPr>
+          <a:xfrm>
+            <a:off x="3426747" y="2092235"/>
+            <a:ext cx="2197894" cy="1524000"/>
+          </a:xfrm>
+          <a:prstGeom prst="roundRect">
+            <a:avLst>
+              <a:gd name="adj" fmla="val 0"/>
+            </a:avLst>
+          </a:prstGeom>
+          <a:noFill/>
+          <a:ln w="146050" cap="sq">
+            <a:solidFill>
+              <a:srgbClr val="FFFFFF"/>
+            </a:solidFill>
+            <a:miter lim="800000"/>
+          </a:ln>
+          <a:effectLst>
+            <a:outerShdw blurRad="55000" dist="18000" dir="5400000" algn="tl" rotWithShape="0">
+              <a:srgbClr val="000000">
+                <a:alpha val="40000"/>
+              </a:srgbClr>
+            </a:outerShdw>
+          </a:effectLst>
+          <a:scene3d>
+            <a:camera prst="orthographicFront"/>
+            <a:lightRig rig="twoPt" dir="t">
+              <a:rot lat="0" lon="0" rev="7200000"/>
+            </a:lightRig>
+          </a:scene3d>
+          <a:sp3d>
+            <a:bevelT w="25400" h="19050"/>
+            <a:contourClr>
+              <a:srgbClr val="FFFFFF"/>
+            </a:contourClr>
+          </a:sp3d>
+        </p:spPr>
+        <p:txBody>
+          <a:bodyPr anchor="t">
+            <a:normAutofit/>
+          </a:bodyPr>
+          <a:lstStyle>
+            <a:lvl1pPr marL="0" indent="0" algn="ctr">
+              <a:buNone/>
+              <a:defRPr sz="1600"/>
+            </a:lvl1pPr>
+            <a:lvl2pPr marL="457200" indent="0">
+              <a:buNone/>
+              <a:defRPr sz="1600"/>
+            </a:lvl2pPr>
+            <a:lvl3pPr marL="914400" indent="0">
+              <a:buNone/>
+              <a:defRPr sz="1600"/>
+            </a:lvl3pPr>
+            <a:lvl4pPr marL="1371600" indent="0">
+              <a:buNone/>
+              <a:defRPr sz="1600"/>
+            </a:lvl4pPr>
+            <a:lvl5pPr marL="1828800" indent="0">
+              <a:buNone/>
+              <a:defRPr sz="1600"/>
+            </a:lvl5pPr>
+            <a:lvl6pPr marL="2286000" indent="0">
+              <a:buNone/>
+              <a:defRPr sz="1600"/>
+            </a:lvl6pPr>
+            <a:lvl7pPr marL="2743200" indent="0">
+              <a:buNone/>
+              <a:defRPr sz="1600"/>
+            </a:lvl7pPr>
+            <a:lvl8pPr marL="3200400" indent="0">
+              <a:buNone/>
+              <a:defRPr sz="1600"/>
+            </a:lvl8pPr>
+            <a:lvl9pPr marL="3657600" indent="0">
+              <a:buNone/>
+              <a:defRPr sz="1600"/>
+            </a:lvl9pPr>
+          </a:lstStyle>
+          <a:p>
+            <a:r>
+              <a:rPr lang="fr-FR"/>
+              <a:t>Cliquez sur l'icône pour ajouter une image</a:t>
+            </a:r>
+            <a:endParaRPr lang="en-US" dirty="0"/>
+          </a:p>
+        </p:txBody>
+      </p:sp>
+      <p:sp>
+        <p:nvSpPr>
+          <p:cNvPr id="24" name="Text Placeholder 3"/>
+          <p:cNvSpPr>
+            <a:spLocks noGrp="1"/>
+          </p:cNvSpPr>
+          <p:nvPr>
+            <p:ph type="body" sz="half" idx="19"/>
+          </p:nvPr>
+        </p:nvSpPr>
+        <p:spPr>
+          <a:xfrm>
+            <a:off x="3331011" y="4565408"/>
+            <a:ext cx="2475252" cy="1225792"/>
+          </a:xfrm>
+        </p:spPr>
+        <p:txBody>
+          <a:bodyPr anchor="t">
+            <a:normAutofit/>
+          </a:bodyPr>
+          <a:lstStyle>
+            <a:lvl1pPr marL="0" indent="0" algn="ctr">
+              <a:buNone/>
+              <a:defRPr sz="1400"/>
+            </a:lvl1pPr>
+            <a:lvl2pPr marL="457200" indent="0">
+              <a:buNone/>
+              <a:defRPr sz="1200"/>
+            </a:lvl2pPr>
+            <a:lvl3pPr marL="914400" indent="0">
+              <a:buNone/>
+              <a:defRPr sz="1000"/>
+            </a:lvl3pPr>
+            <a:lvl4pPr marL="1371600" indent="0">
+              <a:buNone/>
+              <a:defRPr sz="900"/>
+            </a:lvl4pPr>
+            <a:lvl5pPr marL="1828800" indent="0">
+              <a:buNone/>
+              <a:defRPr sz="900"/>
+            </a:lvl5pPr>
+            <a:lvl6pPr marL="2286000" indent="0">
+              <a:buNone/>
+              <a:defRPr sz="900"/>
+            </a:lvl6pPr>
+            <a:lvl7pPr marL="2743200" indent="0">
+              <a:buNone/>
+              <a:defRPr sz="900"/>
+            </a:lvl7pPr>
+            <a:lvl8pPr marL="3200400" indent="0">
+              <a:buNone/>
+              <a:defRPr sz="900"/>
+            </a:lvl8pPr>
+            <a:lvl9pPr marL="3657600" indent="0">
+              <a:buNone/>
+              <a:defRPr sz="900"/>
+            </a:lvl9pPr>
+          </a:lstStyle>
+          <a:p>
+            <a:pPr lvl="0"/>
+            <a:r>
+              <a:rPr lang="fr-FR"/>
+              <a:t>Modifier les styles du texte du masque</a:t>
+            </a:r>
+          </a:p>
+        </p:txBody>
+      </p:sp>
+      <p:sp>
+        <p:nvSpPr>
+          <p:cNvPr id="25" name="Text Placeholder 4"/>
+          <p:cNvSpPr>
+            <a:spLocks noGrp="1"/>
+          </p:cNvSpPr>
+          <p:nvPr>
+            <p:ph type="body" sz="quarter" idx="13"/>
+          </p:nvPr>
+        </p:nvSpPr>
+        <p:spPr>
+          <a:xfrm>
+            <a:off x="5980067" y="3989147"/>
+            <a:ext cx="2467425" cy="576262"/>
+          </a:xfrm>
+        </p:spPr>
+        <p:txBody>
+          <a:bodyPr anchor="b">
+            <a:noAutofit/>
+          </a:bodyPr>
+          <a:lstStyle>
+            <a:lvl1pPr marL="0" indent="0" algn="ctr">
+              <a:lnSpc>
+                <a:spcPct val="100000"/>
+              </a:lnSpc>
+              <a:buNone/>
+              <a:defRPr sz="2000" b="0">
+                <a:solidFill>
+                  <a:schemeClr val="tx1"/>
+                </a:solidFill>
+              </a:defRPr>
+            </a:lvl1pPr>
+            <a:lvl2pPr marL="457200" indent="0">
+              <a:buNone/>
+              <a:defRPr sz="2000" b="1"/>
+            </a:lvl2pPr>
+            <a:lvl3pPr marL="914400" indent="0">
+              <a:buNone/>
+              <a:defRPr sz="1800" b="1"/>
+            </a:lvl3pPr>
+            <a:lvl4pPr marL="1371600" indent="0">
+              <a:buNone/>
+              <a:defRPr sz="1600" b="1"/>
+            </a:lvl4pPr>
+            <a:lvl5pPr marL="1828800" indent="0">
+              <a:buNone/>
+              <a:defRPr sz="1600" b="1"/>
+            </a:lvl5pPr>
+            <a:lvl6pPr marL="2286000" indent="0">
+              <a:buNone/>
+              <a:defRPr sz="1600" b="1"/>
+            </a:lvl6pPr>
+            <a:lvl7pPr marL="2743200" indent="0">
+              <a:buNone/>
+              <a:defRPr sz="1600" b="1"/>
+            </a:lvl7pPr>
+            <a:lvl8pPr marL="3200400" indent="0">
+              <a:buNone/>
+              <a:defRPr sz="1600" b="1"/>
+            </a:lvl8pPr>
+            <a:lvl9pPr marL="3657600" indent="0">
+              <a:buNone/>
+              <a:defRPr sz="1600" b="1"/>
+            </a:lvl9pPr>
+          </a:lstStyle>
+          <a:p>
+            <a:pPr lvl="0"/>
+            <a:r>
+              <a:rPr lang="fr-FR"/>
+              <a:t>Modifier les styles du texte du masque</a:t>
+            </a:r>
+          </a:p>
+        </p:txBody>
+      </p:sp>
+      <p:sp>
+        <p:nvSpPr>
+          <p:cNvPr id="26" name="Picture Placeholder 2"/>
+          <p:cNvSpPr>
+            <a:spLocks noGrp="1" noChangeAspect="1"/>
+          </p:cNvSpPr>
+          <p:nvPr>
+            <p:ph type="pic" idx="22"/>
+          </p:nvPr>
+        </p:nvSpPr>
+        <p:spPr>
+          <a:xfrm>
+            <a:off x="6114603" y="2092235"/>
+            <a:ext cx="2199085" cy="1524000"/>
+          </a:xfrm>
+          <a:prstGeom prst="roundRect">
+            <a:avLst>
+              <a:gd name="adj" fmla="val 0"/>
+            </a:avLst>
+          </a:prstGeom>
+          <a:noFill/>
+          <a:ln w="146050" cap="sq">
+            <a:solidFill>
+              <a:srgbClr val="FFFFFF"/>
+            </a:solidFill>
+            <a:miter lim="800000"/>
+          </a:ln>
+          <a:effectLst>
+            <a:outerShdw blurRad="55000" dist="18000" dir="5400000" algn="tl" rotWithShape="0">
+              <a:srgbClr val="000000">
+                <a:alpha val="40000"/>
+              </a:srgbClr>
+            </a:outerShdw>
+          </a:effectLst>
+          <a:scene3d>
+            <a:camera prst="orthographicFront"/>
+            <a:lightRig rig="twoPt" dir="t">
+              <a:rot lat="0" lon="0" rev="7200000"/>
+            </a:lightRig>
+          </a:scene3d>
+          <a:sp3d>
+            <a:bevelT w="25400" h="19050"/>
+            <a:contourClr>
+              <a:srgbClr val="FFFFFF"/>
+            </a:contourClr>
+          </a:sp3d>
+        </p:spPr>
+        <p:txBody>
+          <a:bodyPr anchor="t">
+            <a:normAutofit/>
+          </a:bodyPr>
+          <a:lstStyle>
+            <a:lvl1pPr marL="0" indent="0" algn="ctr">
+              <a:buNone/>
+              <a:defRPr sz="1600"/>
+            </a:lvl1pPr>
+            <a:lvl2pPr marL="457200" indent="0">
+              <a:buNone/>
+              <a:defRPr sz="1600"/>
+            </a:lvl2pPr>
+            <a:lvl3pPr marL="914400" indent="0">
+              <a:buNone/>
+              <a:defRPr sz="1600"/>
+            </a:lvl3pPr>
+            <a:lvl4pPr marL="1371600" indent="0">
+              <a:buNone/>
+              <a:defRPr sz="1600"/>
+            </a:lvl4pPr>
+            <a:lvl5pPr marL="1828800" indent="0">
+              <a:buNone/>
+              <a:defRPr sz="1600"/>
+            </a:lvl5pPr>
+            <a:lvl6pPr marL="2286000" indent="0">
+              <a:buNone/>
+              <a:defRPr sz="1600"/>
+            </a:lvl6pPr>
+            <a:lvl7pPr marL="2743200" indent="0">
+              <a:buNone/>
+              <a:defRPr sz="1600"/>
+            </a:lvl7pPr>
+            <a:lvl8pPr marL="3200400" indent="0">
+              <a:buNone/>
+              <a:defRPr sz="1600"/>
+            </a:lvl8pPr>
+            <a:lvl9pPr marL="3657600" indent="0">
+              <a:buNone/>
+              <a:defRPr sz="1600"/>
+            </a:lvl9pPr>
+          </a:lstStyle>
+          <a:p>
+            <a:r>
+              <a:rPr lang="fr-FR"/>
+              <a:t>Cliquez sur l'icône pour ajouter une image</a:t>
+            </a:r>
+            <a:endParaRPr lang="en-US" dirty="0"/>
+          </a:p>
+        </p:txBody>
+      </p:sp>
+      <p:sp>
+        <p:nvSpPr>
+          <p:cNvPr id="27" name="Text Placeholder 3"/>
+          <p:cNvSpPr>
+            <a:spLocks noGrp="1"/>
+          </p:cNvSpPr>
+          <p:nvPr>
+            <p:ph type="body" sz="half" idx="20"/>
+          </p:nvPr>
+        </p:nvSpPr>
+        <p:spPr>
+          <a:xfrm>
+            <a:off x="5979973" y="4565410"/>
+            <a:ext cx="2470694" cy="1225790"/>
+          </a:xfrm>
+        </p:spPr>
+        <p:txBody>
+          <a:bodyPr anchor="t">
+            <a:normAutofit/>
+          </a:bodyPr>
+          <a:lstStyle>
+            <a:lvl1pPr marL="0" indent="0" algn="ctr">
+              <a:buNone/>
+              <a:defRPr sz="1400"/>
+            </a:lvl1pPr>
+            <a:lvl2pPr marL="457200" indent="0">
+              <a:buNone/>
+              <a:defRPr sz="1200"/>
+            </a:lvl2pPr>
+            <a:lvl3pPr marL="914400" indent="0">
+              <a:buNone/>
+              <a:defRPr sz="1000"/>
+            </a:lvl3pPr>
+            <a:lvl4pPr marL="1371600" indent="0">
+              <a:buNone/>
+              <a:defRPr sz="900"/>
+            </a:lvl4pPr>
+            <a:lvl5pPr marL="1828800" indent="0">
+              <a:buNone/>
+              <a:defRPr sz="900"/>
+            </a:lvl5pPr>
+            <a:lvl6pPr marL="2286000" indent="0">
+              <a:buNone/>
+              <a:defRPr sz="900"/>
+            </a:lvl6pPr>
+            <a:lvl7pPr marL="2743200" indent="0">
+              <a:buNone/>
+              <a:defRPr sz="900"/>
+            </a:lvl7pPr>
+            <a:lvl8pPr marL="3200400" indent="0">
+              <a:buNone/>
+              <a:defRPr sz="900"/>
+            </a:lvl8pPr>
+            <a:lvl9pPr marL="3657600" indent="0">
+              <a:buNone/>
+              <a:defRPr sz="900"/>
+            </a:lvl9pPr>
+          </a:lstStyle>
+          <a:p>
+            <a:pPr lvl="0"/>
+            <a:r>
+              <a:rPr lang="fr-FR"/>
+              <a:t>Modifier les styles du texte du masque</a:t>
+            </a:r>
+          </a:p>
+        </p:txBody>
+      </p:sp>
+      <p:sp>
+        <p:nvSpPr>
+          <p:cNvPr id="3" name="Date Placeholder 2"/>
+          <p:cNvSpPr>
+            <a:spLocks noGrp="1"/>
+          </p:cNvSpPr>
+          <p:nvPr>
+            <p:ph type="dt" sz="half" idx="10"/>
+          </p:nvPr>
+        </p:nvSpPr>
+        <p:spPr/>
+        <p:txBody>
+          <a:bodyPr/>
+          <a:lstStyle/>
+          <a:p>
+            <a:fld id="{AA309A6D-C09C-4548-B29A-6CF363A7E532}" type="datetimeFigureOut">
+              <a:rPr lang="fr-FR" smtClean="0"/>
+              <a:t>14/01/2019</a:t>
+            </a:fld>
+            <a:endParaRPr lang="fr-BE"/>
+          </a:p>
+        </p:txBody>
+      </p:sp>
+      <p:sp>
+        <p:nvSpPr>
+          <p:cNvPr id="4" name="Footer Placeholder 3"/>
+          <p:cNvSpPr>
+            <a:spLocks noGrp="1"/>
+          </p:cNvSpPr>
+          <p:nvPr>
+            <p:ph type="ftr" sz="quarter" idx="11"/>
+          </p:nvPr>
+        </p:nvSpPr>
+        <p:spPr/>
+        <p:txBody>
+          <a:bodyPr/>
+          <a:lstStyle/>
+          <a:p>
+            <a:endParaRPr lang="fr-BE"/>
+          </a:p>
+        </p:txBody>
+      </p:sp>
+      <p:sp>
+        <p:nvSpPr>
+          <p:cNvPr id="5" name="Slide Number Placeholder 4"/>
+          <p:cNvSpPr>
+            <a:spLocks noGrp="1"/>
+          </p:cNvSpPr>
+          <p:nvPr>
+            <p:ph type="sldNum" sz="quarter" idx="12"/>
+          </p:nvPr>
+        </p:nvSpPr>
+        <p:spPr/>
+        <p:txBody>
+          <a:bodyPr/>
+          <a:lstStyle/>
+          <a:p>
+            <a:fld id="{CF4668DC-857F-487D-BFFA-8C0CA5037977}" type="slidenum">
+              <a:rPr lang="fr-BE" smtClean="0"/>
+              <a:t>‹N°›</a:t>
+            </a:fld>
+            <a:endParaRPr lang="fr-BE"/>
+          </a:p>
+        </p:txBody>
+      </p:sp>
+    </p:spTree>
+    <p:extLst>
+      <p:ext uri="{BB962C8B-B14F-4D97-AF65-F5344CB8AC3E}">
+        <p14:creationId xmlns:p14="http://schemas.microsoft.com/office/powerpoint/2010/main" val="2203987887"/>
+      </p:ext>
+    </p:extLst>
+  </p:cSld>
+  <p:clrMapOvr>
+    <a:masterClrMapping/>
+  </p:clrMapOvr>
+</p:sldLayout>
+</file>
+
+<file path=ppt/slideLayouts/slideLayout16.xml><?xml version="1.0" encoding="utf-8"?>
 <p:sldLayout xmlns:a="http://schemas.openxmlformats.org/drawingml/2006/main" xmlns:r="http://schemas.openxmlformats.org/officeDocument/2006/relationships" xmlns:p="http://schemas.openxmlformats.org/presentationml/2006/main" type="vertTx" preserve="1">
   <p:cSld name="Titre et texte vertical">
     <p:spTree>
@@ -389,10 +2908,10 @@
           <a:lstStyle/>
           <a:p>
             <a:r>
-              <a:rPr kumimoji="0" lang="fr-FR"/>
+              <a:rPr lang="fr-FR"/>
               <a:t>Modifiez le style du titre</a:t>
             </a:r>
-            <a:endParaRPr kumimoji="0" lang="en-US"/>
+            <a:endParaRPr lang="en-US" dirty="0"/>
           </a:p>
         </p:txBody>
       </p:sp>
@@ -411,40 +2930,40 @@
           <a:bodyPr vert="eaVert"/>
           <a:lstStyle/>
           <a:p>
-            <a:pPr lvl="0" eaLnBrk="1" latinLnBrk="0" hangingPunct="1"/>
-            <a:r>
-              <a:rPr lang="fr-FR"/>
-              <a:t>Modifiez les styles du texte du masque</a:t>
-            </a:r>
-          </a:p>
-          <a:p>
-            <a:pPr lvl="1" eaLnBrk="1" latinLnBrk="0" hangingPunct="1"/>
+            <a:pPr lvl="0"/>
+            <a:r>
+              <a:rPr lang="fr-FR"/>
+              <a:t>Modifier les styles du texte du masque</a:t>
+            </a:r>
+          </a:p>
+          <a:p>
+            <a:pPr lvl="1"/>
             <a:r>
               <a:rPr lang="fr-FR"/>
               <a:t>Deuxième niveau</a:t>
             </a:r>
           </a:p>
           <a:p>
-            <a:pPr lvl="2" eaLnBrk="1" latinLnBrk="0" hangingPunct="1"/>
+            <a:pPr lvl="2"/>
             <a:r>
               <a:rPr lang="fr-FR"/>
               <a:t>Troisième niveau</a:t>
             </a:r>
           </a:p>
           <a:p>
-            <a:pPr lvl="3" eaLnBrk="1" latinLnBrk="0" hangingPunct="1"/>
+            <a:pPr lvl="3"/>
             <a:r>
               <a:rPr lang="fr-FR"/>
               <a:t>Quatrième niveau</a:t>
             </a:r>
           </a:p>
           <a:p>
-            <a:pPr lvl="4" eaLnBrk="1" latinLnBrk="0" hangingPunct="1"/>
+            <a:pPr lvl="4"/>
             <a:r>
               <a:rPr lang="fr-FR"/>
               <a:t>Cinquième niveau</a:t>
             </a:r>
-            <a:endParaRPr kumimoji="0" lang="en-US"/>
+            <a:endParaRPr lang="en-US" dirty="0"/>
           </a:p>
         </p:txBody>
       </p:sp>
@@ -465,7 +2984,7 @@
           <a:p>
             <a:fld id="{AA309A6D-C09C-4548-B29A-6CF363A7E532}" type="datetimeFigureOut">
               <a:rPr lang="fr-FR" smtClean="0"/>
-              <a:t>12/01/2019</a:t>
+              <a:t>14/01/2019</a:t>
             </a:fld>
             <a:endParaRPr lang="fr-BE"/>
           </a:p>
@@ -514,6 +3033,11 @@
         </p:txBody>
       </p:sp>
     </p:spTree>
+    <p:extLst>
+      <p:ext uri="{BB962C8B-B14F-4D97-AF65-F5344CB8AC3E}">
+        <p14:creationId xmlns:p14="http://schemas.microsoft.com/office/powerpoint/2010/main" val="839021000"/>
+      </p:ext>
+    </p:extLst>
   </p:cSld>
   <p:clrMapOvr>
     <a:masterClrMapping/>
@@ -521,7 +3045,7 @@
 </p:sldLayout>
 </file>
 
-<file path=ppt/slideLayouts/slideLayout11.xml><?xml version="1.0" encoding="utf-8"?>
+<file path=ppt/slideLayouts/slideLayout17.xml><?xml version="1.0" encoding="utf-8"?>
 <p:sldLayout xmlns:a="http://schemas.openxmlformats.org/drawingml/2006/main" xmlns:r="http://schemas.openxmlformats.org/officeDocument/2006/relationships" xmlns:p="http://schemas.openxmlformats.org/presentationml/2006/main" type="vertTitleAndTx" preserve="1">
   <p:cSld name="Titre vertical et texte">
     <p:spTree>
@@ -550,19 +3074,23 @@
         </p:nvSpPr>
         <p:spPr>
           <a:xfrm>
-            <a:off x="6629400" y="914401"/>
-            <a:ext cx="2057400" cy="5211763"/>
+            <a:off x="6543675" y="609600"/>
+            <a:ext cx="1906993" cy="5181601"/>
           </a:xfrm>
         </p:spPr>
         <p:txBody>
           <a:bodyPr vert="eaVert"/>
-          <a:lstStyle/>
-          <a:p>
-            <a:r>
-              <a:rPr kumimoji="0" lang="fr-FR"/>
+          <a:lstStyle>
+            <a:lvl1pPr algn="l">
+              <a:defRPr/>
+            </a:lvl1pPr>
+          </a:lstStyle>
+          <a:p>
+            <a:r>
+              <a:rPr lang="fr-FR"/>
               <a:t>Modifiez le style du titre</a:t>
             </a:r>
-            <a:endParaRPr kumimoji="0" lang="en-US"/>
+            <a:endParaRPr lang="en-US" dirty="0"/>
           </a:p>
         </p:txBody>
       </p:sp>
@@ -578,48 +3106,48 @@
         </p:nvSpPr>
         <p:spPr>
           <a:xfrm>
-            <a:off x="457200" y="914401"/>
-            <a:ext cx="6019800" cy="5211763"/>
+            <a:off x="685346" y="609600"/>
+            <a:ext cx="5744029" cy="5181601"/>
           </a:xfrm>
         </p:spPr>
         <p:txBody>
           <a:bodyPr vert="eaVert"/>
           <a:lstStyle/>
           <a:p>
-            <a:pPr lvl="0" eaLnBrk="1" latinLnBrk="0" hangingPunct="1"/>
-            <a:r>
-              <a:rPr lang="fr-FR"/>
-              <a:t>Modifiez les styles du texte du masque</a:t>
-            </a:r>
-          </a:p>
-          <a:p>
-            <a:pPr lvl="1" eaLnBrk="1" latinLnBrk="0" hangingPunct="1"/>
+            <a:pPr lvl="0"/>
+            <a:r>
+              <a:rPr lang="fr-FR"/>
+              <a:t>Modifier les styles du texte du masque</a:t>
+            </a:r>
+          </a:p>
+          <a:p>
+            <a:pPr lvl="1"/>
             <a:r>
               <a:rPr lang="fr-FR"/>
               <a:t>Deuxième niveau</a:t>
             </a:r>
           </a:p>
           <a:p>
-            <a:pPr lvl="2" eaLnBrk="1" latinLnBrk="0" hangingPunct="1"/>
+            <a:pPr lvl="2"/>
             <a:r>
               <a:rPr lang="fr-FR"/>
               <a:t>Troisième niveau</a:t>
             </a:r>
           </a:p>
           <a:p>
-            <a:pPr lvl="3" eaLnBrk="1" latinLnBrk="0" hangingPunct="1"/>
+            <a:pPr lvl="3"/>
             <a:r>
               <a:rPr lang="fr-FR"/>
               <a:t>Quatrième niveau</a:t>
             </a:r>
           </a:p>
           <a:p>
-            <a:pPr lvl="4" eaLnBrk="1" latinLnBrk="0" hangingPunct="1"/>
+            <a:pPr lvl="4"/>
             <a:r>
               <a:rPr lang="fr-FR"/>
               <a:t>Cinquième niveau</a:t>
             </a:r>
-            <a:endParaRPr kumimoji="0" lang="en-US"/>
+            <a:endParaRPr lang="en-US" dirty="0"/>
           </a:p>
         </p:txBody>
       </p:sp>
@@ -640,7 +3168,7 @@
           <a:p>
             <a:fld id="{AA309A6D-C09C-4548-B29A-6CF363A7E532}" type="datetimeFigureOut">
               <a:rPr lang="fr-FR" smtClean="0"/>
-              <a:t>12/01/2019</a:t>
+              <a:t>14/01/2019</a:t>
             </a:fld>
             <a:endParaRPr lang="fr-BE"/>
           </a:p>
@@ -689,6 +3217,11 @@
         </p:txBody>
       </p:sp>
     </p:spTree>
+    <p:extLst>
+      <p:ext uri="{BB962C8B-B14F-4D97-AF65-F5344CB8AC3E}">
+        <p14:creationId xmlns:p14="http://schemas.microsoft.com/office/powerpoint/2010/main" val="3554491282"/>
+      </p:ext>
+    </p:extLst>
   </p:cSld>
   <p:clrMapOvr>
     <a:masterClrMapping/>
@@ -729,10 +3262,10 @@
           <a:lstStyle/>
           <a:p>
             <a:r>
-              <a:rPr kumimoji="0" lang="fr-FR"/>
+              <a:rPr lang="fr-FR"/>
               <a:t>Modifiez le style du titre</a:t>
             </a:r>
-            <a:endParaRPr kumimoji="0" lang="en-US"/>
+            <a:endParaRPr lang="en-US" dirty="0"/>
           </a:p>
         </p:txBody>
       </p:sp>
@@ -751,40 +3284,40 @@
           <a:bodyPr/>
           <a:lstStyle/>
           <a:p>
-            <a:pPr lvl="0" eaLnBrk="1" latinLnBrk="0" hangingPunct="1"/>
-            <a:r>
-              <a:rPr lang="fr-FR"/>
-              <a:t>Modifiez les styles du texte du masque</a:t>
-            </a:r>
-          </a:p>
-          <a:p>
-            <a:pPr lvl="1" eaLnBrk="1" latinLnBrk="0" hangingPunct="1"/>
+            <a:pPr lvl="0"/>
+            <a:r>
+              <a:rPr lang="fr-FR"/>
+              <a:t>Modifier les styles du texte du masque</a:t>
+            </a:r>
+          </a:p>
+          <a:p>
+            <a:pPr lvl="1"/>
             <a:r>
               <a:rPr lang="fr-FR"/>
               <a:t>Deuxième niveau</a:t>
             </a:r>
           </a:p>
           <a:p>
-            <a:pPr lvl="2" eaLnBrk="1" latinLnBrk="0" hangingPunct="1"/>
+            <a:pPr lvl="2"/>
             <a:r>
               <a:rPr lang="fr-FR"/>
               <a:t>Troisième niveau</a:t>
             </a:r>
           </a:p>
           <a:p>
-            <a:pPr lvl="3" eaLnBrk="1" latinLnBrk="0" hangingPunct="1"/>
+            <a:pPr lvl="3"/>
             <a:r>
               <a:rPr lang="fr-FR"/>
               <a:t>Quatrième niveau</a:t>
             </a:r>
           </a:p>
           <a:p>
-            <a:pPr lvl="4" eaLnBrk="1" latinLnBrk="0" hangingPunct="1"/>
+            <a:pPr lvl="4"/>
             <a:r>
               <a:rPr lang="fr-FR"/>
               <a:t>Cinquième niveau</a:t>
             </a:r>
-            <a:endParaRPr kumimoji="0" lang="en-US"/>
+            <a:endParaRPr lang="en-US" dirty="0"/>
           </a:p>
         </p:txBody>
       </p:sp>
@@ -805,7 +3338,7 @@
           <a:p>
             <a:fld id="{AA309A6D-C09C-4548-B29A-6CF363A7E532}" type="datetimeFigureOut">
               <a:rPr lang="fr-FR" smtClean="0"/>
-              <a:t>12/01/2019</a:t>
+              <a:t>14/01/2019</a:t>
             </a:fld>
             <a:endParaRPr lang="fr-BE"/>
           </a:p>
@@ -854,6 +3387,11 @@
         </p:txBody>
       </p:sp>
     </p:spTree>
+    <p:extLst>
+      <p:ext uri="{BB962C8B-B14F-4D97-AF65-F5344CB8AC3E}">
+        <p14:creationId xmlns:p14="http://schemas.microsoft.com/office/powerpoint/2010/main" val="846575682"/>
+      </p:ext>
+    </p:extLst>
   </p:cSld>
   <p:clrMapOvr>
     <a:masterClrMapping/>
@@ -864,11 +3402,6 @@
 <file path=ppt/slideLayouts/slideLayout3.xml><?xml version="1.0" encoding="utf-8"?>
 <p:sldLayout xmlns:a="http://schemas.openxmlformats.org/drawingml/2006/main" xmlns:r="http://schemas.openxmlformats.org/officeDocument/2006/relationships" xmlns:p="http://schemas.openxmlformats.org/presentationml/2006/main" type="secHead" preserve="1">
   <p:cSld name="Titre de section">
-    <p:bg>
-      <p:bgRef idx="1002">
-        <a:schemeClr val="bg2"/>
-      </p:bgRef>
-    </p:bg>
     <p:spTree>
       <p:nvGrpSpPr>
         <p:cNvPr id="1" name=""/>
@@ -895,61 +3428,25 @@
         </p:nvSpPr>
         <p:spPr>
           <a:xfrm>
-            <a:off x="530352" y="1316736"/>
-            <a:ext cx="7772400" cy="1362456"/>
+            <a:off x="921933" y="657227"/>
+            <a:ext cx="7300134" cy="2852737"/>
           </a:xfrm>
-          <a:ln>
-            <a:noFill/>
-          </a:ln>
         </p:spPr>
         <p:txBody>
-          <a:bodyPr vert="horz" tIns="0" bIns="0" anchor="b">
-            <a:noAutofit/>
-            <a:scene3d>
-              <a:camera prst="orthographicFront"/>
-              <a:lightRig rig="freezing" dir="t">
-                <a:rot lat="0" lon="0" rev="5640000"/>
-              </a:lightRig>
-            </a:scene3d>
-            <a:sp3d prstMaterial="flat">
-              <a:bevelT w="38100" h="38100"/>
-            </a:sp3d>
+          <a:bodyPr anchor="b">
+            <a:normAutofit/>
           </a:bodyPr>
           <a:lstStyle>
-            <a:lvl1pPr algn="l" rtl="0">
-              <a:spcBef>
-                <a:spcPct val="0"/>
-              </a:spcBef>
-              <a:buNone/>
-              <a:defRPr lang="en-US" sz="5600" b="1" cap="none" baseline="0" dirty="0">
-                <a:ln w="635">
-                  <a:noFill/>
-                </a:ln>
-                <a:solidFill>
-                  <a:schemeClr val="accent4">
-                    <a:tint val="90000"/>
-                    <a:satMod val="125000"/>
-                  </a:schemeClr>
-                </a:solidFill>
-                <a:effectLst>
-                  <a:outerShdw blurRad="38100" dist="25400" dir="5400000" algn="tl" rotWithShape="0">
-                    <a:srgbClr val="000000">
-                      <a:alpha val="43000"/>
-                    </a:srgbClr>
-                  </a:outerShdw>
-                </a:effectLst>
-                <a:latin typeface="+mj-lt"/>
-                <a:ea typeface="+mj-ea"/>
-                <a:cs typeface="+mj-cs"/>
-              </a:defRPr>
+            <a:lvl1pPr>
+              <a:defRPr sz="3400"/>
             </a:lvl1pPr>
           </a:lstStyle>
           <a:p>
             <a:r>
-              <a:rPr kumimoji="0" lang="fr-FR"/>
+              <a:rPr lang="fr-FR"/>
               <a:t>Modifiez le style du titre</a:t>
             </a:r>
-            <a:endParaRPr kumimoji="0" lang="en-US"/>
+            <a:endParaRPr lang="en-US" dirty="0"/>
           </a:p>
         </p:txBody>
       </p:sp>
@@ -965,22 +3462,34 @@
         </p:nvSpPr>
         <p:spPr>
           <a:xfrm>
-            <a:off x="530352" y="2704664"/>
-            <a:ext cx="7772400" cy="1509712"/>
+            <a:off x="921933" y="3602039"/>
+            <a:ext cx="7300134" cy="1500187"/>
           </a:xfrm>
         </p:spPr>
         <p:txBody>
-          <a:bodyPr lIns="45720" rIns="45720" anchor="t"/>
+          <a:bodyPr/>
           <a:lstStyle>
-            <a:lvl1pPr marL="0" indent="0">
-              <a:buNone/>
-              <a:defRPr sz="2200">
+            <a:lvl1pPr marL="0" indent="0" algn="ctr">
+              <a:buNone/>
+              <a:defRPr sz="2400">
                 <a:solidFill>
-                  <a:schemeClr val="tx1"/>
+                  <a:schemeClr val="tx1">
+                    <a:tint val="75000"/>
+                  </a:schemeClr>
                 </a:solidFill>
               </a:defRPr>
             </a:lvl1pPr>
-            <a:lvl2pPr>
+            <a:lvl2pPr marL="457200" indent="0">
+              <a:buNone/>
+              <a:defRPr sz="2000">
+                <a:solidFill>
+                  <a:schemeClr val="tx1">
+                    <a:tint val="75000"/>
+                  </a:schemeClr>
+                </a:solidFill>
+              </a:defRPr>
+            </a:lvl2pPr>
+            <a:lvl3pPr marL="914400" indent="0">
               <a:buNone/>
               <a:defRPr sz="1800">
                 <a:solidFill>
@@ -989,8 +3498,8 @@
                   </a:schemeClr>
                 </a:solidFill>
               </a:defRPr>
-            </a:lvl2pPr>
-            <a:lvl3pPr>
+            </a:lvl3pPr>
+            <a:lvl4pPr marL="1371600" indent="0">
               <a:buNone/>
               <a:defRPr sz="1600">
                 <a:solidFill>
@@ -999,20 +3508,10 @@
                   </a:schemeClr>
                 </a:solidFill>
               </a:defRPr>
-            </a:lvl3pPr>
-            <a:lvl4pPr>
-              <a:buNone/>
-              <a:defRPr sz="1400">
-                <a:solidFill>
-                  <a:schemeClr val="tx1">
-                    <a:tint val="75000"/>
-                  </a:schemeClr>
-                </a:solidFill>
-              </a:defRPr>
             </a:lvl4pPr>
-            <a:lvl5pPr>
-              <a:buNone/>
-              <a:defRPr sz="1400">
+            <a:lvl5pPr marL="1828800" indent="0">
+              <a:buNone/>
+              <a:defRPr sz="1600">
                 <a:solidFill>
                   <a:schemeClr val="tx1">
                     <a:tint val="75000"/>
@@ -1020,12 +3519,52 @@
                 </a:solidFill>
               </a:defRPr>
             </a:lvl5pPr>
+            <a:lvl6pPr marL="2286000" indent="0">
+              <a:buNone/>
+              <a:defRPr sz="1600">
+                <a:solidFill>
+                  <a:schemeClr val="tx1">
+                    <a:tint val="75000"/>
+                  </a:schemeClr>
+                </a:solidFill>
+              </a:defRPr>
+            </a:lvl6pPr>
+            <a:lvl7pPr marL="2743200" indent="0">
+              <a:buNone/>
+              <a:defRPr sz="1600">
+                <a:solidFill>
+                  <a:schemeClr val="tx1">
+                    <a:tint val="75000"/>
+                  </a:schemeClr>
+                </a:solidFill>
+              </a:defRPr>
+            </a:lvl7pPr>
+            <a:lvl8pPr marL="3200400" indent="0">
+              <a:buNone/>
+              <a:defRPr sz="1600">
+                <a:solidFill>
+                  <a:schemeClr val="tx1">
+                    <a:tint val="75000"/>
+                  </a:schemeClr>
+                </a:solidFill>
+              </a:defRPr>
+            </a:lvl8pPr>
+            <a:lvl9pPr marL="3657600" indent="0">
+              <a:buNone/>
+              <a:defRPr sz="1600">
+                <a:solidFill>
+                  <a:schemeClr val="tx1">
+                    <a:tint val="75000"/>
+                  </a:schemeClr>
+                </a:solidFill>
+              </a:defRPr>
+            </a:lvl9pPr>
           </a:lstStyle>
           <a:p>
-            <a:pPr lvl="0" eaLnBrk="1" latinLnBrk="0" hangingPunct="1"/>
-            <a:r>
-              <a:rPr kumimoji="0" lang="fr-FR"/>
-              <a:t>Modifiez les styles du texte du masque</a:t>
+            <a:pPr lvl="0"/>
+            <a:r>
+              <a:rPr lang="fr-FR"/>
+              <a:t>Modifier les styles du texte du masque</a:t>
             </a:r>
           </a:p>
         </p:txBody>
@@ -1047,7 +3586,7 @@
           <a:p>
             <a:fld id="{AA309A6D-C09C-4548-B29A-6CF363A7E532}" type="datetimeFigureOut">
               <a:rPr lang="fr-FR" smtClean="0"/>
-              <a:t>12/01/2019</a:t>
+              <a:t>14/01/2019</a:t>
             </a:fld>
             <a:endParaRPr lang="fr-BE"/>
           </a:p>
@@ -1096,9 +3635,14 @@
         </p:txBody>
       </p:sp>
     </p:spTree>
+    <p:extLst>
+      <p:ext uri="{BB962C8B-B14F-4D97-AF65-F5344CB8AC3E}">
+        <p14:creationId xmlns:p14="http://schemas.microsoft.com/office/powerpoint/2010/main" val="3026676509"/>
+      </p:ext>
+    </p:extLst>
   </p:cSld>
   <p:clrMapOvr>
-    <a:overrideClrMapping bg1="dk1" tx1="lt1" bg2="dk2" tx2="lt2" accent1="accent1" accent2="accent2" accent3="accent3" accent4="accent4" accent5="accent5" accent6="accent6" hlink="hlink" folHlink="folHlink"/>
+    <a:masterClrMapping/>
   </p:clrMapOvr>
 </p:sldLayout>
 </file>
@@ -1132,8 +3676,8 @@
         </p:nvSpPr>
         <p:spPr>
           <a:xfrm>
-            <a:off x="457200" y="704088"/>
-            <a:ext cx="8229600" cy="1143000"/>
+            <a:off x="685347" y="609601"/>
+            <a:ext cx="7765321" cy="1326321"/>
           </a:xfrm>
         </p:spPr>
         <p:txBody>
@@ -1141,10 +3685,10 @@
           <a:lstStyle/>
           <a:p>
             <a:r>
-              <a:rPr kumimoji="0" lang="fr-FR"/>
+              <a:rPr lang="fr-FR"/>
               <a:t>Modifiez le style du titre</a:t>
             </a:r>
-            <a:endParaRPr kumimoji="0" lang="en-US"/>
+            <a:endParaRPr lang="en-US" dirty="0"/>
           </a:p>
         </p:txBody>
       </p:sp>
@@ -1160,64 +3704,48 @@
         </p:nvSpPr>
         <p:spPr>
           <a:xfrm>
-            <a:off x="457200" y="1920085"/>
-            <a:ext cx="4038600" cy="4434840"/>
+            <a:off x="685346" y="2088320"/>
+            <a:ext cx="3829503" cy="3702881"/>
           </a:xfrm>
         </p:spPr>
         <p:txBody>
           <a:bodyPr/>
-          <a:lstStyle>
-            <a:lvl1pPr>
-              <a:defRPr sz="2600"/>
-            </a:lvl1pPr>
-            <a:lvl2pPr>
-              <a:defRPr sz="2400"/>
-            </a:lvl2pPr>
-            <a:lvl3pPr>
-              <a:defRPr sz="2000"/>
-            </a:lvl3pPr>
-            <a:lvl4pPr>
-              <a:defRPr sz="1800"/>
-            </a:lvl4pPr>
-            <a:lvl5pPr>
-              <a:defRPr sz="1800"/>
-            </a:lvl5pPr>
-          </a:lstStyle>
-          <a:p>
-            <a:pPr lvl="0" eaLnBrk="1" latinLnBrk="0" hangingPunct="1"/>
-            <a:r>
-              <a:rPr lang="fr-FR"/>
-              <a:t>Modifiez les styles du texte du masque</a:t>
-            </a:r>
-          </a:p>
-          <a:p>
-            <a:pPr lvl="1" eaLnBrk="1" latinLnBrk="0" hangingPunct="1"/>
+          <a:lstStyle/>
+          <a:p>
+            <a:pPr lvl="0"/>
+            <a:r>
+              <a:rPr lang="fr-FR"/>
+              <a:t>Modifier les styles du texte du masque</a:t>
+            </a:r>
+          </a:p>
+          <a:p>
+            <a:pPr lvl="1"/>
             <a:r>
               <a:rPr lang="fr-FR"/>
               <a:t>Deuxième niveau</a:t>
             </a:r>
           </a:p>
           <a:p>
-            <a:pPr lvl="2" eaLnBrk="1" latinLnBrk="0" hangingPunct="1"/>
+            <a:pPr lvl="2"/>
             <a:r>
               <a:rPr lang="fr-FR"/>
               <a:t>Troisième niveau</a:t>
             </a:r>
           </a:p>
           <a:p>
-            <a:pPr lvl="3" eaLnBrk="1" latinLnBrk="0" hangingPunct="1"/>
+            <a:pPr lvl="3"/>
             <a:r>
               <a:rPr lang="fr-FR"/>
               <a:t>Quatrième niveau</a:t>
             </a:r>
           </a:p>
           <a:p>
-            <a:pPr lvl="4" eaLnBrk="1" latinLnBrk="0" hangingPunct="1"/>
+            <a:pPr lvl="4"/>
             <a:r>
               <a:rPr lang="fr-FR"/>
               <a:t>Cinquième niveau</a:t>
             </a:r>
-            <a:endParaRPr kumimoji="0" lang="en-US"/>
+            <a:endParaRPr lang="en-US" dirty="0"/>
           </a:p>
         </p:txBody>
       </p:sp>
@@ -1233,64 +3761,48 @@
         </p:nvSpPr>
         <p:spPr>
           <a:xfrm>
-            <a:off x="4648200" y="1920085"/>
-            <a:ext cx="4038600" cy="4434840"/>
+            <a:off x="4630052" y="2088320"/>
+            <a:ext cx="3820616" cy="3702881"/>
           </a:xfrm>
         </p:spPr>
         <p:txBody>
           <a:bodyPr/>
-          <a:lstStyle>
-            <a:lvl1pPr>
-              <a:defRPr sz="2600"/>
-            </a:lvl1pPr>
-            <a:lvl2pPr>
-              <a:defRPr sz="2400"/>
-            </a:lvl2pPr>
-            <a:lvl3pPr>
-              <a:defRPr sz="2000"/>
-            </a:lvl3pPr>
-            <a:lvl4pPr>
-              <a:defRPr sz="1800"/>
-            </a:lvl4pPr>
-            <a:lvl5pPr>
-              <a:defRPr sz="1800"/>
-            </a:lvl5pPr>
-          </a:lstStyle>
-          <a:p>
-            <a:pPr lvl="0" eaLnBrk="1" latinLnBrk="0" hangingPunct="1"/>
-            <a:r>
-              <a:rPr lang="fr-FR"/>
-              <a:t>Modifiez les styles du texte du masque</a:t>
-            </a:r>
-          </a:p>
-          <a:p>
-            <a:pPr lvl="1" eaLnBrk="1" latinLnBrk="0" hangingPunct="1"/>
+          <a:lstStyle/>
+          <a:p>
+            <a:pPr lvl="0"/>
+            <a:r>
+              <a:rPr lang="fr-FR"/>
+              <a:t>Modifier les styles du texte du masque</a:t>
+            </a:r>
+          </a:p>
+          <a:p>
+            <a:pPr lvl="1"/>
             <a:r>
               <a:rPr lang="fr-FR"/>
               <a:t>Deuxième niveau</a:t>
             </a:r>
           </a:p>
           <a:p>
-            <a:pPr lvl="2" eaLnBrk="1" latinLnBrk="0" hangingPunct="1"/>
+            <a:pPr lvl="2"/>
             <a:r>
               <a:rPr lang="fr-FR"/>
               <a:t>Troisième niveau</a:t>
             </a:r>
           </a:p>
           <a:p>
-            <a:pPr lvl="3" eaLnBrk="1" latinLnBrk="0" hangingPunct="1"/>
+            <a:pPr lvl="3"/>
             <a:r>
               <a:rPr lang="fr-FR"/>
               <a:t>Quatrième niveau</a:t>
             </a:r>
           </a:p>
           <a:p>
-            <a:pPr lvl="4" eaLnBrk="1" latinLnBrk="0" hangingPunct="1"/>
+            <a:pPr lvl="4"/>
             <a:r>
               <a:rPr lang="fr-FR"/>
               <a:t>Cinquième niveau</a:t>
             </a:r>
-            <a:endParaRPr kumimoji="0" lang="en-US"/>
+            <a:endParaRPr lang="en-US" dirty="0"/>
           </a:p>
         </p:txBody>
       </p:sp>
@@ -1311,7 +3823,7 @@
           <a:p>
             <a:fld id="{AA309A6D-C09C-4548-B29A-6CF363A7E532}" type="datetimeFigureOut">
               <a:rPr lang="fr-FR" smtClean="0"/>
-              <a:t>12/01/2019</a:t>
+              <a:t>14/01/2019</a:t>
             </a:fld>
             <a:endParaRPr lang="fr-BE"/>
           </a:p>
@@ -1360,6 +3872,11 @@
         </p:txBody>
       </p:sp>
     </p:spTree>
+    <p:extLst>
+      <p:ext uri="{BB962C8B-B14F-4D97-AF65-F5344CB8AC3E}">
+        <p14:creationId xmlns:p14="http://schemas.microsoft.com/office/powerpoint/2010/main" val="1198132871"/>
+      </p:ext>
+    </p:extLst>
   </p:cSld>
   <p:clrMapOvr>
     <a:masterClrMapping/>
@@ -1396,23 +3913,19 @@
         </p:nvSpPr>
         <p:spPr>
           <a:xfrm>
-            <a:off x="457200" y="704088"/>
-            <a:ext cx="8229600" cy="1143000"/>
+            <a:off x="685347" y="609601"/>
+            <a:ext cx="7765321" cy="1325563"/>
           </a:xfrm>
         </p:spPr>
         <p:txBody>
-          <a:bodyPr tIns="45720" anchor="b"/>
-          <a:lstStyle>
-            <a:lvl1pPr>
-              <a:defRPr/>
-            </a:lvl1pPr>
-          </a:lstStyle>
-          <a:p>
-            <a:r>
-              <a:rPr kumimoji="0" lang="fr-FR"/>
+          <a:bodyPr/>
+          <a:lstStyle/>
+          <a:p>
+            <a:r>
+              <a:rPr lang="fr-FR"/>
               <a:t>Modifiez le style du titre</a:t>
             </a:r>
-            <a:endParaRPr kumimoji="0" lang="en-US"/>
+            <a:endParaRPr lang="en-US" dirty="0"/>
           </a:p>
         </p:txBody>
       </p:sp>
@@ -1428,247 +3941,241 @@
         </p:nvSpPr>
         <p:spPr>
           <a:xfrm>
-            <a:off x="457200" y="1855248"/>
-            <a:ext cx="4040188" cy="659352"/>
+            <a:off x="915427" y="2088320"/>
+            <a:ext cx="3600326" cy="823912"/>
           </a:xfrm>
         </p:spPr>
         <p:txBody>
-          <a:bodyPr lIns="45720" tIns="0" rIns="45720" bIns="0" anchor="ctr">
-            <a:noAutofit/>
-          </a:bodyPr>
+          <a:bodyPr anchor="b"/>
           <a:lstStyle>
             <a:lvl1pPr marL="0" indent="0">
-              <a:buNone/>
-              <a:defRPr sz="2400" b="1" cap="none" baseline="0">
-                <a:solidFill>
-                  <a:schemeClr val="tx2"/>
-                </a:solidFill>
-                <a:effectLst/>
-              </a:defRPr>
+              <a:lnSpc>
+                <a:spcPct val="100000"/>
+              </a:lnSpc>
+              <a:buNone/>
+              <a:defRPr sz="2400" b="1"/>
             </a:lvl1pPr>
-            <a:lvl2pPr>
+            <a:lvl2pPr marL="457200" indent="0">
               <a:buNone/>
               <a:defRPr sz="2000" b="1"/>
             </a:lvl2pPr>
-            <a:lvl3pPr>
+            <a:lvl3pPr marL="914400" indent="0">
               <a:buNone/>
               <a:defRPr sz="1800" b="1"/>
             </a:lvl3pPr>
-            <a:lvl4pPr>
+            <a:lvl4pPr marL="1371600" indent="0">
               <a:buNone/>
               <a:defRPr sz="1600" b="1"/>
             </a:lvl4pPr>
-            <a:lvl5pPr>
+            <a:lvl5pPr marL="1828800" indent="0">
               <a:buNone/>
               <a:defRPr sz="1600" b="1"/>
             </a:lvl5pPr>
+            <a:lvl6pPr marL="2286000" indent="0">
+              <a:buNone/>
+              <a:defRPr sz="1600" b="1"/>
+            </a:lvl6pPr>
+            <a:lvl7pPr marL="2743200" indent="0">
+              <a:buNone/>
+              <a:defRPr sz="1600" b="1"/>
+            </a:lvl7pPr>
+            <a:lvl8pPr marL="3200400" indent="0">
+              <a:buNone/>
+              <a:defRPr sz="1600" b="1"/>
+            </a:lvl8pPr>
+            <a:lvl9pPr marL="3657600" indent="0">
+              <a:buNone/>
+              <a:defRPr sz="1600" b="1"/>
+            </a:lvl9pPr>
           </a:lstStyle>
           <a:p>
-            <a:pPr lvl="0" eaLnBrk="1" latinLnBrk="0" hangingPunct="1"/>
-            <a:r>
-              <a:rPr kumimoji="0" lang="fr-FR"/>
-              <a:t>Modifiez les styles du texte du masque</a:t>
-            </a:r>
-          </a:p>
-        </p:txBody>
-      </p:sp>
-      <p:sp>
-        <p:nvSpPr>
-          <p:cNvPr id="4" name="Text Placeholder 3"/>
-          <p:cNvSpPr>
-            <a:spLocks noGrp="1"/>
-          </p:cNvSpPr>
-          <p:nvPr>
-            <p:ph type="body" sz="half" idx="3"/>
+            <a:pPr lvl="0"/>
+            <a:r>
+              <a:rPr lang="fr-FR"/>
+              <a:t>Modifier les styles du texte du masque</a:t>
+            </a:r>
+          </a:p>
+        </p:txBody>
+      </p:sp>
+      <p:sp>
+        <p:nvSpPr>
+          <p:cNvPr id="4" name="Content Placeholder 3"/>
+          <p:cNvSpPr>
+            <a:spLocks noGrp="1"/>
+          </p:cNvSpPr>
+          <p:nvPr>
+            <p:ph sz="half" idx="2"/>
           </p:nvPr>
         </p:nvSpPr>
         <p:spPr>
           <a:xfrm>
-            <a:off x="4645025" y="1859757"/>
-            <a:ext cx="4041775" cy="654843"/>
+            <a:off x="685346" y="2912232"/>
+            <a:ext cx="3830406" cy="2878968"/>
           </a:xfrm>
         </p:spPr>
         <p:txBody>
-          <a:bodyPr lIns="45720" tIns="0" rIns="45720" bIns="0" anchor="ctr"/>
+          <a:bodyPr/>
+          <a:lstStyle/>
+          <a:p>
+            <a:pPr lvl="0"/>
+            <a:r>
+              <a:rPr lang="fr-FR"/>
+              <a:t>Modifier les styles du texte du masque</a:t>
+            </a:r>
+          </a:p>
+          <a:p>
+            <a:pPr lvl="1"/>
+            <a:r>
+              <a:rPr lang="fr-FR"/>
+              <a:t>Deuxième niveau</a:t>
+            </a:r>
+          </a:p>
+          <a:p>
+            <a:pPr lvl="2"/>
+            <a:r>
+              <a:rPr lang="fr-FR"/>
+              <a:t>Troisième niveau</a:t>
+            </a:r>
+          </a:p>
+          <a:p>
+            <a:pPr lvl="3"/>
+            <a:r>
+              <a:rPr lang="fr-FR"/>
+              <a:t>Quatrième niveau</a:t>
+            </a:r>
+          </a:p>
+          <a:p>
+            <a:pPr lvl="4"/>
+            <a:r>
+              <a:rPr lang="fr-FR"/>
+              <a:t>Cinquième niveau</a:t>
+            </a:r>
+            <a:endParaRPr lang="en-US" dirty="0"/>
+          </a:p>
+        </p:txBody>
+      </p:sp>
+      <p:sp>
+        <p:nvSpPr>
+          <p:cNvPr id="5" name="Text Placeholder 4"/>
+          <p:cNvSpPr>
+            <a:spLocks noGrp="1"/>
+          </p:cNvSpPr>
+          <p:nvPr>
+            <p:ph type="body" sz="quarter" idx="3"/>
+          </p:nvPr>
+        </p:nvSpPr>
+        <p:spPr>
+          <a:xfrm>
+            <a:off x="4859230" y="2088320"/>
+            <a:ext cx="3591437" cy="823912"/>
+          </a:xfrm>
+        </p:spPr>
+        <p:txBody>
+          <a:bodyPr anchor="b"/>
           <a:lstStyle>
             <a:lvl1pPr marL="0" indent="0">
-              <a:buNone/>
-              <a:defRPr sz="2400" b="1" cap="none" baseline="0">
-                <a:solidFill>
-                  <a:schemeClr val="tx2"/>
-                </a:solidFill>
-                <a:effectLst/>
-              </a:defRPr>
+              <a:lnSpc>
+                <a:spcPct val="100000"/>
+              </a:lnSpc>
+              <a:buNone/>
+              <a:defRPr sz="2400" b="1"/>
             </a:lvl1pPr>
-            <a:lvl2pPr>
+            <a:lvl2pPr marL="457200" indent="0">
               <a:buNone/>
               <a:defRPr sz="2000" b="1"/>
             </a:lvl2pPr>
-            <a:lvl3pPr>
+            <a:lvl3pPr marL="914400" indent="0">
               <a:buNone/>
               <a:defRPr sz="1800" b="1"/>
             </a:lvl3pPr>
-            <a:lvl4pPr>
+            <a:lvl4pPr marL="1371600" indent="0">
               <a:buNone/>
               <a:defRPr sz="1600" b="1"/>
             </a:lvl4pPr>
-            <a:lvl5pPr>
+            <a:lvl5pPr marL="1828800" indent="0">
               <a:buNone/>
               <a:defRPr sz="1600" b="1"/>
             </a:lvl5pPr>
+            <a:lvl6pPr marL="2286000" indent="0">
+              <a:buNone/>
+              <a:defRPr sz="1600" b="1"/>
+            </a:lvl6pPr>
+            <a:lvl7pPr marL="2743200" indent="0">
+              <a:buNone/>
+              <a:defRPr sz="1600" b="1"/>
+            </a:lvl7pPr>
+            <a:lvl8pPr marL="3200400" indent="0">
+              <a:buNone/>
+              <a:defRPr sz="1600" b="1"/>
+            </a:lvl8pPr>
+            <a:lvl9pPr marL="3657600" indent="0">
+              <a:buNone/>
+              <a:defRPr sz="1600" b="1"/>
+            </a:lvl9pPr>
           </a:lstStyle>
           <a:p>
-            <a:pPr lvl="0" eaLnBrk="1" latinLnBrk="0" hangingPunct="1"/>
-            <a:r>
-              <a:rPr kumimoji="0" lang="fr-FR"/>
-              <a:t>Modifiez les styles du texte du masque</a:t>
-            </a:r>
-          </a:p>
-        </p:txBody>
-      </p:sp>
-      <p:sp>
-        <p:nvSpPr>
-          <p:cNvPr id="5" name="Content Placeholder 4"/>
-          <p:cNvSpPr>
-            <a:spLocks noGrp="1"/>
-          </p:cNvSpPr>
-          <p:nvPr>
-            <p:ph sz="quarter" idx="2"/>
+            <a:pPr lvl="0"/>
+            <a:r>
+              <a:rPr lang="fr-FR"/>
+              <a:t>Modifier les styles du texte du masque</a:t>
+            </a:r>
+          </a:p>
+        </p:txBody>
+      </p:sp>
+      <p:sp>
+        <p:nvSpPr>
+          <p:cNvPr id="6" name="Content Placeholder 5"/>
+          <p:cNvSpPr>
+            <a:spLocks noGrp="1"/>
+          </p:cNvSpPr>
+          <p:nvPr>
+            <p:ph sz="quarter" idx="4"/>
           </p:nvPr>
         </p:nvSpPr>
         <p:spPr>
           <a:xfrm>
-            <a:off x="457200" y="2514600"/>
-            <a:ext cx="4040188" cy="3845720"/>
+            <a:off x="4629150" y="2912232"/>
+            <a:ext cx="3821518" cy="2878968"/>
           </a:xfrm>
         </p:spPr>
         <p:txBody>
-          <a:bodyPr tIns="0"/>
-          <a:lstStyle>
-            <a:lvl1pPr>
-              <a:defRPr sz="2200"/>
-            </a:lvl1pPr>
-            <a:lvl2pPr>
-              <a:defRPr sz="2000"/>
-            </a:lvl2pPr>
-            <a:lvl3pPr>
-              <a:defRPr sz="1800"/>
-            </a:lvl3pPr>
-            <a:lvl4pPr>
-              <a:defRPr sz="1600"/>
-            </a:lvl4pPr>
-            <a:lvl5pPr>
-              <a:defRPr sz="1600"/>
-            </a:lvl5pPr>
-          </a:lstStyle>
-          <a:p>
-            <a:pPr lvl="0" eaLnBrk="1" latinLnBrk="0" hangingPunct="1"/>
-            <a:r>
-              <a:rPr lang="fr-FR"/>
-              <a:t>Modifiez les styles du texte du masque</a:t>
-            </a:r>
-          </a:p>
-          <a:p>
-            <a:pPr lvl="1" eaLnBrk="1" latinLnBrk="0" hangingPunct="1"/>
+          <a:bodyPr/>
+          <a:lstStyle/>
+          <a:p>
+            <a:pPr lvl="0"/>
+            <a:r>
+              <a:rPr lang="fr-FR"/>
+              <a:t>Modifier les styles du texte du masque</a:t>
+            </a:r>
+          </a:p>
+          <a:p>
+            <a:pPr lvl="1"/>
             <a:r>
               <a:rPr lang="fr-FR"/>
               <a:t>Deuxième niveau</a:t>
             </a:r>
           </a:p>
           <a:p>
-            <a:pPr lvl="2" eaLnBrk="1" latinLnBrk="0" hangingPunct="1"/>
+            <a:pPr lvl="2"/>
             <a:r>
               <a:rPr lang="fr-FR"/>
               <a:t>Troisième niveau</a:t>
             </a:r>
           </a:p>
           <a:p>
-            <a:pPr lvl="3" eaLnBrk="1" latinLnBrk="0" hangingPunct="1"/>
+            <a:pPr lvl="3"/>
             <a:r>
               <a:rPr lang="fr-FR"/>
               <a:t>Quatrième niveau</a:t>
             </a:r>
           </a:p>
           <a:p>
-            <a:pPr lvl="4" eaLnBrk="1" latinLnBrk="0" hangingPunct="1"/>
+            <a:pPr lvl="4"/>
             <a:r>
               <a:rPr lang="fr-FR"/>
               <a:t>Cinquième niveau</a:t>
             </a:r>
-            <a:endParaRPr kumimoji="0" lang="en-US"/>
-          </a:p>
-        </p:txBody>
-      </p:sp>
-      <p:sp>
-        <p:nvSpPr>
-          <p:cNvPr id="6" name="Content Placeholder 5"/>
-          <p:cNvSpPr>
-            <a:spLocks noGrp="1"/>
-          </p:cNvSpPr>
-          <p:nvPr>
-            <p:ph sz="quarter" idx="4"/>
-          </p:nvPr>
-        </p:nvSpPr>
-        <p:spPr>
-          <a:xfrm>
-            <a:off x="4645025" y="2514600"/>
-            <a:ext cx="4041775" cy="3845720"/>
-          </a:xfrm>
-        </p:spPr>
-        <p:txBody>
-          <a:bodyPr tIns="0"/>
-          <a:lstStyle>
-            <a:lvl1pPr>
-              <a:defRPr sz="2200"/>
-            </a:lvl1pPr>
-            <a:lvl2pPr>
-              <a:defRPr sz="2000"/>
-            </a:lvl2pPr>
-            <a:lvl3pPr>
-              <a:defRPr sz="1800"/>
-            </a:lvl3pPr>
-            <a:lvl4pPr>
-              <a:defRPr sz="1600"/>
-            </a:lvl4pPr>
-            <a:lvl5pPr>
-              <a:defRPr sz="1600"/>
-            </a:lvl5pPr>
-          </a:lstStyle>
-          <a:p>
-            <a:pPr lvl="0" eaLnBrk="1" latinLnBrk="0" hangingPunct="1"/>
-            <a:r>
-              <a:rPr lang="fr-FR"/>
-              <a:t>Modifiez les styles du texte du masque</a:t>
-            </a:r>
-          </a:p>
-          <a:p>
-            <a:pPr lvl="1" eaLnBrk="1" latinLnBrk="0" hangingPunct="1"/>
-            <a:r>
-              <a:rPr lang="fr-FR"/>
-              <a:t>Deuxième niveau</a:t>
-            </a:r>
-          </a:p>
-          <a:p>
-            <a:pPr lvl="2" eaLnBrk="1" latinLnBrk="0" hangingPunct="1"/>
-            <a:r>
-              <a:rPr lang="fr-FR"/>
-              <a:t>Troisième niveau</a:t>
-            </a:r>
-          </a:p>
-          <a:p>
-            <a:pPr lvl="3" eaLnBrk="1" latinLnBrk="0" hangingPunct="1"/>
-            <a:r>
-              <a:rPr lang="fr-FR"/>
-              <a:t>Quatrième niveau</a:t>
-            </a:r>
-          </a:p>
-          <a:p>
-            <a:pPr lvl="4" eaLnBrk="1" latinLnBrk="0" hangingPunct="1"/>
-            <a:r>
-              <a:rPr lang="fr-FR"/>
-              <a:t>Cinquième niveau</a:t>
-            </a:r>
-            <a:endParaRPr kumimoji="0" lang="en-US"/>
+            <a:endParaRPr lang="en-US" dirty="0"/>
           </a:p>
         </p:txBody>
       </p:sp>
@@ -1689,7 +4196,7 @@
           <a:p>
             <a:fld id="{AA309A6D-C09C-4548-B29A-6CF363A7E532}" type="datetimeFigureOut">
               <a:rPr lang="fr-FR" smtClean="0"/>
-              <a:t>12/01/2019</a:t>
+              <a:t>14/01/2019</a:t>
             </a:fld>
             <a:endParaRPr lang="fr-BE"/>
           </a:p>
@@ -1738,6 +4245,11 @@
         </p:txBody>
       </p:sp>
     </p:spTree>
+    <p:extLst>
+      <p:ext uri="{BB962C8B-B14F-4D97-AF65-F5344CB8AC3E}">
+        <p14:creationId xmlns:p14="http://schemas.microsoft.com/office/powerpoint/2010/main" val="1603384267"/>
+      </p:ext>
+    </p:extLst>
   </p:cSld>
   <p:clrMapOvr>
     <a:masterClrMapping/>
@@ -1772,53 +4284,16 @@
             <p:ph type="title"/>
           </p:nvPr>
         </p:nvSpPr>
-        <p:spPr>
-          <a:xfrm>
-            <a:off x="457200" y="704088"/>
-            <a:ext cx="8305800" cy="1143000"/>
-          </a:xfrm>
-        </p:spPr>
-        <p:txBody>
-          <a:bodyPr vert="horz" tIns="45720" bIns="0" anchor="b">
-            <a:normAutofit/>
-            <a:scene3d>
-              <a:camera prst="orthographicFront"/>
-              <a:lightRig rig="freezing" dir="t">
-                <a:rot lat="0" lon="0" rev="5640000"/>
-              </a:lightRig>
-            </a:scene3d>
-            <a:sp3d prstMaterial="flat">
-              <a:contourClr>
-                <a:schemeClr val="tx2"/>
-              </a:contourClr>
-            </a:sp3d>
-          </a:bodyPr>
-          <a:lstStyle>
-            <a:lvl1pPr algn="l" rtl="0">
-              <a:spcBef>
-                <a:spcPct val="0"/>
-              </a:spcBef>
-              <a:buNone/>
-              <a:defRPr sz="5000" b="0">
-                <a:ln>
-                  <a:noFill/>
-                </a:ln>
-                <a:solidFill>
-                  <a:schemeClr val="tx2"/>
-                </a:solidFill>
-                <a:effectLst/>
-                <a:latin typeface="+mj-lt"/>
-                <a:ea typeface="+mj-ea"/>
-                <a:cs typeface="+mj-cs"/>
-              </a:defRPr>
-            </a:lvl1pPr>
-          </a:lstStyle>
-          <a:p>
-            <a:r>
-              <a:rPr kumimoji="0" lang="fr-FR"/>
+        <p:spPr/>
+        <p:txBody>
+          <a:bodyPr/>
+          <a:lstStyle/>
+          <a:p>
+            <a:r>
+              <a:rPr lang="fr-FR"/>
               <a:t>Modifiez le style du titre</a:t>
             </a:r>
-            <a:endParaRPr kumimoji="0" lang="en-US"/>
+            <a:endParaRPr lang="en-US" dirty="0"/>
           </a:p>
         </p:txBody>
       </p:sp>
@@ -1839,7 +4314,7 @@
           <a:p>
             <a:fld id="{AA309A6D-C09C-4548-B29A-6CF363A7E532}" type="datetimeFigureOut">
               <a:rPr lang="fr-FR" smtClean="0"/>
-              <a:t>12/01/2019</a:t>
+              <a:t>14/01/2019</a:t>
             </a:fld>
             <a:endParaRPr lang="fr-BE"/>
           </a:p>
@@ -1888,6 +4363,11 @@
         </p:txBody>
       </p:sp>
     </p:spTree>
+    <p:extLst>
+      <p:ext uri="{BB962C8B-B14F-4D97-AF65-F5344CB8AC3E}">
+        <p14:creationId xmlns:p14="http://schemas.microsoft.com/office/powerpoint/2010/main" val="3396167002"/>
+      </p:ext>
+    </p:extLst>
   </p:cSld>
   <p:clrMapOvr>
     <a:masterClrMapping/>
@@ -1929,7 +4409,7 @@
           <a:p>
             <a:fld id="{AA309A6D-C09C-4548-B29A-6CF363A7E532}" type="datetimeFigureOut">
               <a:rPr lang="fr-FR" smtClean="0"/>
-              <a:t>12/01/2019</a:t>
+              <a:t>14/01/2019</a:t>
             </a:fld>
             <a:endParaRPr lang="fr-BE"/>
           </a:p>
@@ -1978,6 +4458,11 @@
         </p:txBody>
       </p:sp>
     </p:spTree>
+    <p:extLst>
+      <p:ext uri="{BB962C8B-B14F-4D97-AF65-F5344CB8AC3E}">
+        <p14:creationId xmlns:p14="http://schemas.microsoft.com/office/powerpoint/2010/main" val="1585570936"/>
+      </p:ext>
+    </p:extLst>
   </p:cSld>
   <p:clrMapOvr>
     <a:masterClrMapping/>
@@ -2014,162 +4499,147 @@
         </p:nvSpPr>
         <p:spPr>
           <a:xfrm>
-            <a:off x="685800" y="514352"/>
-            <a:ext cx="2743200" cy="1162050"/>
+            <a:off x="687921" y="609600"/>
+            <a:ext cx="2949178" cy="2362200"/>
           </a:xfrm>
         </p:spPr>
         <p:txBody>
-          <a:bodyPr lIns="0" anchor="b">
-            <a:noAutofit/>
+          <a:bodyPr anchor="b">
+            <a:normAutofit/>
           </a:bodyPr>
-          <a:lstStyle>
-            <a:lvl1pPr algn="l" rtl="0">
-              <a:spcBef>
-                <a:spcPct val="0"/>
-              </a:spcBef>
-              <a:buNone/>
-              <a:defRPr sz="2600" b="0">
-                <a:ln>
-                  <a:noFill/>
-                </a:ln>
-                <a:solidFill>
-                  <a:schemeClr val="tx2"/>
-                </a:solidFill>
-                <a:effectLst/>
-                <a:latin typeface="+mj-lt"/>
-                <a:ea typeface="+mj-ea"/>
-                <a:cs typeface="+mj-cs"/>
-              </a:defRPr>
-            </a:lvl1pPr>
-          </a:lstStyle>
-          <a:p>
-            <a:r>
-              <a:rPr kumimoji="0" lang="fr-FR"/>
-              <a:t>Modifiez le style du titre</a:t>
-            </a:r>
-            <a:endParaRPr kumimoji="0" lang="en-US"/>
-          </a:p>
-        </p:txBody>
-      </p:sp>
-      <p:sp>
-        <p:nvSpPr>
-          <p:cNvPr id="3" name="Text Placeholder 2"/>
-          <p:cNvSpPr>
-            <a:spLocks noGrp="1"/>
-          </p:cNvSpPr>
-          <p:nvPr>
-            <p:ph type="body" idx="2"/>
-          </p:nvPr>
-        </p:nvSpPr>
-        <p:spPr>
-          <a:xfrm>
-            <a:off x="685800" y="1676400"/>
-            <a:ext cx="2743200" cy="4572000"/>
-          </a:xfrm>
-        </p:spPr>
-        <p:txBody>
-          <a:bodyPr lIns="18288" rIns="18288"/>
-          <a:lstStyle>
-            <a:lvl1pPr marL="0" indent="0" algn="l">
-              <a:buNone/>
-              <a:defRPr sz="1400"/>
-            </a:lvl1pPr>
-            <a:lvl2pPr indent="0" algn="l">
-              <a:buNone/>
-              <a:defRPr sz="1200"/>
-            </a:lvl2pPr>
-            <a:lvl3pPr indent="0" algn="l">
-              <a:buNone/>
-              <a:defRPr sz="1000"/>
-            </a:lvl3pPr>
-            <a:lvl4pPr indent="0" algn="l">
-              <a:buNone/>
-              <a:defRPr sz="900"/>
-            </a:lvl4pPr>
-            <a:lvl5pPr indent="0" algn="l">
-              <a:buNone/>
-              <a:defRPr sz="900"/>
-            </a:lvl5pPr>
-          </a:lstStyle>
-          <a:p>
-            <a:pPr lvl="0" eaLnBrk="1" latinLnBrk="0" hangingPunct="1"/>
-            <a:r>
-              <a:rPr kumimoji="0" lang="fr-FR"/>
-              <a:t>Modifiez les styles du texte du masque</a:t>
-            </a:r>
-          </a:p>
-        </p:txBody>
-      </p:sp>
-      <p:sp>
-        <p:nvSpPr>
-          <p:cNvPr id="4" name="Content Placeholder 3"/>
-          <p:cNvSpPr>
-            <a:spLocks noGrp="1"/>
-          </p:cNvSpPr>
-          <p:nvPr>
-            <p:ph sz="half" idx="1"/>
-          </p:nvPr>
-        </p:nvSpPr>
-        <p:spPr>
-          <a:xfrm>
-            <a:off x="3575050" y="1676400"/>
-            <a:ext cx="5111750" cy="4572000"/>
-          </a:xfrm>
-        </p:spPr>
-        <p:txBody>
-          <a:bodyPr tIns="0"/>
           <a:lstStyle>
             <a:lvl1pPr>
               <a:defRPr sz="2800"/>
             </a:lvl1pPr>
-            <a:lvl2pPr>
-              <a:defRPr sz="2600"/>
+          </a:lstStyle>
+          <a:p>
+            <a:r>
+              <a:rPr lang="fr-FR"/>
+              <a:t>Modifiez le style du titre</a:t>
+            </a:r>
+            <a:endParaRPr lang="en-US" dirty="0"/>
+          </a:p>
+        </p:txBody>
+      </p:sp>
+      <p:sp>
+        <p:nvSpPr>
+          <p:cNvPr id="3" name="Content Placeholder 2"/>
+          <p:cNvSpPr>
+            <a:spLocks noGrp="1"/>
+          </p:cNvSpPr>
+          <p:nvPr>
+            <p:ph idx="1"/>
+          </p:nvPr>
+        </p:nvSpPr>
+        <p:spPr>
+          <a:xfrm>
+            <a:off x="3808548" y="609600"/>
+            <a:ext cx="4642119" cy="5181600"/>
+          </a:xfrm>
+        </p:spPr>
+        <p:txBody>
+          <a:bodyPr anchor="ctr"/>
+          <a:lstStyle/>
+          <a:p>
+            <a:pPr lvl="0"/>
+            <a:r>
+              <a:rPr lang="fr-FR"/>
+              <a:t>Modifier les styles du texte du masque</a:t>
+            </a:r>
+          </a:p>
+          <a:p>
+            <a:pPr lvl="1"/>
+            <a:r>
+              <a:rPr lang="fr-FR"/>
+              <a:t>Deuxième niveau</a:t>
+            </a:r>
+          </a:p>
+          <a:p>
+            <a:pPr lvl="2"/>
+            <a:r>
+              <a:rPr lang="fr-FR"/>
+              <a:t>Troisième niveau</a:t>
+            </a:r>
+          </a:p>
+          <a:p>
+            <a:pPr lvl="3"/>
+            <a:r>
+              <a:rPr lang="fr-FR"/>
+              <a:t>Quatrième niveau</a:t>
+            </a:r>
+          </a:p>
+          <a:p>
+            <a:pPr lvl="4"/>
+            <a:r>
+              <a:rPr lang="fr-FR"/>
+              <a:t>Cinquième niveau</a:t>
+            </a:r>
+            <a:endParaRPr lang="en-US" dirty="0"/>
+          </a:p>
+        </p:txBody>
+      </p:sp>
+      <p:sp>
+        <p:nvSpPr>
+          <p:cNvPr id="4" name="Text Placeholder 3"/>
+          <p:cNvSpPr>
+            <a:spLocks noGrp="1"/>
+          </p:cNvSpPr>
+          <p:nvPr>
+            <p:ph type="body" sz="half" idx="2"/>
+          </p:nvPr>
+        </p:nvSpPr>
+        <p:spPr>
+          <a:xfrm>
+            <a:off x="687921" y="2971801"/>
+            <a:ext cx="2949178" cy="2819399"/>
+          </a:xfrm>
+        </p:spPr>
+        <p:txBody>
+          <a:bodyPr/>
+          <a:lstStyle>
+            <a:lvl1pPr marL="0" indent="0" algn="ctr">
+              <a:buNone/>
+              <a:defRPr sz="1600"/>
+            </a:lvl1pPr>
+            <a:lvl2pPr marL="457200" indent="0">
+              <a:buNone/>
+              <a:defRPr sz="1400"/>
             </a:lvl2pPr>
-            <a:lvl3pPr>
-              <a:defRPr sz="2400"/>
+            <a:lvl3pPr marL="914400" indent="0">
+              <a:buNone/>
+              <a:defRPr sz="1200"/>
             </a:lvl3pPr>
-            <a:lvl4pPr>
-              <a:defRPr sz="2000"/>
+            <a:lvl4pPr marL="1371600" indent="0">
+              <a:buNone/>
+              <a:defRPr sz="1000"/>
             </a:lvl4pPr>
-            <a:lvl5pPr>
-              <a:defRPr sz="1800"/>
+            <a:lvl5pPr marL="1828800" indent="0">
+              <a:buNone/>
+              <a:defRPr sz="1000"/>
             </a:lvl5pPr>
+            <a:lvl6pPr marL="2286000" indent="0">
+              <a:buNone/>
+              <a:defRPr sz="1000"/>
+            </a:lvl6pPr>
+            <a:lvl7pPr marL="2743200" indent="0">
+              <a:buNone/>
+              <a:defRPr sz="1000"/>
+            </a:lvl7pPr>
+            <a:lvl8pPr marL="3200400" indent="0">
+              <a:buNone/>
+              <a:defRPr sz="1000"/>
+            </a:lvl8pPr>
+            <a:lvl9pPr marL="3657600" indent="0">
+              <a:buNone/>
+              <a:defRPr sz="1000"/>
+            </a:lvl9pPr>
           </a:lstStyle>
           <a:p>
-            <a:pPr lvl="0" eaLnBrk="1" latinLnBrk="0" hangingPunct="1"/>
-            <a:r>
-              <a:rPr lang="fr-FR"/>
-              <a:t>Modifiez les styles du texte du masque</a:t>
-            </a:r>
-          </a:p>
-          <a:p>
-            <a:pPr lvl="1" eaLnBrk="1" latinLnBrk="0" hangingPunct="1"/>
-            <a:r>
-              <a:rPr lang="fr-FR"/>
-              <a:t>Deuxième niveau</a:t>
-            </a:r>
-          </a:p>
-          <a:p>
-            <a:pPr lvl="2" eaLnBrk="1" latinLnBrk="0" hangingPunct="1"/>
-            <a:r>
-              <a:rPr lang="fr-FR"/>
-              <a:t>Troisième niveau</a:t>
-            </a:r>
-          </a:p>
-          <a:p>
-            <a:pPr lvl="3" eaLnBrk="1" latinLnBrk="0" hangingPunct="1"/>
-            <a:r>
-              <a:rPr lang="fr-FR"/>
-              <a:t>Quatrième niveau</a:t>
-            </a:r>
-          </a:p>
-          <a:p>
-            <a:pPr lvl="4" eaLnBrk="1" latinLnBrk="0" hangingPunct="1"/>
-            <a:r>
-              <a:rPr lang="fr-FR"/>
-              <a:t>Cinquième niveau</a:t>
-            </a:r>
-            <a:endParaRPr kumimoji="0" lang="en-US"/>
+            <a:pPr lvl="0"/>
+            <a:r>
+              <a:rPr lang="fr-FR"/>
+              <a:t>Modifier les styles du texte du masque</a:t>
+            </a:r>
           </a:p>
         </p:txBody>
       </p:sp>
@@ -2190,7 +4660,7 @@
           <a:p>
             <a:fld id="{AA309A6D-C09C-4548-B29A-6CF363A7E532}" type="datetimeFigureOut">
               <a:rPr lang="fr-FR" smtClean="0"/>
-              <a:t>12/01/2019</a:t>
+              <a:t>14/01/2019</a:t>
             </a:fld>
             <a:endParaRPr lang="fr-BE"/>
           </a:p>
@@ -2239,6 +4709,11 @@
         </p:txBody>
       </p:sp>
     </p:spTree>
+    <p:extLst>
+      <p:ext uri="{BB962C8B-B14F-4D97-AF65-F5344CB8AC3E}">
+        <p14:creationId xmlns:p14="http://schemas.microsoft.com/office/powerpoint/2010/main" val="3124828054"/>
+      </p:ext>
+    </p:extLst>
   </p:cSld>
   <p:clrMapOvr>
     <a:masterClrMapping/>
@@ -2247,7 +4722,7 @@
 </file>
 
 <file path=ppt/slideLayouts/slideLayout9.xml><?xml version="1.0" encoding="utf-8"?>
-<p:sldLayout xmlns:a="http://schemas.openxmlformats.org/drawingml/2006/main" xmlns:r="http://schemas.openxmlformats.org/officeDocument/2006/relationships" xmlns:p="http://schemas.openxmlformats.org/presentationml/2006/main" showMasterSp="0" type="picTx" preserve="1">
+<p:sldLayout xmlns:a="http://schemas.openxmlformats.org/drawingml/2006/main" xmlns:r="http://schemas.openxmlformats.org/officeDocument/2006/relationships" xmlns:p="http://schemas.openxmlformats.org/presentationml/2006/main" type="picTx" preserve="1">
   <p:cSld name="Image avec légende">
     <p:spTree>
       <p:nvGrpSpPr>
@@ -2265,198 +4740,192 @@
       </p:grpSpPr>
       <p:sp>
         <p:nvSpPr>
-          <p:cNvPr id="9" name="Snip and Round Single Corner Rectangle 8"/>
-          <p:cNvSpPr/>
-          <p:nvPr/>
+          <p:cNvPr id="2" name="Title 1"/>
+          <p:cNvSpPr>
+            <a:spLocks noGrp="1"/>
+          </p:cNvSpPr>
+          <p:nvPr>
+            <p:ph type="title"/>
+          </p:nvPr>
         </p:nvSpPr>
         <p:spPr>
-          <a:xfrm rot="420000" flipV="1">
-            <a:off x="3165753" y="1108077"/>
-            <a:ext cx="5257800" cy="4114800"/>
+          <a:xfrm>
+            <a:off x="687921" y="609600"/>
+            <a:ext cx="4167603" cy="2362200"/>
           </a:xfrm>
-          <a:prstGeom prst="snipRoundRect">
-            <a:avLst>
-              <a:gd name="adj1" fmla="val 0"/>
-              <a:gd name="adj2" fmla="val 3646"/>
-            </a:avLst>
-          </a:prstGeom>
-          <a:solidFill>
-            <a:srgbClr val="FFFFFF"/>
-          </a:solidFill>
-          <a:ln w="3175" cap="rnd" cmpd="sng" algn="ctr">
+        </p:spPr>
+        <p:txBody>
+          <a:bodyPr anchor="b">
+            <a:normAutofit/>
+          </a:bodyPr>
+          <a:lstStyle>
+            <a:lvl1pPr>
+              <a:defRPr sz="3200"/>
+            </a:lvl1pPr>
+          </a:lstStyle>
+          <a:p>
+            <a:r>
+              <a:rPr lang="fr-FR"/>
+              <a:t>Modifiez le style du titre</a:t>
+            </a:r>
+            <a:endParaRPr lang="en-US" dirty="0"/>
+          </a:p>
+        </p:txBody>
+      </p:sp>
+      <p:sp>
+        <p:nvSpPr>
+          <p:cNvPr id="3" name="Picture Placeholder 2"/>
+          <p:cNvSpPr>
+            <a:spLocks noGrp="1" noChangeAspect="1"/>
+          </p:cNvSpPr>
+          <p:nvPr>
+            <p:ph type="pic" idx="1"/>
+          </p:nvPr>
+        </p:nvSpPr>
+        <p:spPr>
+          <a:xfrm>
+            <a:off x="5249932" y="758881"/>
+            <a:ext cx="2966938" cy="4883038"/>
+          </a:xfrm>
+          <a:noFill/>
+          <a:ln w="190500" cap="sq">
             <a:solidFill>
-              <a:srgbClr val="C0C0C0"/>
+              <a:srgbClr val="FFFFFF"/>
             </a:solidFill>
-            <a:prstDash val="solid"/>
+            <a:miter lim="800000"/>
           </a:ln>
           <a:effectLst>
-            <a:outerShdw blurRad="63500" dist="38500" dir="7500000" sx="98500" sy="100080" kx="100000" algn="tl" rotWithShape="0">
+            <a:outerShdw blurRad="55000" dist="18000" dir="5400000" algn="tl" rotWithShape="0">
               <a:srgbClr val="000000">
-                <a:alpha val="25000"/>
+                <a:alpha val="40000"/>
               </a:srgbClr>
             </a:outerShdw>
           </a:effectLst>
+          <a:scene3d>
+            <a:camera prst="orthographicFront"/>
+            <a:lightRig rig="twoPt" dir="t">
+              <a:rot lat="0" lon="0" rev="7200000"/>
+            </a:lightRig>
+          </a:scene3d>
+          <a:sp3d>
+            <a:bevelT w="25400" h="19050"/>
+            <a:contourClr>
+              <a:srgbClr val="FFFFFF"/>
+            </a:contourClr>
+          </a:sp3d>
         </p:spPr>
-        <p:style>
-          <a:lnRef idx="2">
-            <a:schemeClr val="accent1"/>
-          </a:lnRef>
-          <a:fillRef idx="1">
-            <a:schemeClr val="accent1"/>
-          </a:fillRef>
-          <a:effectRef idx="0">
-            <a:schemeClr val="accent1"/>
-          </a:effectRef>
-          <a:fontRef idx="minor">
-            <a:schemeClr val="lt1"/>
-          </a:fontRef>
-        </p:style>
-        <p:txBody>
-          <a:bodyPr rtlCol="0" anchor="ctr"/>
-          <a:lstStyle/>
-          <a:p>
-            <a:pPr algn="ctr" eaLnBrk="1" latinLnBrk="0" hangingPunct="1"/>
-            <a:endParaRPr kumimoji="0" lang="en-US"/>
-          </a:p>
-        </p:txBody>
-      </p:sp>
-      <p:sp>
-        <p:nvSpPr>
-          <p:cNvPr id="12" name="Right Triangle 11"/>
-          <p:cNvSpPr/>
-          <p:nvPr/>
-        </p:nvSpPr>
-        <p:spPr>
-          <a:xfrm rot="420000" flipV="1">
-            <a:off x="8004134" y="5359769"/>
-            <a:ext cx="155448" cy="155448"/>
-          </a:xfrm>
-          <a:prstGeom prst="rtTriangle">
-            <a:avLst/>
-          </a:prstGeom>
-          <a:solidFill>
-            <a:srgbClr val="FFFFFF"/>
-          </a:solidFill>
-          <a:ln w="12700" cap="flat" cmpd="sng" algn="ctr">
-            <a:solidFill>
-              <a:srgbClr val="FFFFFF"/>
-            </a:solidFill>
-            <a:prstDash val="solid"/>
-            <a:bevel/>
-          </a:ln>
-          <a:effectLst>
-            <a:outerShdw blurRad="19685" dist="6350" dir="12900000" algn="tl" rotWithShape="0">
-              <a:srgbClr val="000000">
-                <a:alpha val="47000"/>
-              </a:srgbClr>
-            </a:outerShdw>
-          </a:effectLst>
-        </p:spPr>
-        <p:style>
-          <a:lnRef idx="2">
-            <a:schemeClr val="accent1"/>
-          </a:lnRef>
-          <a:fillRef idx="1">
-            <a:schemeClr val="accent1"/>
-          </a:fillRef>
-          <a:effectRef idx="0">
-            <a:schemeClr val="accent1"/>
-          </a:effectRef>
-          <a:fontRef idx="minor">
-            <a:schemeClr val="lt1"/>
-          </a:fontRef>
-        </p:style>
-        <p:txBody>
-          <a:bodyPr rtlCol="0" anchor="ctr"/>
-          <a:lstStyle/>
-          <a:p>
-            <a:pPr algn="ctr" eaLnBrk="1" latinLnBrk="0" hangingPunct="1"/>
-            <a:endParaRPr kumimoji="0" lang="en-US"/>
-          </a:p>
-        </p:txBody>
-      </p:sp>
-      <p:sp>
-        <p:nvSpPr>
-          <p:cNvPr id="2" name="Title 1"/>
-          <p:cNvSpPr>
-            <a:spLocks noGrp="1"/>
-          </p:cNvSpPr>
-          <p:nvPr>
-            <p:ph type="title"/>
+        <p:txBody>
+          <a:bodyPr anchor="t"/>
+          <a:lstStyle>
+            <a:lvl1pPr marL="0" indent="0" algn="ctr">
+              <a:buNone/>
+              <a:defRPr sz="3200"/>
+            </a:lvl1pPr>
+            <a:lvl2pPr marL="457200" indent="0">
+              <a:buNone/>
+              <a:defRPr sz="2800"/>
+            </a:lvl2pPr>
+            <a:lvl3pPr marL="914400" indent="0">
+              <a:buNone/>
+              <a:defRPr sz="2400"/>
+            </a:lvl3pPr>
+            <a:lvl4pPr marL="1371600" indent="0">
+              <a:buNone/>
+              <a:defRPr sz="2000"/>
+            </a:lvl4pPr>
+            <a:lvl5pPr marL="1828800" indent="0">
+              <a:buNone/>
+              <a:defRPr sz="2000"/>
+            </a:lvl5pPr>
+            <a:lvl6pPr marL="2286000" indent="0">
+              <a:buNone/>
+              <a:defRPr sz="2000"/>
+            </a:lvl6pPr>
+            <a:lvl7pPr marL="2743200" indent="0">
+              <a:buNone/>
+              <a:defRPr sz="2000"/>
+            </a:lvl7pPr>
+            <a:lvl8pPr marL="3200400" indent="0">
+              <a:buNone/>
+              <a:defRPr sz="2000"/>
+            </a:lvl8pPr>
+            <a:lvl9pPr marL="3657600" indent="0">
+              <a:buNone/>
+              <a:defRPr sz="2000"/>
+            </a:lvl9pPr>
+          </a:lstStyle>
+          <a:p>
+            <a:r>
+              <a:rPr lang="fr-FR"/>
+              <a:t>Cliquez sur l'icône pour ajouter une image</a:t>
+            </a:r>
+            <a:endParaRPr lang="en-US" dirty="0"/>
+          </a:p>
+        </p:txBody>
+      </p:sp>
+      <p:sp>
+        <p:nvSpPr>
+          <p:cNvPr id="4" name="Text Placeholder 3"/>
+          <p:cNvSpPr>
+            <a:spLocks noGrp="1"/>
+          </p:cNvSpPr>
+          <p:nvPr>
+            <p:ph type="body" sz="half" idx="2"/>
           </p:nvPr>
         </p:nvSpPr>
         <p:spPr>
           <a:xfrm>
-            <a:off x="609600" y="1176996"/>
-            <a:ext cx="2212848" cy="1582621"/>
+            <a:off x="685346" y="2971800"/>
+            <a:ext cx="4171242" cy="2819400"/>
           </a:xfrm>
         </p:spPr>
         <p:txBody>
-          <a:bodyPr vert="horz" lIns="45720" tIns="45720" rIns="45720" bIns="45720" anchor="b"/>
+          <a:bodyPr>
+            <a:normAutofit/>
+          </a:bodyPr>
           <a:lstStyle>
-            <a:lvl1pPr algn="l">
-              <a:buNone/>
-              <a:defRPr sz="2000" b="1">
-                <a:solidFill>
-                  <a:schemeClr val="tx2"/>
-                </a:solidFill>
-              </a:defRPr>
+            <a:lvl1pPr marL="0" indent="0" algn="ctr">
+              <a:buNone/>
+              <a:defRPr sz="1800"/>
             </a:lvl1pPr>
+            <a:lvl2pPr marL="457200" indent="0">
+              <a:buNone/>
+              <a:defRPr sz="1400"/>
+            </a:lvl2pPr>
+            <a:lvl3pPr marL="914400" indent="0">
+              <a:buNone/>
+              <a:defRPr sz="1200"/>
+            </a:lvl3pPr>
+            <a:lvl4pPr marL="1371600" indent="0">
+              <a:buNone/>
+              <a:defRPr sz="1000"/>
+            </a:lvl4pPr>
+            <a:lvl5pPr marL="1828800" indent="0">
+              <a:buNone/>
+              <a:defRPr sz="1000"/>
+            </a:lvl5pPr>
+            <a:lvl6pPr marL="2286000" indent="0">
+              <a:buNone/>
+              <a:defRPr sz="1000"/>
+            </a:lvl6pPr>
+            <a:lvl7pPr marL="2743200" indent="0">
+              <a:buNone/>
+              <a:defRPr sz="1000"/>
+            </a:lvl7pPr>
+            <a:lvl8pPr marL="3200400" indent="0">
+              <a:buNone/>
+              <a:defRPr sz="1000"/>
+            </a:lvl8pPr>
+            <a:lvl9pPr marL="3657600" indent="0">
+              <a:buNone/>
+              <a:defRPr sz="1000"/>
+            </a:lvl9pPr>
           </a:lstStyle>
           <a:p>
-            <a:r>
-              <a:rPr kumimoji="0" lang="fr-FR"/>
-              <a:t>Modifiez le style du titre</a:t>
-            </a:r>
-            <a:endParaRPr kumimoji="0" lang="en-US"/>
-          </a:p>
-        </p:txBody>
-      </p:sp>
-      <p:sp>
-        <p:nvSpPr>
-          <p:cNvPr id="4" name="Text Placeholder 3"/>
-          <p:cNvSpPr>
-            <a:spLocks noGrp="1"/>
-          </p:cNvSpPr>
-          <p:nvPr>
-            <p:ph type="body" sz="half" idx="2"/>
-          </p:nvPr>
-        </p:nvSpPr>
-        <p:spPr>
-          <a:xfrm>
-            <a:off x="609600" y="2828785"/>
-            <a:ext cx="2209800" cy="2179320"/>
-          </a:xfrm>
-        </p:spPr>
-        <p:txBody>
-          <a:bodyPr lIns="64008" rIns="45720" bIns="45720" anchor="t"/>
-          <a:lstStyle>
-            <a:lvl1pPr marL="0" indent="0" algn="l">
-              <a:spcBef>
-                <a:spcPts val="250"/>
-              </a:spcBef>
-              <a:buFontTx/>
-              <a:buNone/>
-              <a:defRPr sz="1300"/>
-            </a:lvl1pPr>
-            <a:lvl2pPr>
-              <a:defRPr sz="1200"/>
-            </a:lvl2pPr>
-            <a:lvl3pPr>
-              <a:defRPr sz="1000"/>
-            </a:lvl3pPr>
-            <a:lvl4pPr>
-              <a:defRPr sz="900"/>
-            </a:lvl4pPr>
-            <a:lvl5pPr>
-              <a:defRPr sz="900"/>
-            </a:lvl5pPr>
-          </a:lstStyle>
-          <a:p>
-            <a:pPr lvl="0" eaLnBrk="1" latinLnBrk="0" hangingPunct="1"/>
-            <a:r>
-              <a:rPr kumimoji="0" lang="fr-FR"/>
-              <a:t>Modifiez les styles du texte du masque</a:t>
+            <a:pPr lvl="0"/>
+            <a:r>
+              <a:rPr lang="fr-FR"/>
+              <a:t>Modifier les styles du texte du masque</a:t>
             </a:r>
           </a:p>
         </p:txBody>
@@ -2478,7 +4947,7 @@
           <a:p>
             <a:fld id="{AA309A6D-C09C-4548-B29A-6CF363A7E532}" type="datetimeFigureOut">
               <a:rPr lang="fr-FR" smtClean="0"/>
-              <a:t>12/01/2019</a:t>
+              <a:t>14/01/2019</a:t>
             </a:fld>
             <a:endParaRPr lang="fr-BE"/>
           </a:p>
@@ -2513,12 +4982,7 @@
             <p:ph type="sldNum" sz="quarter" idx="12"/>
           </p:nvPr>
         </p:nvSpPr>
-        <p:spPr>
-          <a:xfrm>
-            <a:off x="8077200" y="6356350"/>
-            <a:ext cx="609600" cy="365125"/>
-          </a:xfrm>
-        </p:spPr>
+        <p:spPr/>
         <p:txBody>
           <a:bodyPr/>
           <a:lstStyle/>
@@ -2531,309 +4995,12 @@
           </a:p>
         </p:txBody>
       </p:sp>
-      <p:sp>
-        <p:nvSpPr>
-          <p:cNvPr id="3" name="Picture Placeholder 2"/>
-          <p:cNvSpPr>
-            <a:spLocks noGrp="1"/>
-          </p:cNvSpPr>
-          <p:nvPr>
-            <p:ph type="pic" idx="1"/>
-          </p:nvPr>
-        </p:nvSpPr>
-        <p:spPr>
-          <a:xfrm rot="420000">
-            <a:off x="3485793" y="1199517"/>
-            <a:ext cx="4617720" cy="3931920"/>
-          </a:xfrm>
-          <a:prstGeom prst="rect">
-            <a:avLst/>
-          </a:prstGeom>
-          <a:solidFill>
-            <a:schemeClr val="bg2"/>
-          </a:solidFill>
-          <a:ln w="3000" cap="rnd">
-            <a:solidFill>
-              <a:srgbClr val="C0C0C0"/>
-            </a:solidFill>
-            <a:round/>
-          </a:ln>
-          <a:effectLst/>
-        </p:spPr>
-        <p:txBody>
-          <a:bodyPr/>
-          <a:lstStyle>
-            <a:lvl1pPr marL="0" indent="0">
-              <a:buNone/>
-              <a:defRPr sz="3200"/>
-            </a:lvl1pPr>
-          </a:lstStyle>
-          <a:p>
-            <a:r>
-              <a:rPr kumimoji="0" lang="fr-FR"/>
-              <a:t>Cliquez sur l'icône pour ajouter une image</a:t>
-            </a:r>
-            <a:endParaRPr kumimoji="0" lang="en-US" dirty="0"/>
-          </a:p>
-        </p:txBody>
-      </p:sp>
-      <p:sp>
-        <p:nvSpPr>
-          <p:cNvPr id="10" name="Freeform 9"/>
-          <p:cNvSpPr>
-            <a:spLocks/>
-          </p:cNvSpPr>
-          <p:nvPr/>
-        </p:nvSpPr>
-        <p:spPr bwMode="auto">
-          <a:xfrm flipV="1">
-            <a:off x="-9525" y="5816600"/>
-            <a:ext cx="9163050" cy="1041400"/>
-          </a:xfrm>
-          <a:custGeom>
-            <a:avLst>
-              <a:gd name="A1" fmla="val 0"/>
-              <a:gd name="A2" fmla="val 0"/>
-              <a:gd name="A3" fmla="val 0"/>
-              <a:gd name="A4" fmla="val 0"/>
-              <a:gd name="A5" fmla="val 0"/>
-              <a:gd name="A6" fmla="val 0"/>
-              <a:gd name="A7" fmla="val 0"/>
-              <a:gd name="A8" fmla="val 0"/>
-            </a:avLst>
-            <a:gdLst/>
-            <a:ahLst/>
-            <a:cxnLst>
-              <a:cxn ang="0">
-                <a:pos x="6" y="2"/>
-              </a:cxn>
-              <a:cxn ang="0">
-                <a:pos x="2542" y="0"/>
-              </a:cxn>
-              <a:cxn ang="0">
-                <a:pos x="4374" y="367"/>
-              </a:cxn>
-              <a:cxn ang="0">
-                <a:pos x="5766" y="55"/>
-              </a:cxn>
-              <a:cxn ang="0">
-                <a:pos x="5772" y="213"/>
-              </a:cxn>
-              <a:cxn ang="0">
-                <a:pos x="4302" y="439"/>
-              </a:cxn>
-              <a:cxn ang="0">
-                <a:pos x="1488" y="201"/>
-              </a:cxn>
-              <a:cxn ang="0">
-                <a:pos x="0" y="656"/>
-              </a:cxn>
-              <a:cxn ang="0">
-                <a:pos x="6" y="2"/>
-              </a:cxn>
-            </a:cxnLst>
-            <a:rect l="0" t="0" r="0" b="0"/>
-            <a:pathLst>
-              <a:path w="5772" h="656">
-                <a:moveTo>
-                  <a:pt x="6" y="2"/>
-                </a:moveTo>
-                <a:lnTo>
-                  <a:pt x="2542" y="0"/>
-                </a:lnTo>
-                <a:cubicBezTo>
-                  <a:pt x="2746" y="101"/>
-                  <a:pt x="3828" y="367"/>
-                  <a:pt x="4374" y="367"/>
-                </a:cubicBezTo>
-                <a:cubicBezTo>
-                  <a:pt x="4920" y="367"/>
-                  <a:pt x="5526" y="152"/>
-                  <a:pt x="5766" y="55"/>
-                </a:cubicBezTo>
-                <a:lnTo>
-                  <a:pt x="5772" y="213"/>
-                </a:lnTo>
-                <a:cubicBezTo>
-                  <a:pt x="5670" y="257"/>
-                  <a:pt x="5016" y="441"/>
-                  <a:pt x="4302" y="439"/>
-                </a:cubicBezTo>
-                <a:cubicBezTo>
-                  <a:pt x="3588" y="437"/>
-                  <a:pt x="2205" y="165"/>
-                  <a:pt x="1488" y="201"/>
-                </a:cubicBezTo>
-                <a:cubicBezTo>
-                  <a:pt x="750" y="209"/>
-                  <a:pt x="270" y="482"/>
-                  <a:pt x="0" y="656"/>
-                </a:cubicBezTo>
-                <a:lnTo>
-                  <a:pt x="6" y="2"/>
-                </a:lnTo>
-                <a:close/>
-              </a:path>
-            </a:pathLst>
-          </a:custGeom>
-          <a:gradFill>
-            <a:gsLst>
-              <a:gs pos="0">
-                <a:schemeClr val="accent2">
-                  <a:shade val="50000"/>
-                  <a:alpha val="45000"/>
-                  <a:satMod val="120000"/>
-                </a:schemeClr>
-              </a:gs>
-              <a:gs pos="100000">
-                <a:schemeClr val="accent3">
-                  <a:shade val="80000"/>
-                  <a:alpha val="55000"/>
-                  <a:satMod val="155000"/>
-                </a:schemeClr>
-              </a:gs>
-            </a:gsLst>
-            <a:lin ang="5400000" scaled="1"/>
-          </a:gradFill>
-          <a:ln w="9525" cap="flat" cmpd="sng" algn="ctr">
-            <a:noFill/>
-            <a:prstDash val="solid"/>
-            <a:round/>
-            <a:headEnd type="none" w="med" len="med"/>
-            <a:tailEnd type="none" w="med" len="med"/>
-          </a:ln>
-          <a:effectLst/>
-        </p:spPr>
-        <p:txBody>
-          <a:bodyPr vert="horz" wrap="square" lIns="91440" tIns="45720" rIns="91440" bIns="45720" anchor="t" compatLnSpc="1"/>
-          <a:lstStyle/>
-          <a:p>
-            <a:pPr marL="0" algn="l" rtl="0" eaLnBrk="1" latinLnBrk="0" hangingPunct="1"/>
-            <a:endParaRPr kumimoji="0" lang="en-US">
-              <a:solidFill>
-                <a:schemeClr val="tx1"/>
-              </a:solidFill>
-              <a:latin typeface="+mn-lt"/>
-              <a:ea typeface="+mn-ea"/>
-              <a:cs typeface="+mn-cs"/>
-            </a:endParaRPr>
-          </a:p>
-        </p:txBody>
-      </p:sp>
-      <p:sp>
-        <p:nvSpPr>
-          <p:cNvPr id="11" name="Freeform 10"/>
-          <p:cNvSpPr>
-            <a:spLocks/>
-          </p:cNvSpPr>
-          <p:nvPr/>
-        </p:nvSpPr>
-        <p:spPr bwMode="auto">
-          <a:xfrm flipV="1">
-            <a:off x="4381500" y="6219825"/>
-            <a:ext cx="4762500" cy="638175"/>
-          </a:xfrm>
-          <a:custGeom>
-            <a:avLst>
-              <a:gd name="A1" fmla="val 0"/>
-              <a:gd name="A2" fmla="val 0"/>
-              <a:gd name="A3" fmla="val 0"/>
-              <a:gd name="A4" fmla="val 0"/>
-              <a:gd name="A5" fmla="val 0"/>
-              <a:gd name="A6" fmla="val 0"/>
-              <a:gd name="A7" fmla="val 0"/>
-              <a:gd name="A8" fmla="val 0"/>
-            </a:avLst>
-            <a:gdLst/>
-            <a:ahLst/>
-            <a:cxnLst>
-              <a:cxn ang="0">
-                <a:pos x="0" y="0"/>
-              </a:cxn>
-              <a:cxn ang="0">
-                <a:pos x="1668" y="564"/>
-              </a:cxn>
-              <a:cxn ang="0">
-                <a:pos x="3000" y="186"/>
-              </a:cxn>
-              <a:cxn ang="0">
-                <a:pos x="3000" y="6"/>
-              </a:cxn>
-              <a:cxn ang="0">
-                <a:pos x="0" y="0"/>
-              </a:cxn>
-            </a:cxnLst>
-            <a:rect l="0" t="0" r="0" b="0"/>
-            <a:pathLst>
-              <a:path w="3000" h="595">
-                <a:moveTo>
-                  <a:pt x="0" y="0"/>
-                </a:moveTo>
-                <a:cubicBezTo>
-                  <a:pt x="174" y="102"/>
-                  <a:pt x="1168" y="533"/>
-                  <a:pt x="1668" y="564"/>
-                </a:cubicBezTo>
-                <a:cubicBezTo>
-                  <a:pt x="2168" y="595"/>
-                  <a:pt x="2778" y="279"/>
-                  <a:pt x="3000" y="186"/>
-                </a:cubicBezTo>
-                <a:lnTo>
-                  <a:pt x="3000" y="6"/>
-                </a:lnTo>
-                <a:lnTo>
-                  <a:pt x="0" y="0"/>
-                </a:lnTo>
-                <a:close/>
-              </a:path>
-            </a:pathLst>
-          </a:custGeom>
-          <a:gradFill>
-            <a:gsLst>
-              <a:gs pos="0">
-                <a:schemeClr val="accent3">
-                  <a:shade val="50000"/>
-                  <a:alpha val="30000"/>
-                  <a:satMod val="130000"/>
-                </a:schemeClr>
-              </a:gs>
-              <a:gs pos="80000">
-                <a:schemeClr val="accent2">
-                  <a:shade val="75000"/>
-                  <a:alpha val="45000"/>
-                  <a:satMod val="140000"/>
-                </a:schemeClr>
-              </a:gs>
-            </a:gsLst>
-            <a:lin ang="5400000" scaled="1"/>
-          </a:gradFill>
-          <a:ln w="9525" cap="flat" cmpd="sng" algn="ctr">
-            <a:noFill/>
-            <a:prstDash val="solid"/>
-            <a:round/>
-            <a:headEnd type="none" w="med" len="med"/>
-            <a:tailEnd type="none" w="med" len="med"/>
-          </a:ln>
-          <a:effectLst/>
-        </p:spPr>
-        <p:txBody>
-          <a:bodyPr vert="horz" wrap="square" lIns="91440" tIns="45720" rIns="91440" bIns="45720" anchor="t" compatLnSpc="1"/>
-          <a:lstStyle/>
-          <a:p>
-            <a:pPr marL="0" algn="l" rtl="0" eaLnBrk="1" latinLnBrk="0" hangingPunct="1"/>
-            <a:endParaRPr kumimoji="0" lang="en-US">
-              <a:solidFill>
-                <a:schemeClr val="tx1"/>
-              </a:solidFill>
-              <a:latin typeface="+mn-lt"/>
-              <a:ea typeface="+mn-ea"/>
-              <a:cs typeface="+mn-cs"/>
-            </a:endParaRPr>
-          </a:p>
-        </p:txBody>
-      </p:sp>
     </p:spTree>
+    <p:extLst>
+      <p:ext uri="{BB962C8B-B14F-4D97-AF65-F5344CB8AC3E}">
+        <p14:creationId xmlns:p14="http://schemas.microsoft.com/office/powerpoint/2010/main" val="1695385900"/>
+      </p:ext>
+    </p:extLst>
   </p:cSld>
   <p:clrMapOvr>
     <a:masterClrMapping/>
@@ -2846,7 +5013,7 @@
   <p:cSld>
     <p:bg>
       <p:bgRef idx="1003">
-        <a:schemeClr val="bg1"/>
+        <a:schemeClr val="bg2"/>
       </p:bgRef>
     </p:bg>
     <p:spTree>
@@ -2865,263 +5032,7 @@
       </p:grpSpPr>
       <p:sp>
         <p:nvSpPr>
-          <p:cNvPr id="7" name="Freeform 6"/>
-          <p:cNvSpPr>
-            <a:spLocks/>
-          </p:cNvSpPr>
-          <p:nvPr/>
-        </p:nvSpPr>
-        <p:spPr bwMode="auto">
-          <a:xfrm>
-            <a:off x="-9525" y="-7144"/>
-            <a:ext cx="9163050" cy="1041400"/>
-          </a:xfrm>
-          <a:custGeom>
-            <a:avLst>
-              <a:gd name="A1" fmla="val 0"/>
-              <a:gd name="A2" fmla="val 0"/>
-              <a:gd name="A3" fmla="val 0"/>
-              <a:gd name="A4" fmla="val 0"/>
-              <a:gd name="A5" fmla="val 0"/>
-              <a:gd name="A6" fmla="val 0"/>
-              <a:gd name="A7" fmla="val 0"/>
-              <a:gd name="A8" fmla="val 0"/>
-            </a:avLst>
-            <a:gdLst/>
-            <a:ahLst/>
-            <a:cxnLst>
-              <a:cxn ang="0">
-                <a:pos x="6" y="2"/>
-              </a:cxn>
-              <a:cxn ang="0">
-                <a:pos x="2542" y="0"/>
-              </a:cxn>
-              <a:cxn ang="0">
-                <a:pos x="4374" y="367"/>
-              </a:cxn>
-              <a:cxn ang="0">
-                <a:pos x="5766" y="55"/>
-              </a:cxn>
-              <a:cxn ang="0">
-                <a:pos x="5772" y="213"/>
-              </a:cxn>
-              <a:cxn ang="0">
-                <a:pos x="4302" y="439"/>
-              </a:cxn>
-              <a:cxn ang="0">
-                <a:pos x="1488" y="201"/>
-              </a:cxn>
-              <a:cxn ang="0">
-                <a:pos x="0" y="656"/>
-              </a:cxn>
-              <a:cxn ang="0">
-                <a:pos x="6" y="2"/>
-              </a:cxn>
-            </a:cxnLst>
-            <a:rect l="0" t="0" r="0" b="0"/>
-            <a:pathLst>
-              <a:path w="5772" h="656">
-                <a:moveTo>
-                  <a:pt x="6" y="2"/>
-                </a:moveTo>
-                <a:lnTo>
-                  <a:pt x="2542" y="0"/>
-                </a:lnTo>
-                <a:cubicBezTo>
-                  <a:pt x="2746" y="101"/>
-                  <a:pt x="3828" y="367"/>
-                  <a:pt x="4374" y="367"/>
-                </a:cubicBezTo>
-                <a:cubicBezTo>
-                  <a:pt x="4920" y="367"/>
-                  <a:pt x="5526" y="152"/>
-                  <a:pt x="5766" y="55"/>
-                </a:cubicBezTo>
-                <a:lnTo>
-                  <a:pt x="5772" y="213"/>
-                </a:lnTo>
-                <a:cubicBezTo>
-                  <a:pt x="5670" y="257"/>
-                  <a:pt x="5016" y="441"/>
-                  <a:pt x="4302" y="439"/>
-                </a:cubicBezTo>
-                <a:cubicBezTo>
-                  <a:pt x="3588" y="437"/>
-                  <a:pt x="2205" y="165"/>
-                  <a:pt x="1488" y="201"/>
-                </a:cubicBezTo>
-                <a:cubicBezTo>
-                  <a:pt x="750" y="209"/>
-                  <a:pt x="270" y="482"/>
-                  <a:pt x="0" y="656"/>
-                </a:cubicBezTo>
-                <a:lnTo>
-                  <a:pt x="6" y="2"/>
-                </a:lnTo>
-                <a:close/>
-              </a:path>
-            </a:pathLst>
-          </a:custGeom>
-          <a:gradFill>
-            <a:gsLst>
-              <a:gs pos="0">
-                <a:schemeClr val="accent2">
-                  <a:shade val="50000"/>
-                  <a:alpha val="45000"/>
-                  <a:satMod val="120000"/>
-                </a:schemeClr>
-              </a:gs>
-              <a:gs pos="100000">
-                <a:schemeClr val="accent3">
-                  <a:shade val="80000"/>
-                  <a:alpha val="55000"/>
-                  <a:satMod val="155000"/>
-                </a:schemeClr>
-              </a:gs>
-            </a:gsLst>
-            <a:lin ang="5400000" scaled="1"/>
-          </a:gradFill>
-          <a:ln w="9525" cap="flat" cmpd="sng" algn="ctr">
-            <a:noFill/>
-            <a:prstDash val="solid"/>
-            <a:round/>
-            <a:headEnd type="none" w="med" len="med"/>
-            <a:tailEnd type="none" w="med" len="med"/>
-          </a:ln>
-          <a:effectLst/>
-        </p:spPr>
-        <p:txBody>
-          <a:bodyPr vert="horz" wrap="square" lIns="91440" tIns="45720" rIns="91440" bIns="45720" anchor="t" compatLnSpc="1"/>
-          <a:lstStyle/>
-          <a:p>
-            <a:pPr marL="0" algn="l" rtl="0" eaLnBrk="1" latinLnBrk="0" hangingPunct="1"/>
-            <a:endParaRPr kumimoji="0" lang="en-US">
-              <a:solidFill>
-                <a:schemeClr val="tx1"/>
-              </a:solidFill>
-              <a:latin typeface="+mn-lt"/>
-              <a:ea typeface="+mn-ea"/>
-              <a:cs typeface="+mn-cs"/>
-            </a:endParaRPr>
-          </a:p>
-        </p:txBody>
-      </p:sp>
-      <p:sp>
-        <p:nvSpPr>
-          <p:cNvPr id="8" name="Freeform 7"/>
-          <p:cNvSpPr>
-            <a:spLocks/>
-          </p:cNvSpPr>
-          <p:nvPr/>
-        </p:nvSpPr>
-        <p:spPr bwMode="auto">
-          <a:xfrm>
-            <a:off x="4381500" y="-7144"/>
-            <a:ext cx="4762500" cy="638175"/>
-          </a:xfrm>
-          <a:custGeom>
-            <a:avLst>
-              <a:gd name="A1" fmla="val 0"/>
-              <a:gd name="A2" fmla="val 0"/>
-              <a:gd name="A3" fmla="val 0"/>
-              <a:gd name="A4" fmla="val 0"/>
-              <a:gd name="A5" fmla="val 0"/>
-              <a:gd name="A6" fmla="val 0"/>
-              <a:gd name="A7" fmla="val 0"/>
-              <a:gd name="A8" fmla="val 0"/>
-            </a:avLst>
-            <a:gdLst/>
-            <a:ahLst/>
-            <a:cxnLst>
-              <a:cxn ang="0">
-                <a:pos x="0" y="0"/>
-              </a:cxn>
-              <a:cxn ang="0">
-                <a:pos x="1668" y="564"/>
-              </a:cxn>
-              <a:cxn ang="0">
-                <a:pos x="3000" y="186"/>
-              </a:cxn>
-              <a:cxn ang="0">
-                <a:pos x="3000" y="6"/>
-              </a:cxn>
-              <a:cxn ang="0">
-                <a:pos x="0" y="0"/>
-              </a:cxn>
-            </a:cxnLst>
-            <a:rect l="0" t="0" r="0" b="0"/>
-            <a:pathLst>
-              <a:path w="3000" h="595">
-                <a:moveTo>
-                  <a:pt x="0" y="0"/>
-                </a:moveTo>
-                <a:cubicBezTo>
-                  <a:pt x="174" y="102"/>
-                  <a:pt x="1168" y="533"/>
-                  <a:pt x="1668" y="564"/>
-                </a:cubicBezTo>
-                <a:cubicBezTo>
-                  <a:pt x="2168" y="595"/>
-                  <a:pt x="2778" y="279"/>
-                  <a:pt x="3000" y="186"/>
-                </a:cubicBezTo>
-                <a:lnTo>
-                  <a:pt x="3000" y="6"/>
-                </a:lnTo>
-                <a:lnTo>
-                  <a:pt x="0" y="0"/>
-                </a:lnTo>
-                <a:close/>
-              </a:path>
-            </a:pathLst>
-          </a:custGeom>
-          <a:gradFill>
-            <a:gsLst>
-              <a:gs pos="0">
-                <a:schemeClr val="accent3">
-                  <a:shade val="50000"/>
-                  <a:alpha val="30000"/>
-                  <a:satMod val="130000"/>
-                </a:schemeClr>
-              </a:gs>
-              <a:gs pos="80000">
-                <a:schemeClr val="accent2">
-                  <a:shade val="75000"/>
-                  <a:alpha val="45000"/>
-                  <a:satMod val="140000"/>
-                </a:schemeClr>
-              </a:gs>
-            </a:gsLst>
-            <a:lin ang="5400000" scaled="1"/>
-          </a:gradFill>
-          <a:ln w="9525" cap="flat" cmpd="sng" algn="ctr">
-            <a:noFill/>
-            <a:prstDash val="solid"/>
-            <a:round/>
-            <a:headEnd type="none" w="med" len="med"/>
-            <a:tailEnd type="none" w="med" len="med"/>
-          </a:ln>
-          <a:effectLst/>
-        </p:spPr>
-        <p:txBody>
-          <a:bodyPr vert="horz" wrap="square" lIns="91440" tIns="45720" rIns="91440" bIns="45720" anchor="t" compatLnSpc="1"/>
-          <a:lstStyle/>
-          <a:p>
-            <a:pPr marL="0" algn="l" rtl="0" eaLnBrk="1" latinLnBrk="0" hangingPunct="1"/>
-            <a:endParaRPr kumimoji="0" lang="en-US">
-              <a:solidFill>
-                <a:schemeClr val="tx1"/>
-              </a:solidFill>
-              <a:latin typeface="+mn-lt"/>
-              <a:ea typeface="+mn-ea"/>
-              <a:cs typeface="+mn-cs"/>
-            </a:endParaRPr>
-          </a:p>
-        </p:txBody>
-      </p:sp>
-      <p:sp>
-        <p:nvSpPr>
-          <p:cNvPr id="9" name="Title Placeholder 8"/>
+          <p:cNvPr id="2" name="Title Placeholder 1"/>
           <p:cNvSpPr>
             <a:spLocks noGrp="1"/>
           </p:cNvSpPr>
@@ -3131,30 +5042,30 @@
         </p:nvSpPr>
         <p:spPr>
           <a:xfrm>
-            <a:off x="457200" y="704088"/>
-            <a:ext cx="8229600" cy="1143000"/>
+            <a:off x="685347" y="609601"/>
+            <a:ext cx="7765321" cy="1326321"/>
           </a:xfrm>
           <a:prstGeom prst="rect">
             <a:avLst/>
           </a:prstGeom>
         </p:spPr>
         <p:txBody>
-          <a:bodyPr vert="horz" lIns="0" rIns="0" bIns="0" anchor="b">
+          <a:bodyPr vert="horz" lIns="91440" tIns="45720" rIns="91440" bIns="45720" rtlCol="0" anchor="ctr">
             <a:normAutofit/>
           </a:bodyPr>
           <a:lstStyle/>
           <a:p>
             <a:r>
-              <a:rPr kumimoji="0" lang="fr-FR"/>
+              <a:rPr lang="fr-FR"/>
               <a:t>Modifiez le style du titre</a:t>
             </a:r>
-            <a:endParaRPr kumimoji="0" lang="en-US"/>
-          </a:p>
-        </p:txBody>
-      </p:sp>
-      <p:sp>
-        <p:nvSpPr>
-          <p:cNvPr id="30" name="Text Placeholder 29"/>
+            <a:endParaRPr lang="en-US" dirty="0"/>
+          </a:p>
+        </p:txBody>
+      </p:sp>
+      <p:sp>
+        <p:nvSpPr>
+          <p:cNvPr id="3" name="Text Placeholder 2"/>
           <p:cNvSpPr>
             <a:spLocks noGrp="1"/>
           </p:cNvSpPr>
@@ -3164,59 +5075,59 @@
         </p:nvSpPr>
         <p:spPr>
           <a:xfrm>
-            <a:off x="457200" y="1935480"/>
-            <a:ext cx="8229600" cy="4389120"/>
+            <a:off x="685346" y="2096064"/>
+            <a:ext cx="7765322" cy="3695136"/>
           </a:xfrm>
           <a:prstGeom prst="rect">
             <a:avLst/>
           </a:prstGeom>
         </p:spPr>
         <p:txBody>
-          <a:bodyPr vert="horz">
+          <a:bodyPr vert="horz" lIns="91440" tIns="45720" rIns="91440" bIns="45720" rtlCol="0">
             <a:normAutofit/>
           </a:bodyPr>
           <a:lstStyle/>
           <a:p>
-            <a:pPr lvl="0" eaLnBrk="1" latinLnBrk="0" hangingPunct="1"/>
-            <a:r>
-              <a:rPr kumimoji="0" lang="fr-FR"/>
-              <a:t>Modifiez les styles du texte du masque</a:t>
-            </a:r>
-          </a:p>
-          <a:p>
-            <a:pPr lvl="1" eaLnBrk="1" latinLnBrk="0" hangingPunct="1"/>
-            <a:r>
-              <a:rPr kumimoji="0" lang="fr-FR"/>
+            <a:pPr lvl="0"/>
+            <a:r>
+              <a:rPr lang="fr-FR"/>
+              <a:t>Modifier les styles du texte du masque</a:t>
+            </a:r>
+          </a:p>
+          <a:p>
+            <a:pPr lvl="1"/>
+            <a:r>
+              <a:rPr lang="fr-FR"/>
               <a:t>Deuxième niveau</a:t>
             </a:r>
           </a:p>
           <a:p>
-            <a:pPr lvl="2" eaLnBrk="1" latinLnBrk="0" hangingPunct="1"/>
-            <a:r>
-              <a:rPr kumimoji="0" lang="fr-FR"/>
+            <a:pPr lvl="2"/>
+            <a:r>
+              <a:rPr lang="fr-FR"/>
               <a:t>Troisième niveau</a:t>
             </a:r>
           </a:p>
           <a:p>
-            <a:pPr lvl="3" eaLnBrk="1" latinLnBrk="0" hangingPunct="1"/>
-            <a:r>
-              <a:rPr kumimoji="0" lang="fr-FR"/>
+            <a:pPr lvl="3"/>
+            <a:r>
+              <a:rPr lang="fr-FR"/>
               <a:t>Quatrième niveau</a:t>
             </a:r>
           </a:p>
           <a:p>
-            <a:pPr lvl="4" eaLnBrk="1" latinLnBrk="0" hangingPunct="1"/>
-            <a:r>
-              <a:rPr kumimoji="0" lang="fr-FR"/>
+            <a:pPr lvl="4"/>
+            <a:r>
+              <a:rPr lang="fr-FR"/>
               <a:t>Cinquième niveau</a:t>
             </a:r>
-            <a:endParaRPr kumimoji="0" lang="en-US"/>
-          </a:p>
-        </p:txBody>
-      </p:sp>
-      <p:sp>
-        <p:nvSpPr>
-          <p:cNvPr id="10" name="Date Placeholder 9"/>
+            <a:endParaRPr lang="en-US" dirty="0"/>
+          </a:p>
+        </p:txBody>
+      </p:sp>
+      <p:sp>
+        <p:nvSpPr>
+          <p:cNvPr id="4" name="Date Placeholder 3"/>
           <p:cNvSpPr>
             <a:spLocks noGrp="1"/>
           </p:cNvSpPr>
@@ -3226,21 +5137,21 @@
         </p:nvSpPr>
         <p:spPr>
           <a:xfrm>
-            <a:off x="457200" y="6356350"/>
-            <a:ext cx="2133600" cy="365125"/>
+            <a:off x="5759052" y="5883276"/>
+            <a:ext cx="2057400" cy="365125"/>
           </a:xfrm>
           <a:prstGeom prst="rect">
             <a:avLst/>
           </a:prstGeom>
         </p:spPr>
         <p:txBody>
-          <a:bodyPr vert="horz" lIns="0" tIns="0" rIns="0" bIns="0" anchor="b"/>
+          <a:bodyPr vert="horz" lIns="91440" tIns="45720" rIns="91440" bIns="45720" rtlCol="0" anchor="ctr"/>
           <a:lstStyle>
-            <a:lvl1pPr algn="l" eaLnBrk="1" latinLnBrk="0" hangingPunct="1">
-              <a:defRPr kumimoji="0" sz="1200">
+            <a:lvl1pPr algn="r">
+              <a:defRPr sz="1000">
                 <a:solidFill>
-                  <a:schemeClr val="tx2">
-                    <a:shade val="90000"/>
+                  <a:schemeClr val="tx1">
+                    <a:tint val="75000"/>
                   </a:schemeClr>
                 </a:solidFill>
               </a:defRPr>
@@ -3249,7 +5160,7 @@
           <a:p>
             <a:fld id="{AA309A6D-C09C-4548-B29A-6CF363A7E532}" type="datetimeFigureOut">
               <a:rPr lang="fr-FR" smtClean="0"/>
-              <a:t>12/01/2019</a:t>
+              <a:t>14/01/2019</a:t>
             </a:fld>
             <a:endParaRPr lang="fr-BE"/>
           </a:p>
@@ -3257,7 +5168,7 @@
       </p:sp>
       <p:sp>
         <p:nvSpPr>
-          <p:cNvPr id="22" name="Footer Placeholder 21"/>
+          <p:cNvPr id="5" name="Footer Placeholder 4"/>
           <p:cNvSpPr>
             <a:spLocks noGrp="1"/>
           </p:cNvSpPr>
@@ -3267,21 +5178,21 @@
         </p:nvSpPr>
         <p:spPr>
           <a:xfrm>
-            <a:off x="2667000" y="6356350"/>
-            <a:ext cx="3352800" cy="365125"/>
+            <a:off x="685346" y="5883276"/>
+            <a:ext cx="5004649" cy="365125"/>
           </a:xfrm>
           <a:prstGeom prst="rect">
             <a:avLst/>
           </a:prstGeom>
         </p:spPr>
         <p:txBody>
-          <a:bodyPr vert="horz" lIns="0" tIns="0" rIns="0" bIns="0" anchor="b"/>
+          <a:bodyPr vert="horz" lIns="91440" tIns="45720" rIns="91440" bIns="45720" rtlCol="0" anchor="ctr"/>
           <a:lstStyle>
-            <a:lvl1pPr algn="l" eaLnBrk="1" latinLnBrk="0" hangingPunct="1">
-              <a:defRPr kumimoji="0" sz="1200">
+            <a:lvl1pPr algn="l">
+              <a:defRPr sz="1000">
                 <a:solidFill>
-                  <a:schemeClr val="tx2">
-                    <a:shade val="90000"/>
+                  <a:schemeClr val="tx1">
+                    <a:tint val="75000"/>
                   </a:schemeClr>
                 </a:solidFill>
               </a:defRPr>
@@ -3294,7 +5205,7 @@
       </p:sp>
       <p:sp>
         <p:nvSpPr>
-          <p:cNvPr id="18" name="Slide Number Placeholder 17"/>
+          <p:cNvPr id="6" name="Slide Number Placeholder 5"/>
           <p:cNvSpPr>
             <a:spLocks noGrp="1"/>
           </p:cNvSpPr>
@@ -3304,21 +5215,21 @@
         </p:nvSpPr>
         <p:spPr>
           <a:xfrm>
-            <a:off x="7924800" y="6356350"/>
-            <a:ext cx="762000" cy="365125"/>
+            <a:off x="7885509" y="5883276"/>
+            <a:ext cx="565159" cy="365125"/>
           </a:xfrm>
           <a:prstGeom prst="rect">
             <a:avLst/>
           </a:prstGeom>
         </p:spPr>
         <p:txBody>
-          <a:bodyPr vert="horz" lIns="0" tIns="0" rIns="0" bIns="0" anchor="b"/>
+          <a:bodyPr vert="horz" lIns="91440" tIns="45720" rIns="91440" bIns="45720" rtlCol="0" anchor="ctr"/>
           <a:lstStyle>
-            <a:lvl1pPr algn="r" eaLnBrk="1" latinLnBrk="0" hangingPunct="1">
-              <a:defRPr kumimoji="0" sz="1200">
+            <a:lvl1pPr algn="r">
+              <a:defRPr sz="1000">
                 <a:solidFill>
-                  <a:schemeClr val="tx2">
-                    <a:shade val="90000"/>
+                  <a:schemeClr val="tx1">
+                    <a:tint val="75000"/>
                   </a:schemeClr>
                 </a:solidFill>
               </a:defRPr>
@@ -3333,251 +5244,54 @@
           </a:p>
         </p:txBody>
       </p:sp>
-      <p:grpSp>
-        <p:nvGrpSpPr>
-          <p:cNvPr id="2" name="Group 1"/>
-          <p:cNvGrpSpPr/>
-          <p:nvPr/>
-        </p:nvGrpSpPr>
-        <p:grpSpPr>
-          <a:xfrm>
-            <a:off x="-19017" y="202408"/>
-            <a:ext cx="9180548" cy="649224"/>
-            <a:chOff x="-19045" y="216550"/>
-            <a:chExt cx="9180548" cy="649224"/>
-          </a:xfrm>
-        </p:grpSpPr>
-        <p:sp>
-          <p:nvSpPr>
-            <p:cNvPr id="12" name="Freeform 11"/>
-            <p:cNvSpPr>
-              <a:spLocks/>
-            </p:cNvSpPr>
-            <p:nvPr/>
-          </p:nvSpPr>
-          <p:spPr bwMode="auto">
-            <a:xfrm rot="21435692">
-              <a:off x="-19045" y="216550"/>
-              <a:ext cx="9163050" cy="649224"/>
-            </a:xfrm>
-            <a:custGeom>
-              <a:avLst>
-                <a:gd name="A1" fmla="val 0"/>
-                <a:gd name="A2" fmla="val 0"/>
-                <a:gd name="A3" fmla="val 0"/>
-                <a:gd name="A4" fmla="val 0"/>
-                <a:gd name="A5" fmla="val 0"/>
-                <a:gd name="A6" fmla="val 0"/>
-                <a:gd name="A7" fmla="val 0"/>
-                <a:gd name="A8" fmla="val 0"/>
-              </a:avLst>
-              <a:gdLst/>
-              <a:ahLst/>
-              <a:cxnLst>
-                <a:cxn ang="0">
-                  <a:pos x="0" y="966"/>
-                </a:cxn>
-                <a:cxn ang="0">
-                  <a:pos x="1608" y="282"/>
-                </a:cxn>
-                <a:cxn ang="0">
-                  <a:pos x="4110" y="1008"/>
-                </a:cxn>
-                <a:cxn ang="0">
-                  <a:pos x="5772" y="0"/>
-                </a:cxn>
-              </a:cxnLst>
-              <a:rect l="0" t="0" r="0" b="0"/>
-              <a:pathLst>
-                <a:path w="5772" h="1055">
-                  <a:moveTo>
-                    <a:pt x="0" y="966"/>
-                  </a:moveTo>
-                  <a:cubicBezTo>
-                    <a:pt x="282" y="738"/>
-                    <a:pt x="923" y="275"/>
-                    <a:pt x="1608" y="282"/>
-                  </a:cubicBezTo>
-                  <a:cubicBezTo>
-                    <a:pt x="2293" y="289"/>
-                    <a:pt x="3416" y="1055"/>
-                    <a:pt x="4110" y="1008"/>
-                  </a:cubicBezTo>
-                  <a:cubicBezTo>
-                    <a:pt x="4804" y="961"/>
-                    <a:pt x="5426" y="210"/>
-                    <a:pt x="5772" y="0"/>
-                  </a:cubicBezTo>
-                </a:path>
-              </a:pathLst>
-            </a:custGeom>
-            <a:noFill/>
-            <a:ln w="10795" cap="flat" cmpd="sng" algn="ctr">
-              <a:gradFill>
-                <a:gsLst>
-                  <a:gs pos="74000">
-                    <a:schemeClr val="accent3">
-                      <a:shade val="75000"/>
-                    </a:schemeClr>
-                  </a:gs>
-                  <a:gs pos="86000">
-                    <a:schemeClr val="tx1">
-                      <a:alpha val="29000"/>
-                    </a:schemeClr>
-                  </a:gs>
-                  <a:gs pos="16000">
-                    <a:schemeClr val="accent2">
-                      <a:shade val="75000"/>
-                      <a:alpha val="56000"/>
-                    </a:schemeClr>
-                  </a:gs>
-                </a:gsLst>
-                <a:lin ang="5400000" scaled="1"/>
-              </a:gradFill>
-              <a:prstDash val="solid"/>
-              <a:round/>
-              <a:headEnd type="none" w="med" len="med"/>
-              <a:tailEnd type="none" w="med" len="med"/>
-            </a:ln>
-            <a:effectLst/>
-          </p:spPr>
-          <p:txBody>
-            <a:bodyPr vert="horz" wrap="square" lIns="91440" tIns="45720" rIns="91440" bIns="45720" anchor="t" compatLnSpc="1"/>
-            <a:lstStyle/>
-            <a:p>
-              <a:endParaRPr kumimoji="0" lang="en-US"/>
-            </a:p>
-          </p:txBody>
-        </p:sp>
-        <p:sp>
-          <p:nvSpPr>
-            <p:cNvPr id="13" name="Freeform 12"/>
-            <p:cNvSpPr>
-              <a:spLocks/>
-            </p:cNvSpPr>
-            <p:nvPr/>
-          </p:nvSpPr>
-          <p:spPr bwMode="auto">
-            <a:xfrm rot="21435692">
-              <a:off x="-14309" y="290003"/>
-              <a:ext cx="9175812" cy="530352"/>
-            </a:xfrm>
-            <a:custGeom>
-              <a:avLst>
-                <a:gd name="A1" fmla="val 0"/>
-                <a:gd name="A2" fmla="val 0"/>
-                <a:gd name="A3" fmla="val 0"/>
-                <a:gd name="A4" fmla="val 0"/>
-                <a:gd name="A5" fmla="val 0"/>
-                <a:gd name="A6" fmla="val 0"/>
-                <a:gd name="A7" fmla="val 0"/>
-                <a:gd name="A8" fmla="val 0"/>
-              </a:avLst>
-              <a:gdLst/>
-              <a:ahLst/>
-              <a:cxnLst>
-                <a:cxn ang="0">
-                  <a:pos x="0" y="732"/>
-                </a:cxn>
-                <a:cxn ang="0">
-                  <a:pos x="1638" y="228"/>
-                </a:cxn>
-                <a:cxn ang="0">
-                  <a:pos x="4122" y="816"/>
-                </a:cxn>
-                <a:cxn ang="0">
-                  <a:pos x="5766" y="0"/>
-                </a:cxn>
-              </a:cxnLst>
-              <a:rect l="0" t="0" r="0" b="0"/>
-              <a:pathLst>
-                <a:path w="5766" h="854">
-                  <a:moveTo>
-                    <a:pt x="0" y="732"/>
-                  </a:moveTo>
-                  <a:cubicBezTo>
-                    <a:pt x="273" y="647"/>
-                    <a:pt x="951" y="214"/>
-                    <a:pt x="1638" y="228"/>
-                  </a:cubicBezTo>
-                  <a:cubicBezTo>
-                    <a:pt x="2325" y="242"/>
-                    <a:pt x="3434" y="854"/>
-                    <a:pt x="4122" y="816"/>
-                  </a:cubicBezTo>
-                  <a:cubicBezTo>
-                    <a:pt x="4810" y="778"/>
-                    <a:pt x="5424" y="170"/>
-                    <a:pt x="5766" y="0"/>
-                  </a:cubicBezTo>
-                </a:path>
-              </a:pathLst>
-            </a:custGeom>
-            <a:noFill/>
-            <a:ln w="9525" cap="flat" cmpd="sng" algn="ctr">
-              <a:gradFill>
-                <a:gsLst>
-                  <a:gs pos="74000">
-                    <a:schemeClr val="accent4"/>
-                  </a:gs>
-                  <a:gs pos="44000">
-                    <a:schemeClr val="accent1"/>
-                  </a:gs>
-                  <a:gs pos="33000">
-                    <a:schemeClr val="accent2">
-                      <a:alpha val="56000"/>
-                    </a:schemeClr>
-                  </a:gs>
-                </a:gsLst>
-                <a:lin ang="5400000" scaled="1"/>
-              </a:gradFill>
-              <a:prstDash val="solid"/>
-              <a:round/>
-              <a:headEnd type="none" w="med" len="med"/>
-              <a:tailEnd type="none" w="med" len="med"/>
-            </a:ln>
-            <a:effectLst/>
-          </p:spPr>
-          <p:txBody>
-            <a:bodyPr vert="horz" wrap="square" lIns="91440" tIns="45720" rIns="91440" bIns="45720" anchor="t" compatLnSpc="1"/>
-            <a:lstStyle/>
-            <a:p>
-              <a:endParaRPr kumimoji="0" lang="en-US"/>
-            </a:p>
-          </p:txBody>
-        </p:sp>
-      </p:grpSp>
     </p:spTree>
+    <p:extLst>
+      <p:ext uri="{BB962C8B-B14F-4D97-AF65-F5344CB8AC3E}">
+        <p14:creationId xmlns:p14="http://schemas.microsoft.com/office/powerpoint/2010/main" val="1887160115"/>
+      </p:ext>
+    </p:extLst>
   </p:cSld>
-  <p:clrMap bg1="lt1" tx1="dk1" bg2="lt2" tx2="dk2" accent1="accent1" accent2="accent2" accent3="accent3" accent4="accent4" accent5="accent5" accent6="accent6" hlink="hlink" folHlink="folHlink"/>
+  <p:clrMap bg1="dk1" tx1="lt1" bg2="dk2" tx2="lt2" accent1="accent1" accent2="accent2" accent3="accent3" accent4="accent4" accent5="accent5" accent6="accent6" hlink="hlink" folHlink="folHlink"/>
   <p:sldLayoutIdLst>
-    <p:sldLayoutId id="2147483661" r:id="rId1"/>
-    <p:sldLayoutId id="2147483662" r:id="rId2"/>
-    <p:sldLayoutId id="2147483663" r:id="rId3"/>
-    <p:sldLayoutId id="2147483664" r:id="rId4"/>
-    <p:sldLayoutId id="2147483665" r:id="rId5"/>
-    <p:sldLayoutId id="2147483666" r:id="rId6"/>
-    <p:sldLayoutId id="2147483667" r:id="rId7"/>
-    <p:sldLayoutId id="2147483668" r:id="rId8"/>
-    <p:sldLayoutId id="2147483669" r:id="rId9"/>
-    <p:sldLayoutId id="2147483670" r:id="rId10"/>
-    <p:sldLayoutId id="2147483671" r:id="rId11"/>
+    <p:sldLayoutId id="2147483673" r:id="rId1"/>
+    <p:sldLayoutId id="2147483674" r:id="rId2"/>
+    <p:sldLayoutId id="2147483675" r:id="rId3"/>
+    <p:sldLayoutId id="2147483676" r:id="rId4"/>
+    <p:sldLayoutId id="2147483677" r:id="rId5"/>
+    <p:sldLayoutId id="2147483678" r:id="rId6"/>
+    <p:sldLayoutId id="2147483679" r:id="rId7"/>
+    <p:sldLayoutId id="2147483680" r:id="rId8"/>
+    <p:sldLayoutId id="2147483681" r:id="rId9"/>
+    <p:sldLayoutId id="2147483682" r:id="rId10"/>
+    <p:sldLayoutId id="2147483683" r:id="rId11"/>
+    <p:sldLayoutId id="2147483684" r:id="rId12"/>
+    <p:sldLayoutId id="2147483685" r:id="rId13"/>
+    <p:sldLayoutId id="2147483686" r:id="rId14"/>
+    <p:sldLayoutId id="2147483687" r:id="rId15"/>
+    <p:sldLayoutId id="2147483688" r:id="rId16"/>
+    <p:sldLayoutId id="2147483689" r:id="rId17"/>
   </p:sldLayoutIdLst>
   <p:txStyles>
     <p:titleStyle>
-      <a:lvl1pPr algn="l" rtl="0" eaLnBrk="1" latinLnBrk="0" hangingPunct="1">
+      <a:lvl1pPr algn="ctr" defTabSz="914400" rtl="0" eaLnBrk="1" latinLnBrk="0" hangingPunct="1">
+        <a:lnSpc>
+          <a:spcPct val="90000"/>
+        </a:lnSpc>
         <a:spcBef>
           <a:spcPct val="0"/>
         </a:spcBef>
         <a:buNone/>
-        <a:defRPr kumimoji="0" sz="5000" b="0" kern="1200">
-          <a:ln>
-            <a:noFill/>
-          </a:ln>
+        <a:defRPr sz="3400" b="1" i="0" kern="1200" cap="all">
           <a:solidFill>
-            <a:schemeClr val="tx2"/>
+            <a:schemeClr val="tx1"/>
           </a:solidFill>
-          <a:effectLst/>
+          <a:effectLst>
+            <a:outerShdw blurRad="50800" dist="63500" dir="2700000" algn="tl" rotWithShape="0">
+              <a:srgbClr val="000000">
+                <a:alpha val="48000"/>
+              </a:srgbClr>
+            </a:outerShdw>
+          </a:effectLst>
           <a:latin typeface="+mj-lt"/>
           <a:ea typeface="+mj-ea"/>
           <a:cs typeface="+mj-cs"/>
@@ -3585,17 +5299,238 @@
       </a:lvl1pPr>
     </p:titleStyle>
     <p:bodyStyle>
-      <a:lvl1pPr marL="274320" indent="-274320" algn="l" rtl="0" eaLnBrk="1" latinLnBrk="0" hangingPunct="1">
+      <a:lvl1pPr marL="228600" indent="-228600" algn="l" defTabSz="914400" rtl="0" eaLnBrk="1" latinLnBrk="0" hangingPunct="1">
+        <a:lnSpc>
+          <a:spcPct val="120000"/>
+        </a:lnSpc>
         <a:spcBef>
-          <a:spcPct val="20000"/>
+          <a:spcPts val="1000"/>
         </a:spcBef>
-        <a:buClr>
-          <a:schemeClr val="accent3"/>
-        </a:buClr>
-        <a:buSzPct val="95000"/>
-        <a:buFont typeface="Wingdings 2"/>
-        <a:buChar char=""/>
-        <a:defRPr kumimoji="0" sz="2600" kern="1200">
+        <a:buFont typeface="Arial" panose="020B0604020202020204" pitchFamily="34" charset="0"/>
+        <a:buChar char="•"/>
+        <a:defRPr sz="2000" kern="1200">
+          <a:solidFill>
+            <a:schemeClr val="tx1"/>
+          </a:solidFill>
+          <a:effectLst>
+            <a:outerShdw blurRad="50800" dist="38100" dir="2700000" algn="tl" rotWithShape="0">
+              <a:srgbClr val="000000">
+                <a:alpha val="48000"/>
+              </a:srgbClr>
+            </a:outerShdw>
+          </a:effectLst>
+          <a:latin typeface="+mn-lt"/>
+          <a:ea typeface="+mn-ea"/>
+          <a:cs typeface="+mn-cs"/>
+        </a:defRPr>
+      </a:lvl1pPr>
+      <a:lvl2pPr marL="685800" indent="-228600" algn="l" defTabSz="914400" rtl="0" eaLnBrk="1" latinLnBrk="0" hangingPunct="1">
+        <a:lnSpc>
+          <a:spcPct val="120000"/>
+        </a:lnSpc>
+        <a:spcBef>
+          <a:spcPts val="500"/>
+        </a:spcBef>
+        <a:buFont typeface="Arial" panose="020B0604020202020204" pitchFamily="34" charset="0"/>
+        <a:buChar char="•"/>
+        <a:defRPr sz="1800" kern="1200">
+          <a:solidFill>
+            <a:schemeClr val="tx1"/>
+          </a:solidFill>
+          <a:effectLst>
+            <a:outerShdw blurRad="50800" dist="38100" dir="2700000" algn="tl" rotWithShape="0">
+              <a:srgbClr val="000000">
+                <a:alpha val="48000"/>
+              </a:srgbClr>
+            </a:outerShdw>
+          </a:effectLst>
+          <a:latin typeface="+mn-lt"/>
+          <a:ea typeface="+mn-ea"/>
+          <a:cs typeface="+mn-cs"/>
+        </a:defRPr>
+      </a:lvl2pPr>
+      <a:lvl3pPr marL="1143000" indent="-228600" algn="l" defTabSz="914400" rtl="0" eaLnBrk="1" latinLnBrk="0" hangingPunct="1">
+        <a:lnSpc>
+          <a:spcPct val="120000"/>
+        </a:lnSpc>
+        <a:spcBef>
+          <a:spcPts val="500"/>
+        </a:spcBef>
+        <a:buFont typeface="Arial" panose="020B0604020202020204" pitchFamily="34" charset="0"/>
+        <a:buChar char="•"/>
+        <a:defRPr sz="1600" kern="1200">
+          <a:solidFill>
+            <a:schemeClr val="tx1"/>
+          </a:solidFill>
+          <a:effectLst>
+            <a:outerShdw blurRad="50800" dist="38100" dir="2700000" algn="tl" rotWithShape="0">
+              <a:srgbClr val="000000">
+                <a:alpha val="48000"/>
+              </a:srgbClr>
+            </a:outerShdw>
+          </a:effectLst>
+          <a:latin typeface="+mn-lt"/>
+          <a:ea typeface="+mn-ea"/>
+          <a:cs typeface="+mn-cs"/>
+        </a:defRPr>
+      </a:lvl3pPr>
+      <a:lvl4pPr marL="1600200" indent="-228600" algn="l" defTabSz="914400" rtl="0" eaLnBrk="1" latinLnBrk="0" hangingPunct="1">
+        <a:lnSpc>
+          <a:spcPct val="120000"/>
+        </a:lnSpc>
+        <a:spcBef>
+          <a:spcPts val="500"/>
+        </a:spcBef>
+        <a:buFont typeface="Arial" panose="020B0604020202020204" pitchFamily="34" charset="0"/>
+        <a:buChar char="•"/>
+        <a:defRPr sz="1400" kern="1200">
+          <a:solidFill>
+            <a:schemeClr val="tx1"/>
+          </a:solidFill>
+          <a:effectLst>
+            <a:outerShdw blurRad="50800" dist="38100" dir="2700000" algn="tl" rotWithShape="0">
+              <a:srgbClr val="000000">
+                <a:alpha val="48000"/>
+              </a:srgbClr>
+            </a:outerShdw>
+          </a:effectLst>
+          <a:latin typeface="+mn-lt"/>
+          <a:ea typeface="+mn-ea"/>
+          <a:cs typeface="+mn-cs"/>
+        </a:defRPr>
+      </a:lvl4pPr>
+      <a:lvl5pPr marL="2057400" indent="-228600" algn="l" defTabSz="914400" rtl="0" eaLnBrk="1" latinLnBrk="0" hangingPunct="1">
+        <a:lnSpc>
+          <a:spcPct val="120000"/>
+        </a:lnSpc>
+        <a:spcBef>
+          <a:spcPts val="500"/>
+        </a:spcBef>
+        <a:buFont typeface="Arial" panose="020B0604020202020204" pitchFamily="34" charset="0"/>
+        <a:buChar char="•"/>
+        <a:defRPr sz="1200" kern="1200">
+          <a:solidFill>
+            <a:schemeClr val="tx1"/>
+          </a:solidFill>
+          <a:effectLst>
+            <a:outerShdw blurRad="50800" dist="38100" dir="2700000" algn="tl" rotWithShape="0">
+              <a:srgbClr val="000000">
+                <a:alpha val="48000"/>
+              </a:srgbClr>
+            </a:outerShdw>
+          </a:effectLst>
+          <a:latin typeface="+mn-lt"/>
+          <a:ea typeface="+mn-ea"/>
+          <a:cs typeface="+mn-cs"/>
+        </a:defRPr>
+      </a:lvl5pPr>
+      <a:lvl6pPr marL="2514600" indent="-228600" algn="l" defTabSz="914400" rtl="0" eaLnBrk="1" latinLnBrk="0" hangingPunct="1">
+        <a:lnSpc>
+          <a:spcPct val="120000"/>
+        </a:lnSpc>
+        <a:spcBef>
+          <a:spcPts val="500"/>
+        </a:spcBef>
+        <a:buFont typeface="Arial" panose="020B0604020202020204" pitchFamily="34" charset="0"/>
+        <a:buChar char="•"/>
+        <a:defRPr sz="1200" kern="1200">
+          <a:solidFill>
+            <a:schemeClr val="tx1"/>
+          </a:solidFill>
+          <a:effectLst>
+            <a:outerShdw blurRad="50800" dist="38100" dir="2700000" algn="tl" rotWithShape="0">
+              <a:srgbClr val="000000">
+                <a:alpha val="48000"/>
+              </a:srgbClr>
+            </a:outerShdw>
+          </a:effectLst>
+          <a:latin typeface="+mn-lt"/>
+          <a:ea typeface="+mn-ea"/>
+          <a:cs typeface="+mn-cs"/>
+        </a:defRPr>
+      </a:lvl6pPr>
+      <a:lvl7pPr marL="2971800" indent="-228600" algn="l" defTabSz="914400" rtl="0" eaLnBrk="1" latinLnBrk="0" hangingPunct="1">
+        <a:lnSpc>
+          <a:spcPct val="120000"/>
+        </a:lnSpc>
+        <a:spcBef>
+          <a:spcPts val="500"/>
+        </a:spcBef>
+        <a:buFont typeface="Arial" panose="020B0604020202020204" pitchFamily="34" charset="0"/>
+        <a:buChar char="•"/>
+        <a:defRPr sz="1200" kern="1200">
+          <a:solidFill>
+            <a:schemeClr val="tx1"/>
+          </a:solidFill>
+          <a:effectLst>
+            <a:outerShdw blurRad="50800" dist="38100" dir="2700000" algn="tl" rotWithShape="0">
+              <a:srgbClr val="000000">
+                <a:alpha val="48000"/>
+              </a:srgbClr>
+            </a:outerShdw>
+          </a:effectLst>
+          <a:latin typeface="+mn-lt"/>
+          <a:ea typeface="+mn-ea"/>
+          <a:cs typeface="+mn-cs"/>
+        </a:defRPr>
+      </a:lvl7pPr>
+      <a:lvl8pPr marL="3429000" indent="-228600" algn="l" defTabSz="914400" rtl="0" eaLnBrk="1" latinLnBrk="0" hangingPunct="1">
+        <a:lnSpc>
+          <a:spcPct val="120000"/>
+        </a:lnSpc>
+        <a:spcBef>
+          <a:spcPts val="500"/>
+        </a:spcBef>
+        <a:buFont typeface="Arial" panose="020B0604020202020204" pitchFamily="34" charset="0"/>
+        <a:buChar char="•"/>
+        <a:defRPr sz="1200" kern="1200">
+          <a:solidFill>
+            <a:schemeClr val="tx1"/>
+          </a:solidFill>
+          <a:effectLst>
+            <a:outerShdw blurRad="50800" dist="38100" dir="2700000" algn="tl" rotWithShape="0">
+              <a:srgbClr val="000000">
+                <a:alpha val="48000"/>
+              </a:srgbClr>
+            </a:outerShdw>
+          </a:effectLst>
+          <a:latin typeface="+mn-lt"/>
+          <a:ea typeface="+mn-ea"/>
+          <a:cs typeface="+mn-cs"/>
+        </a:defRPr>
+      </a:lvl8pPr>
+      <a:lvl9pPr marL="3886200" indent="-228600" algn="l" defTabSz="914400" rtl="0" eaLnBrk="1" latinLnBrk="0" hangingPunct="1">
+        <a:lnSpc>
+          <a:spcPct val="120000"/>
+        </a:lnSpc>
+        <a:spcBef>
+          <a:spcPts val="500"/>
+        </a:spcBef>
+        <a:buFont typeface="Arial" panose="020B0604020202020204" pitchFamily="34" charset="0"/>
+        <a:buChar char="•"/>
+        <a:defRPr sz="1200" kern="1200">
+          <a:solidFill>
+            <a:schemeClr val="tx1"/>
+          </a:solidFill>
+          <a:effectLst>
+            <a:outerShdw blurRad="50800" dist="38100" dir="2700000" algn="tl" rotWithShape="0">
+              <a:srgbClr val="000000">
+                <a:alpha val="48000"/>
+              </a:srgbClr>
+            </a:outerShdw>
+          </a:effectLst>
+          <a:latin typeface="+mn-lt"/>
+          <a:ea typeface="+mn-ea"/>
+          <a:cs typeface="+mn-cs"/>
+        </a:defRPr>
+      </a:lvl9pPr>
+    </p:bodyStyle>
+    <p:otherStyle>
+      <a:defPPr>
+        <a:defRPr lang="en-US"/>
+      </a:defPPr>
+      <a:lvl1pPr marL="0" algn="l" defTabSz="914400" rtl="0" eaLnBrk="1" latinLnBrk="0" hangingPunct="1">
+        <a:defRPr sz="1800" kern="1200">
           <a:solidFill>
             <a:schemeClr val="tx1"/>
           </a:solidFill>
@@ -3604,17 +5539,8 @@
           <a:cs typeface="+mn-cs"/>
         </a:defRPr>
       </a:lvl1pPr>
-      <a:lvl2pPr marL="640080" indent="-246888" algn="l" rtl="0" eaLnBrk="1" latinLnBrk="0" hangingPunct="1">
-        <a:spcBef>
-          <a:spcPct val="20000"/>
-        </a:spcBef>
-        <a:buClr>
-          <a:schemeClr val="accent1"/>
-        </a:buClr>
-        <a:buSzPct val="85000"/>
-        <a:buFont typeface="Wingdings 2"/>
-        <a:buChar char=""/>
-        <a:defRPr kumimoji="0" sz="2400" kern="1200">
+      <a:lvl2pPr marL="457200" algn="l" defTabSz="914400" rtl="0" eaLnBrk="1" latinLnBrk="0" hangingPunct="1">
+        <a:defRPr sz="1800" kern="1200">
           <a:solidFill>
             <a:schemeClr val="tx1"/>
           </a:solidFill>
@@ -3623,17 +5549,8 @@
           <a:cs typeface="+mn-cs"/>
         </a:defRPr>
       </a:lvl2pPr>
-      <a:lvl3pPr marL="914400" indent="-246888" algn="l" rtl="0" eaLnBrk="1" latinLnBrk="0" hangingPunct="1">
-        <a:spcBef>
-          <a:spcPct val="20000"/>
-        </a:spcBef>
-        <a:buClr>
-          <a:schemeClr val="accent2"/>
-        </a:buClr>
-        <a:buSzPct val="70000"/>
-        <a:buFont typeface="Wingdings 2"/>
-        <a:buChar char=""/>
-        <a:defRPr kumimoji="0" sz="2100" kern="1200">
+      <a:lvl3pPr marL="914400" algn="l" defTabSz="914400" rtl="0" eaLnBrk="1" latinLnBrk="0" hangingPunct="1">
+        <a:defRPr sz="1800" kern="1200">
           <a:solidFill>
             <a:schemeClr val="tx1"/>
           </a:solidFill>
@@ -3642,17 +5559,8 @@
           <a:cs typeface="+mn-cs"/>
         </a:defRPr>
       </a:lvl3pPr>
-      <a:lvl4pPr marL="1188720" indent="-210312" algn="l" rtl="0" eaLnBrk="1" latinLnBrk="0" hangingPunct="1">
-        <a:spcBef>
-          <a:spcPct val="20000"/>
-        </a:spcBef>
-        <a:buClr>
-          <a:schemeClr val="accent3"/>
-        </a:buClr>
-        <a:buSzPct val="65000"/>
-        <a:buFont typeface="Wingdings 2"/>
-        <a:buChar char=""/>
-        <a:defRPr kumimoji="0" sz="2000" kern="1200">
+      <a:lvl4pPr marL="1371600" algn="l" defTabSz="914400" rtl="0" eaLnBrk="1" latinLnBrk="0" hangingPunct="1">
+        <a:defRPr sz="1800" kern="1200">
           <a:solidFill>
             <a:schemeClr val="tx1"/>
           </a:solidFill>
@@ -3661,17 +5569,8 @@
           <a:cs typeface="+mn-cs"/>
         </a:defRPr>
       </a:lvl4pPr>
-      <a:lvl5pPr marL="1463040" indent="-210312" algn="l" rtl="0" eaLnBrk="1" latinLnBrk="0" hangingPunct="1">
-        <a:spcBef>
-          <a:spcPct val="20000"/>
-        </a:spcBef>
-        <a:buClr>
-          <a:schemeClr val="accent4"/>
-        </a:buClr>
-        <a:buSzPct val="65000"/>
-        <a:buFont typeface="Wingdings 2"/>
-        <a:buChar char=""/>
-        <a:defRPr kumimoji="0" sz="2000" kern="1200">
+      <a:lvl5pPr marL="1828800" algn="l" defTabSz="914400" rtl="0" eaLnBrk="1" latinLnBrk="0" hangingPunct="1">
+        <a:defRPr sz="1800" kern="1200">
           <a:solidFill>
             <a:schemeClr val="tx1"/>
           </a:solidFill>
@@ -3680,17 +5579,8 @@
           <a:cs typeface="+mn-cs"/>
         </a:defRPr>
       </a:lvl5pPr>
-      <a:lvl6pPr marL="1737360" indent="-210312" algn="l" rtl="0" eaLnBrk="1" latinLnBrk="0" hangingPunct="1">
-        <a:spcBef>
-          <a:spcPct val="20000"/>
-        </a:spcBef>
-        <a:buClr>
-          <a:schemeClr val="accent5"/>
-        </a:buClr>
-        <a:buSzPct val="80000"/>
-        <a:buFont typeface="Wingdings 2"/>
-        <a:buChar char=""/>
-        <a:defRPr kumimoji="0" sz="1800" kern="1200">
+      <a:lvl6pPr marL="2286000" algn="l" defTabSz="914400" rtl="0" eaLnBrk="1" latinLnBrk="0" hangingPunct="1">
+        <a:defRPr sz="1800" kern="1200">
           <a:solidFill>
             <a:schemeClr val="tx1"/>
           </a:solidFill>
@@ -3699,17 +5589,8 @@
           <a:cs typeface="+mn-cs"/>
         </a:defRPr>
       </a:lvl6pPr>
-      <a:lvl7pPr marL="1920240" indent="-182880" algn="l" rtl="0" eaLnBrk="1" latinLnBrk="0" hangingPunct="1">
-        <a:spcBef>
-          <a:spcPct val="20000"/>
-        </a:spcBef>
-        <a:buClr>
-          <a:schemeClr val="accent6"/>
-        </a:buClr>
-        <a:buSzPct val="80000"/>
-        <a:buFont typeface="Wingdings 2"/>
-        <a:buChar char=""/>
-        <a:defRPr kumimoji="0" sz="1600" kern="1200" baseline="0">
+      <a:lvl7pPr marL="2743200" algn="l" defTabSz="914400" rtl="0" eaLnBrk="1" latinLnBrk="0" hangingPunct="1">
+        <a:defRPr sz="1800" kern="1200">
           <a:solidFill>
             <a:schemeClr val="tx1"/>
           </a:solidFill>
@@ -3718,15 +5599,8 @@
           <a:cs typeface="+mn-cs"/>
         </a:defRPr>
       </a:lvl7pPr>
-      <a:lvl8pPr marL="2194560" indent="-182880" algn="l" rtl="0" eaLnBrk="1" latinLnBrk="0" hangingPunct="1">
-        <a:spcBef>
-          <a:spcPct val="20000"/>
-        </a:spcBef>
-        <a:buClr>
-          <a:schemeClr val="tx2"/>
-        </a:buClr>
-        <a:buChar char="•"/>
-        <a:defRPr kumimoji="0" sz="1600" kern="1200">
+      <a:lvl8pPr marL="3200400" algn="l" defTabSz="914400" rtl="0" eaLnBrk="1" latinLnBrk="0" hangingPunct="1">
+        <a:defRPr sz="1800" kern="1200">
           <a:solidFill>
             <a:schemeClr val="tx1"/>
           </a:solidFill>
@@ -3735,108 +5609,8 @@
           <a:cs typeface="+mn-cs"/>
         </a:defRPr>
       </a:lvl8pPr>
-      <a:lvl9pPr marL="2468880" indent="-182880" algn="l" rtl="0" eaLnBrk="1" latinLnBrk="0" hangingPunct="1">
-        <a:spcBef>
-          <a:spcPct val="20000"/>
-        </a:spcBef>
-        <a:buClr>
-          <a:schemeClr val="tx2"/>
-        </a:buClr>
-        <a:buFontTx/>
-        <a:buChar char="•"/>
-        <a:defRPr kumimoji="0" sz="1400" kern="1200" baseline="0">
-          <a:solidFill>
-            <a:schemeClr val="tx1"/>
-          </a:solidFill>
-          <a:latin typeface="+mn-lt"/>
-          <a:ea typeface="+mn-ea"/>
-          <a:cs typeface="+mn-cs"/>
-        </a:defRPr>
-      </a:lvl9pPr>
-    </p:bodyStyle>
-    <p:otherStyle>
-      <a:lvl1pPr marL="0" algn="l" rtl="0" eaLnBrk="1" latinLnBrk="0" hangingPunct="1">
-        <a:defRPr kumimoji="0" kern="1200">
-          <a:solidFill>
-            <a:schemeClr val="tx1"/>
-          </a:solidFill>
-          <a:latin typeface="+mn-lt"/>
-          <a:ea typeface="+mn-ea"/>
-          <a:cs typeface="+mn-cs"/>
-        </a:defRPr>
-      </a:lvl1pPr>
-      <a:lvl2pPr marL="457200" algn="l" rtl="0" eaLnBrk="1" latinLnBrk="0" hangingPunct="1">
-        <a:defRPr kumimoji="0" kern="1200">
-          <a:solidFill>
-            <a:schemeClr val="tx1"/>
-          </a:solidFill>
-          <a:latin typeface="+mn-lt"/>
-          <a:ea typeface="+mn-ea"/>
-          <a:cs typeface="+mn-cs"/>
-        </a:defRPr>
-      </a:lvl2pPr>
-      <a:lvl3pPr marL="914400" algn="l" rtl="0" eaLnBrk="1" latinLnBrk="0" hangingPunct="1">
-        <a:defRPr kumimoji="0" kern="1200">
-          <a:solidFill>
-            <a:schemeClr val="tx1"/>
-          </a:solidFill>
-          <a:latin typeface="+mn-lt"/>
-          <a:ea typeface="+mn-ea"/>
-          <a:cs typeface="+mn-cs"/>
-        </a:defRPr>
-      </a:lvl3pPr>
-      <a:lvl4pPr marL="1371600" algn="l" rtl="0" eaLnBrk="1" latinLnBrk="0" hangingPunct="1">
-        <a:defRPr kumimoji="0" kern="1200">
-          <a:solidFill>
-            <a:schemeClr val="tx1"/>
-          </a:solidFill>
-          <a:latin typeface="+mn-lt"/>
-          <a:ea typeface="+mn-ea"/>
-          <a:cs typeface="+mn-cs"/>
-        </a:defRPr>
-      </a:lvl4pPr>
-      <a:lvl5pPr marL="1828800" algn="l" rtl="0" eaLnBrk="1" latinLnBrk="0" hangingPunct="1">
-        <a:defRPr kumimoji="0" kern="1200">
-          <a:solidFill>
-            <a:schemeClr val="tx1"/>
-          </a:solidFill>
-          <a:latin typeface="+mn-lt"/>
-          <a:ea typeface="+mn-ea"/>
-          <a:cs typeface="+mn-cs"/>
-        </a:defRPr>
-      </a:lvl5pPr>
-      <a:lvl6pPr marL="2286000" algn="l" rtl="0" eaLnBrk="1" latinLnBrk="0" hangingPunct="1">
-        <a:defRPr kumimoji="0" kern="1200">
-          <a:solidFill>
-            <a:schemeClr val="tx1"/>
-          </a:solidFill>
-          <a:latin typeface="+mn-lt"/>
-          <a:ea typeface="+mn-ea"/>
-          <a:cs typeface="+mn-cs"/>
-        </a:defRPr>
-      </a:lvl6pPr>
-      <a:lvl7pPr marL="2743200" algn="l" rtl="0" eaLnBrk="1" latinLnBrk="0" hangingPunct="1">
-        <a:defRPr kumimoji="0" kern="1200">
-          <a:solidFill>
-            <a:schemeClr val="tx1"/>
-          </a:solidFill>
-          <a:latin typeface="+mn-lt"/>
-          <a:ea typeface="+mn-ea"/>
-          <a:cs typeface="+mn-cs"/>
-        </a:defRPr>
-      </a:lvl7pPr>
-      <a:lvl8pPr marL="3200400" algn="l" rtl="0" eaLnBrk="1" latinLnBrk="0" hangingPunct="1">
-        <a:defRPr kumimoji="0" kern="1200">
-          <a:solidFill>
-            <a:schemeClr val="tx1"/>
-          </a:solidFill>
-          <a:latin typeface="+mn-lt"/>
-          <a:ea typeface="+mn-ea"/>
-          <a:cs typeface="+mn-cs"/>
-        </a:defRPr>
-      </a:lvl8pPr>
-      <a:lvl9pPr marL="3657600" algn="l" rtl="0" eaLnBrk="1" latinLnBrk="0" hangingPunct="1">
-        <a:defRPr kumimoji="0" kern="1200">
+      <a:lvl9pPr marL="3657600" algn="l" defTabSz="914400" rtl="0" eaLnBrk="1" latinLnBrk="0" hangingPunct="1">
+        <a:defRPr sz="1800" kern="1200">
           <a:solidFill>
             <a:schemeClr val="tx1"/>
           </a:solidFill>
@@ -3853,6 +5627,29 @@
 <file path=ppt/slides/slide1.xml><?xml version="1.0" encoding="utf-8"?>
 <p:sld xmlns:a="http://schemas.openxmlformats.org/drawingml/2006/main" xmlns:r="http://schemas.openxmlformats.org/officeDocument/2006/relationships" xmlns:p="http://schemas.openxmlformats.org/presentationml/2006/main">
   <p:cSld>
+    <p:bg>
+      <p:bgPr>
+        <a:blipFill rotWithShape="1">
+          <a:blip r:embed="rId2">
+            <a:duotone>
+              <a:schemeClr val="bg2">
+                <a:shade val="18000"/>
+                <a:satMod val="160000"/>
+                <a:lumMod val="28000"/>
+              </a:schemeClr>
+              <a:schemeClr val="bg2">
+                <a:tint val="95000"/>
+                <a:satMod val="160000"/>
+                <a:lumMod val="116000"/>
+              </a:schemeClr>
+            </a:duotone>
+            <a:extLst/>
+          </a:blip>
+          <a:stretch/>
+        </a:blipFill>
+        <a:effectLst/>
+      </p:bgPr>
+    </p:bg>
     <p:spTree>
       <p:nvGrpSpPr>
         <p:cNvPr id="1" name=""/>
@@ -3867,40 +5664,98 @@
           <a:chExt cx="0" cy="0"/>
         </a:xfrm>
       </p:grpSpPr>
-      <p:sp>
-        <p:nvSpPr>
-          <p:cNvPr id="2" name="Titre 1"/>
-          <p:cNvSpPr>
-            <a:spLocks noGrp="1"/>
-          </p:cNvSpPr>
-          <p:nvPr>
-            <p:ph type="ctrTitle"/>
+      <p:sp useBgFill="1">
+        <p:nvSpPr>
+          <p:cNvPr id="12" name="Rectangle 7">
+            <a:extLst>
+              <a:ext uri="{FF2B5EF4-FFF2-40B4-BE49-F238E27FC236}">
+                <a16:creationId xmlns:a16="http://schemas.microsoft.com/office/drawing/2014/main" id="{46DBB1A9-22FF-46E7-97B9-AE54774753DD}"/>
+              </a:ext>
+              <a:ext uri="{C183D7F6-B498-43B3-948B-1728B52AA6E4}">
+                <adec:decorative xmlns:adec="http://schemas.microsoft.com/office/drawing/2017/decorative" val="1"/>
+              </a:ext>
+            </a:extLst>
+          </p:cNvPr>
+          <p:cNvSpPr>
+            <a:spLocks noGrp="1" noRot="1" noChangeAspect="1" noMove="1" noResize="1" noEditPoints="1" noAdjustHandles="1" noChangeArrowheads="1" noChangeShapeType="1" noTextEdit="1"/>
+          </p:cNvSpPr>
+          <p:nvPr>
+            <p:extLst>
+              <p:ext uri="{386F3935-93C4-4BCD-93E2-E3B085C9AB24}">
+                <p16:designElem xmlns:p16="http://schemas.microsoft.com/office/powerpoint/2015/main" val="1"/>
+              </p:ext>
+            </p:extLst>
           </p:nvPr>
         </p:nvSpPr>
         <p:spPr>
           <a:xfrm>
-            <a:off x="539552" y="836712"/>
-            <a:ext cx="7851648" cy="1828800"/>
+            <a:off x="0" y="0"/>
+            <a:ext cx="9144000" cy="6858000"/>
+          </a:xfrm>
+          <a:prstGeom prst="rect">
+            <a:avLst/>
+          </a:prstGeom>
+          <a:ln>
+            <a:noFill/>
+          </a:ln>
+        </p:spPr>
+        <p:style>
+          <a:lnRef idx="2">
+            <a:schemeClr val="accent1">
+              <a:shade val="50000"/>
+            </a:schemeClr>
+          </a:lnRef>
+          <a:fillRef idx="1">
+            <a:schemeClr val="accent1"/>
+          </a:fillRef>
+          <a:effectRef idx="0">
+            <a:schemeClr val="accent1"/>
+          </a:effectRef>
+          <a:fontRef idx="minor">
+            <a:schemeClr val="lt1"/>
+          </a:fontRef>
+        </p:style>
+        <p:txBody>
+          <a:bodyPr rtlCol="0" anchor="ctr"/>
+          <a:lstStyle/>
+          <a:p>
+            <a:pPr algn="ctr"/>
+            <a:endParaRPr lang="en-US"/>
+          </a:p>
+        </p:txBody>
+      </p:sp>
+      <p:sp>
+        <p:nvSpPr>
+          <p:cNvPr id="2" name="Titre 1"/>
+          <p:cNvSpPr>
+            <a:spLocks noGrp="1"/>
+          </p:cNvSpPr>
+          <p:nvPr>
+            <p:ph type="ctrTitle"/>
+          </p:nvPr>
+        </p:nvSpPr>
+        <p:spPr>
+          <a:xfrm>
+            <a:off x="31635" y="1484784"/>
+            <a:ext cx="5760627" cy="4278224"/>
           </a:xfrm>
         </p:spPr>
         <p:txBody>
-          <a:bodyPr/>
-          <a:lstStyle/>
-          <a:p>
-            <a:r>
-              <a:rPr lang="fr-FR" dirty="0" err="1"/>
-              <a:t>Hospital</a:t>
-            </a:r>
-            <a:r>
-              <a:rPr lang="fr-FR" dirty="0"/>
-              <a:t> </a:t>
-            </a:r>
-            <a:r>
-              <a:rPr lang="fr-FR" dirty="0" err="1"/>
+          <a:bodyPr anchor="ctr">
+            <a:normAutofit/>
+          </a:bodyPr>
+          <a:lstStyle/>
+          <a:p>
+            <a:r>
+              <a:rPr lang="fr-FR" sz="3600" dirty="0"/>
+              <a:t>Hospital </a:t>
+            </a:r>
+            <a:r>
+              <a:rPr lang="fr-FR" sz="3600" dirty="0" err="1"/>
               <a:t>manage’s</a:t>
             </a:r>
             <a:r>
-              <a:rPr lang="fr-FR" dirty="0"/>
+              <a:rPr lang="fr-FR" sz="3600" dirty="0"/>
               <a:t> patient</a:t>
             </a:r>
           </a:p>
@@ -3918,20 +5773,22 @@
         </p:nvSpPr>
         <p:spPr>
           <a:xfrm>
-            <a:off x="683568" y="3501008"/>
-            <a:ext cx="7854696" cy="1752600"/>
+            <a:off x="5938665" y="1289889"/>
+            <a:ext cx="2242419" cy="4278223"/>
           </a:xfrm>
         </p:spPr>
         <p:txBody>
-          <a:bodyPr/>
-          <a:lstStyle/>
-          <a:p>
-            <a:pPr algn="ctr"/>
-            <a:r>
-              <a:rPr lang="fr-FR" sz="4800" dirty="0">
+          <a:bodyPr anchor="ctr">
+            <a:normAutofit/>
+          </a:bodyPr>
+          <a:lstStyle/>
+          <a:p>
+            <a:pPr algn="l"/>
+            <a:r>
+              <a:rPr lang="fr-FR" dirty="0">
                 <a:latin typeface="Palatino Linotype" panose="02040502050505030304" pitchFamily="18" charset="0"/>
               </a:rPr>
-              <a:t>PROJET C</a:t>
+              <a:t>PROJET C 2A</a:t>
             </a:r>
             <a:br>
               <a:rPr lang="fr-FR" dirty="0">
@@ -3939,7 +5796,7 @@
               </a:rPr>
             </a:br>
             <a:r>
-              <a:rPr lang="fr-FR" sz="1600" dirty="0">
+              <a:rPr lang="fr-FR" dirty="0">
                 <a:latin typeface="Palatino Linotype" panose="02040502050505030304" pitchFamily="18" charset="0"/>
               </a:rPr>
               <a:t>JANVIER 2019</a:t>
@@ -3947,6 +5804,359 @@
           </a:p>
         </p:txBody>
       </p:sp>
+      <p:cxnSp>
+        <p:nvCxnSpPr>
+          <p:cNvPr id="13" name="Straight Connector 9">
+            <a:extLst>
+              <a:ext uri="{FF2B5EF4-FFF2-40B4-BE49-F238E27FC236}">
+                <a16:creationId xmlns:a16="http://schemas.microsoft.com/office/drawing/2014/main" id="{3A1AAD47-56AD-4EE6-A88C-981D060DC2D6}"/>
+              </a:ext>
+              <a:ext uri="{C183D7F6-B498-43B3-948B-1728B52AA6E4}">
+                <adec:decorative xmlns:adec="http://schemas.microsoft.com/office/drawing/2017/decorative" val="1"/>
+              </a:ext>
+            </a:extLst>
+          </p:cNvPr>
+          <p:cNvCxnSpPr>
+            <a:cxnSpLocks noGrp="1" noRot="1" noChangeAspect="1" noMove="1" noResize="1" noEditPoints="1" noAdjustHandles="1" noChangeArrowheads="1" noChangeShapeType="1"/>
+          </p:cNvCxnSpPr>
+          <p:nvPr>
+            <p:extLst>
+              <p:ext uri="{386F3935-93C4-4BCD-93E2-E3B085C9AB24}">
+                <p16:designElem xmlns:p16="http://schemas.microsoft.com/office/powerpoint/2015/main" val="1"/>
+              </p:ext>
+            </p:extLst>
+          </p:nvPr>
+        </p:nvCxnSpPr>
+        <p:spPr>
+          <a:xfrm>
+            <a:off x="5645858" y="2473325"/>
+            <a:ext cx="0" cy="1911350"/>
+          </a:xfrm>
+          <a:prstGeom prst="line">
+            <a:avLst/>
+          </a:prstGeom>
+          <a:ln>
+            <a:solidFill>
+              <a:schemeClr val="tx2"/>
+            </a:solidFill>
+          </a:ln>
+        </p:spPr>
+        <p:style>
+          <a:lnRef idx="1">
+            <a:schemeClr val="accent1"/>
+          </a:lnRef>
+          <a:fillRef idx="0">
+            <a:schemeClr val="accent1"/>
+          </a:fillRef>
+          <a:effectRef idx="0">
+            <a:schemeClr val="accent1"/>
+          </a:effectRef>
+          <a:fontRef idx="minor">
+            <a:schemeClr val="tx1"/>
+          </a:fontRef>
+        </p:style>
+      </p:cxnSp>
+      <p:sp>
+        <p:nvSpPr>
+          <p:cNvPr id="9" name="Sous-titre 2">
+            <a:extLst>
+              <a:ext uri="{FF2B5EF4-FFF2-40B4-BE49-F238E27FC236}">
+                <a16:creationId xmlns:a16="http://schemas.microsoft.com/office/drawing/2014/main" id="{CC401DBE-0238-4334-B189-13359C41D333}"/>
+              </a:ext>
+            </a:extLst>
+          </p:cNvPr>
+          <p:cNvSpPr txBox="1">
+            <a:spLocks/>
+          </p:cNvSpPr>
+          <p:nvPr/>
+        </p:nvSpPr>
+        <p:spPr>
+          <a:xfrm>
+            <a:off x="4139952" y="4221088"/>
+            <a:ext cx="5084810" cy="4278223"/>
+          </a:xfrm>
+          <a:prstGeom prst="rect">
+            <a:avLst/>
+          </a:prstGeom>
+        </p:spPr>
+        <p:txBody>
+          <a:bodyPr vert="horz" lIns="91440" tIns="45720" rIns="91440" bIns="45720" rtlCol="0" anchor="ctr">
+            <a:normAutofit/>
+          </a:bodyPr>
+          <a:lstStyle>
+            <a:lvl1pPr marL="0" indent="0" algn="ctr" defTabSz="914400" rtl="0" eaLnBrk="1" latinLnBrk="0" hangingPunct="1">
+              <a:lnSpc>
+                <a:spcPct val="120000"/>
+              </a:lnSpc>
+              <a:spcBef>
+                <a:spcPts val="1000"/>
+              </a:spcBef>
+              <a:buFont typeface="Arial" panose="020B0604020202020204" pitchFamily="34" charset="0"/>
+              <a:buNone/>
+              <a:defRPr sz="2400" kern="1200">
+                <a:solidFill>
+                  <a:schemeClr val="tx1"/>
+                </a:solidFill>
+                <a:effectLst>
+                  <a:outerShdw blurRad="50800" dist="38100" dir="2700000" algn="tl" rotWithShape="0">
+                    <a:srgbClr val="000000">
+                      <a:alpha val="48000"/>
+                    </a:srgbClr>
+                  </a:outerShdw>
+                </a:effectLst>
+                <a:latin typeface="+mn-lt"/>
+                <a:ea typeface="+mn-ea"/>
+                <a:cs typeface="+mn-cs"/>
+              </a:defRPr>
+            </a:lvl1pPr>
+            <a:lvl2pPr marL="457200" indent="0" algn="ctr" defTabSz="914400" rtl="0" eaLnBrk="1" latinLnBrk="0" hangingPunct="1">
+              <a:lnSpc>
+                <a:spcPct val="120000"/>
+              </a:lnSpc>
+              <a:spcBef>
+                <a:spcPts val="500"/>
+              </a:spcBef>
+              <a:buFont typeface="Arial" panose="020B0604020202020204" pitchFamily="34" charset="0"/>
+              <a:buNone/>
+              <a:defRPr sz="2000" kern="1200">
+                <a:solidFill>
+                  <a:schemeClr val="tx1"/>
+                </a:solidFill>
+                <a:effectLst>
+                  <a:outerShdw blurRad="50800" dist="38100" dir="2700000" algn="tl" rotWithShape="0">
+                    <a:srgbClr val="000000">
+                      <a:alpha val="48000"/>
+                    </a:srgbClr>
+                  </a:outerShdw>
+                </a:effectLst>
+                <a:latin typeface="+mn-lt"/>
+                <a:ea typeface="+mn-ea"/>
+                <a:cs typeface="+mn-cs"/>
+              </a:defRPr>
+            </a:lvl2pPr>
+            <a:lvl3pPr marL="914400" indent="0" algn="ctr" defTabSz="914400" rtl="0" eaLnBrk="1" latinLnBrk="0" hangingPunct="1">
+              <a:lnSpc>
+                <a:spcPct val="120000"/>
+              </a:lnSpc>
+              <a:spcBef>
+                <a:spcPts val="500"/>
+              </a:spcBef>
+              <a:buFont typeface="Arial" panose="020B0604020202020204" pitchFamily="34" charset="0"/>
+              <a:buNone/>
+              <a:defRPr sz="1800" kern="1200">
+                <a:solidFill>
+                  <a:schemeClr val="tx1"/>
+                </a:solidFill>
+                <a:effectLst>
+                  <a:outerShdw blurRad="50800" dist="38100" dir="2700000" algn="tl" rotWithShape="0">
+                    <a:srgbClr val="000000">
+                      <a:alpha val="48000"/>
+                    </a:srgbClr>
+                  </a:outerShdw>
+                </a:effectLst>
+                <a:latin typeface="+mn-lt"/>
+                <a:ea typeface="+mn-ea"/>
+                <a:cs typeface="+mn-cs"/>
+              </a:defRPr>
+            </a:lvl3pPr>
+            <a:lvl4pPr marL="1371600" indent="0" algn="ctr" defTabSz="914400" rtl="0" eaLnBrk="1" latinLnBrk="0" hangingPunct="1">
+              <a:lnSpc>
+                <a:spcPct val="120000"/>
+              </a:lnSpc>
+              <a:spcBef>
+                <a:spcPts val="500"/>
+              </a:spcBef>
+              <a:buFont typeface="Arial" panose="020B0604020202020204" pitchFamily="34" charset="0"/>
+              <a:buNone/>
+              <a:defRPr sz="1600" kern="1200">
+                <a:solidFill>
+                  <a:schemeClr val="tx1"/>
+                </a:solidFill>
+                <a:effectLst>
+                  <a:outerShdw blurRad="50800" dist="38100" dir="2700000" algn="tl" rotWithShape="0">
+                    <a:srgbClr val="000000">
+                      <a:alpha val="48000"/>
+                    </a:srgbClr>
+                  </a:outerShdw>
+                </a:effectLst>
+                <a:latin typeface="+mn-lt"/>
+                <a:ea typeface="+mn-ea"/>
+                <a:cs typeface="+mn-cs"/>
+              </a:defRPr>
+            </a:lvl4pPr>
+            <a:lvl5pPr marL="1828800" indent="0" algn="ctr" defTabSz="914400" rtl="0" eaLnBrk="1" latinLnBrk="0" hangingPunct="1">
+              <a:lnSpc>
+                <a:spcPct val="120000"/>
+              </a:lnSpc>
+              <a:spcBef>
+                <a:spcPts val="500"/>
+              </a:spcBef>
+              <a:buFont typeface="Arial" panose="020B0604020202020204" pitchFamily="34" charset="0"/>
+              <a:buNone/>
+              <a:defRPr sz="1600" kern="1200">
+                <a:solidFill>
+                  <a:schemeClr val="tx1"/>
+                </a:solidFill>
+                <a:effectLst>
+                  <a:outerShdw blurRad="50800" dist="38100" dir="2700000" algn="tl" rotWithShape="0">
+                    <a:srgbClr val="000000">
+                      <a:alpha val="48000"/>
+                    </a:srgbClr>
+                  </a:outerShdw>
+                </a:effectLst>
+                <a:latin typeface="+mn-lt"/>
+                <a:ea typeface="+mn-ea"/>
+                <a:cs typeface="+mn-cs"/>
+              </a:defRPr>
+            </a:lvl5pPr>
+            <a:lvl6pPr marL="2286000" indent="0" algn="ctr" defTabSz="914400" rtl="0" eaLnBrk="1" latinLnBrk="0" hangingPunct="1">
+              <a:lnSpc>
+                <a:spcPct val="120000"/>
+              </a:lnSpc>
+              <a:spcBef>
+                <a:spcPts val="500"/>
+              </a:spcBef>
+              <a:buFont typeface="Arial" panose="020B0604020202020204" pitchFamily="34" charset="0"/>
+              <a:buNone/>
+              <a:defRPr sz="1600" kern="1200">
+                <a:solidFill>
+                  <a:schemeClr val="tx1"/>
+                </a:solidFill>
+                <a:effectLst>
+                  <a:outerShdw blurRad="50800" dist="38100" dir="2700000" algn="tl" rotWithShape="0">
+                    <a:srgbClr val="000000">
+                      <a:alpha val="48000"/>
+                    </a:srgbClr>
+                  </a:outerShdw>
+                </a:effectLst>
+                <a:latin typeface="+mn-lt"/>
+                <a:ea typeface="+mn-ea"/>
+                <a:cs typeface="+mn-cs"/>
+              </a:defRPr>
+            </a:lvl6pPr>
+            <a:lvl7pPr marL="2743200" indent="0" algn="ctr" defTabSz="914400" rtl="0" eaLnBrk="1" latinLnBrk="0" hangingPunct="1">
+              <a:lnSpc>
+                <a:spcPct val="120000"/>
+              </a:lnSpc>
+              <a:spcBef>
+                <a:spcPts val="500"/>
+              </a:spcBef>
+              <a:buFont typeface="Arial" panose="020B0604020202020204" pitchFamily="34" charset="0"/>
+              <a:buNone/>
+              <a:defRPr sz="1600" kern="1200">
+                <a:solidFill>
+                  <a:schemeClr val="tx1"/>
+                </a:solidFill>
+                <a:effectLst>
+                  <a:outerShdw blurRad="50800" dist="38100" dir="2700000" algn="tl" rotWithShape="0">
+                    <a:srgbClr val="000000">
+                      <a:alpha val="48000"/>
+                    </a:srgbClr>
+                  </a:outerShdw>
+                </a:effectLst>
+                <a:latin typeface="+mn-lt"/>
+                <a:ea typeface="+mn-ea"/>
+                <a:cs typeface="+mn-cs"/>
+              </a:defRPr>
+            </a:lvl7pPr>
+            <a:lvl8pPr marL="3200400" indent="0" algn="ctr" defTabSz="914400" rtl="0" eaLnBrk="1" latinLnBrk="0" hangingPunct="1">
+              <a:lnSpc>
+                <a:spcPct val="120000"/>
+              </a:lnSpc>
+              <a:spcBef>
+                <a:spcPts val="500"/>
+              </a:spcBef>
+              <a:buFont typeface="Arial" panose="020B0604020202020204" pitchFamily="34" charset="0"/>
+              <a:buNone/>
+              <a:defRPr sz="1600" kern="1200">
+                <a:solidFill>
+                  <a:schemeClr val="tx1"/>
+                </a:solidFill>
+                <a:effectLst>
+                  <a:outerShdw blurRad="50800" dist="38100" dir="2700000" algn="tl" rotWithShape="0">
+                    <a:srgbClr val="000000">
+                      <a:alpha val="48000"/>
+                    </a:srgbClr>
+                  </a:outerShdw>
+                </a:effectLst>
+                <a:latin typeface="+mn-lt"/>
+                <a:ea typeface="+mn-ea"/>
+                <a:cs typeface="+mn-cs"/>
+              </a:defRPr>
+            </a:lvl8pPr>
+            <a:lvl9pPr marL="3657600" indent="0" algn="ctr" defTabSz="914400" rtl="0" eaLnBrk="1" latinLnBrk="0" hangingPunct="1">
+              <a:lnSpc>
+                <a:spcPct val="120000"/>
+              </a:lnSpc>
+              <a:spcBef>
+                <a:spcPts val="500"/>
+              </a:spcBef>
+              <a:buFont typeface="Arial" panose="020B0604020202020204" pitchFamily="34" charset="0"/>
+              <a:buNone/>
+              <a:defRPr sz="1600" kern="1200">
+                <a:solidFill>
+                  <a:schemeClr val="tx1"/>
+                </a:solidFill>
+                <a:effectLst>
+                  <a:outerShdw blurRad="50800" dist="38100" dir="2700000" algn="tl" rotWithShape="0">
+                    <a:srgbClr val="000000">
+                      <a:alpha val="48000"/>
+                    </a:srgbClr>
+                  </a:outerShdw>
+                </a:effectLst>
+                <a:latin typeface="+mn-lt"/>
+                <a:ea typeface="+mn-ea"/>
+                <a:cs typeface="+mn-cs"/>
+              </a:defRPr>
+            </a:lvl9pPr>
+          </a:lstStyle>
+          <a:p>
+            <a:pPr algn="l"/>
+            <a:r>
+              <a:rPr lang="fr-FR" dirty="0">
+                <a:latin typeface="Palatino Linotype" panose="02040502050505030304" pitchFamily="18" charset="0"/>
+              </a:rPr>
+              <a:t>Thibaut Allain &amp; Manon Fournier</a:t>
+            </a:r>
+          </a:p>
+        </p:txBody>
+      </p:sp>
+      <p:pic>
+        <p:nvPicPr>
+          <p:cNvPr id="5" name="Image 4">
+            <a:extLst>
+              <a:ext uri="{FF2B5EF4-FFF2-40B4-BE49-F238E27FC236}">
+                <a16:creationId xmlns:a16="http://schemas.microsoft.com/office/drawing/2014/main" id="{08EF33EC-3887-8248-AB9F-9EB0E2F22BD7}"/>
+              </a:ext>
+            </a:extLst>
+          </p:cNvPr>
+          <p:cNvPicPr>
+            <a:picLocks noChangeAspect="1"/>
+          </p:cNvPicPr>
+          <p:nvPr/>
+        </p:nvPicPr>
+        <p:blipFill>
+          <a:blip r:embed="rId3">
+            <a:extLst>
+              <a:ext uri="{28A0092B-C50C-407E-A947-70E740481C1C}">
+                <a14:useLocalDpi xmlns:a14="http://schemas.microsoft.com/office/drawing/2010/main" val="0"/>
+              </a:ext>
+            </a:extLst>
+          </a:blip>
+          <a:stretch>
+            <a:fillRect/>
+          </a:stretch>
+        </p:blipFill>
+        <p:spPr>
+          <a:xfrm>
+            <a:off x="467544" y="5804152"/>
+            <a:ext cx="1867975" cy="779511"/>
+          </a:xfrm>
+          <a:prstGeom prst="rect">
+            <a:avLst/>
+          </a:prstGeom>
+        </p:spPr>
+      </p:pic>
     </p:spTree>
     <p:extLst>
       <p:ext uri="{BB962C8B-B14F-4D97-AF65-F5344CB8AC3E}">
@@ -4021,7 +6231,7 @@
         </p:nvSpPr>
         <p:spPr>
           <a:xfrm>
-            <a:off x="457200" y="1935480"/>
+            <a:off x="539552" y="1788097"/>
             <a:ext cx="4042792" cy="4389120"/>
           </a:xfrm>
         </p:spPr>
@@ -4112,7 +6322,7 @@
         <p:spPr>
           <a:xfrm>
             <a:off x="4644008" y="1956738"/>
-            <a:ext cx="4032448" cy="2862322"/>
+            <a:ext cx="4032448" cy="3139321"/>
           </a:xfrm>
           <a:prstGeom prst="rect">
             <a:avLst/>
@@ -4152,6 +6362,14 @@
                 <a:latin typeface="Palatino Linotype" panose="02040502050505030304" pitchFamily="18" charset="0"/>
               </a:rPr>
               <a:t>   Rajouter un patient;</a:t>
+            </a:r>
+          </a:p>
+          <a:p>
+            <a:r>
+              <a:rPr lang="fr-FR" dirty="0">
+                <a:latin typeface="Palatino Linotype" panose="02040502050505030304" pitchFamily="18" charset="0"/>
+              </a:rPr>
+              <a:t>   Passage d’un objet à l’autre</a:t>
             </a:r>
           </a:p>
           <a:p>
@@ -4221,13 +6439,15 @@
       <p:cxnSp>
         <p:nvCxnSpPr>
           <p:cNvPr id="6" name="Connecteur droit avec flèche 5"/>
-          <p:cNvCxnSpPr/>
+          <p:cNvCxnSpPr>
+            <a:cxnSpLocks/>
+          </p:cNvCxnSpPr>
           <p:nvPr/>
         </p:nvCxnSpPr>
         <p:spPr>
           <a:xfrm flipV="1">
-            <a:off x="1475656" y="3573016"/>
-            <a:ext cx="576064" cy="360040"/>
+            <a:off x="1547664" y="3948956"/>
+            <a:ext cx="576064" cy="393741"/>
           </a:xfrm>
           <a:prstGeom prst="straightConnector1">
             <a:avLst/>
@@ -4259,7 +6479,7 @@
         </p:nvCxnSpPr>
         <p:spPr>
           <a:xfrm>
-            <a:off x="1475656" y="3933056"/>
+            <a:off x="1547664" y="4365104"/>
             <a:ext cx="576064" cy="0"/>
           </a:xfrm>
           <a:prstGeom prst="straightConnector1">
@@ -4287,13 +6507,15 @@
       <p:cxnSp>
         <p:nvCxnSpPr>
           <p:cNvPr id="13" name="Connecteur droit avec flèche 12"/>
-          <p:cNvCxnSpPr/>
+          <p:cNvCxnSpPr>
+            <a:cxnSpLocks/>
+          </p:cNvCxnSpPr>
           <p:nvPr/>
         </p:nvCxnSpPr>
         <p:spPr>
           <a:xfrm>
-            <a:off x="1475656" y="3933056"/>
-            <a:ext cx="576064" cy="332006"/>
+            <a:off x="1547664" y="4387512"/>
+            <a:ext cx="576064" cy="472258"/>
           </a:xfrm>
           <a:prstGeom prst="straightConnector1">
             <a:avLst/>
@@ -4347,48 +6569,46 @@
           <a:chExt cx="0" cy="0"/>
         </a:xfrm>
       </p:grpSpPr>
-      <p:sp>
-        <p:nvSpPr>
-          <p:cNvPr id="2" name="Titre 1"/>
-          <p:cNvSpPr>
-            <a:spLocks noGrp="1"/>
-          </p:cNvSpPr>
-          <p:nvPr>
-            <p:ph type="title"/>
-          </p:nvPr>
-        </p:nvSpPr>
-        <p:spPr/>
-        <p:txBody>
-          <a:bodyPr/>
-          <a:lstStyle/>
-          <a:p>
-            <a:endParaRPr lang="fr-FR"/>
-          </a:p>
-        </p:txBody>
-      </p:sp>
-      <p:sp>
-        <p:nvSpPr>
-          <p:cNvPr id="3" name="Espace réservé du contenu 2"/>
-          <p:cNvSpPr>
-            <a:spLocks noGrp="1"/>
-          </p:cNvSpPr>
-          <p:nvPr>
-            <p:ph idx="1"/>
-          </p:nvPr>
-        </p:nvSpPr>
-        <p:spPr/>
-        <p:txBody>
-          <a:bodyPr/>
-          <a:lstStyle/>
-          <a:p>
-            <a:endParaRPr lang="fr-FR"/>
-          </a:p>
-        </p:txBody>
-      </p:sp>
+      <p:pic>
+        <p:nvPicPr>
+          <p:cNvPr id="2" name="Image 1">
+            <a:extLst>
+              <a:ext uri="{FF2B5EF4-FFF2-40B4-BE49-F238E27FC236}">
+                <a16:creationId xmlns:a16="http://schemas.microsoft.com/office/drawing/2014/main" id="{4EE6E2A0-3BA9-3949-A2D3-785354F8BAA9}"/>
+              </a:ext>
+            </a:extLst>
+          </p:cNvPr>
+          <p:cNvPicPr>
+            <a:picLocks noChangeAspect="1"/>
+          </p:cNvPicPr>
+          <p:nvPr/>
+        </p:nvPicPr>
+        <p:blipFill>
+          <a:blip r:embed="rId2">
+            <a:extLst>
+              <a:ext uri="{28A0092B-C50C-407E-A947-70E740481C1C}">
+                <a14:useLocalDpi xmlns:a14="http://schemas.microsoft.com/office/drawing/2010/main" val="0"/>
+              </a:ext>
+            </a:extLst>
+          </a:blip>
+          <a:stretch>
+            <a:fillRect/>
+          </a:stretch>
+        </p:blipFill>
+        <p:spPr>
+          <a:xfrm>
+            <a:off x="755576" y="1268760"/>
+            <a:ext cx="7502768" cy="4104456"/>
+          </a:xfrm>
+          <a:prstGeom prst="rect">
+            <a:avLst/>
+          </a:prstGeom>
+        </p:spPr>
+      </p:pic>
     </p:spTree>
     <p:extLst>
       <p:ext uri="{BB962C8B-B14F-4D97-AF65-F5344CB8AC3E}">
-        <p14:creationId xmlns:p14="http://schemas.microsoft.com/office/powerpoint/2010/main" val="1255445537"/>
+        <p14:creationId xmlns:p14="http://schemas.microsoft.com/office/powerpoint/2010/main" val="3492665325"/>
       </p:ext>
     </p:extLst>
   </p:cSld>
@@ -4427,13 +6647,13 @@
         </p:nvSpPr>
         <p:spPr>
           <a:xfrm>
-            <a:off x="0" y="620688"/>
-            <a:ext cx="9144000" cy="722344"/>
+            <a:off x="467544" y="52496"/>
+            <a:ext cx="8229600" cy="710952"/>
           </a:xfrm>
         </p:spPr>
         <p:txBody>
           <a:bodyPr>
-            <a:noAutofit/>
+            <a:normAutofit/>
           </a:bodyPr>
           <a:lstStyle/>
           <a:p>
@@ -4442,48 +6662,87 @@
               <a:rPr lang="fr-FR" sz="3600" dirty="0">
                 <a:latin typeface="Palatino Linotype" panose="02040502050505030304" pitchFamily="18" charset="0"/>
               </a:rPr>
-              <a:t>Problèmes rencontrés &amp; Solutions apportées</a:t>
-            </a:r>
-          </a:p>
-        </p:txBody>
-      </p:sp>
-      <p:sp>
-        <p:nvSpPr>
-          <p:cNvPr id="3" name="Espace réservé du contenu 2"/>
-          <p:cNvSpPr>
-            <a:spLocks noGrp="1"/>
-          </p:cNvSpPr>
-          <p:nvPr>
-            <p:ph idx="1"/>
-          </p:nvPr>
-        </p:nvSpPr>
-        <p:spPr/>
-        <p:txBody>
-          <a:bodyPr>
-            <a:normAutofit/>
-          </a:bodyPr>
-          <a:lstStyle/>
-          <a:p>
-            <a:r>
-              <a:rPr lang="fr-FR" sz="2000" dirty="0"/>
-              <a:t>Mise en place d’une fonction suppression sans qu’elle ne supprime le reste de la liste</a:t>
-            </a:r>
-          </a:p>
-          <a:p>
-            <a:r>
-              <a:rPr lang="fr-FR" sz="2000" dirty="0"/>
-              <a:t>Définition et compréhension des structures de liste</a:t>
-            </a:r>
-          </a:p>
-          <a:p>
-            <a:endParaRPr lang="fr-FR" sz="2000" dirty="0"/>
-          </a:p>
-        </p:txBody>
-      </p:sp>
+              <a:t>Exemples d’exécution</a:t>
+            </a:r>
+          </a:p>
+        </p:txBody>
+      </p:sp>
+      <p:pic>
+        <p:nvPicPr>
+          <p:cNvPr id="7" name="Image 6">
+            <a:extLst>
+              <a:ext uri="{FF2B5EF4-FFF2-40B4-BE49-F238E27FC236}">
+                <a16:creationId xmlns:a16="http://schemas.microsoft.com/office/drawing/2014/main" id="{AEE80A5B-DC88-B340-8F18-860079F0C046}"/>
+              </a:ext>
+            </a:extLst>
+          </p:cNvPr>
+          <p:cNvPicPr>
+            <a:picLocks noChangeAspect="1"/>
+          </p:cNvPicPr>
+          <p:nvPr/>
+        </p:nvPicPr>
+        <p:blipFill>
+          <a:blip r:embed="rId2">
+            <a:extLst>
+              <a:ext uri="{28A0092B-C50C-407E-A947-70E740481C1C}">
+                <a14:useLocalDpi xmlns:a14="http://schemas.microsoft.com/office/drawing/2010/main" val="0"/>
+              </a:ext>
+            </a:extLst>
+          </a:blip>
+          <a:stretch>
+            <a:fillRect/>
+          </a:stretch>
+        </p:blipFill>
+        <p:spPr>
+          <a:xfrm>
+            <a:off x="323528" y="786413"/>
+            <a:ext cx="5408679" cy="2829269"/>
+          </a:xfrm>
+          <a:prstGeom prst="rect">
+            <a:avLst/>
+          </a:prstGeom>
+        </p:spPr>
+      </p:pic>
+      <p:pic>
+        <p:nvPicPr>
+          <p:cNvPr id="17" name="Image 16">
+            <a:extLst>
+              <a:ext uri="{FF2B5EF4-FFF2-40B4-BE49-F238E27FC236}">
+                <a16:creationId xmlns:a16="http://schemas.microsoft.com/office/drawing/2014/main" id="{286316F6-E365-6B4B-BF37-5C78D26CADB8}"/>
+              </a:ext>
+            </a:extLst>
+          </p:cNvPr>
+          <p:cNvPicPr>
+            <a:picLocks noChangeAspect="1"/>
+          </p:cNvPicPr>
+          <p:nvPr/>
+        </p:nvPicPr>
+        <p:blipFill>
+          <a:blip r:embed="rId3">
+            <a:extLst>
+              <a:ext uri="{28A0092B-C50C-407E-A947-70E740481C1C}">
+                <a14:useLocalDpi xmlns:a14="http://schemas.microsoft.com/office/drawing/2010/main" val="0"/>
+              </a:ext>
+            </a:extLst>
+          </a:blip>
+          <a:stretch>
+            <a:fillRect/>
+          </a:stretch>
+        </p:blipFill>
+        <p:spPr>
+          <a:xfrm>
+            <a:off x="1331640" y="3789040"/>
+            <a:ext cx="7559824" cy="2884270"/>
+          </a:xfrm>
+          <a:prstGeom prst="rect">
+            <a:avLst/>
+          </a:prstGeom>
+        </p:spPr>
+      </p:pic>
     </p:spTree>
     <p:extLst>
       <p:ext uri="{BB962C8B-B14F-4D97-AF65-F5344CB8AC3E}">
-        <p14:creationId xmlns:p14="http://schemas.microsoft.com/office/powerpoint/2010/main" val="2540963809"/>
+        <p14:creationId xmlns:p14="http://schemas.microsoft.com/office/powerpoint/2010/main" val="1271996322"/>
       </p:ext>
     </p:extLst>
   </p:cSld>
@@ -4522,13 +6781,551 @@
         </p:nvSpPr>
         <p:spPr>
           <a:xfrm>
+            <a:off x="0" y="620688"/>
+            <a:ext cx="9144000" cy="722344"/>
+          </a:xfrm>
+        </p:spPr>
+        <p:txBody>
+          <a:bodyPr>
+            <a:noAutofit/>
+          </a:bodyPr>
+          <a:lstStyle/>
+          <a:p>
+            <a:pPr algn="ctr"/>
+            <a:r>
+              <a:rPr lang="fr-FR" sz="3600" dirty="0">
+                <a:latin typeface="Palatino Linotype" panose="02040502050505030304" pitchFamily="18" charset="0"/>
+              </a:rPr>
+              <a:t>Problèmes rencontrés &amp; Solutions apportées</a:t>
+            </a:r>
+          </a:p>
+        </p:txBody>
+      </p:sp>
+      <mc:AlternateContent xmlns:mc="http://schemas.openxmlformats.org/markup-compatibility/2006">
+        <mc:Choice xmlns:a14="http://schemas.microsoft.com/office/drawing/2010/main" Requires="a14">
+          <p:sp>
+            <p:nvSpPr>
+              <p:cNvPr id="3" name="Espace réservé du contenu 2"/>
+              <p:cNvSpPr>
+                <a:spLocks noGrp="1"/>
+              </p:cNvSpPr>
+              <p:nvPr>
+                <p:ph idx="1"/>
+              </p:nvPr>
+            </p:nvSpPr>
+            <p:spPr/>
+            <p:txBody>
+              <a:bodyPr>
+                <a:noAutofit/>
+              </a:bodyPr>
+              <a:lstStyle/>
+              <a:p>
+                <a:r>
+                  <a:rPr lang="fr-FR" sz="1700" dirty="0"/>
+                  <a:t>Mise en place d’une fonction suppression sans qu’elle ne supprime le reste de la liste</a:t>
+                </a:r>
+              </a:p>
+              <a:p>
+                <a:r>
+                  <a:rPr lang="fr-FR" sz="1700" dirty="0"/>
+                  <a:t>Définition et compréhension des structures de liste</a:t>
+                </a:r>
+              </a:p>
+              <a:p>
+                <a:r>
+                  <a:rPr lang="fr-FR" sz="1700" dirty="0"/>
+                  <a:t>Trouver comment gérer tout les objets</a:t>
+                </a:r>
+              </a:p>
+              <a:p>
+                <a:r>
+                  <a:rPr lang="fr-FR" sz="1700" dirty="0"/>
+                  <a:t>Gérer </a:t>
+                </a:r>
+                <a:r>
+                  <a:rPr lang="fr-FR" sz="1700" dirty="0" err="1"/>
+                  <a:t>GitHub</a:t>
+                </a:r>
+                <a:endParaRPr lang="fr-FR" sz="1700" dirty="0"/>
+              </a:p>
+              <a:p>
+                <a:r>
+                  <a:rPr lang="fr-FR" sz="1700" dirty="0"/>
+                  <a:t>La correction d’erreurs lié à  l’intégration de donnée provenant d’un fichier</a:t>
+                </a:r>
+              </a:p>
+              <a:p>
+                <a:pPr marL="0" indent="0">
+                  <a:buNone/>
+                </a:pPr>
+                <a:r>
+                  <a:rPr lang="fr-FR" sz="1700" dirty="0">
+                    <a:ea typeface="Cambria Math"/>
+                  </a:rPr>
+                  <a:t>     </a:t>
+                </a:r>
+                <a14:m>
+                  <m:oMath xmlns:m="http://schemas.openxmlformats.org/officeDocument/2006/math">
+                    <m:r>
+                      <a:rPr lang="fr-FR" sz="1700" i="1" smtClean="0">
+                        <a:latin typeface="Cambria Math"/>
+                        <a:ea typeface="Cambria Math"/>
+                      </a:rPr>
+                      <m:t>→</m:t>
+                    </m:r>
+                  </m:oMath>
+                </a14:m>
+                <a:r>
+                  <a:rPr lang="fr-FR" sz="1700" dirty="0"/>
+                  <a:t>Modification du document texte afin qu’il soit lisible par le programme</a:t>
+                </a:r>
+              </a:p>
+              <a:p>
+                <a:pPr marL="0" indent="0">
+                  <a:buNone/>
+                </a:pPr>
+                <a:r>
+                  <a:rPr lang="fr-FR" sz="1700" dirty="0"/>
+                  <a:t>         (suppression des "é ", "è" ,"œ"  et de tout autre caractère illisibles.</a:t>
+                </a:r>
+              </a:p>
+              <a:p>
+                <a:pPr marL="0" indent="0">
+                  <a:buNone/>
+                </a:pPr>
+                <a:endParaRPr lang="fr-FR" sz="1700" dirty="0"/>
+              </a:p>
+              <a:p>
+                <a:pPr marL="0" indent="0">
+                  <a:buNone/>
+                </a:pPr>
+                <a:endParaRPr lang="fr-FR" sz="1700" dirty="0"/>
+              </a:p>
+              <a:p>
+                <a:endParaRPr lang="fr-FR" sz="1700" dirty="0"/>
+              </a:p>
+            </p:txBody>
+          </p:sp>
+        </mc:Choice>
+        <mc:Fallback>
+          <p:sp>
+            <p:nvSpPr>
+              <p:cNvPr id="3" name="Espace réservé du contenu 2"/>
+              <p:cNvSpPr>
+                <a:spLocks noGrp="1" noRot="1" noChangeAspect="1" noMove="1" noResize="1" noEditPoints="1" noAdjustHandles="1" noChangeArrowheads="1" noChangeShapeType="1" noTextEdit="1"/>
+              </p:cNvSpPr>
+              <p:nvPr>
+                <p:ph idx="1"/>
+              </p:nvPr>
+            </p:nvSpPr>
+            <p:spPr>
+              <a:blipFill>
+                <a:blip r:embed="rId2"/>
+                <a:stretch>
+                  <a:fillRect l="-490" b="-1027"/>
+                </a:stretch>
+              </a:blipFill>
+            </p:spPr>
+            <p:txBody>
+              <a:bodyPr/>
+              <a:lstStyle/>
+              <a:p>
+                <a:r>
+                  <a:rPr lang="fr-FR">
+                    <a:noFill/>
+                  </a:rPr>
+                  <a:t> </a:t>
+                </a:r>
+              </a:p>
+            </p:txBody>
+          </p:sp>
+        </mc:Fallback>
+      </mc:AlternateContent>
+    </p:spTree>
+    <p:extLst>
+      <p:ext uri="{BB962C8B-B14F-4D97-AF65-F5344CB8AC3E}">
+        <p14:creationId xmlns:p14="http://schemas.microsoft.com/office/powerpoint/2010/main" val="2540963809"/>
+      </p:ext>
+    </p:extLst>
+  </p:cSld>
+  <p:clrMapOvr>
+    <a:masterClrMapping/>
+  </p:clrMapOvr>
+</p:sld>
+</file>
+
+<file path=ppt/slides/slide6.xml><?xml version="1.0" encoding="utf-8"?>
+<p:sld xmlns:a="http://schemas.openxmlformats.org/drawingml/2006/main" xmlns:r="http://schemas.openxmlformats.org/officeDocument/2006/relationships" xmlns:p="http://schemas.openxmlformats.org/presentationml/2006/main">
+  <p:cSld>
+    <p:spTree>
+      <p:nvGrpSpPr>
+        <p:cNvPr id="1" name=""/>
+        <p:cNvGrpSpPr/>
+        <p:nvPr/>
+      </p:nvGrpSpPr>
+      <p:grpSpPr>
+        <a:xfrm>
+          <a:off x="0" y="0"/>
+          <a:ext cx="0" cy="0"/>
+          <a:chOff x="0" y="0"/>
+          <a:chExt cx="0" cy="0"/>
+        </a:xfrm>
+      </p:grpSpPr>
+      <p:pic>
+        <p:nvPicPr>
+          <p:cNvPr id="3" name="Image 2">
+            <a:extLst>
+              <a:ext uri="{FF2B5EF4-FFF2-40B4-BE49-F238E27FC236}">
+                <a16:creationId xmlns:a16="http://schemas.microsoft.com/office/drawing/2014/main" id="{6A606A21-C690-1C46-B88A-A3A76140C70C}"/>
+              </a:ext>
+            </a:extLst>
+          </p:cNvPr>
+          <p:cNvPicPr>
+            <a:picLocks noChangeAspect="1"/>
+          </p:cNvPicPr>
+          <p:nvPr/>
+        </p:nvPicPr>
+        <p:blipFill>
+          <a:blip r:embed="rId2">
+            <a:extLst>
+              <a:ext uri="{28A0092B-C50C-407E-A947-70E740481C1C}">
+                <a14:useLocalDpi xmlns:a14="http://schemas.microsoft.com/office/drawing/2010/main" val="0"/>
+              </a:ext>
+            </a:extLst>
+          </a:blip>
+          <a:stretch>
+            <a:fillRect/>
+          </a:stretch>
+        </p:blipFill>
+        <p:spPr>
+          <a:xfrm>
+            <a:off x="107504" y="2132856"/>
+            <a:ext cx="5369939" cy="4576936"/>
+          </a:xfrm>
+          <a:prstGeom prst="rect">
+            <a:avLst/>
+          </a:prstGeom>
+        </p:spPr>
+      </p:pic>
+      <p:pic>
+        <p:nvPicPr>
+          <p:cNvPr id="5" name="Image 4">
+            <a:extLst>
+              <a:ext uri="{FF2B5EF4-FFF2-40B4-BE49-F238E27FC236}">
+                <a16:creationId xmlns:a16="http://schemas.microsoft.com/office/drawing/2014/main" id="{2A15D099-2FB6-8549-9D4F-46223440D33A}"/>
+              </a:ext>
+            </a:extLst>
+          </p:cNvPr>
+          <p:cNvPicPr>
+            <a:picLocks noChangeAspect="1"/>
+          </p:cNvPicPr>
+          <p:nvPr/>
+        </p:nvPicPr>
+        <p:blipFill>
+          <a:blip r:embed="rId3">
+            <a:extLst>
+              <a:ext uri="{28A0092B-C50C-407E-A947-70E740481C1C}">
+                <a14:useLocalDpi xmlns:a14="http://schemas.microsoft.com/office/drawing/2010/main" val="0"/>
+              </a:ext>
+            </a:extLst>
+          </a:blip>
+          <a:stretch>
+            <a:fillRect/>
+          </a:stretch>
+        </p:blipFill>
+        <p:spPr>
+          <a:xfrm>
+            <a:off x="4139952" y="188640"/>
+            <a:ext cx="4684068" cy="3393347"/>
+          </a:xfrm>
+          <a:prstGeom prst="rect">
+            <a:avLst/>
+          </a:prstGeom>
+        </p:spPr>
+      </p:pic>
+      <p:sp>
+        <p:nvSpPr>
+          <p:cNvPr id="6" name="Rectangle 5">
+            <a:extLst>
+              <a:ext uri="{FF2B5EF4-FFF2-40B4-BE49-F238E27FC236}">
+                <a16:creationId xmlns:a16="http://schemas.microsoft.com/office/drawing/2014/main" id="{AA7BF68F-1353-6C47-B789-EBB4D6106DEB}"/>
+              </a:ext>
+            </a:extLst>
+          </p:cNvPr>
+          <p:cNvSpPr/>
+          <p:nvPr/>
+        </p:nvSpPr>
+        <p:spPr>
+          <a:xfrm>
+            <a:off x="445224" y="201292"/>
+            <a:ext cx="3357009" cy="1754326"/>
+          </a:xfrm>
+          <a:prstGeom prst="rect">
+            <a:avLst/>
+          </a:prstGeom>
+          <a:noFill/>
+        </p:spPr>
+        <p:txBody>
+          <a:bodyPr wrap="none" lIns="91440" tIns="45720" rIns="91440" bIns="45720">
+            <a:spAutoFit/>
+          </a:bodyPr>
+          <a:lstStyle/>
+          <a:p>
+            <a:pPr algn="ctr"/>
+            <a:r>
+              <a:rPr lang="fr-FR" sz="5400" b="0" cap="none" spc="0" dirty="0">
+                <a:ln w="0"/>
+                <a:solidFill>
+                  <a:schemeClr val="tx1"/>
+                </a:solidFill>
+                <a:effectLst>
+                  <a:outerShdw blurRad="38100" dist="19050" dir="2700000" algn="tl" rotWithShape="0">
+                    <a:schemeClr val="dk1">
+                      <a:alpha val="40000"/>
+                    </a:schemeClr>
+                  </a:outerShdw>
+                </a:effectLst>
+              </a:rPr>
+              <a:t>Utilisation</a:t>
+            </a:r>
+          </a:p>
+          <a:p>
+            <a:pPr algn="ctr"/>
+            <a:r>
+              <a:rPr lang="fr-FR" sz="5400" b="0" cap="none" spc="0" dirty="0">
+                <a:ln w="0"/>
+                <a:solidFill>
+                  <a:schemeClr val="tx1"/>
+                </a:solidFill>
+                <a:effectLst>
+                  <a:outerShdw blurRad="38100" dist="19050" dir="2700000" algn="tl" rotWithShape="0">
+                    <a:schemeClr val="dk1">
+                      <a:alpha val="40000"/>
+                    </a:schemeClr>
+                  </a:outerShdw>
+                </a:effectLst>
+              </a:rPr>
+              <a:t> de Git</a:t>
+            </a:r>
+          </a:p>
+        </p:txBody>
+      </p:sp>
+      <p:sp>
+        <p:nvSpPr>
+          <p:cNvPr id="7" name="ZoneTexte 6">
+            <a:extLst>
+              <a:ext uri="{FF2B5EF4-FFF2-40B4-BE49-F238E27FC236}">
+                <a16:creationId xmlns:a16="http://schemas.microsoft.com/office/drawing/2014/main" id="{EE4FA7B3-195D-DC46-8C6E-91916D21D7BB}"/>
+              </a:ext>
+            </a:extLst>
+          </p:cNvPr>
+          <p:cNvSpPr txBox="1"/>
+          <p:nvPr/>
+        </p:nvSpPr>
+        <p:spPr>
+          <a:xfrm>
+            <a:off x="5675631" y="4005064"/>
+            <a:ext cx="3171900" cy="1754326"/>
+          </a:xfrm>
+          <a:prstGeom prst="rect">
+            <a:avLst/>
+          </a:prstGeom>
+          <a:noFill/>
+        </p:spPr>
+        <p:txBody>
+          <a:bodyPr wrap="square" rtlCol="0">
+            <a:spAutoFit/>
+          </a:bodyPr>
+          <a:lstStyle/>
+          <a:p>
+            <a:r>
+              <a:rPr lang="fr-FR" b="1" dirty="0"/>
+              <a:t>Avantages: </a:t>
+            </a:r>
+          </a:p>
+          <a:p>
+            <a:r>
+              <a:rPr lang="fr-FR" dirty="0"/>
+              <a:t>-    Pas de perte de données</a:t>
+            </a:r>
+          </a:p>
+          <a:p>
+            <a:pPr marL="285750" indent="-285750">
+              <a:buFontTx/>
+              <a:buChar char="-"/>
+            </a:pPr>
+            <a:r>
+              <a:rPr lang="fr-FR" dirty="0"/>
+              <a:t>Tout est accessible partout</a:t>
+            </a:r>
+          </a:p>
+          <a:p>
+            <a:pPr marL="285750" indent="-285750">
+              <a:buFontTx/>
+              <a:buChar char="-"/>
+            </a:pPr>
+            <a:r>
+              <a:rPr lang="fr-FR" dirty="0"/>
+              <a:t> Possibilités d’accéder aux anciennes versions</a:t>
+            </a:r>
+          </a:p>
+        </p:txBody>
+      </p:sp>
+    </p:spTree>
+    <p:extLst>
+      <p:ext uri="{BB962C8B-B14F-4D97-AF65-F5344CB8AC3E}">
+        <p14:creationId xmlns:p14="http://schemas.microsoft.com/office/powerpoint/2010/main" val="2674690362"/>
+      </p:ext>
+    </p:extLst>
+  </p:cSld>
+  <p:clrMapOvr>
+    <a:masterClrMapping/>
+  </p:clrMapOvr>
+</p:sld>
+</file>
+
+<file path=ppt/slides/slide7.xml><?xml version="1.0" encoding="utf-8"?>
+<p:sld xmlns:a="http://schemas.openxmlformats.org/drawingml/2006/main" xmlns:r="http://schemas.openxmlformats.org/officeDocument/2006/relationships" xmlns:p="http://schemas.openxmlformats.org/presentationml/2006/main">
+  <p:cSld>
+    <p:spTree>
+      <p:nvGrpSpPr>
+        <p:cNvPr id="1" name=""/>
+        <p:cNvGrpSpPr/>
+        <p:nvPr/>
+      </p:nvGrpSpPr>
+      <p:grpSpPr>
+        <a:xfrm>
+          <a:off x="0" y="0"/>
+          <a:ext cx="0" cy="0"/>
+          <a:chOff x="0" y="0"/>
+          <a:chExt cx="0" cy="0"/>
+        </a:xfrm>
+      </p:grpSpPr>
+      <p:sp>
+        <p:nvSpPr>
+          <p:cNvPr id="2" name="Titre 1"/>
+          <p:cNvSpPr>
+            <a:spLocks noGrp="1"/>
+          </p:cNvSpPr>
+          <p:nvPr>
+            <p:ph type="title"/>
+          </p:nvPr>
+        </p:nvSpPr>
+        <p:spPr>
+          <a:xfrm>
+            <a:off x="395536" y="332656"/>
+            <a:ext cx="8229600" cy="1143000"/>
+          </a:xfrm>
+        </p:spPr>
+        <p:txBody>
+          <a:bodyPr>
+            <a:normAutofit/>
+          </a:bodyPr>
+          <a:lstStyle/>
+          <a:p>
+            <a:pPr algn="ctr"/>
+            <a:r>
+              <a:rPr lang="fr-FR" sz="3600" dirty="0">
+                <a:latin typeface="Palatino Linotype" panose="02040502050505030304" pitchFamily="18" charset="0"/>
+              </a:rPr>
+              <a:t>Améliorations</a:t>
+            </a:r>
+          </a:p>
+        </p:txBody>
+      </p:sp>
+      <p:sp>
+        <p:nvSpPr>
+          <p:cNvPr id="3" name="Espace réservé du contenu 2"/>
+          <p:cNvSpPr>
+            <a:spLocks noGrp="1"/>
+          </p:cNvSpPr>
+          <p:nvPr>
+            <p:ph idx="1"/>
+          </p:nvPr>
+        </p:nvSpPr>
+        <p:spPr/>
+        <p:txBody>
+          <a:bodyPr>
+            <a:normAutofit/>
+          </a:bodyPr>
+          <a:lstStyle/>
+          <a:p>
+            <a:r>
+              <a:rPr lang="fr-FR" sz="2000" dirty="0"/>
+              <a:t>Ajout d’une interface graphique plus esthétique (</a:t>
+            </a:r>
+            <a:r>
+              <a:rPr lang="fr-FR" sz="2000" dirty="0" err="1"/>
+              <a:t>lncurse</a:t>
+            </a:r>
+            <a:r>
+              <a:rPr lang="fr-FR" sz="2000" dirty="0"/>
+              <a:t>), SDL</a:t>
+            </a:r>
+          </a:p>
+          <a:p>
+            <a:r>
+              <a:rPr lang="fr-FR" sz="2000" dirty="0"/>
+              <a:t>Plus de fonctions automatiques</a:t>
+            </a:r>
+          </a:p>
+          <a:p>
+            <a:r>
+              <a:rPr lang="fr-FR" dirty="0"/>
+              <a:t>Fonction modifier un objet déjà existant</a:t>
+            </a:r>
+          </a:p>
+        </p:txBody>
+      </p:sp>
+    </p:spTree>
+    <p:extLst>
+      <p:ext uri="{BB962C8B-B14F-4D97-AF65-F5344CB8AC3E}">
+        <p14:creationId xmlns:p14="http://schemas.microsoft.com/office/powerpoint/2010/main" val="1255445537"/>
+      </p:ext>
+    </p:extLst>
+  </p:cSld>
+  <p:clrMapOvr>
+    <a:masterClrMapping/>
+  </p:clrMapOvr>
+</p:sld>
+</file>
+
+<file path=ppt/slides/slide8.xml><?xml version="1.0" encoding="utf-8"?>
+<p:sld xmlns:a="http://schemas.openxmlformats.org/drawingml/2006/main" xmlns:r="http://schemas.openxmlformats.org/officeDocument/2006/relationships" xmlns:p="http://schemas.openxmlformats.org/presentationml/2006/main">
+  <p:cSld>
+    <p:spTree>
+      <p:nvGrpSpPr>
+        <p:cNvPr id="1" name=""/>
+        <p:cNvGrpSpPr/>
+        <p:nvPr/>
+      </p:nvGrpSpPr>
+      <p:grpSpPr>
+        <a:xfrm>
+          <a:off x="0" y="0"/>
+          <a:ext cx="0" cy="0"/>
+          <a:chOff x="0" y="0"/>
+          <a:chExt cx="0" cy="0"/>
+        </a:xfrm>
+      </p:grpSpPr>
+      <p:sp>
+        <p:nvSpPr>
+          <p:cNvPr id="2" name="Titre 1"/>
+          <p:cNvSpPr>
+            <a:spLocks noGrp="1"/>
+          </p:cNvSpPr>
+          <p:nvPr>
+            <p:ph type="title"/>
+          </p:nvPr>
+        </p:nvSpPr>
+        <p:spPr>
+          <a:xfrm>
             <a:off x="467544" y="476672"/>
             <a:ext cx="8229600" cy="794352"/>
           </a:xfrm>
         </p:spPr>
         <p:txBody>
           <a:bodyPr>
-            <a:normAutofit/>
+            <a:normAutofit fontScale="90000"/>
           </a:bodyPr>
           <a:lstStyle/>
           <a:p>
@@ -4551,13 +7348,13 @@
           <p:nvPr>
             <p:extLst>
               <p:ext uri="{D42A27DB-BD31-4B8C-83A1-F6EECF244321}">
-                <p14:modId xmlns:p14="http://schemas.microsoft.com/office/powerpoint/2010/main" val="3794366249"/>
+                <p14:modId xmlns:p14="http://schemas.microsoft.com/office/powerpoint/2010/main" val="3309262443"/>
               </p:ext>
             </p:extLst>
           </p:nvPr>
         </p:nvGraphicFramePr>
         <p:xfrm>
-          <a:off x="1089956" y="1700808"/>
+          <a:off x="1115616" y="2060848"/>
           <a:ext cx="6984776" cy="4536504"/>
         </p:xfrm>
         <a:graphic>
@@ -4626,71 +7423,62 @@
                     <a:lstStyle/>
                     <a:p>
                       <a:r>
-                        <a:rPr lang="fr-FR" sz="2000"/>
-                        <a:t>- Liste </a:t>
-                      </a:r>
-                      <a:r>
                         <a:rPr lang="fr-FR" sz="2000" dirty="0"/>
-                        <a:t>globale des médecins</a:t>
-                      </a:r>
-                      <a:br>
-                        <a:rPr lang="fr-FR" sz="2000"/>
-                      </a:br>
-                      <a:r>
-                        <a:rPr lang="fr-FR" sz="2000"/>
-                        <a:t>- Et </a:t>
-                      </a:r>
-                      <a:r>
-                        <a:rPr lang="fr-FR" sz="2000" dirty="0"/>
-                        <a:t>les fonctions associées </a:t>
-                      </a:r>
-                      <a:br>
-                        <a:rPr lang="fr-FR" sz="2000"/>
-                      </a:br>
-                      <a:r>
-                        <a:rPr lang="fr-FR" sz="2000"/>
-                        <a:t>- Base </a:t>
-                      </a:r>
-                      <a:r>
-                        <a:rPr lang="fr-FR" sz="2000" dirty="0"/>
-                        <a:t>de données:</a:t>
+                        <a:t>- Liste globale des médecins</a:t>
                       </a:r>
                       <a:br>
                         <a:rPr lang="fr-FR" sz="2000" dirty="0"/>
                       </a:br>
                       <a:r>
                         <a:rPr lang="fr-FR" sz="2000" dirty="0"/>
-                        <a:t>5 médecins et 10 patients </a:t>
+                        <a:t>- Et les fonctions associées </a:t>
+                      </a:r>
+                      <a:br>
+                        <a:rPr lang="fr-FR" sz="2000" dirty="0"/>
+                      </a:br>
+                      <a:r>
+                        <a:rPr lang="fr-FR" sz="2000" dirty="0"/>
+                        <a:t>- Base de données:</a:t>
+                      </a:r>
+                      <a:br>
+                        <a:rPr lang="fr-FR" sz="2000" dirty="0"/>
+                      </a:br>
+                      <a:r>
+                        <a:rPr lang="fr-FR" sz="2000" dirty="0"/>
+                        <a:t>5 médecins,</a:t>
+                      </a:r>
+                      <a:r>
+                        <a:rPr lang="fr-FR" sz="2000" baseline="0" dirty="0"/>
+                        <a:t> </a:t>
+                      </a:r>
+                      <a:r>
+                        <a:rPr lang="fr-FR" sz="2000" dirty="0"/>
+                        <a:t>10 patients  et </a:t>
                       </a:r>
                     </a:p>
                     <a:p>
-                      <a:pPr marL="342900" indent="-342900">
-                        <a:buFontTx/>
-                        <a:buChar char="-"/>
-                      </a:pPr>
                       <a:r>
                         <a:rPr lang="fr-FR" sz="2000" dirty="0"/>
-                        <a:t>Liste globale des médecin</a:t>
+                        <a:t>8 pathologies</a:t>
                       </a:r>
                     </a:p>
                     <a:p>
-                      <a:pPr marL="342900" indent="-342900">
-                        <a:buFontTx/>
-                        <a:buChar char="-"/>
-                      </a:pPr>
                       <a:r>
                         <a:rPr lang="fr-FR" sz="2000" dirty="0"/>
-                        <a:t>File d’attente et fonctions liées</a:t>
+                        <a:t>- Gestion totale de la file d’attente</a:t>
+                      </a:r>
+                      <a:br>
+                        <a:rPr lang="fr-FR" sz="2000" dirty="0"/>
+                      </a:br>
+                      <a:r>
+                        <a:rPr lang="fr-FR" sz="2000" dirty="0"/>
+                        <a:t>- Correction des erreurs</a:t>
                       </a:r>
                     </a:p>
                     <a:p>
-                      <a:pPr marL="342900" indent="-342900">
-                        <a:buFontTx/>
-                        <a:buChar char="-"/>
-                      </a:pPr>
                       <a:r>
                         <a:rPr lang="fr-FR" sz="2000" dirty="0"/>
-                        <a:t>Correction des erreurs</a:t>
+                        <a:t>- Interface utilisateur</a:t>
                       </a:r>
                     </a:p>
                   </a:txBody>
@@ -4703,7 +7491,7 @@
                     <a:p>
                       <a:r>
                         <a:rPr lang="fr-FR" sz="2000" dirty="0"/>
-                        <a:t>-Liste regroupant les pathologies et accédant aux patients</a:t>
+                        <a:t>- Liste regroupant les pathologies et accédant aux patients</a:t>
                       </a:r>
                       <a:r>
                         <a:rPr lang="fr-FR" sz="2000" baseline="0" dirty="0"/>
@@ -4714,14 +7502,14 @@
                       </a:br>
                       <a:r>
                         <a:rPr lang="fr-FR" sz="2000" dirty="0"/>
-                        <a:t>-Et les fonctions associées </a:t>
+                        <a:t>- Et les fonctions associées </a:t>
                       </a:r>
                       <a:br>
                         <a:rPr lang="fr-FR" sz="2000" dirty="0"/>
                       </a:br>
                       <a:r>
                         <a:rPr lang="fr-FR" sz="2000" dirty="0"/>
-                        <a:t>-Liste</a:t>
+                        <a:t>- Liste</a:t>
                       </a:r>
                       <a:r>
                         <a:rPr lang="fr-FR" sz="2000" baseline="0" dirty="0"/>
@@ -4732,27 +7520,21 @@
                       </a:br>
                       <a:r>
                         <a:rPr lang="fr-FR" sz="2000" dirty="0"/>
-                        <a:t>-Et les fonctions associées </a:t>
+                        <a:t>- Et les fonctions associées </a:t>
                       </a:r>
                       <a:br>
                         <a:rPr lang="fr-FR" sz="2000" baseline="0" dirty="0"/>
                       </a:br>
                       <a:r>
                         <a:rPr lang="fr-FR" sz="2000" baseline="0" dirty="0"/>
-                        <a:t>-Base de données:</a:t>
+                        <a:t>- Base de données:</a:t>
                       </a:r>
                       <a:br>
                         <a:rPr lang="fr-FR" sz="2000" baseline="0" dirty="0"/>
                       </a:br>
                       <a:r>
                         <a:rPr lang="fr-FR" sz="2000" baseline="0" dirty="0"/>
-                        <a:t>15 patients</a:t>
-                      </a:r>
-                    </a:p>
-                    <a:p>
-                      <a:r>
-                        <a:rPr lang="fr-FR" sz="2000" baseline="0" dirty="0"/>
-                        <a:t>- Powerpoint</a:t>
+                        <a:t>15 patients et 13 pathologie</a:t>
                       </a:r>
                       <a:endParaRPr lang="fr-FR" sz="2000" dirty="0"/>
                     </a:p>
@@ -4782,10 +7564,253 @@
 </p:sld>
 </file>
 
+<file path=ppt/slides/slide9.xml><?xml version="1.0" encoding="utf-8"?>
+<p:sld xmlns:a="http://schemas.openxmlformats.org/drawingml/2006/main" xmlns:r="http://schemas.openxmlformats.org/officeDocument/2006/relationships" xmlns:p="http://schemas.openxmlformats.org/presentationml/2006/main">
+  <p:cSld>
+    <p:bg>
+      <p:bgPr>
+        <a:blipFill rotWithShape="1">
+          <a:blip r:embed="rId2">
+            <a:duotone>
+              <a:schemeClr val="bg2">
+                <a:shade val="18000"/>
+                <a:satMod val="160000"/>
+                <a:lumMod val="28000"/>
+              </a:schemeClr>
+              <a:schemeClr val="bg2">
+                <a:tint val="95000"/>
+                <a:satMod val="160000"/>
+                <a:lumMod val="116000"/>
+              </a:schemeClr>
+            </a:duotone>
+            <a:extLst/>
+          </a:blip>
+          <a:stretch/>
+        </a:blipFill>
+        <a:effectLst/>
+      </p:bgPr>
+    </p:bg>
+    <p:spTree>
+      <p:nvGrpSpPr>
+        <p:cNvPr id="1" name=""/>
+        <p:cNvGrpSpPr/>
+        <p:nvPr/>
+      </p:nvGrpSpPr>
+      <p:grpSpPr>
+        <a:xfrm>
+          <a:off x="0" y="0"/>
+          <a:ext cx="0" cy="0"/>
+          <a:chOff x="0" y="0"/>
+          <a:chExt cx="0" cy="0"/>
+        </a:xfrm>
+      </p:grpSpPr>
+      <p:sp useBgFill="1">
+        <p:nvSpPr>
+          <p:cNvPr id="7" name="Rectangle 6">
+            <a:extLst>
+              <a:ext uri="{FF2B5EF4-FFF2-40B4-BE49-F238E27FC236}">
+                <a16:creationId xmlns:a16="http://schemas.microsoft.com/office/drawing/2014/main" id="{70068059-9097-4F05-BA38-CDD7DBF77372}"/>
+              </a:ext>
+              <a:ext uri="{C183D7F6-B498-43B3-948B-1728B52AA6E4}">
+                <adec:decorative xmlns:adec="http://schemas.microsoft.com/office/drawing/2017/decorative" val="1"/>
+              </a:ext>
+            </a:extLst>
+          </p:cNvPr>
+          <p:cNvSpPr>
+            <a:spLocks noGrp="1" noRot="1" noChangeAspect="1" noMove="1" noResize="1" noEditPoints="1" noAdjustHandles="1" noChangeArrowheads="1" noChangeShapeType="1" noTextEdit="1"/>
+          </p:cNvSpPr>
+          <p:nvPr>
+            <p:extLst>
+              <p:ext uri="{386F3935-93C4-4BCD-93E2-E3B085C9AB24}">
+                <p16:designElem xmlns:p16="http://schemas.microsoft.com/office/powerpoint/2015/main" val="1"/>
+              </p:ext>
+            </p:extLst>
+          </p:nvPr>
+        </p:nvSpPr>
+        <p:spPr>
+          <a:xfrm>
+            <a:off x="0" y="0"/>
+            <a:ext cx="9144000" cy="6858000"/>
+          </a:xfrm>
+          <a:prstGeom prst="rect">
+            <a:avLst/>
+          </a:prstGeom>
+          <a:ln>
+            <a:noFill/>
+          </a:ln>
+        </p:spPr>
+        <p:style>
+          <a:lnRef idx="2">
+            <a:schemeClr val="accent1">
+              <a:shade val="50000"/>
+            </a:schemeClr>
+          </a:lnRef>
+          <a:fillRef idx="1">
+            <a:schemeClr val="accent1"/>
+          </a:fillRef>
+          <a:effectRef idx="0">
+            <a:schemeClr val="accent1"/>
+          </a:effectRef>
+          <a:fontRef idx="minor">
+            <a:schemeClr val="lt1"/>
+          </a:fontRef>
+        </p:style>
+        <p:txBody>
+          <a:bodyPr rtlCol="0" anchor="ctr"/>
+          <a:lstStyle/>
+          <a:p>
+            <a:pPr algn="ctr"/>
+            <a:endParaRPr lang="en-US"/>
+          </a:p>
+        </p:txBody>
+      </p:sp>
+      <p:sp>
+        <p:nvSpPr>
+          <p:cNvPr id="9" name="Rectangle 8">
+            <a:extLst>
+              <a:ext uri="{FF2B5EF4-FFF2-40B4-BE49-F238E27FC236}">
+                <a16:creationId xmlns:a16="http://schemas.microsoft.com/office/drawing/2014/main" id="{E164A015-EDB3-4688-8B77-9255305411E1}"/>
+              </a:ext>
+              <a:ext uri="{C183D7F6-B498-43B3-948B-1728B52AA6E4}">
+                <adec:decorative xmlns:adec="http://schemas.microsoft.com/office/drawing/2017/decorative" val="1"/>
+              </a:ext>
+            </a:extLst>
+          </p:cNvPr>
+          <p:cNvSpPr>
+            <a:spLocks noGrp="1" noRot="1" noChangeAspect="1" noMove="1" noResize="1" noEditPoints="1" noAdjustHandles="1" noChangeArrowheads="1" noChangeShapeType="1" noTextEdit="1"/>
+          </p:cNvSpPr>
+          <p:nvPr>
+            <p:extLst>
+              <p:ext uri="{386F3935-93C4-4BCD-93E2-E3B085C9AB24}">
+                <p16:designElem xmlns:p16="http://schemas.microsoft.com/office/powerpoint/2015/main" val="1"/>
+              </p:ext>
+            </p:extLst>
+          </p:nvPr>
+        </p:nvSpPr>
+        <p:spPr>
+          <a:xfrm>
+            <a:off x="0" y="0"/>
+            <a:ext cx="9144000" cy="4551035"/>
+          </a:xfrm>
+          <a:prstGeom prst="rect">
+            <a:avLst/>
+          </a:prstGeom>
+          <a:solidFill>
+            <a:schemeClr val="bg1">
+              <a:alpha val="50000"/>
+            </a:schemeClr>
+          </a:solidFill>
+          <a:ln>
+            <a:noFill/>
+          </a:ln>
+        </p:spPr>
+        <p:style>
+          <a:lnRef idx="2">
+            <a:schemeClr val="accent1">
+              <a:shade val="50000"/>
+            </a:schemeClr>
+          </a:lnRef>
+          <a:fillRef idx="1001">
+            <a:schemeClr val="dk1"/>
+          </a:fillRef>
+          <a:effectRef idx="0">
+            <a:schemeClr val="accent1"/>
+          </a:effectRef>
+          <a:fontRef idx="minor">
+            <a:schemeClr val="lt1"/>
+          </a:fontRef>
+        </p:style>
+        <p:txBody>
+          <a:bodyPr rtlCol="0" anchor="ctr"/>
+          <a:lstStyle/>
+          <a:p>
+            <a:pPr algn="ctr"/>
+            <a:endParaRPr lang="en-US"/>
+          </a:p>
+        </p:txBody>
+      </p:sp>
+      <p:sp>
+        <p:nvSpPr>
+          <p:cNvPr id="2" name="Titre 1"/>
+          <p:cNvSpPr>
+            <a:spLocks noGrp="1"/>
+          </p:cNvSpPr>
+          <p:nvPr>
+            <p:ph type="title"/>
+          </p:nvPr>
+        </p:nvSpPr>
+        <p:spPr>
+          <a:xfrm>
+            <a:off x="-4693" y="-2225137"/>
+            <a:ext cx="9116281" cy="3585834"/>
+          </a:xfrm>
+        </p:spPr>
+        <p:txBody>
+          <a:bodyPr vert="horz" lIns="91440" tIns="45720" rIns="91440" bIns="45720" rtlCol="0" anchor="b">
+            <a:normAutofit/>
+          </a:bodyPr>
+          <a:lstStyle/>
+          <a:p>
+            <a:r>
+              <a:rPr lang="en-US" sz="6300" dirty="0"/>
+              <a:t>Conclusion</a:t>
+            </a:r>
+          </a:p>
+        </p:txBody>
+      </p:sp>
+      <p:pic>
+        <p:nvPicPr>
+          <p:cNvPr id="5" name="Image 4">
+            <a:extLst>
+              <a:ext uri="{FF2B5EF4-FFF2-40B4-BE49-F238E27FC236}">
+                <a16:creationId xmlns:a16="http://schemas.microsoft.com/office/drawing/2014/main" id="{71939082-69FC-834E-875E-ED67965A4892}"/>
+              </a:ext>
+            </a:extLst>
+          </p:cNvPr>
+          <p:cNvPicPr>
+            <a:picLocks noChangeAspect="1"/>
+          </p:cNvPicPr>
+          <p:nvPr/>
+        </p:nvPicPr>
+        <p:blipFill>
+          <a:blip r:embed="rId3">
+            <a:extLst>
+              <a:ext uri="{28A0092B-C50C-407E-A947-70E740481C1C}">
+                <a14:useLocalDpi xmlns:a14="http://schemas.microsoft.com/office/drawing/2010/main" val="0"/>
+              </a:ext>
+            </a:extLst>
+          </a:blip>
+          <a:stretch>
+            <a:fillRect/>
+          </a:stretch>
+        </p:blipFill>
+        <p:spPr>
+          <a:xfrm>
+            <a:off x="1547664" y="1874745"/>
+            <a:ext cx="6346639" cy="4187234"/>
+          </a:xfrm>
+          <a:prstGeom prst="rect">
+            <a:avLst/>
+          </a:prstGeom>
+        </p:spPr>
+      </p:pic>
+    </p:spTree>
+    <p:extLst>
+      <p:ext uri="{BB962C8B-B14F-4D97-AF65-F5344CB8AC3E}">
+        <p14:creationId xmlns:p14="http://schemas.microsoft.com/office/powerpoint/2010/main" val="2817926105"/>
+      </p:ext>
+    </p:extLst>
+  </p:cSld>
+  <p:clrMapOvr>
+    <a:masterClrMapping/>
+  </p:clrMapOvr>
+</p:sld>
+</file>
+
 <file path=ppt/theme/theme1.xml><?xml version="1.0" encoding="utf-8"?>
-<a:theme xmlns:a="http://schemas.openxmlformats.org/drawingml/2006/main" name="Débit">
+<a:theme xmlns:a="http://schemas.openxmlformats.org/drawingml/2006/main" name="Damask">
   <a:themeElements>
-    <a:clrScheme name="Débit">
+    <a:clrScheme name="Damask">
       <a:dk1>
         <a:sysClr val="windowText" lastClr="000000"/>
       </a:dk1>
@@ -4793,46 +7818,81 @@
         <a:sysClr val="window" lastClr="FFFFFF"/>
       </a:lt1>
       <a:dk2>
-        <a:srgbClr val="04617B"/>
+        <a:srgbClr val="2A5B7F"/>
       </a:dk2>
       <a:lt2>
-        <a:srgbClr val="DBF5F9"/>
+        <a:srgbClr val="ABDAFC"/>
       </a:lt2>
       <a:accent1>
-        <a:srgbClr val="0F6FC6"/>
+        <a:srgbClr val="9EC544"/>
       </a:accent1>
       <a:accent2>
-        <a:srgbClr val="009DD9"/>
+        <a:srgbClr val="50BEA3"/>
       </a:accent2>
       <a:accent3>
-        <a:srgbClr val="0BD0D9"/>
+        <a:srgbClr val="4A9CCC"/>
       </a:accent3>
       <a:accent4>
-        <a:srgbClr val="10CF9B"/>
+        <a:srgbClr val="9A66CA"/>
       </a:accent4>
       <a:accent5>
-        <a:srgbClr val="7CCA62"/>
+        <a:srgbClr val="C54F71"/>
       </a:accent5>
       <a:accent6>
-        <a:srgbClr val="A5C249"/>
+        <a:srgbClr val="DE9C3C"/>
       </a:accent6>
       <a:hlink>
-        <a:srgbClr val="F49100"/>
+        <a:srgbClr val="6BA9DA"/>
       </a:hlink>
       <a:folHlink>
-        <a:srgbClr val="85DFD0"/>
+        <a:srgbClr val="A0BCD3"/>
       </a:folHlink>
     </a:clrScheme>
-    <a:fontScheme name="Débit">
+    <a:fontScheme name="Damask">
       <a:majorFont>
-        <a:latin typeface="Calibri"/>
+        <a:latin typeface="Bookman Old Style" panose="02050604050505020204"/>
         <a:ea typeface=""/>
         <a:cs typeface=""/>
         <a:font script="Jpan" typeface="ＭＳ Ｐゴシック"/>
-        <a:font script="Hang" typeface="HY중고딕"/>
-        <a:font script="Hans" typeface="隶书"/>
-        <a:font script="Hant" typeface="微軟正黑體"/>
-        <a:font script="Arab" typeface="Traditional Arabic"/>
+        <a:font script="Hang" typeface="맑은 고딕"/>
+        <a:font script="Hans" typeface="宋体"/>
+        <a:font script="Hant" typeface="新細明體"/>
+        <a:font script="Arab" typeface="Times New Roman"/>
+        <a:font script="Hebr" typeface="Times New Roman"/>
+        <a:font script="Thai" typeface="Angsana New"/>
+        <a:font script="Ethi" typeface="Nyala"/>
+        <a:font script="Beng" typeface="Vrinda"/>
+        <a:font script="Gujr" typeface="Shruti"/>
+        <a:font script="Khmr" typeface="MoolBoran"/>
+        <a:font script="Knda" typeface="Tunga"/>
+        <a:font script="Guru" typeface="Raavi"/>
+        <a:font script="Cans" typeface="Euphemia"/>
+        <a:font script="Cher" typeface="Plantagenet Cherokee"/>
+        <a:font script="Yiii" typeface="Microsoft Yi Baiti"/>
+        <a:font script="Tibt" typeface="Microsoft Himalaya"/>
+        <a:font script="Thaa" typeface="MV Boli"/>
+        <a:font script="Deva" typeface="Mangal"/>
+        <a:font script="Telu" typeface="Gautami"/>
+        <a:font script="Taml" typeface="Latha"/>
+        <a:font script="Syrc" typeface="Estrangelo Edessa"/>
+        <a:font script="Orya" typeface="Kalinga"/>
+        <a:font script="Mlym" typeface="Kartika"/>
+        <a:font script="Laoo" typeface="DokChampa"/>
+        <a:font script="Sinh" typeface="Iskoola Pota"/>
+        <a:font script="Mong" typeface="Mongolian Baiti"/>
+        <a:font script="Viet" typeface="Times New Roman"/>
+        <a:font script="Uigh" typeface="Microsoft Uighur"/>
+        <a:font script="Geor" typeface="Sylfaen"/>
+      </a:majorFont>
+      <a:minorFont>
+        <a:latin typeface="Rockwell" panose="02060603020205020403"/>
+        <a:ea typeface=""/>
+        <a:cs typeface=""/>
+        <a:font script="Jpan" typeface="ＭＳ Ｐゴシック"/>
+        <a:font script="Hang" typeface="맑은 고딕"/>
+        <a:font script="Hans" typeface="宋体"/>
+        <a:font script="Hant" typeface="新細明體"/>
+        <a:font script="Arab" typeface="Arial"/>
         <a:font script="Hebr" typeface="Arial"/>
         <a:font script="Thai" typeface="Cordia New"/>
         <a:font script="Ethi" typeface="Nyala"/>
@@ -4857,43 +7917,10 @@
         <a:font script="Mong" typeface="Mongolian Baiti"/>
         <a:font script="Viet" typeface="Arial"/>
         <a:font script="Uigh" typeface="Microsoft Uighur"/>
-      </a:majorFont>
-      <a:minorFont>
-        <a:latin typeface="Constantia"/>
-        <a:ea typeface=""/>
-        <a:cs typeface=""/>
-        <a:font script="Jpan" typeface="HGP明朝E"/>
-        <a:font script="Hang" typeface="HY신명조"/>
-        <a:font script="Hans" typeface="宋体"/>
-        <a:font script="Hant" typeface="新細明體"/>
-        <a:font script="Arab" typeface="Majalla UI"/>
-        <a:font script="Hebr" typeface="David"/>
-        <a:font script="Thai" typeface="Browallia New"/>
-        <a:font script="Ethi" typeface="Nyala"/>
-        <a:font script="Beng" typeface="Vrinda"/>
-        <a:font script="Gujr" typeface="Shruti"/>
-        <a:font script="Khmr" typeface="MoolBoran"/>
-        <a:font script="Knda" typeface="Tunga"/>
-        <a:font script="Guru" typeface="Raavi"/>
-        <a:font script="Cans" typeface="Euphemia"/>
-        <a:font script="Cher" typeface="Plantagenet Cherokee"/>
-        <a:font script="Yiii" typeface="Microsoft Yi Baiti"/>
-        <a:font script="Tibt" typeface="Microsoft Himalaya"/>
-        <a:font script="Thaa" typeface="MV Boli"/>
-        <a:font script="Deva" typeface="Mangal"/>
-        <a:font script="Telu" typeface="Gautami"/>
-        <a:font script="Taml" typeface="Latha"/>
-        <a:font script="Syrc" typeface="Estrangelo Edessa"/>
-        <a:font script="Orya" typeface="Kalinga"/>
-        <a:font script="Mlym" typeface="Kartika"/>
-        <a:font script="Laoo" typeface="DokChampa"/>
-        <a:font script="Sinh" typeface="Iskoola Pota"/>
-        <a:font script="Mong" typeface="Mongolian Baiti"/>
-        <a:font script="Viet" typeface="Times New Roman"/>
-        <a:font script="Uigh" typeface="Microsoft Uighur"/>
+        <a:font script="Geor" typeface="Sylfaen"/>
       </a:minorFont>
     </a:fontScheme>
-    <a:fmtScheme name="Débit">
+    <a:fmtScheme name="Damask">
       <a:fillStyleLst>
         <a:solidFill>
           <a:schemeClr val="phClr"/>
@@ -4902,67 +7929,58 @@
           <a:gsLst>
             <a:gs pos="0">
               <a:schemeClr val="phClr">
-                <a:tint val="70000"/>
-                <a:satMod val="130000"/>
-              </a:schemeClr>
-            </a:gs>
-            <a:gs pos="43000">
-              <a:schemeClr val="phClr">
-                <a:tint val="44000"/>
-                <a:satMod val="165000"/>
-              </a:schemeClr>
-            </a:gs>
-            <a:gs pos="93000">
-              <a:schemeClr val="phClr">
-                <a:tint val="15000"/>
-                <a:satMod val="165000"/>
+                <a:tint val="48000"/>
+                <a:satMod val="105000"/>
+                <a:lumMod val="110000"/>
               </a:schemeClr>
             </a:gs>
             <a:gs pos="100000">
               <a:schemeClr val="phClr">
-                <a:tint val="5000"/>
-                <a:satMod val="250000"/>
+                <a:tint val="78000"/>
+                <a:satMod val="109000"/>
+                <a:lumMod val="100000"/>
               </a:schemeClr>
             </a:gs>
           </a:gsLst>
-          <a:path path="circle">
-            <a:fillToRect l="50000" t="130000" r="50000" b="-30000"/>
-          </a:path>
+          <a:lin ang="5400000" scaled="0"/>
         </a:gradFill>
         <a:gradFill rotWithShape="1">
           <a:gsLst>
             <a:gs pos="0">
               <a:schemeClr val="phClr">
-                <a:tint val="98000"/>
-                <a:shade val="25000"/>
-                <a:satMod val="250000"/>
+                <a:tint val="94000"/>
+                <a:satMod val="100000"/>
+                <a:lumMod val="104000"/>
               </a:schemeClr>
             </a:gs>
-            <a:gs pos="68000">
+            <a:gs pos="69000">
               <a:schemeClr val="phClr">
-                <a:tint val="86000"/>
-                <a:satMod val="115000"/>
+                <a:shade val="86000"/>
+                <a:satMod val="130000"/>
+                <a:lumMod val="102000"/>
               </a:schemeClr>
             </a:gs>
             <a:gs pos="100000">
               <a:schemeClr val="phClr">
-                <a:tint val="50000"/>
-                <a:satMod val="150000"/>
+                <a:shade val="72000"/>
+                <a:satMod val="130000"/>
+                <a:lumMod val="100000"/>
               </a:schemeClr>
             </a:gs>
           </a:gsLst>
-          <a:path path="circle">
-            <a:fillToRect l="50000" t="130000" r="50000" b="-30000"/>
-          </a:path>
+          <a:lin ang="5400000" scaled="0"/>
         </a:gradFill>
       </a:fillStyleLst>
       <a:lnStyleLst>
-        <a:ln w="9525" cap="flat" cmpd="sng" algn="ctr">
+        <a:ln w="12700" cap="flat" cmpd="sng" algn="ctr">
           <a:solidFill>
-            <a:schemeClr val="phClr">
-              <a:shade val="50000"/>
-              <a:satMod val="103000"/>
-            </a:schemeClr>
+            <a:schemeClr val="phClr"/>
+          </a:solidFill>
+          <a:prstDash val="solid"/>
+        </a:ln>
+        <a:ln w="19050" cap="flat" cmpd="sng" algn="ctr">
+          <a:solidFill>
+            <a:schemeClr val="phClr"/>
           </a:solidFill>
           <a:prstDash val="solid"/>
         </a:ln>
@@ -4972,56 +7990,36 @@
           </a:solidFill>
           <a:prstDash val="solid"/>
         </a:ln>
-        <a:ln w="38100" cap="flat" cmpd="sng" algn="ctr">
-          <a:solidFill>
-            <a:schemeClr val="phClr"/>
-          </a:solidFill>
-          <a:prstDash val="solid"/>
-        </a:ln>
       </a:lnStyleLst>
       <a:effectStyleLst>
         <a:effectStyle>
+          <a:effectLst/>
+        </a:effectStyle>
+        <a:effectStyle>
           <a:effectLst>
-            <a:outerShdw blurRad="57150" dist="38100" dir="5400000" algn="ctr" rotWithShape="0">
-              <a:schemeClr val="phClr">
-                <a:shade val="9000"/>
-                <a:alpha val="48000"/>
-                <a:satMod val="105000"/>
-              </a:schemeClr>
+            <a:outerShdw blurRad="50800" dist="38100" dir="5400000" sy="96000" rotWithShape="0">
+              <a:srgbClr val="000000">
+                <a:alpha val="54000"/>
+              </a:srgbClr>
             </a:outerShdw>
           </a:effectLst>
         </a:effectStyle>
         <a:effectStyle>
           <a:effectLst>
-            <a:outerShdw blurRad="57150" dist="38100" dir="5400000" algn="ctr" rotWithShape="0">
-              <a:schemeClr val="phClr">
-                <a:shade val="9000"/>
-                <a:alpha val="48000"/>
-                <a:satMod val="105000"/>
-              </a:schemeClr>
-            </a:outerShdw>
-          </a:effectLst>
-        </a:effectStyle>
-        <a:effectStyle>
-          <a:effectLst>
-            <a:outerShdw blurRad="57150" dist="38100" dir="5400000" algn="ctr" rotWithShape="0">
-              <a:schemeClr val="phClr">
-                <a:shade val="9000"/>
-                <a:alpha val="48000"/>
-                <a:satMod val="105000"/>
-              </a:schemeClr>
+            <a:outerShdw blurRad="76200" dist="38100" dir="5400000" algn="ctr" rotWithShape="0">
+              <a:srgbClr val="000000">
+                <a:alpha val="76000"/>
+              </a:srgbClr>
             </a:outerShdw>
           </a:effectLst>
           <a:scene3d>
             <a:camera prst="orthographicFront">
               <a:rot lat="0" lon="0" rev="0"/>
             </a:camera>
-            <a:lightRig rig="glow" dir="tl">
-              <a:rot lat="0" lon="0" rev="900000"/>
-            </a:lightRig>
+            <a:lightRig rig="balanced" dir="t"/>
           </a:scene3d>
-          <a:sp3d prstMaterial="powder">
-            <a:bevelT w="25400" h="38100"/>
+          <a:sp3d prstMaterial="matte">
+            <a:bevelT w="25400" h="25400" prst="relaxedInset"/>
           </a:sp3d>
         </a:effectStyle>
       </a:effectStyleLst>
@@ -5029,50 +8027,38 @@
         <a:solidFill>
           <a:schemeClr val="phClr"/>
         </a:solidFill>
-        <a:gradFill rotWithShape="1">
-          <a:gsLst>
-            <a:gs pos="0">
-              <a:schemeClr val="phClr">
-                <a:tint val="80000"/>
-                <a:satMod val="400000"/>
-              </a:schemeClr>
-            </a:gs>
-            <a:gs pos="25000">
-              <a:schemeClr val="phClr">
-                <a:tint val="83000"/>
-                <a:satMod val="320000"/>
-              </a:schemeClr>
-            </a:gs>
-            <a:gs pos="100000">
-              <a:schemeClr val="phClr">
-                <a:shade val="15000"/>
-                <a:satMod val="320000"/>
-              </a:schemeClr>
-            </a:gs>
-          </a:gsLst>
-          <a:path path="circle">
-            <a:fillToRect l="10000" t="110000" r="10000" b="100000"/>
-          </a:path>
-        </a:gradFill>
-        <a:blipFill>
+        <a:solidFill>
+          <a:schemeClr val="phClr">
+            <a:tint val="95000"/>
+            <a:satMod val="170000"/>
+          </a:schemeClr>
+        </a:solidFill>
+        <a:blipFill rotWithShape="1">
           <a:blip xmlns:r="http://schemas.openxmlformats.org/officeDocument/2006/relationships" r:embed="rId1">
             <a:duotone>
               <a:schemeClr val="phClr">
-                <a:shade val="90000"/>
-                <a:satMod val="150000"/>
+                <a:shade val="18000"/>
+                <a:satMod val="160000"/>
+                <a:lumMod val="28000"/>
               </a:schemeClr>
               <a:schemeClr val="phClr">
-                <a:tint val="88000"/>
-                <a:satMod val="150000"/>
+                <a:tint val="95000"/>
+                <a:satMod val="160000"/>
+                <a:lumMod val="116000"/>
               </a:schemeClr>
             </a:duotone>
           </a:blip>
-          <a:tile tx="0" ty="0" sx="65000" sy="65000" flip="none" algn="tl"/>
+          <a:stretch/>
         </a:blipFill>
       </a:bgFillStyleLst>
     </a:fmtScheme>
   </a:themeElements>
   <a:objectDefaults/>
   <a:extraClrSchemeLst/>
+  <a:extLst>
+    <a:ext uri="{05A4C25C-085E-4340-85A3-A5531E510DB2}">
+      <thm15:themeFamily xmlns:thm15="http://schemas.microsoft.com/office/thememl/2012/main" name="Damask" id="{F9A299A0-33D0-4E0F-9F3F-7163E3744208}" vid="{746EEEEA-FB6A-406B-B510-531588D54811}"/>
+    </a:ext>
+  </a:extLst>
 </a:theme>
 </file>